--- a/Xamarin 4 Party/03. Xamarin 4 Contest.pptx
+++ b/Xamarin 4 Party/03. Xamarin 4 Contest.pptx
@@ -5,18 +5,28 @@
     <p:sldMasterId id="2147483660" r:id="rId1"/>
   </p:sldMasterIdLst>
   <p:notesMasterIdLst>
-    <p:notesMasterId r:id="rId11"/>
+    <p:notesMasterId r:id="rId21"/>
   </p:notesMasterIdLst>
   <p:sldIdLst>
     <p:sldId id="380" r:id="rId2"/>
     <p:sldId id="381" r:id="rId3"/>
     <p:sldId id="414" r:id="rId4"/>
-    <p:sldId id="412" r:id="rId5"/>
-    <p:sldId id="413" r:id="rId6"/>
-    <p:sldId id="415" r:id="rId7"/>
-    <p:sldId id="416" r:id="rId8"/>
-    <p:sldId id="417" r:id="rId9"/>
-    <p:sldId id="364" r:id="rId10"/>
+    <p:sldId id="424" r:id="rId5"/>
+    <p:sldId id="425" r:id="rId6"/>
+    <p:sldId id="426" r:id="rId7"/>
+    <p:sldId id="427" r:id="rId8"/>
+    <p:sldId id="412" r:id="rId9"/>
+    <p:sldId id="413" r:id="rId10"/>
+    <p:sldId id="415" r:id="rId11"/>
+    <p:sldId id="416" r:id="rId12"/>
+    <p:sldId id="417" r:id="rId13"/>
+    <p:sldId id="419" r:id="rId14"/>
+    <p:sldId id="420" r:id="rId15"/>
+    <p:sldId id="421" r:id="rId16"/>
+    <p:sldId id="422" r:id="rId17"/>
+    <p:sldId id="423" r:id="rId18"/>
+    <p:sldId id="418" r:id="rId19"/>
+    <p:sldId id="364" r:id="rId20"/>
   </p:sldIdLst>
   <p:sldSz cx="12192000" cy="6858000"/>
   <p:notesSz cx="6858000" cy="9144000"/>
@@ -216,7 +226,7 @@
           <a:p>
             <a:fld id="{A334C884-B1D7-A043-A4AA-521744755A4B}" type="datetimeFigureOut">
               <a:rPr lang="en-US" smtClean="0"/>
-              <a:t>1/20/2016</a:t>
+              <a:t>1/21/2016</a:t>
             </a:fld>
             <a:endParaRPr lang="en-US"/>
           </a:p>
@@ -568,6 +578,252 @@
 </p:notes>
 </file>
 
+<file path=ppt/notesSlides/notesSlide10.xml><?xml version="1.0" encoding="utf-8"?>
+<p:notes xmlns:a="http://schemas.openxmlformats.org/drawingml/2006/main" xmlns:r="http://schemas.openxmlformats.org/officeDocument/2006/relationships" xmlns:p="http://schemas.openxmlformats.org/presentationml/2006/main">
+  <p:cSld>
+    <p:spTree>
+      <p:nvGrpSpPr>
+        <p:cNvPr id="1" name=""/>
+        <p:cNvGrpSpPr/>
+        <p:nvPr/>
+      </p:nvGrpSpPr>
+      <p:grpSpPr>
+        <a:xfrm>
+          <a:off x="0" y="0"/>
+          <a:ext cx="0" cy="0"/>
+          <a:chOff x="0" y="0"/>
+          <a:chExt cx="0" cy="0"/>
+        </a:xfrm>
+      </p:grpSpPr>
+      <p:sp>
+        <p:nvSpPr>
+          <p:cNvPr id="2" name="Slide Image Placeholder 1"/>
+          <p:cNvSpPr>
+            <a:spLocks noGrp="1" noRot="1" noChangeAspect="1"/>
+          </p:cNvSpPr>
+          <p:nvPr>
+            <p:ph type="sldImg"/>
+          </p:nvPr>
+        </p:nvSpPr>
+        <p:spPr/>
+      </p:sp>
+      <p:sp>
+        <p:nvSpPr>
+          <p:cNvPr id="3" name="Notes Placeholder 2"/>
+          <p:cNvSpPr>
+            <a:spLocks noGrp="1"/>
+          </p:cNvSpPr>
+          <p:nvPr>
+            <p:ph type="body" idx="1"/>
+          </p:nvPr>
+        </p:nvSpPr>
+        <p:spPr/>
+        <p:txBody>
+          <a:bodyPr/>
+          <a:lstStyle/>
+          <a:p>
+            <a:endParaRPr lang="es-ES" dirty="0"/>
+          </a:p>
+        </p:txBody>
+      </p:sp>
+      <p:sp>
+        <p:nvSpPr>
+          <p:cNvPr id="4" name="Slide Number Placeholder 3"/>
+          <p:cNvSpPr>
+            <a:spLocks noGrp="1"/>
+          </p:cNvSpPr>
+          <p:nvPr>
+            <p:ph type="sldNum" sz="quarter" idx="10"/>
+          </p:nvPr>
+        </p:nvSpPr>
+        <p:spPr/>
+        <p:txBody>
+          <a:bodyPr/>
+          <a:lstStyle/>
+          <a:p>
+            <a:fld id="{65097B6B-FF96-F443-AED4-FFB28983C4F8}" type="slidenum">
+              <a:rPr lang="en-US" smtClean="0"/>
+              <a:t>18</a:t>
+            </a:fld>
+            <a:endParaRPr lang="en-US"/>
+          </a:p>
+        </p:txBody>
+      </p:sp>
+    </p:spTree>
+    <p:extLst>
+      <p:ext uri="{BB962C8B-B14F-4D97-AF65-F5344CB8AC3E}">
+        <p14:creationId xmlns:p14="http://schemas.microsoft.com/office/powerpoint/2010/main" val="1030376142"/>
+      </p:ext>
+    </p:extLst>
+  </p:cSld>
+  <p:clrMapOvr>
+    <a:masterClrMapping/>
+  </p:clrMapOvr>
+</p:notes>
+</file>
+
+<file path=ppt/notesSlides/notesSlide11.xml><?xml version="1.0" encoding="utf-8"?>
+<p:notes xmlns:a="http://schemas.openxmlformats.org/drawingml/2006/main" xmlns:r="http://schemas.openxmlformats.org/officeDocument/2006/relationships" xmlns:p="http://schemas.openxmlformats.org/presentationml/2006/main">
+  <p:cSld>
+    <p:spTree>
+      <p:nvGrpSpPr>
+        <p:cNvPr id="1" name=""/>
+        <p:cNvGrpSpPr/>
+        <p:nvPr/>
+      </p:nvGrpSpPr>
+      <p:grpSpPr>
+        <a:xfrm>
+          <a:off x="0" y="0"/>
+          <a:ext cx="0" cy="0"/>
+          <a:chOff x="0" y="0"/>
+          <a:chExt cx="0" cy="0"/>
+        </a:xfrm>
+      </p:grpSpPr>
+      <p:sp>
+        <p:nvSpPr>
+          <p:cNvPr id="2" name="Slide Image Placeholder 1"/>
+          <p:cNvSpPr>
+            <a:spLocks noGrp="1" noRot="1" noChangeAspect="1"/>
+          </p:cNvSpPr>
+          <p:nvPr>
+            <p:ph type="sldImg"/>
+          </p:nvPr>
+        </p:nvSpPr>
+        <p:spPr/>
+      </p:sp>
+      <p:sp>
+        <p:nvSpPr>
+          <p:cNvPr id="3" name="Notes Placeholder 2"/>
+          <p:cNvSpPr>
+            <a:spLocks noGrp="1"/>
+          </p:cNvSpPr>
+          <p:nvPr>
+            <p:ph type="body" idx="1"/>
+          </p:nvPr>
+        </p:nvSpPr>
+        <p:spPr/>
+        <p:txBody>
+          <a:bodyPr/>
+          <a:lstStyle/>
+          <a:p>
+            <a:endParaRPr lang="en-US" dirty="0"/>
+          </a:p>
+        </p:txBody>
+      </p:sp>
+      <p:sp>
+        <p:nvSpPr>
+          <p:cNvPr id="4" name="Footer Placeholder 3"/>
+          <p:cNvSpPr>
+            <a:spLocks noGrp="1"/>
+          </p:cNvSpPr>
+          <p:nvPr>
+            <p:ph type="ftr" sz="quarter" idx="10"/>
+          </p:nvPr>
+        </p:nvSpPr>
+        <p:spPr/>
+        <p:txBody>
+          <a:bodyPr/>
+          <a:lstStyle/>
+          <a:p>
+            <a:pPr defTabSz="914099" eaLnBrk="0" hangingPunct="0"/>
+            <a:r>
+              <a:rPr lang="en-US" sz="400" smtClean="0">
+                <a:gradFill>
+                  <a:gsLst>
+                    <a:gs pos="0">
+                      <a:prstClr val="black"/>
+                    </a:gs>
+                    <a:gs pos="100000">
+                      <a:prstClr val="black"/>
+                    </a:gs>
+                  </a:gsLst>
+                  <a:lin ang="5400000" scaled="0"/>
+                </a:gradFill>
+                <a:latin typeface="Segoe UI" pitchFamily="34" charset="0"/>
+                <a:ea typeface="Segoe UI" pitchFamily="34" charset="0"/>
+                <a:cs typeface="Segoe UI" pitchFamily="34" charset="0"/>
+              </a:rPr>
+              <a:t>© 2014 Microsoft Corporation. All rights reserved. Microsoft, Windows, and other product names are or may be registered trademarks and/or trademarks in the U.S. and/or other countries. The information herein is for informational purposes only and represents the current view of Microsoft Corporation as of the date of this presentation.  Because Microsoft must respond to changing market conditions, it should not be interpreted to be a commitment on the part of Microsoft, and Microsoft cannot guarantee the accuracy of any information provided after the date of this presentation.  MICROSOFT MAKES NO WARRANTIES, EXPRESS, IMPLIED OR STATUTORY, AS TO THE INFORMATION IN THIS PRESENTATION.</a:t>
+            </a:r>
+            <a:endParaRPr lang="en-US" sz="400" dirty="0" smtClean="0">
+              <a:gradFill>
+                <a:gsLst>
+                  <a:gs pos="0">
+                    <a:prstClr val="black"/>
+                  </a:gs>
+                  <a:gs pos="100000">
+                    <a:prstClr val="black"/>
+                  </a:gs>
+                </a:gsLst>
+                <a:lin ang="5400000" scaled="0"/>
+              </a:gradFill>
+              <a:latin typeface="Segoe UI" pitchFamily="34" charset="0"/>
+              <a:ea typeface="Segoe UI" pitchFamily="34" charset="0"/>
+              <a:cs typeface="Segoe UI" pitchFamily="34" charset="0"/>
+            </a:endParaRPr>
+          </a:p>
+        </p:txBody>
+      </p:sp>
+      <p:sp>
+        <p:nvSpPr>
+          <p:cNvPr id="5" name="Date Placeholder 4"/>
+          <p:cNvSpPr>
+            <a:spLocks noGrp="1"/>
+          </p:cNvSpPr>
+          <p:nvPr>
+            <p:ph type="dt" idx="11"/>
+          </p:nvPr>
+        </p:nvSpPr>
+        <p:spPr/>
+        <p:txBody>
+          <a:bodyPr/>
+          <a:lstStyle/>
+          <a:p>
+            <a:fld id="{E74353ED-ACB2-44BF-A903-985B0AF962B7}" type="datetime1">
+              <a:rPr lang="en-US" smtClean="0"/>
+              <a:t>1/21/2016</a:t>
+            </a:fld>
+            <a:endParaRPr lang="en-US" dirty="0"/>
+          </a:p>
+        </p:txBody>
+      </p:sp>
+      <p:sp>
+        <p:nvSpPr>
+          <p:cNvPr id="6" name="Slide Number Placeholder 5"/>
+          <p:cNvSpPr>
+            <a:spLocks noGrp="1"/>
+          </p:cNvSpPr>
+          <p:nvPr>
+            <p:ph type="sldNum" sz="quarter" idx="12"/>
+          </p:nvPr>
+        </p:nvSpPr>
+        <p:spPr/>
+        <p:txBody>
+          <a:bodyPr/>
+          <a:lstStyle/>
+          <a:p>
+            <a:fld id="{B4008EB6-D09E-4580-8CD6-DDB14511944F}" type="slidenum">
+              <a:rPr lang="en-US" smtClean="0"/>
+              <a:pPr/>
+              <a:t>19</a:t>
+            </a:fld>
+            <a:endParaRPr lang="en-US" dirty="0"/>
+          </a:p>
+        </p:txBody>
+      </p:sp>
+    </p:spTree>
+    <p:extLst>
+      <p:ext uri="{BB962C8B-B14F-4D97-AF65-F5344CB8AC3E}">
+        <p14:creationId xmlns:p14="http://schemas.microsoft.com/office/powerpoint/2010/main" val="1735079296"/>
+      </p:ext>
+    </p:extLst>
+  </p:cSld>
+  <p:clrMapOvr>
+    <a:masterClrMapping/>
+  </p:clrMapOvr>
+</p:notes>
+</file>
+
 <file path=ppt/notesSlides/notesSlide2.xml><?xml version="1.0" encoding="utf-8"?>
 <p:notes xmlns:a="http://schemas.openxmlformats.org/drawingml/2006/main" xmlns:r="http://schemas.openxmlformats.org/officeDocument/2006/relationships" xmlns:p="http://schemas.openxmlformats.org/presentationml/2006/main">
   <p:cSld>
@@ -801,7 +1057,7 @@
           <a:p>
             <a:fld id="{65097B6B-FF96-F443-AED4-FFB28983C4F8}" type="slidenum">
               <a:rPr lang="en-US" smtClean="0"/>
-              <a:t>8</a:t>
+              <a:t>12</a:t>
             </a:fld>
             <a:endParaRPr lang="en-US"/>
           </a:p>
@@ -864,18 +1120,18 @@
           <a:bodyPr/>
           <a:lstStyle/>
           <a:p>
-            <a:endParaRPr lang="en-US" dirty="0"/>
-          </a:p>
-        </p:txBody>
-      </p:sp>
-      <p:sp>
-        <p:nvSpPr>
-          <p:cNvPr id="4" name="Footer Placeholder 3"/>
+            <a:endParaRPr lang="es-ES" dirty="0"/>
+          </a:p>
+        </p:txBody>
+      </p:sp>
+      <p:sp>
+        <p:nvSpPr>
+          <p:cNvPr id="4" name="Slide Number Placeholder 3"/>
           <p:cNvSpPr>
             <a:spLocks noGrp="1"/>
           </p:cNvSpPr>
           <p:nvPr>
-            <p:ph type="ftr" sz="quarter" idx="10"/>
+            <p:ph type="sldNum" sz="quarter" idx="10"/>
           </p:nvPr>
         </p:nvSpPr>
         <p:spPr/>
@@ -883,96 +1139,354 @@
           <a:bodyPr/>
           <a:lstStyle/>
           <a:p>
-            <a:pPr defTabSz="914099" eaLnBrk="0" hangingPunct="0"/>
-            <a:r>
-              <a:rPr lang="en-US" sz="400" smtClean="0">
-                <a:gradFill>
-                  <a:gsLst>
-                    <a:gs pos="0">
-                      <a:prstClr val="black"/>
-                    </a:gs>
-                    <a:gs pos="100000">
-                      <a:prstClr val="black"/>
-                    </a:gs>
-                  </a:gsLst>
-                  <a:lin ang="5400000" scaled="0"/>
-                </a:gradFill>
-                <a:latin typeface="Segoe UI" pitchFamily="34" charset="0"/>
-                <a:ea typeface="Segoe UI" pitchFamily="34" charset="0"/>
-                <a:cs typeface="Segoe UI" pitchFamily="34" charset="0"/>
-              </a:rPr>
-              <a:t>© 2014 Microsoft Corporation. All rights reserved. Microsoft, Windows, and other product names are or may be registered trademarks and/or trademarks in the U.S. and/or other countries. The information herein is for informational purposes only and represents the current view of Microsoft Corporation as of the date of this presentation.  Because Microsoft must respond to changing market conditions, it should not be interpreted to be a commitment on the part of Microsoft, and Microsoft cannot guarantee the accuracy of any information provided after the date of this presentation.  MICROSOFT MAKES NO WARRANTIES, EXPRESS, IMPLIED OR STATUTORY, AS TO THE INFORMATION IN THIS PRESENTATION.</a:t>
-            </a:r>
-            <a:endParaRPr lang="en-US" sz="400" dirty="0" smtClean="0">
-              <a:gradFill>
-                <a:gsLst>
-                  <a:gs pos="0">
-                    <a:prstClr val="black"/>
-                  </a:gs>
-                  <a:gs pos="100000">
-                    <a:prstClr val="black"/>
-                  </a:gs>
-                </a:gsLst>
-                <a:lin ang="5400000" scaled="0"/>
-              </a:gradFill>
-              <a:latin typeface="Segoe UI" pitchFamily="34" charset="0"/>
-              <a:ea typeface="Segoe UI" pitchFamily="34" charset="0"/>
-              <a:cs typeface="Segoe UI" pitchFamily="34" charset="0"/>
-            </a:endParaRPr>
-          </a:p>
-        </p:txBody>
-      </p:sp>
-      <p:sp>
-        <p:nvSpPr>
-          <p:cNvPr id="5" name="Date Placeholder 4"/>
-          <p:cNvSpPr>
-            <a:spLocks noGrp="1"/>
-          </p:cNvSpPr>
-          <p:nvPr>
-            <p:ph type="dt" idx="11"/>
-          </p:nvPr>
-        </p:nvSpPr>
-        <p:spPr/>
-        <p:txBody>
-          <a:bodyPr/>
-          <a:lstStyle/>
-          <a:p>
-            <a:fld id="{E74353ED-ACB2-44BF-A903-985B0AF962B7}" type="datetime1">
+            <a:fld id="{65097B6B-FF96-F443-AED4-FFB28983C4F8}" type="slidenum">
               <a:rPr lang="en-US" smtClean="0"/>
-              <a:t>1/20/2016</a:t>
+              <a:t>13</a:t>
             </a:fld>
-            <a:endParaRPr lang="en-US" dirty="0"/>
-          </a:p>
-        </p:txBody>
-      </p:sp>
-      <p:sp>
-        <p:nvSpPr>
-          <p:cNvPr id="6" name="Slide Number Placeholder 5"/>
-          <p:cNvSpPr>
-            <a:spLocks noGrp="1"/>
-          </p:cNvSpPr>
-          <p:nvPr>
-            <p:ph type="sldNum" sz="quarter" idx="12"/>
-          </p:nvPr>
-        </p:nvSpPr>
-        <p:spPr/>
-        <p:txBody>
-          <a:bodyPr/>
-          <a:lstStyle/>
-          <a:p>
-            <a:fld id="{B4008EB6-D09E-4580-8CD6-DDB14511944F}" type="slidenum">
-              <a:rPr lang="en-US" smtClean="0"/>
-              <a:pPr/>
-              <a:t>9</a:t>
-            </a:fld>
-            <a:endParaRPr lang="en-US" dirty="0"/>
+            <a:endParaRPr lang="en-US"/>
           </a:p>
         </p:txBody>
       </p:sp>
     </p:spTree>
     <p:extLst>
       <p:ext uri="{BB962C8B-B14F-4D97-AF65-F5344CB8AC3E}">
-        <p14:creationId xmlns:p14="http://schemas.microsoft.com/office/powerpoint/2010/main" val="1735079296"/>
+        <p14:creationId xmlns:p14="http://schemas.microsoft.com/office/powerpoint/2010/main" val="273552480"/>
+      </p:ext>
+    </p:extLst>
+  </p:cSld>
+  <p:clrMapOvr>
+    <a:masterClrMapping/>
+  </p:clrMapOvr>
+</p:notes>
+</file>
+
+<file path=ppt/notesSlides/notesSlide6.xml><?xml version="1.0" encoding="utf-8"?>
+<p:notes xmlns:a="http://schemas.openxmlformats.org/drawingml/2006/main" xmlns:r="http://schemas.openxmlformats.org/officeDocument/2006/relationships" xmlns:p="http://schemas.openxmlformats.org/presentationml/2006/main">
+  <p:cSld>
+    <p:spTree>
+      <p:nvGrpSpPr>
+        <p:cNvPr id="1" name=""/>
+        <p:cNvGrpSpPr/>
+        <p:nvPr/>
+      </p:nvGrpSpPr>
+      <p:grpSpPr>
+        <a:xfrm>
+          <a:off x="0" y="0"/>
+          <a:ext cx="0" cy="0"/>
+          <a:chOff x="0" y="0"/>
+          <a:chExt cx="0" cy="0"/>
+        </a:xfrm>
+      </p:grpSpPr>
+      <p:sp>
+        <p:nvSpPr>
+          <p:cNvPr id="2" name="Slide Image Placeholder 1"/>
+          <p:cNvSpPr>
+            <a:spLocks noGrp="1" noRot="1" noChangeAspect="1"/>
+          </p:cNvSpPr>
+          <p:nvPr>
+            <p:ph type="sldImg"/>
+          </p:nvPr>
+        </p:nvSpPr>
+        <p:spPr/>
+      </p:sp>
+      <p:sp>
+        <p:nvSpPr>
+          <p:cNvPr id="3" name="Notes Placeholder 2"/>
+          <p:cNvSpPr>
+            <a:spLocks noGrp="1"/>
+          </p:cNvSpPr>
+          <p:nvPr>
+            <p:ph type="body" idx="1"/>
+          </p:nvPr>
+        </p:nvSpPr>
+        <p:spPr/>
+        <p:txBody>
+          <a:bodyPr/>
+          <a:lstStyle/>
+          <a:p>
+            <a:endParaRPr lang="es-ES" dirty="0"/>
+          </a:p>
+        </p:txBody>
+      </p:sp>
+      <p:sp>
+        <p:nvSpPr>
+          <p:cNvPr id="4" name="Slide Number Placeholder 3"/>
+          <p:cNvSpPr>
+            <a:spLocks noGrp="1"/>
+          </p:cNvSpPr>
+          <p:nvPr>
+            <p:ph type="sldNum" sz="quarter" idx="10"/>
+          </p:nvPr>
+        </p:nvSpPr>
+        <p:spPr/>
+        <p:txBody>
+          <a:bodyPr/>
+          <a:lstStyle/>
+          <a:p>
+            <a:fld id="{65097B6B-FF96-F443-AED4-FFB28983C4F8}" type="slidenum">
+              <a:rPr lang="en-US" smtClean="0"/>
+              <a:t>14</a:t>
+            </a:fld>
+            <a:endParaRPr lang="en-US"/>
+          </a:p>
+        </p:txBody>
+      </p:sp>
+    </p:spTree>
+    <p:extLst>
+      <p:ext uri="{BB962C8B-B14F-4D97-AF65-F5344CB8AC3E}">
+        <p14:creationId xmlns:p14="http://schemas.microsoft.com/office/powerpoint/2010/main" val="272738463"/>
+      </p:ext>
+    </p:extLst>
+  </p:cSld>
+  <p:clrMapOvr>
+    <a:masterClrMapping/>
+  </p:clrMapOvr>
+</p:notes>
+</file>
+
+<file path=ppt/notesSlides/notesSlide7.xml><?xml version="1.0" encoding="utf-8"?>
+<p:notes xmlns:a="http://schemas.openxmlformats.org/drawingml/2006/main" xmlns:r="http://schemas.openxmlformats.org/officeDocument/2006/relationships" xmlns:p="http://schemas.openxmlformats.org/presentationml/2006/main">
+  <p:cSld>
+    <p:spTree>
+      <p:nvGrpSpPr>
+        <p:cNvPr id="1" name=""/>
+        <p:cNvGrpSpPr/>
+        <p:nvPr/>
+      </p:nvGrpSpPr>
+      <p:grpSpPr>
+        <a:xfrm>
+          <a:off x="0" y="0"/>
+          <a:ext cx="0" cy="0"/>
+          <a:chOff x="0" y="0"/>
+          <a:chExt cx="0" cy="0"/>
+        </a:xfrm>
+      </p:grpSpPr>
+      <p:sp>
+        <p:nvSpPr>
+          <p:cNvPr id="2" name="Slide Image Placeholder 1"/>
+          <p:cNvSpPr>
+            <a:spLocks noGrp="1" noRot="1" noChangeAspect="1"/>
+          </p:cNvSpPr>
+          <p:nvPr>
+            <p:ph type="sldImg"/>
+          </p:nvPr>
+        </p:nvSpPr>
+        <p:spPr/>
+      </p:sp>
+      <p:sp>
+        <p:nvSpPr>
+          <p:cNvPr id="3" name="Notes Placeholder 2"/>
+          <p:cNvSpPr>
+            <a:spLocks noGrp="1"/>
+          </p:cNvSpPr>
+          <p:nvPr>
+            <p:ph type="body" idx="1"/>
+          </p:nvPr>
+        </p:nvSpPr>
+        <p:spPr/>
+        <p:txBody>
+          <a:bodyPr/>
+          <a:lstStyle/>
+          <a:p>
+            <a:endParaRPr lang="es-ES" dirty="0"/>
+          </a:p>
+        </p:txBody>
+      </p:sp>
+      <p:sp>
+        <p:nvSpPr>
+          <p:cNvPr id="4" name="Slide Number Placeholder 3"/>
+          <p:cNvSpPr>
+            <a:spLocks noGrp="1"/>
+          </p:cNvSpPr>
+          <p:nvPr>
+            <p:ph type="sldNum" sz="quarter" idx="10"/>
+          </p:nvPr>
+        </p:nvSpPr>
+        <p:spPr/>
+        <p:txBody>
+          <a:bodyPr/>
+          <a:lstStyle/>
+          <a:p>
+            <a:fld id="{65097B6B-FF96-F443-AED4-FFB28983C4F8}" type="slidenum">
+              <a:rPr lang="en-US" smtClean="0"/>
+              <a:t>15</a:t>
+            </a:fld>
+            <a:endParaRPr lang="en-US"/>
+          </a:p>
+        </p:txBody>
+      </p:sp>
+    </p:spTree>
+    <p:extLst>
+      <p:ext uri="{BB962C8B-B14F-4D97-AF65-F5344CB8AC3E}">
+        <p14:creationId xmlns:p14="http://schemas.microsoft.com/office/powerpoint/2010/main" val="1842837085"/>
+      </p:ext>
+    </p:extLst>
+  </p:cSld>
+  <p:clrMapOvr>
+    <a:masterClrMapping/>
+  </p:clrMapOvr>
+</p:notes>
+</file>
+
+<file path=ppt/notesSlides/notesSlide8.xml><?xml version="1.0" encoding="utf-8"?>
+<p:notes xmlns:a="http://schemas.openxmlformats.org/drawingml/2006/main" xmlns:r="http://schemas.openxmlformats.org/officeDocument/2006/relationships" xmlns:p="http://schemas.openxmlformats.org/presentationml/2006/main">
+  <p:cSld>
+    <p:spTree>
+      <p:nvGrpSpPr>
+        <p:cNvPr id="1" name=""/>
+        <p:cNvGrpSpPr/>
+        <p:nvPr/>
+      </p:nvGrpSpPr>
+      <p:grpSpPr>
+        <a:xfrm>
+          <a:off x="0" y="0"/>
+          <a:ext cx="0" cy="0"/>
+          <a:chOff x="0" y="0"/>
+          <a:chExt cx="0" cy="0"/>
+        </a:xfrm>
+      </p:grpSpPr>
+      <p:sp>
+        <p:nvSpPr>
+          <p:cNvPr id="2" name="Slide Image Placeholder 1"/>
+          <p:cNvSpPr>
+            <a:spLocks noGrp="1" noRot="1" noChangeAspect="1"/>
+          </p:cNvSpPr>
+          <p:nvPr>
+            <p:ph type="sldImg"/>
+          </p:nvPr>
+        </p:nvSpPr>
+        <p:spPr/>
+      </p:sp>
+      <p:sp>
+        <p:nvSpPr>
+          <p:cNvPr id="3" name="Notes Placeholder 2"/>
+          <p:cNvSpPr>
+            <a:spLocks noGrp="1"/>
+          </p:cNvSpPr>
+          <p:nvPr>
+            <p:ph type="body" idx="1"/>
+          </p:nvPr>
+        </p:nvSpPr>
+        <p:spPr/>
+        <p:txBody>
+          <a:bodyPr/>
+          <a:lstStyle/>
+          <a:p>
+            <a:endParaRPr lang="es-ES" dirty="0"/>
+          </a:p>
+        </p:txBody>
+      </p:sp>
+      <p:sp>
+        <p:nvSpPr>
+          <p:cNvPr id="4" name="Slide Number Placeholder 3"/>
+          <p:cNvSpPr>
+            <a:spLocks noGrp="1"/>
+          </p:cNvSpPr>
+          <p:nvPr>
+            <p:ph type="sldNum" sz="quarter" idx="10"/>
+          </p:nvPr>
+        </p:nvSpPr>
+        <p:spPr/>
+        <p:txBody>
+          <a:bodyPr/>
+          <a:lstStyle/>
+          <a:p>
+            <a:fld id="{65097B6B-FF96-F443-AED4-FFB28983C4F8}" type="slidenum">
+              <a:rPr lang="en-US" smtClean="0"/>
+              <a:t>16</a:t>
+            </a:fld>
+            <a:endParaRPr lang="en-US"/>
+          </a:p>
+        </p:txBody>
+      </p:sp>
+    </p:spTree>
+    <p:extLst>
+      <p:ext uri="{BB962C8B-B14F-4D97-AF65-F5344CB8AC3E}">
+        <p14:creationId xmlns:p14="http://schemas.microsoft.com/office/powerpoint/2010/main" val="3427454879"/>
+      </p:ext>
+    </p:extLst>
+  </p:cSld>
+  <p:clrMapOvr>
+    <a:masterClrMapping/>
+  </p:clrMapOvr>
+</p:notes>
+</file>
+
+<file path=ppt/notesSlides/notesSlide9.xml><?xml version="1.0" encoding="utf-8"?>
+<p:notes xmlns:a="http://schemas.openxmlformats.org/drawingml/2006/main" xmlns:r="http://schemas.openxmlformats.org/officeDocument/2006/relationships" xmlns:p="http://schemas.openxmlformats.org/presentationml/2006/main">
+  <p:cSld>
+    <p:spTree>
+      <p:nvGrpSpPr>
+        <p:cNvPr id="1" name=""/>
+        <p:cNvGrpSpPr/>
+        <p:nvPr/>
+      </p:nvGrpSpPr>
+      <p:grpSpPr>
+        <a:xfrm>
+          <a:off x="0" y="0"/>
+          <a:ext cx="0" cy="0"/>
+          <a:chOff x="0" y="0"/>
+          <a:chExt cx="0" cy="0"/>
+        </a:xfrm>
+      </p:grpSpPr>
+      <p:sp>
+        <p:nvSpPr>
+          <p:cNvPr id="2" name="Slide Image Placeholder 1"/>
+          <p:cNvSpPr>
+            <a:spLocks noGrp="1" noRot="1" noChangeAspect="1"/>
+          </p:cNvSpPr>
+          <p:nvPr>
+            <p:ph type="sldImg"/>
+          </p:nvPr>
+        </p:nvSpPr>
+        <p:spPr/>
+      </p:sp>
+      <p:sp>
+        <p:nvSpPr>
+          <p:cNvPr id="3" name="Notes Placeholder 2"/>
+          <p:cNvSpPr>
+            <a:spLocks noGrp="1"/>
+          </p:cNvSpPr>
+          <p:nvPr>
+            <p:ph type="body" idx="1"/>
+          </p:nvPr>
+        </p:nvSpPr>
+        <p:spPr/>
+        <p:txBody>
+          <a:bodyPr/>
+          <a:lstStyle/>
+          <a:p>
+            <a:endParaRPr lang="es-ES" dirty="0"/>
+          </a:p>
+        </p:txBody>
+      </p:sp>
+      <p:sp>
+        <p:nvSpPr>
+          <p:cNvPr id="4" name="Slide Number Placeholder 3"/>
+          <p:cNvSpPr>
+            <a:spLocks noGrp="1"/>
+          </p:cNvSpPr>
+          <p:nvPr>
+            <p:ph type="sldNum" sz="quarter" idx="10"/>
+          </p:nvPr>
+        </p:nvSpPr>
+        <p:spPr/>
+        <p:txBody>
+          <a:bodyPr/>
+          <a:lstStyle/>
+          <a:p>
+            <a:fld id="{65097B6B-FF96-F443-AED4-FFB28983C4F8}" type="slidenum">
+              <a:rPr lang="en-US" smtClean="0"/>
+              <a:t>17</a:t>
+            </a:fld>
+            <a:endParaRPr lang="en-US"/>
+          </a:p>
+        </p:txBody>
+      </p:sp>
+    </p:spTree>
+    <p:extLst>
+      <p:ext uri="{BB962C8B-B14F-4D97-AF65-F5344CB8AC3E}">
+        <p14:creationId xmlns:p14="http://schemas.microsoft.com/office/powerpoint/2010/main" val="3748314537"/>
       </p:ext>
     </p:extLst>
   </p:cSld>
@@ -1823,7 +2337,7 @@
           <a:p>
             <a:fld id="{B13EE0C7-BB44-4D3B-9328-A1960D19624C}" type="datetimeFigureOut">
               <a:rPr lang="en-US" smtClean="0"/>
-              <a:t>1/20/2016</a:t>
+              <a:t>1/21/2016</a:t>
             </a:fld>
             <a:endParaRPr lang="en-US"/>
           </a:p>
@@ -3967,6 +4481,3094 @@
 </p:sld>
 </file>
 
+<file path=ppt/slides/slide10.xml><?xml version="1.0" encoding="utf-8"?>
+<p:sld xmlns:a="http://schemas.openxmlformats.org/drawingml/2006/main" xmlns:r="http://schemas.openxmlformats.org/officeDocument/2006/relationships" xmlns:p="http://schemas.openxmlformats.org/presentationml/2006/main">
+  <p:cSld>
+    <p:spTree>
+      <p:nvGrpSpPr>
+        <p:cNvPr id="1" name=""/>
+        <p:cNvGrpSpPr/>
+        <p:nvPr/>
+      </p:nvGrpSpPr>
+      <p:grpSpPr>
+        <a:xfrm>
+          <a:off x="0" y="0"/>
+          <a:ext cx="0" cy="0"/>
+          <a:chOff x="0" y="0"/>
+          <a:chExt cx="0" cy="0"/>
+        </a:xfrm>
+      </p:grpSpPr>
+      <p:sp>
+        <p:nvSpPr>
+          <p:cNvPr id="2" name="Title 1"/>
+          <p:cNvSpPr>
+            <a:spLocks noGrp="1"/>
+          </p:cNvSpPr>
+          <p:nvPr>
+            <p:ph type="ctrTitle"/>
+          </p:nvPr>
+        </p:nvSpPr>
+        <p:spPr>
+          <a:xfrm>
+            <a:off x="2057400" y="3581401"/>
+            <a:ext cx="7772400" cy="1470025"/>
+          </a:xfrm>
+        </p:spPr>
+        <p:txBody>
+          <a:bodyPr rtlCol="0">
+            <a:normAutofit fontScale="90000"/>
+          </a:bodyPr>
+          <a:lstStyle/>
+          <a:p>
+            <a:pPr>
+              <a:defRPr/>
+            </a:pPr>
+            <a:r>
+              <a:rPr lang="en-US" dirty="0" smtClean="0"/>
+              <a:t>¿</a:t>
+            </a:r>
+            <a:r>
+              <a:rPr lang="en-US" dirty="0" err="1" smtClean="0"/>
+              <a:t>Cuántas</a:t>
+            </a:r>
+            <a:r>
+              <a:rPr lang="en-US" dirty="0" smtClean="0"/>
+              <a:t> </a:t>
+            </a:r>
+            <a:r>
+              <a:rPr lang="en-US" dirty="0" err="1" smtClean="0"/>
+              <a:t>instancias</a:t>
+            </a:r>
+            <a:r>
+              <a:rPr lang="en-US" dirty="0" smtClean="0"/>
+              <a:t> de VS </a:t>
+            </a:r>
+            <a:r>
+              <a:rPr lang="en-US" dirty="0" err="1" smtClean="0"/>
+              <a:t>pueden</a:t>
+            </a:r>
+            <a:r>
+              <a:rPr lang="en-US" dirty="0" smtClean="0"/>
+              <a:t> </a:t>
+            </a:r>
+            <a:r>
+              <a:rPr lang="en-US" dirty="0" err="1" smtClean="0"/>
+              <a:t>conectar</a:t>
+            </a:r>
+            <a:r>
+              <a:rPr lang="en-US" dirty="0" smtClean="0"/>
+              <a:t> con Mac Build Host?</a:t>
+            </a:r>
+            <a:br>
+              <a:rPr lang="en-US" dirty="0" smtClean="0"/>
+            </a:br>
+            <a:r>
+              <a:rPr lang="en-US" dirty="0" smtClean="0"/>
+              <a:t>____________________</a:t>
+            </a:r>
+            <a:endParaRPr lang="en-US" dirty="0"/>
+          </a:p>
+        </p:txBody>
+      </p:sp>
+      <p:sp>
+        <p:nvSpPr>
+          <p:cNvPr id="4" name="TextBox 3"/>
+          <p:cNvSpPr txBox="1">
+            <a:spLocks noChangeArrowheads="1"/>
+          </p:cNvSpPr>
+          <p:nvPr/>
+        </p:nvSpPr>
+        <p:spPr bwMode="auto">
+          <a:xfrm>
+            <a:off x="2514600" y="2006601"/>
+            <a:ext cx="2667000" cy="646113"/>
+          </a:xfrm>
+          <a:prstGeom prst="rect">
+            <a:avLst/>
+          </a:prstGeom>
+          <a:noFill/>
+          <a:ln w="28575">
+            <a:solidFill>
+              <a:srgbClr val="FF0000"/>
+            </a:solidFill>
+            <a:miter lim="800000"/>
+            <a:headEnd/>
+            <a:tailEnd/>
+          </a:ln>
+        </p:spPr>
+        <p:txBody>
+          <a:bodyPr>
+            <a:spAutoFit/>
+          </a:bodyPr>
+          <a:lstStyle/>
+          <a:p>
+            <a:pPr algn="ctr"/>
+            <a:r>
+              <a:rPr lang="en-US" sz="3600" b="1" dirty="0">
+                <a:latin typeface="Calibri" pitchFamily="34" charset="0"/>
+              </a:rPr>
+              <a:t>A</a:t>
+            </a:r>
+            <a:r>
+              <a:rPr lang="en-US" sz="3600" b="1" dirty="0" smtClean="0">
+                <a:latin typeface="Calibri" pitchFamily="34" charset="0"/>
+              </a:rPr>
+              <a:t>. Una</a:t>
+            </a:r>
+            <a:endParaRPr lang="en-US" sz="3600" b="1" dirty="0">
+              <a:latin typeface="Calibri" pitchFamily="34" charset="0"/>
+            </a:endParaRPr>
+          </a:p>
+        </p:txBody>
+      </p:sp>
+      <p:sp>
+        <p:nvSpPr>
+          <p:cNvPr id="5" name="TextBox 4"/>
+          <p:cNvSpPr txBox="1">
+            <a:spLocks noChangeArrowheads="1"/>
+          </p:cNvSpPr>
+          <p:nvPr/>
+        </p:nvSpPr>
+        <p:spPr bwMode="auto">
+          <a:xfrm>
+            <a:off x="5791200" y="2006601"/>
+            <a:ext cx="2667000" cy="646113"/>
+          </a:xfrm>
+          <a:prstGeom prst="rect">
+            <a:avLst/>
+          </a:prstGeom>
+          <a:noFill/>
+          <a:ln w="28575">
+            <a:solidFill>
+              <a:srgbClr val="FF0000"/>
+            </a:solidFill>
+            <a:miter lim="800000"/>
+            <a:headEnd/>
+            <a:tailEnd/>
+          </a:ln>
+        </p:spPr>
+        <p:txBody>
+          <a:bodyPr>
+            <a:spAutoFit/>
+          </a:bodyPr>
+          <a:lstStyle/>
+          <a:p>
+            <a:pPr algn="ctr"/>
+            <a:r>
+              <a:rPr lang="en-US" sz="3600" b="1" dirty="0">
+                <a:latin typeface="Calibri" pitchFamily="34" charset="0"/>
+              </a:rPr>
+              <a:t>B</a:t>
+            </a:r>
+            <a:r>
+              <a:rPr lang="en-US" sz="3600" b="1" dirty="0" smtClean="0">
+                <a:latin typeface="Calibri" pitchFamily="34" charset="0"/>
+              </a:rPr>
+              <a:t>. </a:t>
+            </a:r>
+            <a:r>
+              <a:rPr lang="en-US" sz="3600" b="1" dirty="0" err="1" smtClean="0">
+                <a:latin typeface="Calibri" pitchFamily="34" charset="0"/>
+              </a:rPr>
+              <a:t>Varias</a:t>
+            </a:r>
+            <a:endParaRPr lang="en-US" sz="3600" b="1" dirty="0">
+              <a:latin typeface="Calibri" pitchFamily="34" charset="0"/>
+            </a:endParaRPr>
+          </a:p>
+        </p:txBody>
+      </p:sp>
+    </p:spTree>
+    <p:extLst>
+      <p:ext uri="{BB962C8B-B14F-4D97-AF65-F5344CB8AC3E}">
+        <p14:creationId xmlns:p14="http://schemas.microsoft.com/office/powerpoint/2010/main" val="1319223877"/>
+      </p:ext>
+    </p:extLst>
+  </p:cSld>
+  <p:clrMapOvr>
+    <a:masterClrMapping/>
+  </p:clrMapOvr>
+  <p:timing>
+    <p:tnLst>
+      <p:par>
+        <p:cTn id="1" dur="indefinite" restart="never" nodeType="tmRoot">
+          <p:childTnLst>
+            <p:seq concurrent="1" nextAc="seek">
+              <p:cTn id="2" dur="indefinite" nodeType="mainSeq">
+                <p:childTnLst>
+                  <p:par>
+                    <p:cTn id="3" fill="hold">
+                      <p:stCondLst>
+                        <p:cond delay="indefinite"/>
+                      </p:stCondLst>
+                      <p:childTnLst>
+                        <p:par>
+                          <p:cTn id="4" fill="hold">
+                            <p:stCondLst>
+                              <p:cond delay="0"/>
+                            </p:stCondLst>
+                            <p:childTnLst>
+                              <p:par>
+                                <p:cTn id="5" presetID="42" presetClass="path" presetSubtype="0" accel="50000" decel="50000" fill="hold" grpId="0" nodeType="clickEffect">
+                                  <p:stCondLst>
+                                    <p:cond delay="0"/>
+                                  </p:stCondLst>
+                                  <p:childTnLst>
+                                    <p:animMotion origin="layout" path="M 5E-6 -3.33333E-6 L -0.28672 0.38635 " pathEditMode="relative" rAng="0" ptsTypes="AA">
+                                      <p:cBhvr>
+                                        <p:cTn id="6" dur="2000" fill="hold"/>
+                                        <p:tgtEl>
+                                          <p:spTgt spid="5"/>
+                                        </p:tgtEl>
+                                        <p:attrNameLst>
+                                          <p:attrName>ppt_x</p:attrName>
+                                          <p:attrName>ppt_y</p:attrName>
+                                        </p:attrNameLst>
+                                      </p:cBhvr>
+                                      <p:rCtr x="-14336" y="19306"/>
+                                    </p:animMotion>
+                                  </p:childTnLst>
+                                </p:cTn>
+                              </p:par>
+                            </p:childTnLst>
+                          </p:cTn>
+                        </p:par>
+                      </p:childTnLst>
+                    </p:cTn>
+                  </p:par>
+                </p:childTnLst>
+              </p:cTn>
+              <p:prevCondLst>
+                <p:cond evt="onPrev" delay="0">
+                  <p:tgtEl>
+                    <p:sldTgt/>
+                  </p:tgtEl>
+                </p:cond>
+              </p:prevCondLst>
+              <p:nextCondLst>
+                <p:cond evt="onNext" delay="0">
+                  <p:tgtEl>
+                    <p:sldTgt/>
+                  </p:tgtEl>
+                </p:cond>
+              </p:nextCondLst>
+            </p:seq>
+          </p:childTnLst>
+        </p:cTn>
+      </p:par>
+    </p:tnLst>
+    <p:bldLst>
+      <p:bldP spid="5" grpId="0" animBg="1"/>
+    </p:bldLst>
+  </p:timing>
+</p:sld>
+</file>
+
+<file path=ppt/slides/slide11.xml><?xml version="1.0" encoding="utf-8"?>
+<p:sld xmlns:a="http://schemas.openxmlformats.org/drawingml/2006/main" xmlns:r="http://schemas.openxmlformats.org/officeDocument/2006/relationships" xmlns:p="http://schemas.openxmlformats.org/presentationml/2006/main">
+  <p:cSld>
+    <p:spTree>
+      <p:nvGrpSpPr>
+        <p:cNvPr id="1" name=""/>
+        <p:cNvGrpSpPr/>
+        <p:nvPr/>
+      </p:nvGrpSpPr>
+      <p:grpSpPr>
+        <a:xfrm>
+          <a:off x="0" y="0"/>
+          <a:ext cx="0" cy="0"/>
+          <a:chOff x="0" y="0"/>
+          <a:chExt cx="0" cy="0"/>
+        </a:xfrm>
+      </p:grpSpPr>
+      <p:sp>
+        <p:nvSpPr>
+          <p:cNvPr id="2" name="Title 1"/>
+          <p:cNvSpPr>
+            <a:spLocks noGrp="1"/>
+          </p:cNvSpPr>
+          <p:nvPr>
+            <p:ph type="ctrTitle"/>
+          </p:nvPr>
+        </p:nvSpPr>
+        <p:spPr>
+          <a:xfrm>
+            <a:off x="1962150" y="3467100"/>
+            <a:ext cx="7772400" cy="1470025"/>
+          </a:xfrm>
+        </p:spPr>
+        <p:txBody>
+          <a:bodyPr rtlCol="0">
+            <a:normAutofit fontScale="90000"/>
+          </a:bodyPr>
+          <a:lstStyle/>
+          <a:p>
+            <a:pPr>
+              <a:defRPr/>
+            </a:pPr>
+            <a:r>
+              <a:rPr lang="en-US" dirty="0" smtClean="0"/>
+              <a:t>¿</a:t>
+            </a:r>
+            <a:r>
+              <a:rPr lang="en-US" dirty="0" err="1" smtClean="0"/>
+              <a:t>Podemos</a:t>
+            </a:r>
+            <a:r>
+              <a:rPr lang="en-US" dirty="0" smtClean="0"/>
+              <a:t> </a:t>
+            </a:r>
+            <a:r>
+              <a:rPr lang="en-US" dirty="0" err="1" smtClean="0"/>
+              <a:t>diseñar</a:t>
+            </a:r>
+            <a:r>
+              <a:rPr lang="en-US" dirty="0" smtClean="0"/>
+              <a:t> </a:t>
+            </a:r>
+            <a:r>
+              <a:rPr lang="en-US" dirty="0" err="1" smtClean="0"/>
+              <a:t>archivos</a:t>
+            </a:r>
+            <a:r>
+              <a:rPr lang="en-US" dirty="0" smtClean="0"/>
+              <a:t> XIB </a:t>
+            </a:r>
+            <a:r>
+              <a:rPr lang="en-US" dirty="0" err="1" smtClean="0"/>
+              <a:t>desde</a:t>
+            </a:r>
+            <a:r>
+              <a:rPr lang="en-US" dirty="0" smtClean="0"/>
+              <a:t> Xamarin Studio?</a:t>
+            </a:r>
+            <a:br>
+              <a:rPr lang="en-US" dirty="0" smtClean="0"/>
+            </a:br>
+            <a:r>
+              <a:rPr lang="en-US" dirty="0" smtClean="0"/>
+              <a:t>____________________</a:t>
+            </a:r>
+            <a:endParaRPr lang="en-US" dirty="0"/>
+          </a:p>
+        </p:txBody>
+      </p:sp>
+      <p:sp>
+        <p:nvSpPr>
+          <p:cNvPr id="4" name="TextBox 3"/>
+          <p:cNvSpPr txBox="1">
+            <a:spLocks noChangeArrowheads="1"/>
+          </p:cNvSpPr>
+          <p:nvPr/>
+        </p:nvSpPr>
+        <p:spPr bwMode="auto">
+          <a:xfrm>
+            <a:off x="2514600" y="2006601"/>
+            <a:ext cx="2667000" cy="646331"/>
+          </a:xfrm>
+          <a:prstGeom prst="rect">
+            <a:avLst/>
+          </a:prstGeom>
+          <a:noFill/>
+          <a:ln w="28575">
+            <a:solidFill>
+              <a:srgbClr val="FF0000"/>
+            </a:solidFill>
+            <a:miter lim="800000"/>
+            <a:headEnd/>
+            <a:tailEnd/>
+          </a:ln>
+        </p:spPr>
+        <p:txBody>
+          <a:bodyPr>
+            <a:spAutoFit/>
+          </a:bodyPr>
+          <a:lstStyle/>
+          <a:p>
+            <a:pPr algn="ctr"/>
+            <a:r>
+              <a:rPr lang="en-US" sz="3600" b="1" dirty="0">
+                <a:latin typeface="Calibri" pitchFamily="34" charset="0"/>
+              </a:rPr>
+              <a:t>A</a:t>
+            </a:r>
+            <a:r>
+              <a:rPr lang="en-US" sz="3600" b="1" dirty="0" smtClean="0">
+                <a:latin typeface="Calibri" pitchFamily="34" charset="0"/>
+              </a:rPr>
+              <a:t>. </a:t>
+            </a:r>
+            <a:r>
+              <a:rPr lang="en-US" sz="3200" b="1" dirty="0" smtClean="0">
+                <a:latin typeface="Calibri" pitchFamily="34" charset="0"/>
+              </a:rPr>
+              <a:t>Si</a:t>
+            </a:r>
+            <a:endParaRPr lang="en-US" sz="2000" b="1" dirty="0">
+              <a:latin typeface="Calibri" pitchFamily="34" charset="0"/>
+            </a:endParaRPr>
+          </a:p>
+        </p:txBody>
+      </p:sp>
+      <p:sp>
+        <p:nvSpPr>
+          <p:cNvPr id="5" name="TextBox 4"/>
+          <p:cNvSpPr txBox="1">
+            <a:spLocks noChangeArrowheads="1"/>
+          </p:cNvSpPr>
+          <p:nvPr/>
+        </p:nvSpPr>
+        <p:spPr bwMode="auto">
+          <a:xfrm>
+            <a:off x="5791200" y="2006601"/>
+            <a:ext cx="2667000" cy="646331"/>
+          </a:xfrm>
+          <a:prstGeom prst="rect">
+            <a:avLst/>
+          </a:prstGeom>
+          <a:noFill/>
+          <a:ln w="28575">
+            <a:solidFill>
+              <a:srgbClr val="FF0000"/>
+            </a:solidFill>
+            <a:miter lim="800000"/>
+            <a:headEnd/>
+            <a:tailEnd/>
+          </a:ln>
+        </p:spPr>
+        <p:txBody>
+          <a:bodyPr>
+            <a:spAutoFit/>
+          </a:bodyPr>
+          <a:lstStyle/>
+          <a:p>
+            <a:pPr algn="ctr"/>
+            <a:r>
+              <a:rPr lang="en-US" sz="3600" b="1" dirty="0">
+                <a:latin typeface="Calibri" pitchFamily="34" charset="0"/>
+              </a:rPr>
+              <a:t>B</a:t>
+            </a:r>
+            <a:r>
+              <a:rPr lang="en-US" sz="3600" b="1" dirty="0" smtClean="0">
+                <a:latin typeface="Calibri" pitchFamily="34" charset="0"/>
+              </a:rPr>
+              <a:t>. </a:t>
+            </a:r>
+            <a:r>
+              <a:rPr lang="en-US" sz="2800" b="1" dirty="0" smtClean="0">
+                <a:latin typeface="Calibri" pitchFamily="34" charset="0"/>
+              </a:rPr>
+              <a:t>No</a:t>
+            </a:r>
+            <a:endParaRPr lang="en-US" sz="2800" b="1" dirty="0">
+              <a:latin typeface="Calibri" pitchFamily="34" charset="0"/>
+            </a:endParaRPr>
+          </a:p>
+        </p:txBody>
+      </p:sp>
+    </p:spTree>
+    <p:extLst>
+      <p:ext uri="{BB962C8B-B14F-4D97-AF65-F5344CB8AC3E}">
+        <p14:creationId xmlns:p14="http://schemas.microsoft.com/office/powerpoint/2010/main" val="532116873"/>
+      </p:ext>
+    </p:extLst>
+  </p:cSld>
+  <p:clrMapOvr>
+    <a:masterClrMapping/>
+  </p:clrMapOvr>
+  <p:timing>
+    <p:tnLst>
+      <p:par>
+        <p:cTn id="1" dur="indefinite" restart="never" nodeType="tmRoot">
+          <p:childTnLst>
+            <p:seq concurrent="1" nextAc="seek">
+              <p:cTn id="2" dur="indefinite" nodeType="mainSeq">
+                <p:childTnLst>
+                  <p:par>
+                    <p:cTn id="3" fill="hold">
+                      <p:stCondLst>
+                        <p:cond delay="indefinite"/>
+                      </p:stCondLst>
+                      <p:childTnLst>
+                        <p:par>
+                          <p:cTn id="4" fill="hold">
+                            <p:stCondLst>
+                              <p:cond delay="0"/>
+                            </p:stCondLst>
+                            <p:childTnLst>
+                              <p:par>
+                                <p:cTn id="5" presetID="42" presetClass="path" presetSubtype="0" accel="50000" decel="50000" fill="hold" grpId="0" nodeType="clickEffect">
+                                  <p:stCondLst>
+                                    <p:cond delay="0"/>
+                                  </p:stCondLst>
+                                  <p:childTnLst>
+                                    <p:animMotion origin="layout" path="M 5E-6 -3.33333E-6 L 0.0043 0.36968 " pathEditMode="relative" rAng="0" ptsTypes="AA">
+                                      <p:cBhvr>
+                                        <p:cTn id="6" dur="2000" fill="hold"/>
+                                        <p:tgtEl>
+                                          <p:spTgt spid="4"/>
+                                        </p:tgtEl>
+                                        <p:attrNameLst>
+                                          <p:attrName>ppt_x</p:attrName>
+                                          <p:attrName>ppt_y</p:attrName>
+                                        </p:attrNameLst>
+                                      </p:cBhvr>
+                                      <p:rCtr x="208" y="18472"/>
+                                    </p:animMotion>
+                                  </p:childTnLst>
+                                </p:cTn>
+                              </p:par>
+                            </p:childTnLst>
+                          </p:cTn>
+                        </p:par>
+                      </p:childTnLst>
+                    </p:cTn>
+                  </p:par>
+                </p:childTnLst>
+              </p:cTn>
+              <p:prevCondLst>
+                <p:cond evt="onPrev" delay="0">
+                  <p:tgtEl>
+                    <p:sldTgt/>
+                  </p:tgtEl>
+                </p:cond>
+              </p:prevCondLst>
+              <p:nextCondLst>
+                <p:cond evt="onNext" delay="0">
+                  <p:tgtEl>
+                    <p:sldTgt/>
+                  </p:tgtEl>
+                </p:cond>
+              </p:nextCondLst>
+            </p:seq>
+          </p:childTnLst>
+        </p:cTn>
+      </p:par>
+    </p:tnLst>
+    <p:bldLst>
+      <p:bldP spid="4" grpId="0" animBg="1"/>
+    </p:bldLst>
+  </p:timing>
+</p:sld>
+</file>
+
+<file path=ppt/slides/slide12.xml><?xml version="1.0" encoding="utf-8"?>
+<p:sld xmlns:a="http://schemas.openxmlformats.org/drawingml/2006/main" xmlns:r="http://schemas.openxmlformats.org/officeDocument/2006/relationships" xmlns:p="http://schemas.openxmlformats.org/presentationml/2006/main">
+  <p:cSld>
+    <p:spTree>
+      <p:nvGrpSpPr>
+        <p:cNvPr id="1" name=""/>
+        <p:cNvGrpSpPr/>
+        <p:nvPr/>
+      </p:nvGrpSpPr>
+      <p:grpSpPr>
+        <a:xfrm>
+          <a:off x="0" y="0"/>
+          <a:ext cx="0" cy="0"/>
+          <a:chOff x="0" y="0"/>
+          <a:chExt cx="0" cy="0"/>
+        </a:xfrm>
+      </p:grpSpPr>
+      <p:sp>
+        <p:nvSpPr>
+          <p:cNvPr id="2" name="Title 1"/>
+          <p:cNvSpPr>
+            <a:spLocks noGrp="1"/>
+          </p:cNvSpPr>
+          <p:nvPr>
+            <p:ph type="ctrTitle"/>
+          </p:nvPr>
+        </p:nvSpPr>
+        <p:spPr>
+          <a:xfrm>
+            <a:off x="2057400" y="3581401"/>
+            <a:ext cx="7772400" cy="1470025"/>
+          </a:xfrm>
+        </p:spPr>
+        <p:txBody>
+          <a:bodyPr rtlCol="0">
+            <a:normAutofit fontScale="90000"/>
+          </a:bodyPr>
+          <a:lstStyle/>
+          <a:p>
+            <a:pPr>
+              <a:defRPr/>
+            </a:pPr>
+            <a:r>
+              <a:rPr lang="en-US" dirty="0" smtClean="0"/>
+              <a:t>¿</a:t>
+            </a:r>
+            <a:r>
+              <a:rPr lang="en-US" dirty="0" err="1" smtClean="0"/>
+              <a:t>Qué</a:t>
+            </a:r>
+            <a:r>
+              <a:rPr lang="en-US" dirty="0" smtClean="0"/>
+              <a:t> no se </a:t>
+            </a:r>
+            <a:r>
+              <a:rPr lang="en-US" dirty="0" err="1" smtClean="0"/>
+              <a:t>soporta</a:t>
+            </a:r>
+            <a:r>
+              <a:rPr lang="en-US" dirty="0" smtClean="0"/>
+              <a:t> </a:t>
+            </a:r>
+            <a:r>
+              <a:rPr lang="en-US" dirty="0" err="1" smtClean="0"/>
+              <a:t>en</a:t>
+            </a:r>
+            <a:r>
+              <a:rPr lang="en-US" dirty="0" smtClean="0"/>
+              <a:t> App UWP XF 2.0?</a:t>
+            </a:r>
+            <a:br>
+              <a:rPr lang="en-US" dirty="0" smtClean="0"/>
+            </a:br>
+            <a:r>
+              <a:rPr lang="en-US" dirty="0" smtClean="0"/>
+              <a:t>____________________</a:t>
+            </a:r>
+            <a:endParaRPr lang="en-US" dirty="0"/>
+          </a:p>
+        </p:txBody>
+      </p:sp>
+      <p:sp>
+        <p:nvSpPr>
+          <p:cNvPr id="4" name="TextBox 3"/>
+          <p:cNvSpPr txBox="1">
+            <a:spLocks noChangeArrowheads="1"/>
+          </p:cNvSpPr>
+          <p:nvPr/>
+        </p:nvSpPr>
+        <p:spPr bwMode="auto">
+          <a:xfrm>
+            <a:off x="2514600" y="2006601"/>
+            <a:ext cx="2667000" cy="646331"/>
+          </a:xfrm>
+          <a:prstGeom prst="rect">
+            <a:avLst/>
+          </a:prstGeom>
+          <a:noFill/>
+          <a:ln w="28575">
+            <a:solidFill>
+              <a:srgbClr val="FF0000"/>
+            </a:solidFill>
+            <a:miter lim="800000"/>
+            <a:headEnd/>
+            <a:tailEnd/>
+          </a:ln>
+        </p:spPr>
+        <p:txBody>
+          <a:bodyPr>
+            <a:spAutoFit/>
+          </a:bodyPr>
+          <a:lstStyle/>
+          <a:p>
+            <a:pPr algn="ctr"/>
+            <a:r>
+              <a:rPr lang="en-US" sz="3600" b="1" dirty="0">
+                <a:latin typeface="Calibri" pitchFamily="34" charset="0"/>
+              </a:rPr>
+              <a:t>A</a:t>
+            </a:r>
+            <a:r>
+              <a:rPr lang="en-US" sz="3600" b="1" dirty="0" smtClean="0">
+                <a:latin typeface="Calibri" pitchFamily="34" charset="0"/>
+              </a:rPr>
+              <a:t>. </a:t>
+            </a:r>
+            <a:r>
+              <a:rPr lang="en-US" sz="3200" b="1" dirty="0" err="1" smtClean="0">
+                <a:latin typeface="Calibri" pitchFamily="34" charset="0"/>
+              </a:rPr>
+              <a:t>Mapas</a:t>
+            </a:r>
+            <a:endParaRPr lang="en-US" sz="2000" b="1" dirty="0">
+              <a:latin typeface="Calibri" pitchFamily="34" charset="0"/>
+            </a:endParaRPr>
+          </a:p>
+        </p:txBody>
+      </p:sp>
+      <p:sp>
+        <p:nvSpPr>
+          <p:cNvPr id="5" name="TextBox 4"/>
+          <p:cNvSpPr txBox="1">
+            <a:spLocks noChangeArrowheads="1"/>
+          </p:cNvSpPr>
+          <p:nvPr/>
+        </p:nvSpPr>
+        <p:spPr bwMode="auto">
+          <a:xfrm>
+            <a:off x="5791200" y="2006601"/>
+            <a:ext cx="2667000" cy="646331"/>
+          </a:xfrm>
+          <a:prstGeom prst="rect">
+            <a:avLst/>
+          </a:prstGeom>
+          <a:noFill/>
+          <a:ln w="28575">
+            <a:solidFill>
+              <a:srgbClr val="FF0000"/>
+            </a:solidFill>
+            <a:miter lim="800000"/>
+            <a:headEnd/>
+            <a:tailEnd/>
+          </a:ln>
+        </p:spPr>
+        <p:txBody>
+          <a:bodyPr>
+            <a:spAutoFit/>
+          </a:bodyPr>
+          <a:lstStyle/>
+          <a:p>
+            <a:pPr algn="ctr"/>
+            <a:r>
+              <a:rPr lang="en-US" sz="3600" b="1" dirty="0">
+                <a:latin typeface="Calibri" pitchFamily="34" charset="0"/>
+              </a:rPr>
+              <a:t>B</a:t>
+            </a:r>
+            <a:r>
+              <a:rPr lang="en-US" sz="3600" b="1" dirty="0" smtClean="0">
+                <a:latin typeface="Calibri" pitchFamily="34" charset="0"/>
+              </a:rPr>
+              <a:t>. </a:t>
+            </a:r>
+            <a:r>
+              <a:rPr lang="en-US" sz="2800" b="1" dirty="0" err="1" smtClean="0">
+                <a:latin typeface="Calibri" pitchFamily="34" charset="0"/>
+              </a:rPr>
+              <a:t>Gestos</a:t>
+            </a:r>
+            <a:endParaRPr lang="en-US" sz="2800" b="1" dirty="0">
+              <a:latin typeface="Calibri" pitchFamily="34" charset="0"/>
+            </a:endParaRPr>
+          </a:p>
+        </p:txBody>
+      </p:sp>
+    </p:spTree>
+    <p:extLst>
+      <p:ext uri="{BB962C8B-B14F-4D97-AF65-F5344CB8AC3E}">
+        <p14:creationId xmlns:p14="http://schemas.microsoft.com/office/powerpoint/2010/main" val="2323276779"/>
+      </p:ext>
+    </p:extLst>
+  </p:cSld>
+  <p:clrMapOvr>
+    <a:masterClrMapping/>
+  </p:clrMapOvr>
+  <p:timing>
+    <p:tnLst>
+      <p:par>
+        <p:cTn id="1" dur="indefinite" restart="never" nodeType="tmRoot">
+          <p:childTnLst>
+            <p:seq concurrent="1" nextAc="seek">
+              <p:cTn id="2" dur="indefinite" nodeType="mainSeq">
+                <p:childTnLst>
+                  <p:par>
+                    <p:cTn id="3" fill="hold">
+                      <p:stCondLst>
+                        <p:cond delay="indefinite"/>
+                      </p:stCondLst>
+                      <p:childTnLst>
+                        <p:par>
+                          <p:cTn id="4" fill="hold">
+                            <p:stCondLst>
+                              <p:cond delay="0"/>
+                            </p:stCondLst>
+                            <p:childTnLst>
+                              <p:par>
+                                <p:cTn id="5" presetID="42" presetClass="path" presetSubtype="0" accel="50000" decel="50000" fill="hold" grpId="0" nodeType="clickEffect">
+                                  <p:stCondLst>
+                                    <p:cond delay="0"/>
+                                  </p:stCondLst>
+                                  <p:childTnLst>
+                                    <p:animMotion origin="layout" path="M 5E-6 -3.33333E-6 L 0.00079 0.38241 " pathEditMode="relative" rAng="0" ptsTypes="AA">
+                                      <p:cBhvr>
+                                        <p:cTn id="6" dur="2000" fill="hold"/>
+                                        <p:tgtEl>
+                                          <p:spTgt spid="4"/>
+                                        </p:tgtEl>
+                                        <p:attrNameLst>
+                                          <p:attrName>ppt_x</p:attrName>
+                                          <p:attrName>ppt_y</p:attrName>
+                                        </p:attrNameLst>
+                                      </p:cBhvr>
+                                      <p:rCtr x="39" y="19120"/>
+                                    </p:animMotion>
+                                  </p:childTnLst>
+                                </p:cTn>
+                              </p:par>
+                            </p:childTnLst>
+                          </p:cTn>
+                        </p:par>
+                      </p:childTnLst>
+                    </p:cTn>
+                  </p:par>
+                </p:childTnLst>
+              </p:cTn>
+              <p:prevCondLst>
+                <p:cond evt="onPrev" delay="0">
+                  <p:tgtEl>
+                    <p:sldTgt/>
+                  </p:tgtEl>
+                </p:cond>
+              </p:prevCondLst>
+              <p:nextCondLst>
+                <p:cond evt="onNext" delay="0">
+                  <p:tgtEl>
+                    <p:sldTgt/>
+                  </p:tgtEl>
+                </p:cond>
+              </p:nextCondLst>
+            </p:seq>
+          </p:childTnLst>
+        </p:cTn>
+      </p:par>
+    </p:tnLst>
+    <p:bldLst>
+      <p:bldP spid="4" grpId="0" animBg="1"/>
+    </p:bldLst>
+  </p:timing>
+</p:sld>
+</file>
+
+<file path=ppt/slides/slide13.xml><?xml version="1.0" encoding="utf-8"?>
+<p:sld xmlns:a="http://schemas.openxmlformats.org/drawingml/2006/main" xmlns:r="http://schemas.openxmlformats.org/officeDocument/2006/relationships" xmlns:p="http://schemas.openxmlformats.org/presentationml/2006/main">
+  <p:cSld>
+    <p:spTree>
+      <p:nvGrpSpPr>
+        <p:cNvPr id="1" name=""/>
+        <p:cNvGrpSpPr/>
+        <p:nvPr/>
+      </p:nvGrpSpPr>
+      <p:grpSpPr>
+        <a:xfrm>
+          <a:off x="0" y="0"/>
+          <a:ext cx="0" cy="0"/>
+          <a:chOff x="0" y="0"/>
+          <a:chExt cx="0" cy="0"/>
+        </a:xfrm>
+      </p:grpSpPr>
+      <p:sp>
+        <p:nvSpPr>
+          <p:cNvPr id="2" name="Title 1"/>
+          <p:cNvSpPr>
+            <a:spLocks noGrp="1"/>
+          </p:cNvSpPr>
+          <p:nvPr>
+            <p:ph type="ctrTitle"/>
+          </p:nvPr>
+        </p:nvSpPr>
+        <p:spPr>
+          <a:xfrm>
+            <a:off x="2057400" y="3581401"/>
+            <a:ext cx="7772400" cy="1470025"/>
+          </a:xfrm>
+        </p:spPr>
+        <p:txBody>
+          <a:bodyPr rtlCol="0">
+            <a:normAutofit fontScale="90000"/>
+          </a:bodyPr>
+          <a:lstStyle/>
+          <a:p>
+            <a:pPr>
+              <a:defRPr/>
+            </a:pPr>
+            <a:r>
+              <a:rPr lang="en-US" dirty="0" smtClean="0"/>
+              <a:t>¿</a:t>
+            </a:r>
+            <a:r>
+              <a:rPr lang="en-US" dirty="0" err="1" smtClean="0"/>
+              <a:t>Cómo</a:t>
+            </a:r>
+            <a:r>
+              <a:rPr lang="en-US" dirty="0" smtClean="0"/>
+              <a:t> se llama la </a:t>
+            </a:r>
+            <a:r>
+              <a:rPr lang="en-US" dirty="0" err="1" smtClean="0"/>
+              <a:t>nueva</a:t>
+            </a:r>
+            <a:r>
+              <a:rPr lang="en-US" dirty="0" smtClean="0"/>
+              <a:t> </a:t>
+            </a:r>
+            <a:r>
+              <a:rPr lang="en-US" dirty="0" err="1" smtClean="0"/>
+              <a:t>herramienta</a:t>
+            </a:r>
+            <a:r>
+              <a:rPr lang="en-US" dirty="0" smtClean="0"/>
+              <a:t> para </a:t>
+            </a:r>
+            <a:r>
+              <a:rPr lang="en-US" dirty="0" err="1" smtClean="0"/>
+              <a:t>crear</a:t>
+            </a:r>
+            <a:r>
+              <a:rPr lang="en-US" dirty="0" smtClean="0"/>
+              <a:t> </a:t>
+            </a:r>
+            <a:r>
+              <a:rPr lang="en-US" dirty="0" err="1" smtClean="0"/>
+              <a:t>UITest</a:t>
+            </a:r>
+            <a:r>
+              <a:rPr lang="en-US" dirty="0" smtClean="0"/>
+              <a:t>?</a:t>
+            </a:r>
+            <a:r>
+              <a:rPr lang="en-US" dirty="0" smtClean="0"/>
+              <a:t/>
+            </a:r>
+            <a:br>
+              <a:rPr lang="en-US" dirty="0" smtClean="0"/>
+            </a:br>
+            <a:r>
+              <a:rPr lang="en-US" dirty="0" smtClean="0"/>
+              <a:t>____________________</a:t>
+            </a:r>
+            <a:endParaRPr lang="en-US" dirty="0"/>
+          </a:p>
+        </p:txBody>
+      </p:sp>
+      <p:sp>
+        <p:nvSpPr>
+          <p:cNvPr id="4" name="TextBox 3"/>
+          <p:cNvSpPr txBox="1">
+            <a:spLocks noChangeArrowheads="1"/>
+          </p:cNvSpPr>
+          <p:nvPr/>
+        </p:nvSpPr>
+        <p:spPr bwMode="auto">
+          <a:xfrm>
+            <a:off x="2514600" y="2006601"/>
+            <a:ext cx="2667000" cy="646331"/>
+          </a:xfrm>
+          <a:prstGeom prst="rect">
+            <a:avLst/>
+          </a:prstGeom>
+          <a:noFill/>
+          <a:ln w="28575">
+            <a:solidFill>
+              <a:srgbClr val="FF0000"/>
+            </a:solidFill>
+            <a:miter lim="800000"/>
+            <a:headEnd/>
+            <a:tailEnd/>
+          </a:ln>
+        </p:spPr>
+        <p:txBody>
+          <a:bodyPr>
+            <a:spAutoFit/>
+          </a:bodyPr>
+          <a:lstStyle/>
+          <a:p>
+            <a:pPr algn="ctr"/>
+            <a:r>
+              <a:rPr lang="en-US" sz="3600" b="1" dirty="0">
+                <a:latin typeface="Calibri" pitchFamily="34" charset="0"/>
+              </a:rPr>
+              <a:t>A</a:t>
+            </a:r>
+            <a:r>
+              <a:rPr lang="en-US" sz="3600" b="1" dirty="0" smtClean="0">
+                <a:latin typeface="Calibri" pitchFamily="34" charset="0"/>
+              </a:rPr>
+              <a:t>. </a:t>
+            </a:r>
+            <a:r>
+              <a:rPr lang="en-US" sz="2400" b="1" dirty="0" smtClean="0">
+                <a:latin typeface="Calibri" pitchFamily="34" charset="0"/>
+              </a:rPr>
+              <a:t>Test Recorder</a:t>
+            </a:r>
+            <a:endParaRPr lang="en-US" sz="1600" b="1" dirty="0">
+              <a:latin typeface="Calibri" pitchFamily="34" charset="0"/>
+            </a:endParaRPr>
+          </a:p>
+        </p:txBody>
+      </p:sp>
+      <p:sp>
+        <p:nvSpPr>
+          <p:cNvPr id="5" name="TextBox 4"/>
+          <p:cNvSpPr txBox="1">
+            <a:spLocks noChangeArrowheads="1"/>
+          </p:cNvSpPr>
+          <p:nvPr/>
+        </p:nvSpPr>
+        <p:spPr bwMode="auto">
+          <a:xfrm>
+            <a:off x="5791200" y="2006601"/>
+            <a:ext cx="2667000" cy="646331"/>
+          </a:xfrm>
+          <a:prstGeom prst="rect">
+            <a:avLst/>
+          </a:prstGeom>
+          <a:noFill/>
+          <a:ln w="28575">
+            <a:solidFill>
+              <a:srgbClr val="FF0000"/>
+            </a:solidFill>
+            <a:miter lim="800000"/>
+            <a:headEnd/>
+            <a:tailEnd/>
+          </a:ln>
+        </p:spPr>
+        <p:txBody>
+          <a:bodyPr>
+            <a:spAutoFit/>
+          </a:bodyPr>
+          <a:lstStyle/>
+          <a:p>
+            <a:pPr algn="ctr"/>
+            <a:r>
+              <a:rPr lang="en-US" sz="3600" b="1" dirty="0">
+                <a:latin typeface="Calibri" pitchFamily="34" charset="0"/>
+              </a:rPr>
+              <a:t>B</a:t>
+            </a:r>
+            <a:r>
+              <a:rPr lang="en-US" sz="3600" b="1" dirty="0" smtClean="0">
+                <a:latin typeface="Calibri" pitchFamily="34" charset="0"/>
+              </a:rPr>
+              <a:t>. </a:t>
+            </a:r>
+            <a:r>
+              <a:rPr lang="en-US" sz="2800" b="1" dirty="0" smtClean="0">
+                <a:latin typeface="Calibri" pitchFamily="34" charset="0"/>
+              </a:rPr>
+              <a:t>Test Creator</a:t>
+            </a:r>
+            <a:endParaRPr lang="en-US" sz="2800" b="1" dirty="0">
+              <a:latin typeface="Calibri" pitchFamily="34" charset="0"/>
+            </a:endParaRPr>
+          </a:p>
+        </p:txBody>
+      </p:sp>
+    </p:spTree>
+    <p:extLst>
+      <p:ext uri="{BB962C8B-B14F-4D97-AF65-F5344CB8AC3E}">
+        <p14:creationId xmlns:p14="http://schemas.microsoft.com/office/powerpoint/2010/main" val="921084484"/>
+      </p:ext>
+    </p:extLst>
+  </p:cSld>
+  <p:clrMapOvr>
+    <a:masterClrMapping/>
+  </p:clrMapOvr>
+  <p:timing>
+    <p:tnLst>
+      <p:par>
+        <p:cTn id="1" dur="indefinite" restart="never" nodeType="tmRoot">
+          <p:childTnLst>
+            <p:seq concurrent="1" nextAc="seek">
+              <p:cTn id="2" dur="indefinite" nodeType="mainSeq">
+                <p:childTnLst>
+                  <p:par>
+                    <p:cTn id="3" fill="hold">
+                      <p:stCondLst>
+                        <p:cond delay="indefinite"/>
+                      </p:stCondLst>
+                      <p:childTnLst>
+                        <p:par>
+                          <p:cTn id="4" fill="hold">
+                            <p:stCondLst>
+                              <p:cond delay="0"/>
+                            </p:stCondLst>
+                            <p:childTnLst>
+                              <p:par>
+                                <p:cTn id="5" presetID="42" presetClass="path" presetSubtype="0" accel="50000" decel="50000" fill="hold" grpId="0" nodeType="clickEffect">
+                                  <p:stCondLst>
+                                    <p:cond delay="0"/>
+                                  </p:stCondLst>
+                                  <p:childTnLst>
+                                    <p:animMotion origin="layout" path="M 5E-6 -3.33333E-6 L 0.00079 0.37801 " pathEditMode="relative" rAng="0" ptsTypes="AA">
+                                      <p:cBhvr>
+                                        <p:cTn id="6" dur="2000" fill="hold"/>
+                                        <p:tgtEl>
+                                          <p:spTgt spid="4"/>
+                                        </p:tgtEl>
+                                        <p:attrNameLst>
+                                          <p:attrName>ppt_x</p:attrName>
+                                          <p:attrName>ppt_y</p:attrName>
+                                        </p:attrNameLst>
+                                      </p:cBhvr>
+                                      <p:rCtr x="39" y="18889"/>
+                                    </p:animMotion>
+                                  </p:childTnLst>
+                                </p:cTn>
+                              </p:par>
+                            </p:childTnLst>
+                          </p:cTn>
+                        </p:par>
+                      </p:childTnLst>
+                    </p:cTn>
+                  </p:par>
+                </p:childTnLst>
+              </p:cTn>
+              <p:prevCondLst>
+                <p:cond evt="onPrev" delay="0">
+                  <p:tgtEl>
+                    <p:sldTgt/>
+                  </p:tgtEl>
+                </p:cond>
+              </p:prevCondLst>
+              <p:nextCondLst>
+                <p:cond evt="onNext" delay="0">
+                  <p:tgtEl>
+                    <p:sldTgt/>
+                  </p:tgtEl>
+                </p:cond>
+              </p:nextCondLst>
+            </p:seq>
+          </p:childTnLst>
+        </p:cTn>
+      </p:par>
+    </p:tnLst>
+    <p:bldLst>
+      <p:bldP spid="4" grpId="0" animBg="1"/>
+    </p:bldLst>
+  </p:timing>
+</p:sld>
+</file>
+
+<file path=ppt/slides/slide14.xml><?xml version="1.0" encoding="utf-8"?>
+<p:sld xmlns:a="http://schemas.openxmlformats.org/drawingml/2006/main" xmlns:r="http://schemas.openxmlformats.org/officeDocument/2006/relationships" xmlns:p="http://schemas.openxmlformats.org/presentationml/2006/main">
+  <p:cSld>
+    <p:spTree>
+      <p:nvGrpSpPr>
+        <p:cNvPr id="1" name=""/>
+        <p:cNvGrpSpPr/>
+        <p:nvPr/>
+      </p:nvGrpSpPr>
+      <p:grpSpPr>
+        <a:xfrm>
+          <a:off x="0" y="0"/>
+          <a:ext cx="0" cy="0"/>
+          <a:chOff x="0" y="0"/>
+          <a:chExt cx="0" cy="0"/>
+        </a:xfrm>
+      </p:grpSpPr>
+      <p:sp>
+        <p:nvSpPr>
+          <p:cNvPr id="2" name="Title 1"/>
+          <p:cNvSpPr>
+            <a:spLocks noGrp="1"/>
+          </p:cNvSpPr>
+          <p:nvPr>
+            <p:ph type="ctrTitle"/>
+          </p:nvPr>
+        </p:nvSpPr>
+        <p:spPr>
+          <a:xfrm>
+            <a:off x="2057400" y="3474243"/>
+            <a:ext cx="7772400" cy="1470025"/>
+          </a:xfrm>
+        </p:spPr>
+        <p:txBody>
+          <a:bodyPr rtlCol="0">
+            <a:normAutofit fontScale="90000"/>
+          </a:bodyPr>
+          <a:lstStyle/>
+          <a:p>
+            <a:pPr>
+              <a:defRPr/>
+            </a:pPr>
+            <a:r>
+              <a:rPr lang="en-US" dirty="0" smtClean="0"/>
+              <a:t>¿</a:t>
+            </a:r>
+            <a:r>
+              <a:rPr lang="en-US" dirty="0" err="1" smtClean="0"/>
+              <a:t>Podemos</a:t>
+            </a:r>
+            <a:r>
+              <a:rPr lang="en-US" dirty="0" smtClean="0"/>
+              <a:t> </a:t>
+            </a:r>
+            <a:r>
+              <a:rPr lang="en-US" dirty="0" err="1" smtClean="0"/>
+              <a:t>obtener</a:t>
+            </a:r>
+            <a:r>
+              <a:rPr lang="en-US" dirty="0" smtClean="0"/>
+              <a:t> </a:t>
+            </a:r>
+            <a:r>
+              <a:rPr lang="en-US" dirty="0" err="1" smtClean="0"/>
+              <a:t>información</a:t>
+            </a:r>
+            <a:r>
+              <a:rPr lang="en-US" dirty="0" smtClean="0"/>
+              <a:t> de </a:t>
+            </a:r>
+            <a:r>
+              <a:rPr lang="en-US" dirty="0" err="1" smtClean="0"/>
+              <a:t>rendimiento</a:t>
+            </a:r>
+            <a:r>
+              <a:rPr lang="en-US" dirty="0" smtClean="0"/>
+              <a:t> </a:t>
+            </a:r>
+            <a:r>
+              <a:rPr lang="en-US" dirty="0" err="1" smtClean="0"/>
+              <a:t>vía</a:t>
+            </a:r>
+            <a:r>
+              <a:rPr lang="en-US" dirty="0" smtClean="0"/>
+              <a:t> Test Cloud?</a:t>
+            </a:r>
+            <a:r>
+              <a:rPr lang="en-US" dirty="0" smtClean="0"/>
+              <a:t/>
+            </a:r>
+            <a:br>
+              <a:rPr lang="en-US" dirty="0" smtClean="0"/>
+            </a:br>
+            <a:r>
+              <a:rPr lang="en-US" dirty="0" smtClean="0"/>
+              <a:t>____________________</a:t>
+            </a:r>
+            <a:endParaRPr lang="en-US" dirty="0"/>
+          </a:p>
+        </p:txBody>
+      </p:sp>
+      <p:sp>
+        <p:nvSpPr>
+          <p:cNvPr id="4" name="TextBox 3"/>
+          <p:cNvSpPr txBox="1">
+            <a:spLocks noChangeArrowheads="1"/>
+          </p:cNvSpPr>
+          <p:nvPr/>
+        </p:nvSpPr>
+        <p:spPr bwMode="auto">
+          <a:xfrm>
+            <a:off x="2514600" y="2006601"/>
+            <a:ext cx="2667000" cy="646331"/>
+          </a:xfrm>
+          <a:prstGeom prst="rect">
+            <a:avLst/>
+          </a:prstGeom>
+          <a:noFill/>
+          <a:ln w="28575">
+            <a:solidFill>
+              <a:srgbClr val="FF0000"/>
+            </a:solidFill>
+            <a:miter lim="800000"/>
+            <a:headEnd/>
+            <a:tailEnd/>
+          </a:ln>
+        </p:spPr>
+        <p:txBody>
+          <a:bodyPr>
+            <a:spAutoFit/>
+          </a:bodyPr>
+          <a:lstStyle/>
+          <a:p>
+            <a:pPr algn="ctr"/>
+            <a:r>
+              <a:rPr lang="en-US" sz="3600" b="1" dirty="0">
+                <a:latin typeface="Calibri" pitchFamily="34" charset="0"/>
+              </a:rPr>
+              <a:t>A</a:t>
+            </a:r>
+            <a:r>
+              <a:rPr lang="en-US" sz="3600" b="1" dirty="0" smtClean="0">
+                <a:latin typeface="Calibri" pitchFamily="34" charset="0"/>
+              </a:rPr>
+              <a:t>. </a:t>
+            </a:r>
+            <a:r>
+              <a:rPr lang="en-US" sz="2400" b="1" dirty="0" smtClean="0">
+                <a:latin typeface="Calibri" pitchFamily="34" charset="0"/>
+              </a:rPr>
+              <a:t>Si</a:t>
+            </a:r>
+            <a:endParaRPr lang="en-US" sz="1600" b="1" dirty="0">
+              <a:latin typeface="Calibri" pitchFamily="34" charset="0"/>
+            </a:endParaRPr>
+          </a:p>
+        </p:txBody>
+      </p:sp>
+      <p:sp>
+        <p:nvSpPr>
+          <p:cNvPr id="5" name="TextBox 4"/>
+          <p:cNvSpPr txBox="1">
+            <a:spLocks noChangeArrowheads="1"/>
+          </p:cNvSpPr>
+          <p:nvPr/>
+        </p:nvSpPr>
+        <p:spPr bwMode="auto">
+          <a:xfrm>
+            <a:off x="5791200" y="2006601"/>
+            <a:ext cx="2667000" cy="646331"/>
+          </a:xfrm>
+          <a:prstGeom prst="rect">
+            <a:avLst/>
+          </a:prstGeom>
+          <a:noFill/>
+          <a:ln w="28575">
+            <a:solidFill>
+              <a:srgbClr val="FF0000"/>
+            </a:solidFill>
+            <a:miter lim="800000"/>
+            <a:headEnd/>
+            <a:tailEnd/>
+          </a:ln>
+        </p:spPr>
+        <p:txBody>
+          <a:bodyPr>
+            <a:spAutoFit/>
+          </a:bodyPr>
+          <a:lstStyle/>
+          <a:p>
+            <a:pPr algn="ctr"/>
+            <a:r>
+              <a:rPr lang="en-US" sz="3600" b="1" dirty="0">
+                <a:latin typeface="Calibri" pitchFamily="34" charset="0"/>
+              </a:rPr>
+              <a:t>B</a:t>
+            </a:r>
+            <a:r>
+              <a:rPr lang="en-US" sz="3600" b="1" dirty="0" smtClean="0">
+                <a:latin typeface="Calibri" pitchFamily="34" charset="0"/>
+              </a:rPr>
+              <a:t>. </a:t>
+            </a:r>
+            <a:r>
+              <a:rPr lang="en-US" sz="2800" b="1" dirty="0" smtClean="0">
+                <a:latin typeface="Calibri" pitchFamily="34" charset="0"/>
+              </a:rPr>
+              <a:t>No</a:t>
+            </a:r>
+            <a:endParaRPr lang="en-US" sz="2800" b="1" dirty="0">
+              <a:latin typeface="Calibri" pitchFamily="34" charset="0"/>
+            </a:endParaRPr>
+          </a:p>
+        </p:txBody>
+      </p:sp>
+    </p:spTree>
+    <p:extLst>
+      <p:ext uri="{BB962C8B-B14F-4D97-AF65-F5344CB8AC3E}">
+        <p14:creationId xmlns:p14="http://schemas.microsoft.com/office/powerpoint/2010/main" val="3084389091"/>
+      </p:ext>
+    </p:extLst>
+  </p:cSld>
+  <p:clrMapOvr>
+    <a:masterClrMapping/>
+  </p:clrMapOvr>
+  <p:timing>
+    <p:tnLst>
+      <p:par>
+        <p:cTn id="1" dur="indefinite" restart="never" nodeType="tmRoot">
+          <p:childTnLst>
+            <p:seq concurrent="1" nextAc="seek">
+              <p:cTn id="2" dur="indefinite" nodeType="mainSeq">
+                <p:childTnLst>
+                  <p:par>
+                    <p:cTn id="3" fill="hold">
+                      <p:stCondLst>
+                        <p:cond delay="indefinite"/>
+                      </p:stCondLst>
+                      <p:childTnLst>
+                        <p:par>
+                          <p:cTn id="4" fill="hold">
+                            <p:stCondLst>
+                              <p:cond delay="0"/>
+                            </p:stCondLst>
+                            <p:childTnLst>
+                              <p:par>
+                                <p:cTn id="5" presetID="42" presetClass="path" presetSubtype="0" accel="50000" decel="50000" fill="hold" grpId="0" nodeType="clickEffect">
+                                  <p:stCondLst>
+                                    <p:cond delay="0"/>
+                                  </p:stCondLst>
+                                  <p:childTnLst>
+                                    <p:animMotion origin="layout" path="M 5E-6 -3.33333E-6 L -0.00039 0.39375 " pathEditMode="relative" rAng="0" ptsTypes="AA">
+                                      <p:cBhvr>
+                                        <p:cTn id="6" dur="2000" fill="hold"/>
+                                        <p:tgtEl>
+                                          <p:spTgt spid="4"/>
+                                        </p:tgtEl>
+                                        <p:attrNameLst>
+                                          <p:attrName>ppt_x</p:attrName>
+                                          <p:attrName>ppt_y</p:attrName>
+                                        </p:attrNameLst>
+                                      </p:cBhvr>
+                                      <p:rCtr x="-26" y="19676"/>
+                                    </p:animMotion>
+                                  </p:childTnLst>
+                                </p:cTn>
+                              </p:par>
+                            </p:childTnLst>
+                          </p:cTn>
+                        </p:par>
+                      </p:childTnLst>
+                    </p:cTn>
+                  </p:par>
+                </p:childTnLst>
+              </p:cTn>
+              <p:prevCondLst>
+                <p:cond evt="onPrev" delay="0">
+                  <p:tgtEl>
+                    <p:sldTgt/>
+                  </p:tgtEl>
+                </p:cond>
+              </p:prevCondLst>
+              <p:nextCondLst>
+                <p:cond evt="onNext" delay="0">
+                  <p:tgtEl>
+                    <p:sldTgt/>
+                  </p:tgtEl>
+                </p:cond>
+              </p:nextCondLst>
+            </p:seq>
+          </p:childTnLst>
+        </p:cTn>
+      </p:par>
+    </p:tnLst>
+    <p:bldLst>
+      <p:bldP spid="4" grpId="0" animBg="1"/>
+    </p:bldLst>
+  </p:timing>
+</p:sld>
+</file>
+
+<file path=ppt/slides/slide15.xml><?xml version="1.0" encoding="utf-8"?>
+<p:sld xmlns:a="http://schemas.openxmlformats.org/drawingml/2006/main" xmlns:r="http://schemas.openxmlformats.org/officeDocument/2006/relationships" xmlns:p="http://schemas.openxmlformats.org/presentationml/2006/main">
+  <p:cSld>
+    <p:spTree>
+      <p:nvGrpSpPr>
+        <p:cNvPr id="1" name=""/>
+        <p:cNvGrpSpPr/>
+        <p:nvPr/>
+      </p:nvGrpSpPr>
+      <p:grpSpPr>
+        <a:xfrm>
+          <a:off x="0" y="0"/>
+          <a:ext cx="0" cy="0"/>
+          <a:chOff x="0" y="0"/>
+          <a:chExt cx="0" cy="0"/>
+        </a:xfrm>
+      </p:grpSpPr>
+      <p:sp>
+        <p:nvSpPr>
+          <p:cNvPr id="2" name="Title 1"/>
+          <p:cNvSpPr>
+            <a:spLocks noGrp="1"/>
+          </p:cNvSpPr>
+          <p:nvPr>
+            <p:ph type="ctrTitle"/>
+          </p:nvPr>
+        </p:nvSpPr>
+        <p:spPr>
+          <a:xfrm>
+            <a:off x="2057400" y="3581401"/>
+            <a:ext cx="7772400" cy="1470025"/>
+          </a:xfrm>
+        </p:spPr>
+        <p:txBody>
+          <a:bodyPr rtlCol="0">
+            <a:normAutofit fontScale="90000"/>
+          </a:bodyPr>
+          <a:lstStyle/>
+          <a:p>
+            <a:pPr>
+              <a:defRPr/>
+            </a:pPr>
+            <a:r>
+              <a:rPr lang="en-US" dirty="0" smtClean="0"/>
+              <a:t>¿</a:t>
+            </a:r>
+            <a:r>
+              <a:rPr lang="en-US" dirty="0" err="1" smtClean="0"/>
+              <a:t>Desde</a:t>
+            </a:r>
+            <a:r>
+              <a:rPr lang="en-US" dirty="0" smtClean="0"/>
+              <a:t> que </a:t>
+            </a:r>
+            <a:r>
+              <a:rPr lang="en-US" dirty="0" err="1" smtClean="0"/>
+              <a:t>precios</a:t>
+            </a:r>
+            <a:r>
+              <a:rPr lang="en-US" dirty="0" smtClean="0"/>
+              <a:t> </a:t>
+            </a:r>
+            <a:r>
+              <a:rPr lang="en-US" dirty="0" err="1" smtClean="0"/>
+              <a:t>podemos</a:t>
+            </a:r>
+            <a:r>
+              <a:rPr lang="en-US" dirty="0" smtClean="0"/>
+              <a:t> </a:t>
+            </a:r>
+            <a:r>
+              <a:rPr lang="en-US" dirty="0" err="1" smtClean="0"/>
+              <a:t>usar</a:t>
+            </a:r>
+            <a:r>
+              <a:rPr lang="en-US" dirty="0" smtClean="0"/>
+              <a:t> Test Cloud?</a:t>
+            </a:r>
+            <a:r>
+              <a:rPr lang="en-US" dirty="0" smtClean="0"/>
+              <a:t/>
+            </a:r>
+            <a:br>
+              <a:rPr lang="en-US" dirty="0" smtClean="0"/>
+            </a:br>
+            <a:r>
+              <a:rPr lang="en-US" dirty="0" smtClean="0"/>
+              <a:t>____________________</a:t>
+            </a:r>
+            <a:endParaRPr lang="en-US" dirty="0"/>
+          </a:p>
+        </p:txBody>
+      </p:sp>
+      <p:sp>
+        <p:nvSpPr>
+          <p:cNvPr id="4" name="TextBox 3"/>
+          <p:cNvSpPr txBox="1">
+            <a:spLocks noChangeArrowheads="1"/>
+          </p:cNvSpPr>
+          <p:nvPr/>
+        </p:nvSpPr>
+        <p:spPr bwMode="auto">
+          <a:xfrm>
+            <a:off x="2514600" y="2006601"/>
+            <a:ext cx="2667000" cy="646331"/>
+          </a:xfrm>
+          <a:prstGeom prst="rect">
+            <a:avLst/>
+          </a:prstGeom>
+          <a:noFill/>
+          <a:ln w="28575">
+            <a:solidFill>
+              <a:srgbClr val="FF0000"/>
+            </a:solidFill>
+            <a:miter lim="800000"/>
+            <a:headEnd/>
+            <a:tailEnd/>
+          </a:ln>
+        </p:spPr>
+        <p:txBody>
+          <a:bodyPr>
+            <a:spAutoFit/>
+          </a:bodyPr>
+          <a:lstStyle/>
+          <a:p>
+            <a:pPr algn="ctr"/>
+            <a:r>
+              <a:rPr lang="en-US" sz="3600" b="1" dirty="0">
+                <a:latin typeface="Calibri" pitchFamily="34" charset="0"/>
+              </a:rPr>
+              <a:t>A</a:t>
+            </a:r>
+            <a:r>
+              <a:rPr lang="en-US" sz="3600" b="1" dirty="0" smtClean="0">
+                <a:latin typeface="Calibri" pitchFamily="34" charset="0"/>
+              </a:rPr>
+              <a:t>. </a:t>
+            </a:r>
+            <a:r>
+              <a:rPr lang="en-US" sz="2400" b="1" dirty="0" smtClean="0">
+                <a:latin typeface="Calibri" pitchFamily="34" charset="0"/>
+              </a:rPr>
+              <a:t>249$</a:t>
+            </a:r>
+            <a:endParaRPr lang="en-US" sz="1600" b="1" dirty="0">
+              <a:latin typeface="Calibri" pitchFamily="34" charset="0"/>
+            </a:endParaRPr>
+          </a:p>
+        </p:txBody>
+      </p:sp>
+      <p:sp>
+        <p:nvSpPr>
+          <p:cNvPr id="5" name="TextBox 4"/>
+          <p:cNvSpPr txBox="1">
+            <a:spLocks noChangeArrowheads="1"/>
+          </p:cNvSpPr>
+          <p:nvPr/>
+        </p:nvSpPr>
+        <p:spPr bwMode="auto">
+          <a:xfrm>
+            <a:off x="5791200" y="2006601"/>
+            <a:ext cx="2667000" cy="646331"/>
+          </a:xfrm>
+          <a:prstGeom prst="rect">
+            <a:avLst/>
+          </a:prstGeom>
+          <a:noFill/>
+          <a:ln w="28575">
+            <a:solidFill>
+              <a:srgbClr val="FF0000"/>
+            </a:solidFill>
+            <a:miter lim="800000"/>
+            <a:headEnd/>
+            <a:tailEnd/>
+          </a:ln>
+        </p:spPr>
+        <p:txBody>
+          <a:bodyPr>
+            <a:spAutoFit/>
+          </a:bodyPr>
+          <a:lstStyle/>
+          <a:p>
+            <a:pPr algn="ctr"/>
+            <a:r>
+              <a:rPr lang="en-US" sz="3600" b="1" dirty="0">
+                <a:latin typeface="Calibri" pitchFamily="34" charset="0"/>
+              </a:rPr>
+              <a:t>B</a:t>
+            </a:r>
+            <a:r>
+              <a:rPr lang="en-US" sz="3600" b="1" dirty="0" smtClean="0">
+                <a:latin typeface="Calibri" pitchFamily="34" charset="0"/>
+              </a:rPr>
+              <a:t>. </a:t>
+            </a:r>
+            <a:r>
+              <a:rPr lang="en-US" sz="2800" b="1" dirty="0" smtClean="0">
+                <a:latin typeface="Calibri" pitchFamily="34" charset="0"/>
+              </a:rPr>
+              <a:t>99$</a:t>
+            </a:r>
+            <a:endParaRPr lang="en-US" sz="2800" b="1" dirty="0">
+              <a:latin typeface="Calibri" pitchFamily="34" charset="0"/>
+            </a:endParaRPr>
+          </a:p>
+        </p:txBody>
+      </p:sp>
+    </p:spTree>
+    <p:extLst>
+      <p:ext uri="{BB962C8B-B14F-4D97-AF65-F5344CB8AC3E}">
+        <p14:creationId xmlns:p14="http://schemas.microsoft.com/office/powerpoint/2010/main" val="1448670151"/>
+      </p:ext>
+    </p:extLst>
+  </p:cSld>
+  <p:clrMapOvr>
+    <a:masterClrMapping/>
+  </p:clrMapOvr>
+  <p:timing>
+    <p:tnLst>
+      <p:par>
+        <p:cTn id="1" dur="indefinite" restart="never" nodeType="tmRoot">
+          <p:childTnLst>
+            <p:seq concurrent="1" nextAc="seek">
+              <p:cTn id="2" dur="indefinite" nodeType="mainSeq">
+                <p:childTnLst>
+                  <p:par>
+                    <p:cTn id="3" fill="hold">
+                      <p:stCondLst>
+                        <p:cond delay="indefinite"/>
+                      </p:stCondLst>
+                      <p:childTnLst>
+                        <p:par>
+                          <p:cTn id="4" fill="hold">
+                            <p:stCondLst>
+                              <p:cond delay="0"/>
+                            </p:stCondLst>
+                            <p:childTnLst>
+                              <p:par>
+                                <p:cTn id="5" presetID="42" presetClass="path" presetSubtype="0" accel="50000" decel="50000" fill="hold" grpId="0" nodeType="clickEffect">
+                                  <p:stCondLst>
+                                    <p:cond delay="0"/>
+                                  </p:stCondLst>
+                                  <p:childTnLst>
+                                    <p:animMotion origin="layout" path="M 5E-6 -3.33333E-6 L -0.2879 0.39699 " pathEditMode="relative" rAng="0" ptsTypes="AA">
+                                      <p:cBhvr>
+                                        <p:cTn id="6" dur="2000" fill="hold"/>
+                                        <p:tgtEl>
+                                          <p:spTgt spid="5"/>
+                                        </p:tgtEl>
+                                        <p:attrNameLst>
+                                          <p:attrName>ppt_x</p:attrName>
+                                          <p:attrName>ppt_y</p:attrName>
+                                        </p:attrNameLst>
+                                      </p:cBhvr>
+                                      <p:rCtr x="-14401" y="19838"/>
+                                    </p:animMotion>
+                                  </p:childTnLst>
+                                </p:cTn>
+                              </p:par>
+                            </p:childTnLst>
+                          </p:cTn>
+                        </p:par>
+                      </p:childTnLst>
+                    </p:cTn>
+                  </p:par>
+                </p:childTnLst>
+              </p:cTn>
+              <p:prevCondLst>
+                <p:cond evt="onPrev" delay="0">
+                  <p:tgtEl>
+                    <p:sldTgt/>
+                  </p:tgtEl>
+                </p:cond>
+              </p:prevCondLst>
+              <p:nextCondLst>
+                <p:cond evt="onNext" delay="0">
+                  <p:tgtEl>
+                    <p:sldTgt/>
+                  </p:tgtEl>
+                </p:cond>
+              </p:nextCondLst>
+            </p:seq>
+          </p:childTnLst>
+        </p:cTn>
+      </p:par>
+    </p:tnLst>
+    <p:bldLst>
+      <p:bldP spid="5" grpId="0" animBg="1"/>
+    </p:bldLst>
+  </p:timing>
+</p:sld>
+</file>
+
+<file path=ppt/slides/slide16.xml><?xml version="1.0" encoding="utf-8"?>
+<p:sld xmlns:a="http://schemas.openxmlformats.org/drawingml/2006/main" xmlns:r="http://schemas.openxmlformats.org/officeDocument/2006/relationships" xmlns:p="http://schemas.openxmlformats.org/presentationml/2006/main">
+  <p:cSld>
+    <p:spTree>
+      <p:nvGrpSpPr>
+        <p:cNvPr id="1" name=""/>
+        <p:cNvGrpSpPr/>
+        <p:nvPr/>
+      </p:nvGrpSpPr>
+      <p:grpSpPr>
+        <a:xfrm>
+          <a:off x="0" y="0"/>
+          <a:ext cx="0" cy="0"/>
+          <a:chOff x="0" y="0"/>
+          <a:chExt cx="0" cy="0"/>
+        </a:xfrm>
+      </p:grpSpPr>
+      <p:sp>
+        <p:nvSpPr>
+          <p:cNvPr id="2" name="Title 1"/>
+          <p:cNvSpPr>
+            <a:spLocks noGrp="1"/>
+          </p:cNvSpPr>
+          <p:nvPr>
+            <p:ph type="ctrTitle"/>
+          </p:nvPr>
+        </p:nvSpPr>
+        <p:spPr>
+          <a:xfrm>
+            <a:off x="2057400" y="3838571"/>
+            <a:ext cx="7772400" cy="1470025"/>
+          </a:xfrm>
+        </p:spPr>
+        <p:txBody>
+          <a:bodyPr rtlCol="0">
+            <a:normAutofit fontScale="90000"/>
+          </a:bodyPr>
+          <a:lstStyle/>
+          <a:p>
+            <a:pPr>
+              <a:defRPr/>
+            </a:pPr>
+            <a:r>
+              <a:rPr lang="en-US" dirty="0" smtClean="0"/>
+              <a:t>¿</a:t>
+            </a:r>
+            <a:r>
+              <a:rPr lang="en-US" dirty="0" err="1" smtClean="0"/>
+              <a:t>Desde</a:t>
+            </a:r>
+            <a:r>
+              <a:rPr lang="en-US" dirty="0" smtClean="0"/>
+              <a:t> que </a:t>
+            </a:r>
+            <a:r>
+              <a:rPr lang="en-US" dirty="0" err="1" smtClean="0"/>
+              <a:t>precios</a:t>
+            </a:r>
+            <a:r>
+              <a:rPr lang="en-US" dirty="0" smtClean="0"/>
+              <a:t> </a:t>
+            </a:r>
+            <a:r>
+              <a:rPr lang="en-US" dirty="0" err="1" smtClean="0"/>
+              <a:t>podemos</a:t>
+            </a:r>
+            <a:r>
+              <a:rPr lang="en-US" dirty="0" smtClean="0"/>
+              <a:t> </a:t>
+            </a:r>
+            <a:r>
+              <a:rPr lang="en-US" dirty="0" err="1" smtClean="0"/>
+              <a:t>usar</a:t>
+            </a:r>
+            <a:r>
+              <a:rPr lang="en-US" dirty="0" smtClean="0"/>
+              <a:t> Xamarin Insights?</a:t>
+            </a:r>
+            <a:r>
+              <a:rPr lang="en-US" dirty="0" smtClean="0"/>
+              <a:t/>
+            </a:r>
+            <a:br>
+              <a:rPr lang="en-US" dirty="0" smtClean="0"/>
+            </a:br>
+            <a:r>
+              <a:rPr lang="en-US" dirty="0" smtClean="0"/>
+              <a:t>____________________</a:t>
+            </a:r>
+            <a:endParaRPr lang="en-US" dirty="0"/>
+          </a:p>
+        </p:txBody>
+      </p:sp>
+      <p:sp>
+        <p:nvSpPr>
+          <p:cNvPr id="4" name="TextBox 3"/>
+          <p:cNvSpPr txBox="1">
+            <a:spLocks noChangeArrowheads="1"/>
+          </p:cNvSpPr>
+          <p:nvPr/>
+        </p:nvSpPr>
+        <p:spPr bwMode="auto">
+          <a:xfrm>
+            <a:off x="2514600" y="2006601"/>
+            <a:ext cx="2667000" cy="646331"/>
+          </a:xfrm>
+          <a:prstGeom prst="rect">
+            <a:avLst/>
+          </a:prstGeom>
+          <a:noFill/>
+          <a:ln w="28575">
+            <a:solidFill>
+              <a:srgbClr val="FF0000"/>
+            </a:solidFill>
+            <a:miter lim="800000"/>
+            <a:headEnd/>
+            <a:tailEnd/>
+          </a:ln>
+        </p:spPr>
+        <p:txBody>
+          <a:bodyPr>
+            <a:spAutoFit/>
+          </a:bodyPr>
+          <a:lstStyle/>
+          <a:p>
+            <a:pPr algn="ctr"/>
+            <a:r>
+              <a:rPr lang="en-US" sz="3600" b="1" dirty="0">
+                <a:latin typeface="Calibri" pitchFamily="34" charset="0"/>
+              </a:rPr>
+              <a:t>A</a:t>
+            </a:r>
+            <a:r>
+              <a:rPr lang="en-US" sz="3600" b="1" dirty="0" smtClean="0">
+                <a:latin typeface="Calibri" pitchFamily="34" charset="0"/>
+              </a:rPr>
+              <a:t>. </a:t>
+            </a:r>
+            <a:r>
+              <a:rPr lang="en-US" sz="2400" b="1" dirty="0" smtClean="0">
+                <a:latin typeface="Calibri" pitchFamily="34" charset="0"/>
+              </a:rPr>
+              <a:t>Gratis</a:t>
+            </a:r>
+            <a:endParaRPr lang="en-US" sz="1600" b="1" dirty="0">
+              <a:latin typeface="Calibri" pitchFamily="34" charset="0"/>
+            </a:endParaRPr>
+          </a:p>
+        </p:txBody>
+      </p:sp>
+      <p:sp>
+        <p:nvSpPr>
+          <p:cNvPr id="5" name="TextBox 4"/>
+          <p:cNvSpPr txBox="1">
+            <a:spLocks noChangeArrowheads="1"/>
+          </p:cNvSpPr>
+          <p:nvPr/>
+        </p:nvSpPr>
+        <p:spPr bwMode="auto">
+          <a:xfrm>
+            <a:off x="5791200" y="2006601"/>
+            <a:ext cx="2667000" cy="646331"/>
+          </a:xfrm>
+          <a:prstGeom prst="rect">
+            <a:avLst/>
+          </a:prstGeom>
+          <a:noFill/>
+          <a:ln w="28575">
+            <a:solidFill>
+              <a:srgbClr val="FF0000"/>
+            </a:solidFill>
+            <a:miter lim="800000"/>
+            <a:headEnd/>
+            <a:tailEnd/>
+          </a:ln>
+        </p:spPr>
+        <p:txBody>
+          <a:bodyPr>
+            <a:spAutoFit/>
+          </a:bodyPr>
+          <a:lstStyle/>
+          <a:p>
+            <a:pPr algn="ctr"/>
+            <a:r>
+              <a:rPr lang="en-US" sz="3600" b="1" dirty="0">
+                <a:latin typeface="Calibri" pitchFamily="34" charset="0"/>
+              </a:rPr>
+              <a:t>B</a:t>
+            </a:r>
+            <a:r>
+              <a:rPr lang="en-US" sz="3600" b="1" dirty="0" smtClean="0">
+                <a:latin typeface="Calibri" pitchFamily="34" charset="0"/>
+              </a:rPr>
+              <a:t>. </a:t>
+            </a:r>
+            <a:r>
+              <a:rPr lang="en-US" sz="2800" b="1" dirty="0" smtClean="0">
+                <a:latin typeface="Calibri" pitchFamily="34" charset="0"/>
+              </a:rPr>
+              <a:t>99$</a:t>
+            </a:r>
+            <a:endParaRPr lang="en-US" sz="2800" b="1" dirty="0">
+              <a:latin typeface="Calibri" pitchFamily="34" charset="0"/>
+            </a:endParaRPr>
+          </a:p>
+        </p:txBody>
+      </p:sp>
+    </p:spTree>
+    <p:extLst>
+      <p:ext uri="{BB962C8B-B14F-4D97-AF65-F5344CB8AC3E}">
+        <p14:creationId xmlns:p14="http://schemas.microsoft.com/office/powerpoint/2010/main" val="719315482"/>
+      </p:ext>
+    </p:extLst>
+  </p:cSld>
+  <p:clrMapOvr>
+    <a:masterClrMapping/>
+  </p:clrMapOvr>
+  <p:timing>
+    <p:tnLst>
+      <p:par>
+        <p:cTn id="1" dur="indefinite" restart="never" nodeType="tmRoot">
+          <p:childTnLst>
+            <p:seq concurrent="1" nextAc="seek">
+              <p:cTn id="2" dur="indefinite" nodeType="mainSeq">
+                <p:childTnLst>
+                  <p:par>
+                    <p:cTn id="3" fill="hold">
+                      <p:stCondLst>
+                        <p:cond delay="indefinite"/>
+                      </p:stCondLst>
+                      <p:childTnLst>
+                        <p:par>
+                          <p:cTn id="4" fill="hold">
+                            <p:stCondLst>
+                              <p:cond delay="0"/>
+                            </p:stCondLst>
+                            <p:childTnLst>
+                              <p:par>
+                                <p:cTn id="5" presetID="42" presetClass="path" presetSubtype="0" accel="50000" decel="50000" fill="hold" grpId="0" nodeType="clickEffect">
+                                  <p:stCondLst>
+                                    <p:cond delay="0"/>
+                                  </p:stCondLst>
+                                  <p:childTnLst>
+                                    <p:animMotion origin="layout" path="M 5E-6 -3.33333E-6 L -0.00273 0.43449 " pathEditMode="relative" rAng="0" ptsTypes="AA">
+                                      <p:cBhvr>
+                                        <p:cTn id="6" dur="2000" fill="hold"/>
+                                        <p:tgtEl>
+                                          <p:spTgt spid="4"/>
+                                        </p:tgtEl>
+                                        <p:attrNameLst>
+                                          <p:attrName>ppt_x</p:attrName>
+                                          <p:attrName>ppt_y</p:attrName>
+                                        </p:attrNameLst>
+                                      </p:cBhvr>
+                                      <p:rCtr x="-143" y="21713"/>
+                                    </p:animMotion>
+                                  </p:childTnLst>
+                                </p:cTn>
+                              </p:par>
+                            </p:childTnLst>
+                          </p:cTn>
+                        </p:par>
+                      </p:childTnLst>
+                    </p:cTn>
+                  </p:par>
+                </p:childTnLst>
+              </p:cTn>
+              <p:prevCondLst>
+                <p:cond evt="onPrev" delay="0">
+                  <p:tgtEl>
+                    <p:sldTgt/>
+                  </p:tgtEl>
+                </p:cond>
+              </p:prevCondLst>
+              <p:nextCondLst>
+                <p:cond evt="onNext" delay="0">
+                  <p:tgtEl>
+                    <p:sldTgt/>
+                  </p:tgtEl>
+                </p:cond>
+              </p:nextCondLst>
+            </p:seq>
+          </p:childTnLst>
+        </p:cTn>
+      </p:par>
+    </p:tnLst>
+    <p:bldLst>
+      <p:bldP spid="4" grpId="0" animBg="1"/>
+    </p:bldLst>
+  </p:timing>
+</p:sld>
+</file>
+
+<file path=ppt/slides/slide17.xml><?xml version="1.0" encoding="utf-8"?>
+<p:sld xmlns:a="http://schemas.openxmlformats.org/drawingml/2006/main" xmlns:r="http://schemas.openxmlformats.org/officeDocument/2006/relationships" xmlns:p="http://schemas.openxmlformats.org/presentationml/2006/main">
+  <p:cSld>
+    <p:spTree>
+      <p:nvGrpSpPr>
+        <p:cNvPr id="1" name=""/>
+        <p:cNvGrpSpPr/>
+        <p:nvPr/>
+      </p:nvGrpSpPr>
+      <p:grpSpPr>
+        <a:xfrm>
+          <a:off x="0" y="0"/>
+          <a:ext cx="0" cy="0"/>
+          <a:chOff x="0" y="0"/>
+          <a:chExt cx="0" cy="0"/>
+        </a:xfrm>
+      </p:grpSpPr>
+      <p:sp>
+        <p:nvSpPr>
+          <p:cNvPr id="2" name="Title 1"/>
+          <p:cNvSpPr>
+            <a:spLocks noGrp="1"/>
+          </p:cNvSpPr>
+          <p:nvPr>
+            <p:ph type="ctrTitle"/>
+          </p:nvPr>
+        </p:nvSpPr>
+        <p:spPr>
+          <a:xfrm>
+            <a:off x="2057400" y="3581401"/>
+            <a:ext cx="7772400" cy="1470025"/>
+          </a:xfrm>
+        </p:spPr>
+        <p:txBody>
+          <a:bodyPr rtlCol="0">
+            <a:normAutofit fontScale="90000"/>
+          </a:bodyPr>
+          <a:lstStyle/>
+          <a:p>
+            <a:pPr>
+              <a:defRPr/>
+            </a:pPr>
+            <a:r>
+              <a:rPr lang="en-US" dirty="0" smtClean="0"/>
+              <a:t>¿La </a:t>
+            </a:r>
+            <a:r>
+              <a:rPr lang="en-US" dirty="0" err="1" smtClean="0"/>
+              <a:t>información</a:t>
+            </a:r>
+            <a:r>
+              <a:rPr lang="en-US" dirty="0" smtClean="0"/>
+              <a:t> </a:t>
+            </a:r>
+            <a:r>
+              <a:rPr lang="en-US" dirty="0" err="1" smtClean="0"/>
+              <a:t>viaja</a:t>
+            </a:r>
+            <a:r>
+              <a:rPr lang="en-US" dirty="0" smtClean="0"/>
+              <a:t> </a:t>
+            </a:r>
+            <a:r>
+              <a:rPr lang="en-US" dirty="0" err="1" smtClean="0"/>
+              <a:t>encriptada</a:t>
+            </a:r>
+            <a:r>
+              <a:rPr lang="en-US" dirty="0" smtClean="0"/>
+              <a:t> a Xamarin Insights?</a:t>
+            </a:r>
+            <a:r>
+              <a:rPr lang="en-US" dirty="0" smtClean="0"/>
+              <a:t/>
+            </a:r>
+            <a:br>
+              <a:rPr lang="en-US" dirty="0" smtClean="0"/>
+            </a:br>
+            <a:r>
+              <a:rPr lang="en-US" dirty="0" smtClean="0"/>
+              <a:t>____________________</a:t>
+            </a:r>
+            <a:endParaRPr lang="en-US" dirty="0"/>
+          </a:p>
+        </p:txBody>
+      </p:sp>
+      <p:sp>
+        <p:nvSpPr>
+          <p:cNvPr id="4" name="TextBox 3"/>
+          <p:cNvSpPr txBox="1">
+            <a:spLocks noChangeArrowheads="1"/>
+          </p:cNvSpPr>
+          <p:nvPr/>
+        </p:nvSpPr>
+        <p:spPr bwMode="auto">
+          <a:xfrm>
+            <a:off x="2514600" y="2006601"/>
+            <a:ext cx="2667000" cy="646331"/>
+          </a:xfrm>
+          <a:prstGeom prst="rect">
+            <a:avLst/>
+          </a:prstGeom>
+          <a:noFill/>
+          <a:ln w="28575">
+            <a:solidFill>
+              <a:srgbClr val="FF0000"/>
+            </a:solidFill>
+            <a:miter lim="800000"/>
+            <a:headEnd/>
+            <a:tailEnd/>
+          </a:ln>
+        </p:spPr>
+        <p:txBody>
+          <a:bodyPr>
+            <a:spAutoFit/>
+          </a:bodyPr>
+          <a:lstStyle/>
+          <a:p>
+            <a:pPr algn="ctr"/>
+            <a:r>
+              <a:rPr lang="en-US" sz="3600" b="1" dirty="0">
+                <a:latin typeface="Calibri" pitchFamily="34" charset="0"/>
+              </a:rPr>
+              <a:t>A</a:t>
+            </a:r>
+            <a:r>
+              <a:rPr lang="en-US" sz="3600" b="1" dirty="0" smtClean="0">
+                <a:latin typeface="Calibri" pitchFamily="34" charset="0"/>
+              </a:rPr>
+              <a:t>. </a:t>
+            </a:r>
+            <a:r>
+              <a:rPr lang="en-US" sz="2400" b="1" dirty="0" smtClean="0">
+                <a:latin typeface="Calibri" pitchFamily="34" charset="0"/>
+              </a:rPr>
+              <a:t>No</a:t>
+            </a:r>
+            <a:endParaRPr lang="en-US" sz="1600" b="1" dirty="0">
+              <a:latin typeface="Calibri" pitchFamily="34" charset="0"/>
+            </a:endParaRPr>
+          </a:p>
+        </p:txBody>
+      </p:sp>
+      <p:sp>
+        <p:nvSpPr>
+          <p:cNvPr id="5" name="TextBox 4"/>
+          <p:cNvSpPr txBox="1">
+            <a:spLocks noChangeArrowheads="1"/>
+          </p:cNvSpPr>
+          <p:nvPr/>
+        </p:nvSpPr>
+        <p:spPr bwMode="auto">
+          <a:xfrm>
+            <a:off x="5791200" y="2006601"/>
+            <a:ext cx="2667000" cy="646331"/>
+          </a:xfrm>
+          <a:prstGeom prst="rect">
+            <a:avLst/>
+          </a:prstGeom>
+          <a:noFill/>
+          <a:ln w="28575">
+            <a:solidFill>
+              <a:srgbClr val="FF0000"/>
+            </a:solidFill>
+            <a:miter lim="800000"/>
+            <a:headEnd/>
+            <a:tailEnd/>
+          </a:ln>
+        </p:spPr>
+        <p:txBody>
+          <a:bodyPr>
+            <a:spAutoFit/>
+          </a:bodyPr>
+          <a:lstStyle/>
+          <a:p>
+            <a:pPr algn="ctr"/>
+            <a:r>
+              <a:rPr lang="en-US" sz="3600" b="1" dirty="0">
+                <a:latin typeface="Calibri" pitchFamily="34" charset="0"/>
+              </a:rPr>
+              <a:t>B</a:t>
+            </a:r>
+            <a:r>
+              <a:rPr lang="en-US" sz="3600" b="1" dirty="0" smtClean="0">
+                <a:latin typeface="Calibri" pitchFamily="34" charset="0"/>
+              </a:rPr>
+              <a:t>. </a:t>
+            </a:r>
+            <a:r>
+              <a:rPr lang="en-US" sz="2800" b="1" dirty="0" smtClean="0">
+                <a:latin typeface="Calibri" pitchFamily="34" charset="0"/>
+              </a:rPr>
+              <a:t>Si</a:t>
+            </a:r>
+            <a:endParaRPr lang="en-US" sz="2800" b="1" dirty="0">
+              <a:latin typeface="Calibri" pitchFamily="34" charset="0"/>
+            </a:endParaRPr>
+          </a:p>
+        </p:txBody>
+      </p:sp>
+    </p:spTree>
+    <p:extLst>
+      <p:ext uri="{BB962C8B-B14F-4D97-AF65-F5344CB8AC3E}">
+        <p14:creationId xmlns:p14="http://schemas.microsoft.com/office/powerpoint/2010/main" val="2619120108"/>
+      </p:ext>
+    </p:extLst>
+  </p:cSld>
+  <p:clrMapOvr>
+    <a:masterClrMapping/>
+  </p:clrMapOvr>
+  <p:timing>
+    <p:tnLst>
+      <p:par>
+        <p:cTn id="1" dur="indefinite" restart="never" nodeType="tmRoot">
+          <p:childTnLst>
+            <p:seq concurrent="1" nextAc="seek">
+              <p:cTn id="2" dur="indefinite" nodeType="mainSeq">
+                <p:childTnLst>
+                  <p:par>
+                    <p:cTn id="3" fill="hold">
+                      <p:stCondLst>
+                        <p:cond delay="indefinite"/>
+                      </p:stCondLst>
+                      <p:childTnLst>
+                        <p:par>
+                          <p:cTn id="4" fill="hold">
+                            <p:stCondLst>
+                              <p:cond delay="0"/>
+                            </p:stCondLst>
+                            <p:childTnLst>
+                              <p:par>
+                                <p:cTn id="5" presetID="42" presetClass="path" presetSubtype="0" accel="50000" decel="50000" fill="hold" grpId="0" nodeType="clickEffect">
+                                  <p:stCondLst>
+                                    <p:cond delay="0"/>
+                                  </p:stCondLst>
+                                  <p:childTnLst>
+                                    <p:animMotion origin="layout" path="M 5E-6 -3.33333E-6 L -0.28907 0.38426 " pathEditMode="relative" rAng="0" ptsTypes="AA">
+                                      <p:cBhvr>
+                                        <p:cTn id="6" dur="2000" fill="hold"/>
+                                        <p:tgtEl>
+                                          <p:spTgt spid="5"/>
+                                        </p:tgtEl>
+                                        <p:attrNameLst>
+                                          <p:attrName>ppt_x</p:attrName>
+                                          <p:attrName>ppt_y</p:attrName>
+                                        </p:attrNameLst>
+                                      </p:cBhvr>
+                                      <p:rCtr x="-14453" y="19213"/>
+                                    </p:animMotion>
+                                  </p:childTnLst>
+                                </p:cTn>
+                              </p:par>
+                            </p:childTnLst>
+                          </p:cTn>
+                        </p:par>
+                      </p:childTnLst>
+                    </p:cTn>
+                  </p:par>
+                </p:childTnLst>
+              </p:cTn>
+              <p:prevCondLst>
+                <p:cond evt="onPrev" delay="0">
+                  <p:tgtEl>
+                    <p:sldTgt/>
+                  </p:tgtEl>
+                </p:cond>
+              </p:prevCondLst>
+              <p:nextCondLst>
+                <p:cond evt="onNext" delay="0">
+                  <p:tgtEl>
+                    <p:sldTgt/>
+                  </p:tgtEl>
+                </p:cond>
+              </p:nextCondLst>
+            </p:seq>
+          </p:childTnLst>
+        </p:cTn>
+      </p:par>
+    </p:tnLst>
+    <p:bldLst>
+      <p:bldP spid="5" grpId="0" animBg="1"/>
+    </p:bldLst>
+  </p:timing>
+</p:sld>
+</file>
+
+<file path=ppt/slides/slide18.xml><?xml version="1.0" encoding="utf-8"?>
+<p:sld xmlns:a="http://schemas.openxmlformats.org/drawingml/2006/main" xmlns:r="http://schemas.openxmlformats.org/officeDocument/2006/relationships" xmlns:p="http://schemas.openxmlformats.org/presentationml/2006/main">
+  <p:cSld>
+    <p:spTree>
+      <p:nvGrpSpPr>
+        <p:cNvPr id="1" name=""/>
+        <p:cNvGrpSpPr/>
+        <p:nvPr/>
+      </p:nvGrpSpPr>
+      <p:grpSpPr>
+        <a:xfrm>
+          <a:off x="0" y="0"/>
+          <a:ext cx="0" cy="0"/>
+          <a:chOff x="0" y="0"/>
+          <a:chExt cx="0" cy="0"/>
+        </a:xfrm>
+      </p:grpSpPr>
+      <p:sp>
+        <p:nvSpPr>
+          <p:cNvPr id="2" name="Title 1"/>
+          <p:cNvSpPr>
+            <a:spLocks noGrp="1"/>
+          </p:cNvSpPr>
+          <p:nvPr>
+            <p:ph type="ctrTitle"/>
+          </p:nvPr>
+        </p:nvSpPr>
+        <p:spPr>
+          <a:xfrm>
+            <a:off x="2300287" y="3631397"/>
+            <a:ext cx="7772400" cy="1470025"/>
+          </a:xfrm>
+        </p:spPr>
+        <p:txBody>
+          <a:bodyPr rtlCol="0">
+            <a:normAutofit fontScale="90000"/>
+          </a:bodyPr>
+          <a:lstStyle/>
+          <a:p>
+            <a:pPr>
+              <a:defRPr/>
+            </a:pPr>
+            <a:r>
+              <a:rPr lang="en-US" dirty="0" smtClean="0"/>
+              <a:t>¿</a:t>
+            </a:r>
+            <a:r>
+              <a:rPr lang="en-US" dirty="0" err="1" smtClean="0"/>
+              <a:t>Cuántos</a:t>
+            </a:r>
+            <a:r>
+              <a:rPr lang="en-US" dirty="0" smtClean="0"/>
+              <a:t> </a:t>
+            </a:r>
+            <a:r>
+              <a:rPr lang="en-US" dirty="0" err="1" smtClean="0"/>
+              <a:t>desarrolladores</a:t>
+            </a:r>
+            <a:r>
+              <a:rPr lang="en-US" dirty="0" smtClean="0"/>
+              <a:t> Xamarin hay </a:t>
+            </a:r>
+            <a:r>
+              <a:rPr lang="en-US" dirty="0" err="1" smtClean="0"/>
+              <a:t>actualmente</a:t>
+            </a:r>
+            <a:r>
+              <a:rPr lang="en-US" dirty="0" smtClean="0"/>
+              <a:t>?</a:t>
+            </a:r>
+            <a:r>
+              <a:rPr lang="en-US" dirty="0" smtClean="0"/>
+              <a:t/>
+            </a:r>
+            <a:br>
+              <a:rPr lang="en-US" dirty="0" smtClean="0"/>
+            </a:br>
+            <a:r>
+              <a:rPr lang="en-US" dirty="0" smtClean="0"/>
+              <a:t>____________________</a:t>
+            </a:r>
+            <a:endParaRPr lang="en-US" dirty="0"/>
+          </a:p>
+        </p:txBody>
+      </p:sp>
+      <p:sp>
+        <p:nvSpPr>
+          <p:cNvPr id="4" name="TextBox 3"/>
+          <p:cNvSpPr txBox="1">
+            <a:spLocks noChangeArrowheads="1"/>
+          </p:cNvSpPr>
+          <p:nvPr/>
+        </p:nvSpPr>
+        <p:spPr bwMode="auto">
+          <a:xfrm>
+            <a:off x="2514600" y="2006601"/>
+            <a:ext cx="2667000" cy="646331"/>
+          </a:xfrm>
+          <a:prstGeom prst="rect">
+            <a:avLst/>
+          </a:prstGeom>
+          <a:noFill/>
+          <a:ln w="28575">
+            <a:solidFill>
+              <a:srgbClr val="FF0000"/>
+            </a:solidFill>
+            <a:miter lim="800000"/>
+            <a:headEnd/>
+            <a:tailEnd/>
+          </a:ln>
+        </p:spPr>
+        <p:txBody>
+          <a:bodyPr>
+            <a:spAutoFit/>
+          </a:bodyPr>
+          <a:lstStyle/>
+          <a:p>
+            <a:pPr algn="ctr"/>
+            <a:r>
+              <a:rPr lang="en-US" sz="3600" b="1" dirty="0">
+                <a:latin typeface="Calibri" pitchFamily="34" charset="0"/>
+              </a:rPr>
+              <a:t>A</a:t>
+            </a:r>
+            <a:r>
+              <a:rPr lang="en-US" sz="3600" b="1" dirty="0" smtClean="0">
+                <a:latin typeface="Calibri" pitchFamily="34" charset="0"/>
+              </a:rPr>
+              <a:t>. </a:t>
+            </a:r>
+            <a:r>
+              <a:rPr lang="en-US" sz="3200" b="1" dirty="0" smtClean="0">
+                <a:latin typeface="Calibri" pitchFamily="34" charset="0"/>
+              </a:rPr>
+              <a:t>+1.400.000</a:t>
+            </a:r>
+            <a:endParaRPr lang="en-US" sz="2000" b="1" dirty="0">
+              <a:latin typeface="Calibri" pitchFamily="34" charset="0"/>
+            </a:endParaRPr>
+          </a:p>
+        </p:txBody>
+      </p:sp>
+      <p:sp>
+        <p:nvSpPr>
+          <p:cNvPr id="5" name="TextBox 4"/>
+          <p:cNvSpPr txBox="1">
+            <a:spLocks noChangeArrowheads="1"/>
+          </p:cNvSpPr>
+          <p:nvPr/>
+        </p:nvSpPr>
+        <p:spPr bwMode="auto">
+          <a:xfrm>
+            <a:off x="5791200" y="2006601"/>
+            <a:ext cx="2667000" cy="646331"/>
+          </a:xfrm>
+          <a:prstGeom prst="rect">
+            <a:avLst/>
+          </a:prstGeom>
+          <a:noFill/>
+          <a:ln w="28575">
+            <a:solidFill>
+              <a:srgbClr val="FF0000"/>
+            </a:solidFill>
+            <a:miter lim="800000"/>
+            <a:headEnd/>
+            <a:tailEnd/>
+          </a:ln>
+        </p:spPr>
+        <p:txBody>
+          <a:bodyPr>
+            <a:spAutoFit/>
+          </a:bodyPr>
+          <a:lstStyle/>
+          <a:p>
+            <a:pPr algn="ctr"/>
+            <a:r>
+              <a:rPr lang="en-US" sz="3600" b="1" dirty="0">
+                <a:latin typeface="Calibri" pitchFamily="34" charset="0"/>
+              </a:rPr>
+              <a:t>B</a:t>
+            </a:r>
+            <a:r>
+              <a:rPr lang="en-US" sz="3600" b="1" dirty="0" smtClean="0">
+                <a:latin typeface="Calibri" pitchFamily="34" charset="0"/>
+              </a:rPr>
+              <a:t>. </a:t>
+            </a:r>
+            <a:r>
+              <a:rPr lang="en-US" sz="2800" b="1" dirty="0" smtClean="0">
+                <a:latin typeface="Calibri" pitchFamily="34" charset="0"/>
+              </a:rPr>
+              <a:t>+1.350.000</a:t>
+            </a:r>
+            <a:endParaRPr lang="en-US" sz="2800" b="1" dirty="0">
+              <a:latin typeface="Calibri" pitchFamily="34" charset="0"/>
+            </a:endParaRPr>
+          </a:p>
+        </p:txBody>
+      </p:sp>
+    </p:spTree>
+    <p:extLst>
+      <p:ext uri="{BB962C8B-B14F-4D97-AF65-F5344CB8AC3E}">
+        <p14:creationId xmlns:p14="http://schemas.microsoft.com/office/powerpoint/2010/main" val="792944214"/>
+      </p:ext>
+    </p:extLst>
+  </p:cSld>
+  <p:clrMapOvr>
+    <a:masterClrMapping/>
+  </p:clrMapOvr>
+  <p:timing>
+    <p:tnLst>
+      <p:par>
+        <p:cTn id="1" dur="indefinite" restart="never" nodeType="tmRoot">
+          <p:childTnLst>
+            <p:seq concurrent="1" nextAc="seek">
+              <p:cTn id="2" dur="indefinite" nodeType="mainSeq">
+                <p:childTnLst>
+                  <p:par>
+                    <p:cTn id="3" fill="hold">
+                      <p:stCondLst>
+                        <p:cond delay="indefinite"/>
+                      </p:stCondLst>
+                      <p:childTnLst>
+                        <p:par>
+                          <p:cTn id="4" fill="hold">
+                            <p:stCondLst>
+                              <p:cond delay="0"/>
+                            </p:stCondLst>
+                            <p:childTnLst>
+                              <p:par>
+                                <p:cTn id="5" presetID="42" presetClass="path" presetSubtype="0" accel="50000" decel="50000" fill="hold" grpId="0" nodeType="clickEffect">
+                                  <p:stCondLst>
+                                    <p:cond delay="0"/>
+                                  </p:stCondLst>
+                                  <p:childTnLst>
+                                    <p:animMotion origin="layout" path="M 5E-6 -3.33333E-6 L -0.26094 0.36574 " pathEditMode="relative" rAng="0" ptsTypes="AA">
+                                      <p:cBhvr>
+                                        <p:cTn id="6" dur="2000" fill="hold"/>
+                                        <p:tgtEl>
+                                          <p:spTgt spid="5"/>
+                                        </p:tgtEl>
+                                        <p:attrNameLst>
+                                          <p:attrName>ppt_x</p:attrName>
+                                          <p:attrName>ppt_y</p:attrName>
+                                        </p:attrNameLst>
+                                      </p:cBhvr>
+                                      <p:rCtr x="-13047" y="18287"/>
+                                    </p:animMotion>
+                                  </p:childTnLst>
+                                </p:cTn>
+                              </p:par>
+                            </p:childTnLst>
+                          </p:cTn>
+                        </p:par>
+                      </p:childTnLst>
+                    </p:cTn>
+                  </p:par>
+                </p:childTnLst>
+              </p:cTn>
+              <p:prevCondLst>
+                <p:cond evt="onPrev" delay="0">
+                  <p:tgtEl>
+                    <p:sldTgt/>
+                  </p:tgtEl>
+                </p:cond>
+              </p:prevCondLst>
+              <p:nextCondLst>
+                <p:cond evt="onNext" delay="0">
+                  <p:tgtEl>
+                    <p:sldTgt/>
+                  </p:tgtEl>
+                </p:cond>
+              </p:nextCondLst>
+            </p:seq>
+          </p:childTnLst>
+        </p:cTn>
+      </p:par>
+    </p:tnLst>
+    <p:bldLst>
+      <p:bldP spid="5" grpId="0" animBg="1"/>
+    </p:bldLst>
+  </p:timing>
+</p:sld>
+</file>
+
+<file path=ppt/slides/slide19.xml><?xml version="1.0" encoding="utf-8"?>
+<p:sld xmlns:a="http://schemas.openxmlformats.org/drawingml/2006/main" xmlns:r="http://schemas.openxmlformats.org/officeDocument/2006/relationships" xmlns:p="http://schemas.openxmlformats.org/presentationml/2006/main">
+  <p:cSld>
+    <p:spTree>
+      <p:nvGrpSpPr>
+        <p:cNvPr id="1" name=""/>
+        <p:cNvGrpSpPr/>
+        <p:nvPr/>
+      </p:nvGrpSpPr>
+      <p:grpSpPr>
+        <a:xfrm>
+          <a:off x="0" y="0"/>
+          <a:ext cx="0" cy="0"/>
+          <a:chOff x="0" y="0"/>
+          <a:chExt cx="0" cy="0"/>
+        </a:xfrm>
+      </p:grpSpPr>
+      <p:sp>
+        <p:nvSpPr>
+          <p:cNvPr id="27" name="Text Placeholder 25"/>
+          <p:cNvSpPr txBox="1">
+            <a:spLocks/>
+          </p:cNvSpPr>
+          <p:nvPr/>
+        </p:nvSpPr>
+        <p:spPr bwMode="invGray">
+          <a:xfrm>
+            <a:off x="1556293" y="1685952"/>
+            <a:ext cx="10321336" cy="821723"/>
+          </a:xfrm>
+          <a:prstGeom prst="rect">
+            <a:avLst/>
+          </a:prstGeom>
+        </p:spPr>
+        <p:txBody>
+          <a:bodyPr vert="horz" wrap="square" lIns="179285" tIns="143428" rIns="179285" bIns="143428" rtlCol="0" anchor="t">
+            <a:noAutofit/>
+          </a:bodyPr>
+          <a:lstStyle>
+            <a:lvl1pPr marL="0" indent="0" algn="l" defTabSz="914166" rtl="0" eaLnBrk="1" latinLnBrk="0" hangingPunct="1">
+              <a:spcBef>
+                <a:spcPct val="20000"/>
+              </a:spcBef>
+              <a:buFont typeface="Arial" pitchFamily="34" charset="0"/>
+              <a:buNone/>
+              <a:defRPr sz="6700" kern="1200" spc="-153">
+                <a:gradFill>
+                  <a:gsLst>
+                    <a:gs pos="0">
+                      <a:schemeClr val="tx1"/>
+                    </a:gs>
+                    <a:gs pos="100000">
+                      <a:schemeClr val="tx1"/>
+                    </a:gs>
+                  </a:gsLst>
+                  <a:lin ang="5400000" scaled="0"/>
+                </a:gradFill>
+                <a:latin typeface="+mj-lt"/>
+                <a:ea typeface="+mn-ea"/>
+                <a:cs typeface="+mn-cs"/>
+              </a:defRPr>
+            </a:lvl1pPr>
+            <a:lvl2pPr marL="0" indent="0" algn="l" defTabSz="914166" rtl="0" eaLnBrk="1" latinLnBrk="0" hangingPunct="1">
+              <a:spcBef>
+                <a:spcPct val="20000"/>
+              </a:spcBef>
+              <a:buFont typeface="Arial" pitchFamily="34" charset="0"/>
+              <a:buNone/>
+              <a:defRPr sz="2800" kern="1200">
+                <a:gradFill>
+                  <a:gsLst>
+                    <a:gs pos="0">
+                      <a:schemeClr val="tx1"/>
+                    </a:gs>
+                    <a:gs pos="100000">
+                      <a:schemeClr val="tx1"/>
+                    </a:gs>
+                  </a:gsLst>
+                  <a:lin ang="5400000" scaled="0"/>
+                </a:gradFill>
+                <a:latin typeface="+mn-lt"/>
+                <a:ea typeface="+mn-ea"/>
+                <a:cs typeface="+mn-cs"/>
+              </a:defRPr>
+            </a:lvl2pPr>
+            <a:lvl3pPr marL="457082" indent="-228541" algn="l" defTabSz="914166" rtl="0" eaLnBrk="1" latinLnBrk="0" hangingPunct="1">
+              <a:spcBef>
+                <a:spcPct val="20000"/>
+              </a:spcBef>
+              <a:buFont typeface="Arial" pitchFamily="34" charset="0"/>
+              <a:buChar char="•"/>
+              <a:defRPr sz="2400" kern="1200">
+                <a:gradFill>
+                  <a:gsLst>
+                    <a:gs pos="0">
+                      <a:schemeClr val="tx1"/>
+                    </a:gs>
+                    <a:gs pos="100000">
+                      <a:schemeClr val="tx1"/>
+                    </a:gs>
+                  </a:gsLst>
+                  <a:lin ang="5400000" scaled="0"/>
+                </a:gradFill>
+                <a:latin typeface="+mn-lt"/>
+                <a:ea typeface="+mn-ea"/>
+                <a:cs typeface="+mn-cs"/>
+              </a:defRPr>
+            </a:lvl3pPr>
+            <a:lvl4pPr marL="739586" indent="-282503" algn="l" defTabSz="914166" rtl="0" eaLnBrk="1" latinLnBrk="0" hangingPunct="1">
+              <a:spcBef>
+                <a:spcPct val="20000"/>
+              </a:spcBef>
+              <a:buFont typeface="Arial" pitchFamily="34" charset="0"/>
+              <a:buChar char="–"/>
+              <a:defRPr sz="2000" kern="1200">
+                <a:gradFill>
+                  <a:gsLst>
+                    <a:gs pos="0">
+                      <a:schemeClr val="tx1"/>
+                    </a:gs>
+                    <a:gs pos="100000">
+                      <a:schemeClr val="tx1"/>
+                    </a:gs>
+                  </a:gsLst>
+                  <a:lin ang="5400000" scaled="0"/>
+                </a:gradFill>
+                <a:latin typeface="+mn-lt"/>
+                <a:ea typeface="+mn-ea"/>
+                <a:cs typeface="+mn-cs"/>
+              </a:defRPr>
+            </a:lvl4pPr>
+            <a:lvl5pPr marL="1033199" indent="-293612" algn="l" defTabSz="914166" rtl="0" eaLnBrk="1" latinLnBrk="0" hangingPunct="1">
+              <a:spcBef>
+                <a:spcPct val="20000"/>
+              </a:spcBef>
+              <a:buFont typeface="Arial" pitchFamily="34" charset="0"/>
+              <a:buChar char="»"/>
+              <a:defRPr sz="1800" kern="1200">
+                <a:gradFill>
+                  <a:gsLst>
+                    <a:gs pos="0">
+                      <a:schemeClr val="tx1"/>
+                    </a:gs>
+                    <a:gs pos="100000">
+                      <a:schemeClr val="tx1"/>
+                    </a:gs>
+                  </a:gsLst>
+                  <a:lin ang="5400000" scaled="0"/>
+                </a:gradFill>
+                <a:latin typeface="+mn-lt"/>
+                <a:ea typeface="+mn-ea"/>
+                <a:cs typeface="+mn-cs"/>
+              </a:defRPr>
+            </a:lvl5pPr>
+            <a:lvl6pPr marL="2513956" indent="-228541" algn="l" defTabSz="914166" rtl="0" eaLnBrk="1" latinLnBrk="0" hangingPunct="1">
+              <a:spcBef>
+                <a:spcPct val="20000"/>
+              </a:spcBef>
+              <a:buFont typeface="Arial" pitchFamily="34" charset="0"/>
+              <a:buChar char="•"/>
+              <a:defRPr sz="2000" kern="1200">
+                <a:solidFill>
+                  <a:schemeClr val="tx1"/>
+                </a:solidFill>
+                <a:latin typeface="+mn-lt"/>
+                <a:ea typeface="+mn-ea"/>
+                <a:cs typeface="+mn-cs"/>
+              </a:defRPr>
+            </a:lvl6pPr>
+            <a:lvl7pPr marL="2971038" indent="-228541" algn="l" defTabSz="914166" rtl="0" eaLnBrk="1" latinLnBrk="0" hangingPunct="1">
+              <a:spcBef>
+                <a:spcPct val="20000"/>
+              </a:spcBef>
+              <a:buFont typeface="Arial" pitchFamily="34" charset="0"/>
+              <a:buChar char="•"/>
+              <a:defRPr sz="2000" kern="1200">
+                <a:solidFill>
+                  <a:schemeClr val="tx1"/>
+                </a:solidFill>
+                <a:latin typeface="+mn-lt"/>
+                <a:ea typeface="+mn-ea"/>
+                <a:cs typeface="+mn-cs"/>
+              </a:defRPr>
+            </a:lvl7pPr>
+            <a:lvl8pPr marL="3428122" indent="-228541" algn="l" defTabSz="914166" rtl="0" eaLnBrk="1" latinLnBrk="0" hangingPunct="1">
+              <a:spcBef>
+                <a:spcPct val="20000"/>
+              </a:spcBef>
+              <a:buFont typeface="Arial" pitchFamily="34" charset="0"/>
+              <a:buChar char="•"/>
+              <a:defRPr sz="2000" kern="1200">
+                <a:solidFill>
+                  <a:schemeClr val="tx1"/>
+                </a:solidFill>
+                <a:latin typeface="+mn-lt"/>
+                <a:ea typeface="+mn-ea"/>
+                <a:cs typeface="+mn-cs"/>
+              </a:defRPr>
+            </a:lvl8pPr>
+            <a:lvl9pPr marL="3885204" indent="-228541" algn="l" defTabSz="914166" rtl="0" eaLnBrk="1" latinLnBrk="0" hangingPunct="1">
+              <a:spcBef>
+                <a:spcPct val="20000"/>
+              </a:spcBef>
+              <a:buFont typeface="Arial" pitchFamily="34" charset="0"/>
+              <a:buChar char="•"/>
+              <a:defRPr sz="2000" kern="1200">
+                <a:solidFill>
+                  <a:schemeClr val="tx1"/>
+                </a:solidFill>
+                <a:latin typeface="+mn-lt"/>
+                <a:ea typeface="+mn-ea"/>
+                <a:cs typeface="+mn-cs"/>
+              </a:defRPr>
+            </a:lvl9pPr>
+          </a:lstStyle>
+          <a:p>
+            <a:pPr defTabSz="914367">
+              <a:lnSpc>
+                <a:spcPct val="60000"/>
+              </a:lnSpc>
+              <a:buClr>
+                <a:srgbClr val="FFFFFF"/>
+              </a:buClr>
+              <a:buSzPct val="90000"/>
+            </a:pPr>
+            <a:r>
+              <a:rPr lang="en-US" sz="7646" spc="0" dirty="0" smtClean="0">
+                <a:solidFill>
+                  <a:schemeClr val="tx1"/>
+                </a:solidFill>
+              </a:rPr>
+              <a:t>Gracias a </a:t>
+            </a:r>
+            <a:r>
+              <a:rPr lang="en-US" sz="7646" spc="0" dirty="0" err="1" smtClean="0">
+                <a:solidFill>
+                  <a:schemeClr val="tx1"/>
+                </a:solidFill>
+              </a:rPr>
+              <a:t>todos</a:t>
+            </a:r>
+            <a:r>
+              <a:rPr lang="en-US" sz="7646" spc="0" dirty="0" smtClean="0">
+                <a:solidFill>
+                  <a:schemeClr val="tx1"/>
+                </a:solidFill>
+              </a:rPr>
+              <a:t>!</a:t>
+            </a:r>
+            <a:endParaRPr lang="en-US" sz="7646" spc="0" dirty="0">
+              <a:solidFill>
+                <a:schemeClr val="tx1"/>
+              </a:solidFill>
+              <a:latin typeface="+mn-lt"/>
+            </a:endParaRPr>
+          </a:p>
+        </p:txBody>
+      </p:sp>
+      <p:sp>
+        <p:nvSpPr>
+          <p:cNvPr id="8" name="TextBox 7"/>
+          <p:cNvSpPr txBox="1"/>
+          <p:nvPr/>
+        </p:nvSpPr>
+        <p:spPr>
+          <a:xfrm>
+            <a:off x="4145965" y="-846623"/>
+            <a:ext cx="362072" cy="621556"/>
+          </a:xfrm>
+          <a:prstGeom prst="rect">
+            <a:avLst/>
+          </a:prstGeom>
+          <a:noFill/>
+        </p:spPr>
+        <p:txBody>
+          <a:bodyPr wrap="none" lIns="179285" tIns="143428" rIns="179285" bIns="143428" rtlCol="0">
+            <a:spAutoFit/>
+          </a:bodyPr>
+          <a:lstStyle/>
+          <a:p>
+            <a:pPr>
+              <a:lnSpc>
+                <a:spcPct val="90000"/>
+              </a:lnSpc>
+              <a:spcAft>
+                <a:spcPts val="588"/>
+              </a:spcAft>
+            </a:pPr>
+            <a:endParaRPr lang="en-US" sz="2353" dirty="0" err="1">
+              <a:gradFill>
+                <a:gsLst>
+                  <a:gs pos="2917">
+                    <a:schemeClr val="tx1"/>
+                  </a:gs>
+                  <a:gs pos="30000">
+                    <a:schemeClr val="tx1"/>
+                  </a:gs>
+                </a:gsLst>
+                <a:lin ang="5400000" scaled="0"/>
+              </a:gradFill>
+            </a:endParaRPr>
+          </a:p>
+        </p:txBody>
+      </p:sp>
+      <p:pic>
+        <p:nvPicPr>
+          <p:cNvPr id="4" name="Imagen 1"/>
+          <p:cNvPicPr>
+            <a:picLocks noChangeAspect="1"/>
+          </p:cNvPicPr>
+          <p:nvPr/>
+        </p:nvPicPr>
+        <p:blipFill>
+          <a:blip r:embed="rId3"/>
+          <a:stretch>
+            <a:fillRect/>
+          </a:stretch>
+        </p:blipFill>
+        <p:spPr>
+          <a:xfrm>
+            <a:off x="-1" y="2004717"/>
+            <a:ext cx="3243263" cy="4853284"/>
+          </a:xfrm>
+          <a:prstGeom prst="rect">
+            <a:avLst/>
+          </a:prstGeom>
+        </p:spPr>
+      </p:pic>
+    </p:spTree>
+    <p:extLst>
+      <p:ext uri="{BB962C8B-B14F-4D97-AF65-F5344CB8AC3E}">
+        <p14:creationId xmlns:p14="http://schemas.microsoft.com/office/powerpoint/2010/main" val="209359415"/>
+      </p:ext>
+    </p:extLst>
+  </p:cSld>
+  <p:clrMapOvr>
+    <a:masterClrMapping/>
+  </p:clrMapOvr>
+  <p:transition>
+    <p:fade/>
+  </p:transition>
+  <p:timing>
+    <p:tnLst>
+      <p:par>
+        <p:cTn id="1" dur="indefinite" restart="never" nodeType="tmRoot">
+          <p:childTnLst>
+            <p:seq concurrent="1" nextAc="seek">
+              <p:cTn id="2" dur="indefinite" nodeType="mainSeq">
+                <p:childTnLst>
+                  <p:par>
+                    <p:cTn id="3" fill="hold">
+                      <p:stCondLst>
+                        <p:cond delay="indefinite"/>
+                        <p:cond evt="onBegin" delay="0">
+                          <p:tn val="2"/>
+                        </p:cond>
+                      </p:stCondLst>
+                      <p:childTnLst>
+                        <p:par>
+                          <p:cTn id="4" fill="hold">
+                            <p:stCondLst>
+                              <p:cond delay="0"/>
+                            </p:stCondLst>
+                            <p:childTnLst>
+                              <p:par>
+                                <p:cTn id="5" presetID="10" presetClass="entr" presetSubtype="0" fill="hold" grpId="0" nodeType="afterEffect">
+                                  <p:stCondLst>
+                                    <p:cond delay="0"/>
+                                  </p:stCondLst>
+                                  <p:childTnLst>
+                                    <p:set>
+                                      <p:cBhvr>
+                                        <p:cTn id="6" dur="1" fill="hold">
+                                          <p:stCondLst>
+                                            <p:cond delay="0"/>
+                                          </p:stCondLst>
+                                        </p:cTn>
+                                        <p:tgtEl>
+                                          <p:spTgt spid="27"/>
+                                        </p:tgtEl>
+                                        <p:attrNameLst>
+                                          <p:attrName>style.visibility</p:attrName>
+                                        </p:attrNameLst>
+                                      </p:cBhvr>
+                                      <p:to>
+                                        <p:strVal val="visible"/>
+                                      </p:to>
+                                    </p:set>
+                                    <p:animEffect transition="in" filter="fade">
+                                      <p:cBhvr>
+                                        <p:cTn id="7" dur="500"/>
+                                        <p:tgtEl>
+                                          <p:spTgt spid="27"/>
+                                        </p:tgtEl>
+                                      </p:cBhvr>
+                                    </p:animEffect>
+                                  </p:childTnLst>
+                                </p:cTn>
+                              </p:par>
+                            </p:childTnLst>
+                          </p:cTn>
+                        </p:par>
+                        <p:par>
+                          <p:cTn id="8" fill="hold">
+                            <p:stCondLst>
+                              <p:cond delay="500"/>
+                            </p:stCondLst>
+                            <p:childTnLst>
+                              <p:par>
+                                <p:cTn id="9" presetID="22" presetClass="entr" presetSubtype="4" fill="hold" nodeType="afterEffect">
+                                  <p:stCondLst>
+                                    <p:cond delay="0"/>
+                                  </p:stCondLst>
+                                  <p:childTnLst>
+                                    <p:set>
+                                      <p:cBhvr>
+                                        <p:cTn id="10" dur="1" fill="hold">
+                                          <p:stCondLst>
+                                            <p:cond delay="0"/>
+                                          </p:stCondLst>
+                                        </p:cTn>
+                                        <p:tgtEl>
+                                          <p:spTgt spid="4"/>
+                                        </p:tgtEl>
+                                        <p:attrNameLst>
+                                          <p:attrName>style.visibility</p:attrName>
+                                        </p:attrNameLst>
+                                      </p:cBhvr>
+                                      <p:to>
+                                        <p:strVal val="visible"/>
+                                      </p:to>
+                                    </p:set>
+                                    <p:animEffect transition="in" filter="wipe(down)">
+                                      <p:cBhvr>
+                                        <p:cTn id="11" dur="500"/>
+                                        <p:tgtEl>
+                                          <p:spTgt spid="4"/>
+                                        </p:tgtEl>
+                                      </p:cBhvr>
+                                    </p:animEffect>
+                                  </p:childTnLst>
+                                </p:cTn>
+                              </p:par>
+                            </p:childTnLst>
+                          </p:cTn>
+                        </p:par>
+                      </p:childTnLst>
+                    </p:cTn>
+                  </p:par>
+                </p:childTnLst>
+              </p:cTn>
+              <p:prevCondLst>
+                <p:cond evt="onPrev" delay="0">
+                  <p:tgtEl>
+                    <p:sldTgt/>
+                  </p:tgtEl>
+                </p:cond>
+              </p:prevCondLst>
+              <p:nextCondLst>
+                <p:cond evt="onNext" delay="0">
+                  <p:tgtEl>
+                    <p:sldTgt/>
+                  </p:tgtEl>
+                </p:cond>
+              </p:nextCondLst>
+            </p:seq>
+          </p:childTnLst>
+        </p:cTn>
+      </p:par>
+    </p:tnLst>
+    <p:bldLst>
+      <p:bldP spid="27" grpId="0"/>
+    </p:bldLst>
+  </p:timing>
+</p:sld>
+</file>
+
 <file path=ppt/slides/slide2.xml><?xml version="1.0" encoding="utf-8"?>
 <p:sld xmlns:a="http://schemas.openxmlformats.org/drawingml/2006/main" xmlns:r="http://schemas.openxmlformats.org/officeDocument/2006/relationships" xmlns:p="http://schemas.openxmlformats.org/presentationml/2006/main">
   <p:cSld>
@@ -4161,33 +7763,7 @@
                 <a:latin typeface="Segoe UI Light"/>
                 <a:cs typeface="Segoe UI Light"/>
               </a:rPr>
-              <a:t>para Android e </a:t>
-            </a:r>
-            <a:r>
-              <a:rPr lang="en-US" sz="4800" dirty="0" smtClean="0">
-                <a:solidFill>
-                  <a:schemeClr val="tx1">
-                    <a:lumMod val="65000"/>
-                    <a:lumOff val="35000"/>
-                  </a:schemeClr>
-                </a:solidFill>
-                <a:latin typeface="Segoe UI Light"/>
-                <a:cs typeface="Segoe UI Light"/>
-              </a:rPr>
-              <a:t>iOS</a:t>
-            </a:r>
-            <a:r>
-              <a:rPr lang="en-US" sz="4800" dirty="0" smtClean="0">
-                <a:solidFill>
-                  <a:schemeClr val="tx1">
-                    <a:lumMod val="65000"/>
-                    <a:lumOff val="35000"/>
-                  </a:schemeClr>
-                </a:solidFill>
-                <a:latin typeface="Segoe UI Light"/>
-                <a:cs typeface="Segoe UI Light"/>
-              </a:rPr>
-              <a:t>.</a:t>
+              <a:t>para Android e iOS.</a:t>
             </a:r>
             <a:endParaRPr lang="en-US" sz="4800" kern="0" dirty="0">
               <a:solidFill>
@@ -5568,7 +9144,15 @@
             </a:r>
             <a:r>
               <a:rPr lang="en-US" dirty="0" err="1" smtClean="0"/>
-              <a:t>Cómo</a:t>
+              <a:t>Qué</a:t>
+            </a:r>
+            <a:r>
+              <a:rPr lang="en-US" dirty="0" smtClean="0"/>
+              <a:t> patron </a:t>
+            </a:r>
+            <a:r>
+              <a:rPr lang="en-US" dirty="0" err="1" smtClean="0"/>
+              <a:t>utilizamos</a:t>
             </a:r>
             <a:r>
               <a:rPr lang="en-US" dirty="0" smtClean="0"/>
@@ -5576,27 +9160,15 @@
             </a:r>
             <a:r>
               <a:rPr lang="en-US" dirty="0" err="1" smtClean="0"/>
-              <a:t>añadimos</a:t>
+              <a:t>en</a:t>
             </a:r>
             <a:r>
               <a:rPr lang="en-US" dirty="0" smtClean="0"/>
-              <a:t> </a:t>
-            </a:r>
-            <a:r>
-              <a:rPr lang="en-US" dirty="0" err="1" smtClean="0"/>
-              <a:t>compilación</a:t>
+              <a:t> el Desarrollo de Apps Xamarin?</a:t>
             </a:r>
             <a:r>
               <a:rPr lang="en-US" dirty="0" smtClean="0"/>
-              <a:t> XAML </a:t>
-            </a:r>
-            <a:r>
-              <a:rPr lang="en-US" dirty="0" err="1" smtClean="0"/>
-              <a:t>en</a:t>
-            </a:r>
-            <a:r>
-              <a:rPr lang="en-US" dirty="0" smtClean="0"/>
-              <a:t> Proyecto UWP XF2.0?</a:t>
+              <a:t/>
             </a:r>
             <a:br>
               <a:rPr lang="en-US" dirty="0" smtClean="0"/>
@@ -5655,10 +9227,10 @@
               <a:t>. </a:t>
             </a:r>
             <a:r>
-              <a:rPr lang="en-US" sz="2000" b="1" dirty="0" err="1" smtClean="0">
+              <a:rPr lang="en-US" sz="2800" b="1" dirty="0" smtClean="0">
                 <a:latin typeface="Calibri" pitchFamily="34" charset="0"/>
               </a:rPr>
-              <a:t>XamlCompilation</a:t>
+              <a:t>MVC</a:t>
             </a:r>
             <a:endParaRPr lang="en-US" sz="2000" b="1" dirty="0">
               <a:latin typeface="Calibri" pitchFamily="34" charset="0"/>
@@ -5715,13 +9287,7 @@
               <a:rPr lang="en-US" sz="2800" b="1" dirty="0" smtClean="0">
                 <a:latin typeface="Calibri" pitchFamily="34" charset="0"/>
               </a:rPr>
-              <a:t>No se </a:t>
-            </a:r>
-            <a:r>
-              <a:rPr lang="en-US" sz="2800" b="1" dirty="0" err="1" smtClean="0">
-                <a:latin typeface="Calibri" pitchFamily="34" charset="0"/>
-              </a:rPr>
-              <a:t>puede</a:t>
+              <a:t>MVVM</a:t>
             </a:r>
             <a:endParaRPr lang="en-US" sz="2800" b="1" dirty="0">
               <a:latin typeface="Calibri" pitchFamily="34" charset="0"/>
@@ -5732,7 +9298,7 @@
     </p:spTree>
     <p:extLst>
       <p:ext uri="{BB962C8B-B14F-4D97-AF65-F5344CB8AC3E}">
-        <p14:creationId xmlns:p14="http://schemas.microsoft.com/office/powerpoint/2010/main" val="1237968091"/>
+        <p14:creationId xmlns:p14="http://schemas.microsoft.com/office/powerpoint/2010/main" val="2651509649"/>
       </p:ext>
     </p:extLst>
   </p:cSld>
@@ -5844,6 +9410,1196 @@
         </p:nvSpPr>
         <p:spPr>
           <a:xfrm>
+            <a:off x="1962150" y="3467100"/>
+            <a:ext cx="7772400" cy="1470025"/>
+          </a:xfrm>
+        </p:spPr>
+        <p:txBody>
+          <a:bodyPr rtlCol="0">
+            <a:noAutofit/>
+          </a:bodyPr>
+          <a:lstStyle/>
+          <a:p>
+            <a:pPr>
+              <a:defRPr/>
+            </a:pPr>
+            <a:r>
+              <a:rPr lang="en-US" sz="4000" dirty="0" smtClean="0"/>
+              <a:t>¿</a:t>
+            </a:r>
+            <a:r>
+              <a:rPr lang="en-US" sz="4000" dirty="0" err="1" smtClean="0"/>
+              <a:t>Qué</a:t>
+            </a:r>
+            <a:r>
+              <a:rPr lang="en-US" sz="4000" dirty="0" smtClean="0"/>
+              <a:t> </a:t>
+            </a:r>
+            <a:r>
+              <a:rPr lang="en-US" sz="4000" dirty="0" err="1" smtClean="0"/>
+              <a:t>lenguaje</a:t>
+            </a:r>
+            <a:r>
+              <a:rPr lang="en-US" sz="4000" dirty="0" smtClean="0"/>
+              <a:t> </a:t>
+            </a:r>
+            <a:r>
+              <a:rPr lang="en-US" sz="4000" dirty="0" err="1" smtClean="0"/>
+              <a:t>utilizamos</a:t>
+            </a:r>
+            <a:r>
+              <a:rPr lang="en-US" sz="4000" dirty="0" smtClean="0"/>
+              <a:t> para </a:t>
+            </a:r>
+            <a:r>
+              <a:rPr lang="en-US" sz="4000" dirty="0" err="1" smtClean="0"/>
+              <a:t>diseñar</a:t>
+            </a:r>
+            <a:r>
+              <a:rPr lang="en-US" sz="4000" dirty="0" smtClean="0"/>
+              <a:t> las vistas </a:t>
+            </a:r>
+            <a:r>
+              <a:rPr lang="en-US" sz="4000" dirty="0" err="1" smtClean="0"/>
+              <a:t>en</a:t>
+            </a:r>
+            <a:r>
+              <a:rPr lang="en-US" sz="4000" dirty="0" smtClean="0"/>
+              <a:t> </a:t>
+            </a:r>
+            <a:r>
+              <a:rPr lang="en-US" sz="4000" dirty="0" err="1" smtClean="0"/>
+              <a:t>Xamarin.Forms</a:t>
+            </a:r>
+            <a:r>
+              <a:rPr lang="en-US" sz="4000" dirty="0" smtClean="0"/>
+              <a:t>?</a:t>
+            </a:r>
+            <a:r>
+              <a:rPr lang="en-US" sz="4000" dirty="0" smtClean="0"/>
+              <a:t/>
+            </a:r>
+            <a:br>
+              <a:rPr lang="en-US" sz="4000" dirty="0" smtClean="0"/>
+            </a:br>
+            <a:r>
+              <a:rPr lang="en-US" sz="4000" dirty="0" smtClean="0"/>
+              <a:t>____________________</a:t>
+            </a:r>
+            <a:endParaRPr lang="en-US" sz="4000" dirty="0"/>
+          </a:p>
+        </p:txBody>
+      </p:sp>
+      <p:sp>
+        <p:nvSpPr>
+          <p:cNvPr id="4" name="TextBox 3"/>
+          <p:cNvSpPr txBox="1">
+            <a:spLocks noChangeArrowheads="1"/>
+          </p:cNvSpPr>
+          <p:nvPr/>
+        </p:nvSpPr>
+        <p:spPr bwMode="auto">
+          <a:xfrm>
+            <a:off x="2514600" y="2006601"/>
+            <a:ext cx="2667000" cy="646331"/>
+          </a:xfrm>
+          <a:prstGeom prst="rect">
+            <a:avLst/>
+          </a:prstGeom>
+          <a:noFill/>
+          <a:ln w="28575">
+            <a:solidFill>
+              <a:srgbClr val="FF0000"/>
+            </a:solidFill>
+            <a:miter lim="800000"/>
+            <a:headEnd/>
+            <a:tailEnd/>
+          </a:ln>
+        </p:spPr>
+        <p:txBody>
+          <a:bodyPr>
+            <a:spAutoFit/>
+          </a:bodyPr>
+          <a:lstStyle/>
+          <a:p>
+            <a:pPr algn="ctr"/>
+            <a:r>
+              <a:rPr lang="en-US" sz="3600" b="1" dirty="0">
+                <a:latin typeface="Calibri" pitchFamily="34" charset="0"/>
+              </a:rPr>
+              <a:t>A</a:t>
+            </a:r>
+            <a:r>
+              <a:rPr lang="en-US" sz="3600" b="1" dirty="0" smtClean="0">
+                <a:latin typeface="Calibri" pitchFamily="34" charset="0"/>
+              </a:rPr>
+              <a:t>. </a:t>
+            </a:r>
+            <a:r>
+              <a:rPr lang="en-US" sz="3200" b="1" dirty="0" smtClean="0">
+                <a:latin typeface="Calibri" pitchFamily="34" charset="0"/>
+              </a:rPr>
+              <a:t>XAML</a:t>
+            </a:r>
+            <a:endParaRPr lang="en-US" sz="2000" b="1" dirty="0">
+              <a:latin typeface="Calibri" pitchFamily="34" charset="0"/>
+            </a:endParaRPr>
+          </a:p>
+        </p:txBody>
+      </p:sp>
+      <p:sp>
+        <p:nvSpPr>
+          <p:cNvPr id="5" name="TextBox 4"/>
+          <p:cNvSpPr txBox="1">
+            <a:spLocks noChangeArrowheads="1"/>
+          </p:cNvSpPr>
+          <p:nvPr/>
+        </p:nvSpPr>
+        <p:spPr bwMode="auto">
+          <a:xfrm>
+            <a:off x="5791200" y="2006601"/>
+            <a:ext cx="2667000" cy="646331"/>
+          </a:xfrm>
+          <a:prstGeom prst="rect">
+            <a:avLst/>
+          </a:prstGeom>
+          <a:noFill/>
+          <a:ln w="28575">
+            <a:solidFill>
+              <a:srgbClr val="FF0000"/>
+            </a:solidFill>
+            <a:miter lim="800000"/>
+            <a:headEnd/>
+            <a:tailEnd/>
+          </a:ln>
+        </p:spPr>
+        <p:txBody>
+          <a:bodyPr>
+            <a:spAutoFit/>
+          </a:bodyPr>
+          <a:lstStyle/>
+          <a:p>
+            <a:pPr algn="ctr"/>
+            <a:r>
+              <a:rPr lang="en-US" sz="3600" b="1" dirty="0">
+                <a:latin typeface="Calibri" pitchFamily="34" charset="0"/>
+              </a:rPr>
+              <a:t>B</a:t>
+            </a:r>
+            <a:r>
+              <a:rPr lang="en-US" sz="3600" b="1" dirty="0" smtClean="0">
+                <a:latin typeface="Calibri" pitchFamily="34" charset="0"/>
+              </a:rPr>
+              <a:t>. </a:t>
+            </a:r>
+            <a:r>
+              <a:rPr lang="en-US" sz="2800" b="1" dirty="0" smtClean="0">
+                <a:latin typeface="Calibri" pitchFamily="34" charset="0"/>
+              </a:rPr>
+              <a:t>AXML</a:t>
+            </a:r>
+            <a:endParaRPr lang="en-US" sz="2800" b="1" dirty="0">
+              <a:latin typeface="Calibri" pitchFamily="34" charset="0"/>
+            </a:endParaRPr>
+          </a:p>
+        </p:txBody>
+      </p:sp>
+    </p:spTree>
+    <p:extLst>
+      <p:ext uri="{BB962C8B-B14F-4D97-AF65-F5344CB8AC3E}">
+        <p14:creationId xmlns:p14="http://schemas.microsoft.com/office/powerpoint/2010/main" val="1919126968"/>
+      </p:ext>
+    </p:extLst>
+  </p:cSld>
+  <p:clrMapOvr>
+    <a:masterClrMapping/>
+  </p:clrMapOvr>
+  <p:timing>
+    <p:tnLst>
+      <p:par>
+        <p:cTn id="1" dur="indefinite" restart="never" nodeType="tmRoot">
+          <p:childTnLst>
+            <p:seq concurrent="1" nextAc="seek">
+              <p:cTn id="2" dur="indefinite" nodeType="mainSeq">
+                <p:childTnLst>
+                  <p:par>
+                    <p:cTn id="3" fill="hold">
+                      <p:stCondLst>
+                        <p:cond delay="indefinite"/>
+                      </p:stCondLst>
+                      <p:childTnLst>
+                        <p:par>
+                          <p:cTn id="4" fill="hold">
+                            <p:stCondLst>
+                              <p:cond delay="0"/>
+                            </p:stCondLst>
+                            <p:childTnLst>
+                              <p:par>
+                                <p:cTn id="5" presetID="42" presetClass="path" presetSubtype="0" accel="50000" decel="50000" fill="hold" grpId="0" nodeType="clickEffect">
+                                  <p:stCondLst>
+                                    <p:cond delay="0"/>
+                                  </p:stCondLst>
+                                  <p:childTnLst>
+                                    <p:animMotion origin="layout" path="M 5E-6 -3.33333E-6 L 0.0043 0.36968 " pathEditMode="relative" rAng="0" ptsTypes="AA">
+                                      <p:cBhvr>
+                                        <p:cTn id="6" dur="2000" fill="hold"/>
+                                        <p:tgtEl>
+                                          <p:spTgt spid="4"/>
+                                        </p:tgtEl>
+                                        <p:attrNameLst>
+                                          <p:attrName>ppt_x</p:attrName>
+                                          <p:attrName>ppt_y</p:attrName>
+                                        </p:attrNameLst>
+                                      </p:cBhvr>
+                                      <p:rCtr x="208" y="18472"/>
+                                    </p:animMotion>
+                                  </p:childTnLst>
+                                </p:cTn>
+                              </p:par>
+                            </p:childTnLst>
+                          </p:cTn>
+                        </p:par>
+                      </p:childTnLst>
+                    </p:cTn>
+                  </p:par>
+                </p:childTnLst>
+              </p:cTn>
+              <p:prevCondLst>
+                <p:cond evt="onPrev" delay="0">
+                  <p:tgtEl>
+                    <p:sldTgt/>
+                  </p:tgtEl>
+                </p:cond>
+              </p:prevCondLst>
+              <p:nextCondLst>
+                <p:cond evt="onNext" delay="0">
+                  <p:tgtEl>
+                    <p:sldTgt/>
+                  </p:tgtEl>
+                </p:cond>
+              </p:nextCondLst>
+            </p:seq>
+          </p:childTnLst>
+        </p:cTn>
+      </p:par>
+    </p:tnLst>
+    <p:bldLst>
+      <p:bldP spid="4" grpId="0" animBg="1"/>
+    </p:bldLst>
+  </p:timing>
+</p:sld>
+</file>
+
+<file path=ppt/slides/slide6.xml><?xml version="1.0" encoding="utf-8"?>
+<p:sld xmlns:a="http://schemas.openxmlformats.org/drawingml/2006/main" xmlns:r="http://schemas.openxmlformats.org/officeDocument/2006/relationships" xmlns:p="http://schemas.openxmlformats.org/presentationml/2006/main">
+  <p:cSld>
+    <p:spTree>
+      <p:nvGrpSpPr>
+        <p:cNvPr id="1" name=""/>
+        <p:cNvGrpSpPr/>
+        <p:nvPr/>
+      </p:nvGrpSpPr>
+      <p:grpSpPr>
+        <a:xfrm>
+          <a:off x="0" y="0"/>
+          <a:ext cx="0" cy="0"/>
+          <a:chOff x="0" y="0"/>
+          <a:chExt cx="0" cy="0"/>
+        </a:xfrm>
+      </p:grpSpPr>
+      <p:sp>
+        <p:nvSpPr>
+          <p:cNvPr id="2" name="Title 1"/>
+          <p:cNvSpPr>
+            <a:spLocks noGrp="1"/>
+          </p:cNvSpPr>
+          <p:nvPr>
+            <p:ph type="ctrTitle"/>
+          </p:nvPr>
+        </p:nvSpPr>
+        <p:spPr>
+          <a:xfrm>
+            <a:off x="2057400" y="3581401"/>
+            <a:ext cx="7772400" cy="1470025"/>
+          </a:xfrm>
+        </p:spPr>
+        <p:txBody>
+          <a:bodyPr rtlCol="0">
+            <a:noAutofit/>
+          </a:bodyPr>
+          <a:lstStyle/>
+          <a:p>
+            <a:pPr>
+              <a:defRPr/>
+            </a:pPr>
+            <a:r>
+              <a:rPr lang="en-US" sz="4000" dirty="0" smtClean="0"/>
+              <a:t>¿</a:t>
+            </a:r>
+            <a:r>
+              <a:rPr lang="en-US" sz="4000" dirty="0" err="1" smtClean="0"/>
+              <a:t>Cuántos</a:t>
+            </a:r>
+            <a:r>
+              <a:rPr lang="en-US" sz="4000" dirty="0" smtClean="0"/>
+              <a:t> </a:t>
+            </a:r>
+            <a:r>
+              <a:rPr lang="en-US" sz="4000" dirty="0" err="1" smtClean="0"/>
+              <a:t>proyectos</a:t>
+            </a:r>
+            <a:r>
+              <a:rPr lang="en-US" sz="4000" dirty="0" smtClean="0"/>
+              <a:t> (</a:t>
+            </a:r>
+            <a:r>
+              <a:rPr lang="en-US" sz="4000" dirty="0" err="1" smtClean="0"/>
+              <a:t>por</a:t>
+            </a:r>
+            <a:r>
+              <a:rPr lang="en-US" sz="4000" dirty="0" smtClean="0"/>
+              <a:t> </a:t>
+            </a:r>
+            <a:r>
+              <a:rPr lang="en-US" sz="4000" dirty="0" err="1" smtClean="0"/>
+              <a:t>defecto</a:t>
+            </a:r>
+            <a:r>
+              <a:rPr lang="en-US" sz="4000" dirty="0" smtClean="0"/>
+              <a:t>) </a:t>
+            </a:r>
+            <a:r>
+              <a:rPr lang="en-US" sz="4000" dirty="0" err="1" smtClean="0"/>
+              <a:t>componen</a:t>
+            </a:r>
+            <a:r>
+              <a:rPr lang="en-US" sz="4000" dirty="0" smtClean="0"/>
+              <a:t> </a:t>
+            </a:r>
+            <a:r>
+              <a:rPr lang="en-US" sz="4000" dirty="0" err="1" smtClean="0"/>
+              <a:t>una</a:t>
+            </a:r>
+            <a:r>
+              <a:rPr lang="en-US" sz="4000" dirty="0" smtClean="0"/>
+              <a:t> App </a:t>
+            </a:r>
+            <a:r>
+              <a:rPr lang="en-US" sz="4000" dirty="0" err="1" smtClean="0"/>
+              <a:t>Xamarin.Forms</a:t>
+            </a:r>
+            <a:r>
+              <a:rPr lang="en-US" sz="4000" dirty="0" smtClean="0"/>
+              <a:t>?</a:t>
+            </a:r>
+            <a:r>
+              <a:rPr lang="en-US" sz="4000" dirty="0" smtClean="0"/>
+              <a:t/>
+            </a:r>
+            <a:br>
+              <a:rPr lang="en-US" sz="4000" dirty="0" smtClean="0"/>
+            </a:br>
+            <a:r>
+              <a:rPr lang="en-US" sz="4000" dirty="0" smtClean="0"/>
+              <a:t>____________________</a:t>
+            </a:r>
+            <a:endParaRPr lang="en-US" sz="4000" dirty="0"/>
+          </a:p>
+        </p:txBody>
+      </p:sp>
+      <p:sp>
+        <p:nvSpPr>
+          <p:cNvPr id="4" name="TextBox 3"/>
+          <p:cNvSpPr txBox="1">
+            <a:spLocks noChangeArrowheads="1"/>
+          </p:cNvSpPr>
+          <p:nvPr/>
+        </p:nvSpPr>
+        <p:spPr bwMode="auto">
+          <a:xfrm>
+            <a:off x="2514600" y="2006601"/>
+            <a:ext cx="2667000" cy="646331"/>
+          </a:xfrm>
+          <a:prstGeom prst="rect">
+            <a:avLst/>
+          </a:prstGeom>
+          <a:noFill/>
+          <a:ln w="28575">
+            <a:solidFill>
+              <a:srgbClr val="FF0000"/>
+            </a:solidFill>
+            <a:miter lim="800000"/>
+            <a:headEnd/>
+            <a:tailEnd/>
+          </a:ln>
+        </p:spPr>
+        <p:txBody>
+          <a:bodyPr>
+            <a:spAutoFit/>
+          </a:bodyPr>
+          <a:lstStyle/>
+          <a:p>
+            <a:pPr algn="ctr"/>
+            <a:r>
+              <a:rPr lang="en-US" sz="3600" b="1" dirty="0">
+                <a:latin typeface="Calibri" pitchFamily="34" charset="0"/>
+              </a:rPr>
+              <a:t>A</a:t>
+            </a:r>
+            <a:r>
+              <a:rPr lang="en-US" sz="3600" b="1" dirty="0" smtClean="0">
+                <a:latin typeface="Calibri" pitchFamily="34" charset="0"/>
+              </a:rPr>
+              <a:t>. </a:t>
+            </a:r>
+            <a:r>
+              <a:rPr lang="en-US" sz="3200" b="1" dirty="0" smtClean="0">
+                <a:latin typeface="Calibri" pitchFamily="34" charset="0"/>
+              </a:rPr>
+              <a:t>3</a:t>
+            </a:r>
+            <a:endParaRPr lang="en-US" sz="3200" b="1" dirty="0">
+              <a:latin typeface="Calibri" pitchFamily="34" charset="0"/>
+            </a:endParaRPr>
+          </a:p>
+        </p:txBody>
+      </p:sp>
+      <p:sp>
+        <p:nvSpPr>
+          <p:cNvPr id="5" name="TextBox 4"/>
+          <p:cNvSpPr txBox="1">
+            <a:spLocks noChangeArrowheads="1"/>
+          </p:cNvSpPr>
+          <p:nvPr/>
+        </p:nvSpPr>
+        <p:spPr bwMode="auto">
+          <a:xfrm>
+            <a:off x="5791200" y="2006601"/>
+            <a:ext cx="2667000" cy="646331"/>
+          </a:xfrm>
+          <a:prstGeom prst="rect">
+            <a:avLst/>
+          </a:prstGeom>
+          <a:noFill/>
+          <a:ln w="28575">
+            <a:solidFill>
+              <a:srgbClr val="FF0000"/>
+            </a:solidFill>
+            <a:miter lim="800000"/>
+            <a:headEnd/>
+            <a:tailEnd/>
+          </a:ln>
+        </p:spPr>
+        <p:txBody>
+          <a:bodyPr>
+            <a:spAutoFit/>
+          </a:bodyPr>
+          <a:lstStyle/>
+          <a:p>
+            <a:pPr algn="ctr"/>
+            <a:r>
+              <a:rPr lang="en-US" sz="3600" b="1" dirty="0">
+                <a:latin typeface="Calibri" pitchFamily="34" charset="0"/>
+              </a:rPr>
+              <a:t>B</a:t>
+            </a:r>
+            <a:r>
+              <a:rPr lang="en-US" sz="3600" b="1" dirty="0" smtClean="0">
+                <a:latin typeface="Calibri" pitchFamily="34" charset="0"/>
+              </a:rPr>
+              <a:t>. </a:t>
+            </a:r>
+            <a:r>
+              <a:rPr lang="en-US" sz="3600" b="1" dirty="0" smtClean="0">
+                <a:latin typeface="Calibri" pitchFamily="34" charset="0"/>
+              </a:rPr>
+              <a:t>4</a:t>
+            </a:r>
+            <a:endParaRPr lang="en-US" sz="2800" b="1" dirty="0">
+              <a:latin typeface="Calibri" pitchFamily="34" charset="0"/>
+            </a:endParaRPr>
+          </a:p>
+        </p:txBody>
+      </p:sp>
+    </p:spTree>
+    <p:extLst>
+      <p:ext uri="{BB962C8B-B14F-4D97-AF65-F5344CB8AC3E}">
+        <p14:creationId xmlns:p14="http://schemas.microsoft.com/office/powerpoint/2010/main" val="2649550920"/>
+      </p:ext>
+    </p:extLst>
+  </p:cSld>
+  <p:clrMapOvr>
+    <a:masterClrMapping/>
+  </p:clrMapOvr>
+  <p:timing>
+    <p:tnLst>
+      <p:par>
+        <p:cTn id="1" dur="indefinite" restart="never" nodeType="tmRoot">
+          <p:childTnLst>
+            <p:seq concurrent="1" nextAc="seek">
+              <p:cTn id="2" dur="indefinite" nodeType="mainSeq">
+                <p:childTnLst>
+                  <p:par>
+                    <p:cTn id="3" fill="hold">
+                      <p:stCondLst>
+                        <p:cond delay="indefinite"/>
+                      </p:stCondLst>
+                      <p:childTnLst>
+                        <p:par>
+                          <p:cTn id="4" fill="hold">
+                            <p:stCondLst>
+                              <p:cond delay="0"/>
+                            </p:stCondLst>
+                            <p:childTnLst>
+                              <p:par>
+                                <p:cTn id="5" presetID="42" presetClass="path" presetSubtype="0" accel="50000" decel="50000" fill="hold" grpId="0" nodeType="clickEffect">
+                                  <p:stCondLst>
+                                    <p:cond delay="0"/>
+                                  </p:stCondLst>
+                                  <p:childTnLst>
+                                    <p:animMotion origin="layout" path="M 5E-6 -3.33333E-6 L -0.29232 0.39699 " pathEditMode="relative" rAng="0" ptsTypes="AA">
+                                      <p:cBhvr>
+                                        <p:cTn id="6" dur="2000" fill="hold"/>
+                                        <p:tgtEl>
+                                          <p:spTgt spid="5"/>
+                                        </p:tgtEl>
+                                        <p:attrNameLst>
+                                          <p:attrName>ppt_x</p:attrName>
+                                          <p:attrName>ppt_y</p:attrName>
+                                        </p:attrNameLst>
+                                      </p:cBhvr>
+                                      <p:rCtr x="-14622" y="19838"/>
+                                    </p:animMotion>
+                                  </p:childTnLst>
+                                </p:cTn>
+                              </p:par>
+                            </p:childTnLst>
+                          </p:cTn>
+                        </p:par>
+                      </p:childTnLst>
+                    </p:cTn>
+                  </p:par>
+                </p:childTnLst>
+              </p:cTn>
+              <p:prevCondLst>
+                <p:cond evt="onPrev" delay="0">
+                  <p:tgtEl>
+                    <p:sldTgt/>
+                  </p:tgtEl>
+                </p:cond>
+              </p:prevCondLst>
+              <p:nextCondLst>
+                <p:cond evt="onNext" delay="0">
+                  <p:tgtEl>
+                    <p:sldTgt/>
+                  </p:tgtEl>
+                </p:cond>
+              </p:nextCondLst>
+            </p:seq>
+          </p:childTnLst>
+        </p:cTn>
+      </p:par>
+    </p:tnLst>
+    <p:bldLst>
+      <p:bldP spid="5" grpId="0" animBg="1"/>
+    </p:bldLst>
+  </p:timing>
+</p:sld>
+</file>
+
+<file path=ppt/slides/slide7.xml><?xml version="1.0" encoding="utf-8"?>
+<p:sld xmlns:a="http://schemas.openxmlformats.org/drawingml/2006/main" xmlns:r="http://schemas.openxmlformats.org/officeDocument/2006/relationships" xmlns:p="http://schemas.openxmlformats.org/presentationml/2006/main">
+  <p:cSld>
+    <p:spTree>
+      <p:nvGrpSpPr>
+        <p:cNvPr id="1" name=""/>
+        <p:cNvGrpSpPr/>
+        <p:nvPr/>
+      </p:nvGrpSpPr>
+      <p:grpSpPr>
+        <a:xfrm>
+          <a:off x="0" y="0"/>
+          <a:ext cx="0" cy="0"/>
+          <a:chOff x="0" y="0"/>
+          <a:chExt cx="0" cy="0"/>
+        </a:xfrm>
+      </p:grpSpPr>
+      <p:sp>
+        <p:nvSpPr>
+          <p:cNvPr id="2" name="Title 1"/>
+          <p:cNvSpPr>
+            <a:spLocks noGrp="1"/>
+          </p:cNvSpPr>
+          <p:nvPr>
+            <p:ph type="ctrTitle"/>
+          </p:nvPr>
+        </p:nvSpPr>
+        <p:spPr>
+          <a:xfrm>
+            <a:off x="2057400" y="3581401"/>
+            <a:ext cx="7772400" cy="1470025"/>
+          </a:xfrm>
+        </p:spPr>
+        <p:txBody>
+          <a:bodyPr rtlCol="0">
+            <a:noAutofit/>
+          </a:bodyPr>
+          <a:lstStyle/>
+          <a:p>
+            <a:pPr>
+              <a:defRPr/>
+            </a:pPr>
+            <a:r>
+              <a:rPr lang="en-US" sz="4000" dirty="0" smtClean="0"/>
+              <a:t>¿Vistas </a:t>
+            </a:r>
+            <a:r>
+              <a:rPr lang="en-US" sz="4000" dirty="0" err="1" smtClean="0"/>
+              <a:t>nativas</a:t>
+            </a:r>
+            <a:r>
+              <a:rPr lang="en-US" sz="4000" dirty="0" smtClean="0"/>
+              <a:t>?</a:t>
+            </a:r>
+            <a:r>
+              <a:rPr lang="en-US" sz="4000" dirty="0" smtClean="0"/>
+              <a:t/>
+            </a:r>
+            <a:br>
+              <a:rPr lang="en-US" sz="4000" dirty="0" smtClean="0"/>
+            </a:br>
+            <a:r>
+              <a:rPr lang="en-US" sz="4000" dirty="0" smtClean="0"/>
+              <a:t>____________________</a:t>
+            </a:r>
+            <a:endParaRPr lang="en-US" sz="4000" dirty="0"/>
+          </a:p>
+        </p:txBody>
+      </p:sp>
+      <p:sp>
+        <p:nvSpPr>
+          <p:cNvPr id="4" name="TextBox 3"/>
+          <p:cNvSpPr txBox="1">
+            <a:spLocks noChangeArrowheads="1"/>
+          </p:cNvSpPr>
+          <p:nvPr/>
+        </p:nvSpPr>
+        <p:spPr bwMode="auto">
+          <a:xfrm>
+            <a:off x="2514600" y="2006601"/>
+            <a:ext cx="2667000" cy="646331"/>
+          </a:xfrm>
+          <a:prstGeom prst="rect">
+            <a:avLst/>
+          </a:prstGeom>
+          <a:noFill/>
+          <a:ln w="28575">
+            <a:solidFill>
+              <a:srgbClr val="FF0000"/>
+            </a:solidFill>
+            <a:miter lim="800000"/>
+            <a:headEnd/>
+            <a:tailEnd/>
+          </a:ln>
+        </p:spPr>
+        <p:txBody>
+          <a:bodyPr>
+            <a:spAutoFit/>
+          </a:bodyPr>
+          <a:lstStyle/>
+          <a:p>
+            <a:pPr algn="ctr"/>
+            <a:r>
+              <a:rPr lang="en-US" sz="3600" b="1" dirty="0">
+                <a:latin typeface="Calibri" pitchFamily="34" charset="0"/>
+              </a:rPr>
+              <a:t>A</a:t>
+            </a:r>
+            <a:r>
+              <a:rPr lang="en-US" sz="3600" b="1" dirty="0" smtClean="0">
+                <a:latin typeface="Calibri" pitchFamily="34" charset="0"/>
+              </a:rPr>
+              <a:t>. </a:t>
+            </a:r>
+            <a:r>
+              <a:rPr lang="en-US" sz="2400" b="1" dirty="0" err="1" smtClean="0">
+                <a:latin typeface="Calibri" pitchFamily="34" charset="0"/>
+              </a:rPr>
+              <a:t>Xamarin.Forms</a:t>
+            </a:r>
+            <a:endParaRPr lang="en-US" sz="2400" b="1" dirty="0">
+              <a:latin typeface="Calibri" pitchFamily="34" charset="0"/>
+            </a:endParaRPr>
+          </a:p>
+        </p:txBody>
+      </p:sp>
+      <p:sp>
+        <p:nvSpPr>
+          <p:cNvPr id="5" name="TextBox 4"/>
+          <p:cNvSpPr txBox="1">
+            <a:spLocks noChangeArrowheads="1"/>
+          </p:cNvSpPr>
+          <p:nvPr/>
+        </p:nvSpPr>
+        <p:spPr bwMode="auto">
+          <a:xfrm>
+            <a:off x="5791200" y="2006601"/>
+            <a:ext cx="2667000" cy="646331"/>
+          </a:xfrm>
+          <a:prstGeom prst="rect">
+            <a:avLst/>
+          </a:prstGeom>
+          <a:noFill/>
+          <a:ln w="28575">
+            <a:solidFill>
+              <a:srgbClr val="FF0000"/>
+            </a:solidFill>
+            <a:miter lim="800000"/>
+            <a:headEnd/>
+            <a:tailEnd/>
+          </a:ln>
+        </p:spPr>
+        <p:txBody>
+          <a:bodyPr>
+            <a:spAutoFit/>
+          </a:bodyPr>
+          <a:lstStyle/>
+          <a:p>
+            <a:pPr algn="ctr"/>
+            <a:r>
+              <a:rPr lang="en-US" sz="3600" b="1" dirty="0">
+                <a:latin typeface="Calibri" pitchFamily="34" charset="0"/>
+              </a:rPr>
+              <a:t>B</a:t>
+            </a:r>
+            <a:r>
+              <a:rPr lang="en-US" sz="3600" b="1" dirty="0" smtClean="0">
+                <a:latin typeface="Calibri" pitchFamily="34" charset="0"/>
+              </a:rPr>
+              <a:t>. </a:t>
+            </a:r>
+            <a:r>
+              <a:rPr lang="en-US" sz="2400" b="1" dirty="0" smtClean="0">
+                <a:latin typeface="Calibri" pitchFamily="34" charset="0"/>
+              </a:rPr>
+              <a:t>Xamarin Classic</a:t>
+            </a:r>
+            <a:endParaRPr lang="en-US" sz="2800" b="1" dirty="0">
+              <a:latin typeface="Calibri" pitchFamily="34" charset="0"/>
+            </a:endParaRPr>
+          </a:p>
+        </p:txBody>
+      </p:sp>
+    </p:spTree>
+    <p:extLst>
+      <p:ext uri="{BB962C8B-B14F-4D97-AF65-F5344CB8AC3E}">
+        <p14:creationId xmlns:p14="http://schemas.microsoft.com/office/powerpoint/2010/main" val="3744662631"/>
+      </p:ext>
+    </p:extLst>
+  </p:cSld>
+  <p:clrMapOvr>
+    <a:masterClrMapping/>
+  </p:clrMapOvr>
+  <p:timing>
+    <p:tnLst>
+      <p:par>
+        <p:cTn id="1" dur="indefinite" restart="never" nodeType="tmRoot">
+          <p:childTnLst>
+            <p:seq concurrent="1" nextAc="seek">
+              <p:cTn id="2" dur="indefinite" nodeType="mainSeq">
+                <p:childTnLst>
+                  <p:par>
+                    <p:cTn id="3" fill="hold">
+                      <p:stCondLst>
+                        <p:cond delay="indefinite"/>
+                      </p:stCondLst>
+                      <p:childTnLst>
+                        <p:par>
+                          <p:cTn id="4" fill="hold">
+                            <p:stCondLst>
+                              <p:cond delay="0"/>
+                            </p:stCondLst>
+                            <p:childTnLst>
+                              <p:par>
+                                <p:cTn id="5" presetID="42" presetClass="path" presetSubtype="0" accel="50000" decel="50000" fill="hold" grpId="0" nodeType="clickEffect">
+                                  <p:stCondLst>
+                                    <p:cond delay="0"/>
+                                  </p:stCondLst>
+                                  <p:childTnLst>
+                                    <p:animMotion origin="layout" path="M 5E-6 -3.33333E-6 L -0.29232 0.39699 " pathEditMode="relative" rAng="0" ptsTypes="AA">
+                                      <p:cBhvr>
+                                        <p:cTn id="6" dur="2000" fill="hold"/>
+                                        <p:tgtEl>
+                                          <p:spTgt spid="5"/>
+                                        </p:tgtEl>
+                                        <p:attrNameLst>
+                                          <p:attrName>ppt_x</p:attrName>
+                                          <p:attrName>ppt_y</p:attrName>
+                                        </p:attrNameLst>
+                                      </p:cBhvr>
+                                      <p:rCtr x="-14622" y="19838"/>
+                                    </p:animMotion>
+                                  </p:childTnLst>
+                                </p:cTn>
+                              </p:par>
+                            </p:childTnLst>
+                          </p:cTn>
+                        </p:par>
+                      </p:childTnLst>
+                    </p:cTn>
+                  </p:par>
+                </p:childTnLst>
+              </p:cTn>
+              <p:prevCondLst>
+                <p:cond evt="onPrev" delay="0">
+                  <p:tgtEl>
+                    <p:sldTgt/>
+                  </p:tgtEl>
+                </p:cond>
+              </p:prevCondLst>
+              <p:nextCondLst>
+                <p:cond evt="onNext" delay="0">
+                  <p:tgtEl>
+                    <p:sldTgt/>
+                  </p:tgtEl>
+                </p:cond>
+              </p:nextCondLst>
+            </p:seq>
+          </p:childTnLst>
+        </p:cTn>
+      </p:par>
+    </p:tnLst>
+    <p:bldLst>
+      <p:bldP spid="5" grpId="0" animBg="1"/>
+    </p:bldLst>
+  </p:timing>
+</p:sld>
+</file>
+
+<file path=ppt/slides/slide8.xml><?xml version="1.0" encoding="utf-8"?>
+<p:sld xmlns:a="http://schemas.openxmlformats.org/drawingml/2006/main" xmlns:r="http://schemas.openxmlformats.org/officeDocument/2006/relationships" xmlns:p="http://schemas.openxmlformats.org/presentationml/2006/main">
+  <p:cSld>
+    <p:spTree>
+      <p:nvGrpSpPr>
+        <p:cNvPr id="1" name=""/>
+        <p:cNvGrpSpPr/>
+        <p:nvPr/>
+      </p:nvGrpSpPr>
+      <p:grpSpPr>
+        <a:xfrm>
+          <a:off x="0" y="0"/>
+          <a:ext cx="0" cy="0"/>
+          <a:chOff x="0" y="0"/>
+          <a:chExt cx="0" cy="0"/>
+        </a:xfrm>
+      </p:grpSpPr>
+      <p:sp>
+        <p:nvSpPr>
+          <p:cNvPr id="2" name="Title 1"/>
+          <p:cNvSpPr>
+            <a:spLocks noGrp="1"/>
+          </p:cNvSpPr>
+          <p:nvPr>
+            <p:ph type="ctrTitle"/>
+          </p:nvPr>
+        </p:nvSpPr>
+        <p:spPr>
+          <a:xfrm>
+            <a:off x="2057400" y="3581401"/>
+            <a:ext cx="7772400" cy="1470025"/>
+          </a:xfrm>
+        </p:spPr>
+        <p:txBody>
+          <a:bodyPr rtlCol="0">
+            <a:normAutofit fontScale="90000"/>
+          </a:bodyPr>
+          <a:lstStyle/>
+          <a:p>
+            <a:pPr>
+              <a:defRPr/>
+            </a:pPr>
+            <a:r>
+              <a:rPr lang="en-US" dirty="0" smtClean="0"/>
+              <a:t>¿</a:t>
+            </a:r>
+            <a:r>
+              <a:rPr lang="en-US" dirty="0" err="1" smtClean="0"/>
+              <a:t>Cómo</a:t>
+            </a:r>
+            <a:r>
+              <a:rPr lang="en-US" dirty="0" smtClean="0"/>
+              <a:t> </a:t>
+            </a:r>
+            <a:r>
+              <a:rPr lang="en-US" dirty="0" err="1" smtClean="0"/>
+              <a:t>añadimos</a:t>
+            </a:r>
+            <a:r>
+              <a:rPr lang="en-US" dirty="0" smtClean="0"/>
+              <a:t> </a:t>
+            </a:r>
+            <a:r>
+              <a:rPr lang="en-US" dirty="0" err="1" smtClean="0"/>
+              <a:t>compilación</a:t>
+            </a:r>
+            <a:r>
+              <a:rPr lang="en-US" dirty="0" smtClean="0"/>
+              <a:t> XAML </a:t>
+            </a:r>
+            <a:r>
+              <a:rPr lang="en-US" dirty="0" err="1" smtClean="0"/>
+              <a:t>en</a:t>
+            </a:r>
+            <a:r>
+              <a:rPr lang="en-US" dirty="0" smtClean="0"/>
+              <a:t> Proyecto UWP XF2.0?</a:t>
+            </a:r>
+            <a:br>
+              <a:rPr lang="en-US" dirty="0" smtClean="0"/>
+            </a:br>
+            <a:r>
+              <a:rPr lang="en-US" dirty="0" smtClean="0"/>
+              <a:t>____________________</a:t>
+            </a:r>
+            <a:endParaRPr lang="en-US" dirty="0"/>
+          </a:p>
+        </p:txBody>
+      </p:sp>
+      <p:sp>
+        <p:nvSpPr>
+          <p:cNvPr id="4" name="TextBox 3"/>
+          <p:cNvSpPr txBox="1">
+            <a:spLocks noChangeArrowheads="1"/>
+          </p:cNvSpPr>
+          <p:nvPr/>
+        </p:nvSpPr>
+        <p:spPr bwMode="auto">
+          <a:xfrm>
+            <a:off x="2514600" y="2006601"/>
+            <a:ext cx="2667000" cy="646331"/>
+          </a:xfrm>
+          <a:prstGeom prst="rect">
+            <a:avLst/>
+          </a:prstGeom>
+          <a:noFill/>
+          <a:ln w="28575">
+            <a:solidFill>
+              <a:srgbClr val="FF0000"/>
+            </a:solidFill>
+            <a:miter lim="800000"/>
+            <a:headEnd/>
+            <a:tailEnd/>
+          </a:ln>
+        </p:spPr>
+        <p:txBody>
+          <a:bodyPr>
+            <a:spAutoFit/>
+          </a:bodyPr>
+          <a:lstStyle/>
+          <a:p>
+            <a:pPr algn="ctr"/>
+            <a:r>
+              <a:rPr lang="en-US" sz="3600" b="1" dirty="0">
+                <a:latin typeface="Calibri" pitchFamily="34" charset="0"/>
+              </a:rPr>
+              <a:t>A</a:t>
+            </a:r>
+            <a:r>
+              <a:rPr lang="en-US" sz="3600" b="1" dirty="0" smtClean="0">
+                <a:latin typeface="Calibri" pitchFamily="34" charset="0"/>
+              </a:rPr>
+              <a:t>. </a:t>
+            </a:r>
+            <a:r>
+              <a:rPr lang="en-US" sz="2000" b="1" dirty="0" err="1" smtClean="0">
+                <a:latin typeface="Calibri" pitchFamily="34" charset="0"/>
+              </a:rPr>
+              <a:t>XamlCompilation</a:t>
+            </a:r>
+            <a:endParaRPr lang="en-US" sz="2000" b="1" dirty="0">
+              <a:latin typeface="Calibri" pitchFamily="34" charset="0"/>
+            </a:endParaRPr>
+          </a:p>
+        </p:txBody>
+      </p:sp>
+      <p:sp>
+        <p:nvSpPr>
+          <p:cNvPr id="5" name="TextBox 4"/>
+          <p:cNvSpPr txBox="1">
+            <a:spLocks noChangeArrowheads="1"/>
+          </p:cNvSpPr>
+          <p:nvPr/>
+        </p:nvSpPr>
+        <p:spPr bwMode="auto">
+          <a:xfrm>
+            <a:off x="5791200" y="2006601"/>
+            <a:ext cx="2667000" cy="646331"/>
+          </a:xfrm>
+          <a:prstGeom prst="rect">
+            <a:avLst/>
+          </a:prstGeom>
+          <a:noFill/>
+          <a:ln w="28575">
+            <a:solidFill>
+              <a:srgbClr val="FF0000"/>
+            </a:solidFill>
+            <a:miter lim="800000"/>
+            <a:headEnd/>
+            <a:tailEnd/>
+          </a:ln>
+        </p:spPr>
+        <p:txBody>
+          <a:bodyPr>
+            <a:spAutoFit/>
+          </a:bodyPr>
+          <a:lstStyle/>
+          <a:p>
+            <a:pPr algn="ctr"/>
+            <a:r>
+              <a:rPr lang="en-US" sz="3600" b="1" dirty="0">
+                <a:latin typeface="Calibri" pitchFamily="34" charset="0"/>
+              </a:rPr>
+              <a:t>B</a:t>
+            </a:r>
+            <a:r>
+              <a:rPr lang="en-US" sz="3600" b="1" dirty="0" smtClean="0">
+                <a:latin typeface="Calibri" pitchFamily="34" charset="0"/>
+              </a:rPr>
+              <a:t>. </a:t>
+            </a:r>
+            <a:r>
+              <a:rPr lang="en-US" sz="2800" b="1" dirty="0" smtClean="0">
+                <a:latin typeface="Calibri" pitchFamily="34" charset="0"/>
+              </a:rPr>
+              <a:t>No se </a:t>
+            </a:r>
+            <a:r>
+              <a:rPr lang="en-US" sz="2800" b="1" dirty="0" err="1" smtClean="0">
+                <a:latin typeface="Calibri" pitchFamily="34" charset="0"/>
+              </a:rPr>
+              <a:t>puede</a:t>
+            </a:r>
+            <a:endParaRPr lang="en-US" sz="2800" b="1" dirty="0">
+              <a:latin typeface="Calibri" pitchFamily="34" charset="0"/>
+            </a:endParaRPr>
+          </a:p>
+        </p:txBody>
+      </p:sp>
+    </p:spTree>
+    <p:extLst>
+      <p:ext uri="{BB962C8B-B14F-4D97-AF65-F5344CB8AC3E}">
+        <p14:creationId xmlns:p14="http://schemas.microsoft.com/office/powerpoint/2010/main" val="1237968091"/>
+      </p:ext>
+    </p:extLst>
+  </p:cSld>
+  <p:clrMapOvr>
+    <a:masterClrMapping/>
+  </p:clrMapOvr>
+  <p:timing>
+    <p:tnLst>
+      <p:par>
+        <p:cTn id="1" dur="indefinite" restart="never" nodeType="tmRoot">
+          <p:childTnLst>
+            <p:seq concurrent="1" nextAc="seek">
+              <p:cTn id="2" dur="indefinite" nodeType="mainSeq">
+                <p:childTnLst>
+                  <p:par>
+                    <p:cTn id="3" fill="hold">
+                      <p:stCondLst>
+                        <p:cond delay="indefinite"/>
+                      </p:stCondLst>
+                      <p:childTnLst>
+                        <p:par>
+                          <p:cTn id="4" fill="hold">
+                            <p:stCondLst>
+                              <p:cond delay="0"/>
+                            </p:stCondLst>
+                            <p:childTnLst>
+                              <p:par>
+                                <p:cTn id="5" presetID="42" presetClass="path" presetSubtype="0" accel="50000" decel="50000" fill="hold" grpId="0" nodeType="clickEffect">
+                                  <p:stCondLst>
+                                    <p:cond delay="0"/>
+                                  </p:stCondLst>
+                                  <p:childTnLst>
+                                    <p:animMotion origin="layout" path="M 5E-6 -3.33333E-6 L -0.29232 0.39699 " pathEditMode="relative" rAng="0" ptsTypes="AA">
+                                      <p:cBhvr>
+                                        <p:cTn id="6" dur="2000" fill="hold"/>
+                                        <p:tgtEl>
+                                          <p:spTgt spid="5"/>
+                                        </p:tgtEl>
+                                        <p:attrNameLst>
+                                          <p:attrName>ppt_x</p:attrName>
+                                          <p:attrName>ppt_y</p:attrName>
+                                        </p:attrNameLst>
+                                      </p:cBhvr>
+                                      <p:rCtr x="-14622" y="19838"/>
+                                    </p:animMotion>
+                                  </p:childTnLst>
+                                </p:cTn>
+                              </p:par>
+                            </p:childTnLst>
+                          </p:cTn>
+                        </p:par>
+                      </p:childTnLst>
+                    </p:cTn>
+                  </p:par>
+                </p:childTnLst>
+              </p:cTn>
+              <p:prevCondLst>
+                <p:cond evt="onPrev" delay="0">
+                  <p:tgtEl>
+                    <p:sldTgt/>
+                  </p:tgtEl>
+                </p:cond>
+              </p:prevCondLst>
+              <p:nextCondLst>
+                <p:cond evt="onNext" delay="0">
+                  <p:tgtEl>
+                    <p:sldTgt/>
+                  </p:tgtEl>
+                </p:cond>
+              </p:nextCondLst>
+            </p:seq>
+          </p:childTnLst>
+        </p:cTn>
+      </p:par>
+    </p:tnLst>
+    <p:bldLst>
+      <p:bldP spid="5" grpId="0" animBg="1"/>
+    </p:bldLst>
+  </p:timing>
+</p:sld>
+</file>
+
+<file path=ppt/slides/slide9.xml><?xml version="1.0" encoding="utf-8"?>
+<p:sld xmlns:a="http://schemas.openxmlformats.org/drawingml/2006/main" xmlns:r="http://schemas.openxmlformats.org/officeDocument/2006/relationships" xmlns:p="http://schemas.openxmlformats.org/presentationml/2006/main">
+  <p:cSld>
+    <p:spTree>
+      <p:nvGrpSpPr>
+        <p:cNvPr id="1" name=""/>
+        <p:cNvGrpSpPr/>
+        <p:nvPr/>
+      </p:nvGrpSpPr>
+      <p:grpSpPr>
+        <a:xfrm>
+          <a:off x="0" y="0"/>
+          <a:ext cx="0" cy="0"/>
+          <a:chOff x="0" y="0"/>
+          <a:chExt cx="0" cy="0"/>
+        </a:xfrm>
+      </p:grpSpPr>
+      <p:sp>
+        <p:nvSpPr>
+          <p:cNvPr id="2" name="Title 1"/>
+          <p:cNvSpPr>
+            <a:spLocks noGrp="1"/>
+          </p:cNvSpPr>
+          <p:nvPr>
+            <p:ph type="ctrTitle"/>
+          </p:nvPr>
+        </p:nvSpPr>
+        <p:spPr>
+          <a:xfrm>
             <a:off x="2057400" y="3581401"/>
             <a:ext cx="7772400" cy="1470025"/>
           </a:xfrm>
@@ -5939,13 +10695,7 @@
               <a:rPr lang="en-US" sz="3600" b="1" dirty="0" smtClean="0">
                 <a:latin typeface="Calibri" pitchFamily="34" charset="0"/>
               </a:rPr>
-              <a:t>. </a:t>
-            </a:r>
-            <a:r>
-              <a:rPr lang="en-US" sz="3600" b="1" dirty="0" smtClean="0">
-                <a:latin typeface="Calibri" pitchFamily="34" charset="0"/>
-              </a:rPr>
-              <a:t>HTTP</a:t>
+              <a:t>. HTTP</a:t>
             </a:r>
             <a:endParaRPr lang="en-US" sz="3600" b="1" dirty="0">
               <a:latin typeface="Calibri" pitchFamily="34" charset="0"/>
@@ -5996,13 +10746,7 @@
               <a:rPr lang="en-US" sz="3600" b="1" dirty="0" smtClean="0">
                 <a:latin typeface="Calibri" pitchFamily="34" charset="0"/>
               </a:rPr>
-              <a:t>. </a:t>
-            </a:r>
-            <a:r>
-              <a:rPr lang="en-US" sz="3600" b="1" dirty="0" smtClean="0">
-                <a:latin typeface="Calibri" pitchFamily="34" charset="0"/>
-              </a:rPr>
-              <a:t>SSH</a:t>
+              <a:t>. SSH</a:t>
             </a:r>
             <a:endParaRPr lang="en-US" sz="3600" b="1" dirty="0">
               <a:latin typeface="Calibri" pitchFamily="34" charset="0"/>
@@ -6091,1055 +10835,6 @@
     </p:tnLst>
     <p:bldLst>
       <p:bldP spid="5" grpId="0" animBg="1"/>
-    </p:bldLst>
-  </p:timing>
-</p:sld>
-</file>
-
-<file path=ppt/slides/slide6.xml><?xml version="1.0" encoding="utf-8"?>
-<p:sld xmlns:a="http://schemas.openxmlformats.org/drawingml/2006/main" xmlns:r="http://schemas.openxmlformats.org/officeDocument/2006/relationships" xmlns:p="http://schemas.openxmlformats.org/presentationml/2006/main">
-  <p:cSld>
-    <p:spTree>
-      <p:nvGrpSpPr>
-        <p:cNvPr id="1" name=""/>
-        <p:cNvGrpSpPr/>
-        <p:nvPr/>
-      </p:nvGrpSpPr>
-      <p:grpSpPr>
-        <a:xfrm>
-          <a:off x="0" y="0"/>
-          <a:ext cx="0" cy="0"/>
-          <a:chOff x="0" y="0"/>
-          <a:chExt cx="0" cy="0"/>
-        </a:xfrm>
-      </p:grpSpPr>
-      <p:sp>
-        <p:nvSpPr>
-          <p:cNvPr id="2" name="Title 1"/>
-          <p:cNvSpPr>
-            <a:spLocks noGrp="1"/>
-          </p:cNvSpPr>
-          <p:nvPr>
-            <p:ph type="ctrTitle"/>
-          </p:nvPr>
-        </p:nvSpPr>
-        <p:spPr>
-          <a:xfrm>
-            <a:off x="2057400" y="3581401"/>
-            <a:ext cx="7772400" cy="1470025"/>
-          </a:xfrm>
-        </p:spPr>
-        <p:txBody>
-          <a:bodyPr rtlCol="0">
-            <a:normAutofit fontScale="90000"/>
-          </a:bodyPr>
-          <a:lstStyle/>
-          <a:p>
-            <a:pPr>
-              <a:defRPr/>
-            </a:pPr>
-            <a:r>
-              <a:rPr lang="en-US" dirty="0" smtClean="0"/>
-              <a:t>¿</a:t>
-            </a:r>
-            <a:r>
-              <a:rPr lang="en-US" dirty="0" err="1" smtClean="0"/>
-              <a:t>Cuántas</a:t>
-            </a:r>
-            <a:r>
-              <a:rPr lang="en-US" dirty="0" smtClean="0"/>
-              <a:t> </a:t>
-            </a:r>
-            <a:r>
-              <a:rPr lang="en-US" dirty="0" err="1" smtClean="0"/>
-              <a:t>instancias</a:t>
-            </a:r>
-            <a:r>
-              <a:rPr lang="en-US" dirty="0" smtClean="0"/>
-              <a:t> de VS </a:t>
-            </a:r>
-            <a:r>
-              <a:rPr lang="en-US" dirty="0" err="1" smtClean="0"/>
-              <a:t>pueden</a:t>
-            </a:r>
-            <a:r>
-              <a:rPr lang="en-US" dirty="0" smtClean="0"/>
-              <a:t> </a:t>
-            </a:r>
-            <a:r>
-              <a:rPr lang="en-US" dirty="0" err="1" smtClean="0"/>
-              <a:t>conectar</a:t>
-            </a:r>
-            <a:r>
-              <a:rPr lang="en-US" dirty="0" smtClean="0"/>
-              <a:t> con Mac Build Host?</a:t>
-            </a:r>
-            <a:br>
-              <a:rPr lang="en-US" dirty="0" smtClean="0"/>
-            </a:br>
-            <a:r>
-              <a:rPr lang="en-US" dirty="0" smtClean="0"/>
-              <a:t>____________________</a:t>
-            </a:r>
-            <a:endParaRPr lang="en-US" dirty="0"/>
-          </a:p>
-        </p:txBody>
-      </p:sp>
-      <p:sp>
-        <p:nvSpPr>
-          <p:cNvPr id="4" name="TextBox 3"/>
-          <p:cNvSpPr txBox="1">
-            <a:spLocks noChangeArrowheads="1"/>
-          </p:cNvSpPr>
-          <p:nvPr/>
-        </p:nvSpPr>
-        <p:spPr bwMode="auto">
-          <a:xfrm>
-            <a:off x="2514600" y="2006601"/>
-            <a:ext cx="2667000" cy="646113"/>
-          </a:xfrm>
-          <a:prstGeom prst="rect">
-            <a:avLst/>
-          </a:prstGeom>
-          <a:noFill/>
-          <a:ln w="28575">
-            <a:solidFill>
-              <a:srgbClr val="FF0000"/>
-            </a:solidFill>
-            <a:miter lim="800000"/>
-            <a:headEnd/>
-            <a:tailEnd/>
-          </a:ln>
-        </p:spPr>
-        <p:txBody>
-          <a:bodyPr>
-            <a:spAutoFit/>
-          </a:bodyPr>
-          <a:lstStyle/>
-          <a:p>
-            <a:pPr algn="ctr"/>
-            <a:r>
-              <a:rPr lang="en-US" sz="3600" b="1" dirty="0">
-                <a:latin typeface="Calibri" pitchFamily="34" charset="0"/>
-              </a:rPr>
-              <a:t>A</a:t>
-            </a:r>
-            <a:r>
-              <a:rPr lang="en-US" sz="3600" b="1" dirty="0" smtClean="0">
-                <a:latin typeface="Calibri" pitchFamily="34" charset="0"/>
-              </a:rPr>
-              <a:t>. </a:t>
-            </a:r>
-            <a:r>
-              <a:rPr lang="en-US" sz="3600" b="1" dirty="0" smtClean="0">
-                <a:latin typeface="Calibri" pitchFamily="34" charset="0"/>
-              </a:rPr>
-              <a:t>Una</a:t>
-            </a:r>
-            <a:endParaRPr lang="en-US" sz="3600" b="1" dirty="0">
-              <a:latin typeface="Calibri" pitchFamily="34" charset="0"/>
-            </a:endParaRPr>
-          </a:p>
-        </p:txBody>
-      </p:sp>
-      <p:sp>
-        <p:nvSpPr>
-          <p:cNvPr id="5" name="TextBox 4"/>
-          <p:cNvSpPr txBox="1">
-            <a:spLocks noChangeArrowheads="1"/>
-          </p:cNvSpPr>
-          <p:nvPr/>
-        </p:nvSpPr>
-        <p:spPr bwMode="auto">
-          <a:xfrm>
-            <a:off x="5791200" y="2006601"/>
-            <a:ext cx="2667000" cy="646113"/>
-          </a:xfrm>
-          <a:prstGeom prst="rect">
-            <a:avLst/>
-          </a:prstGeom>
-          <a:noFill/>
-          <a:ln w="28575">
-            <a:solidFill>
-              <a:srgbClr val="FF0000"/>
-            </a:solidFill>
-            <a:miter lim="800000"/>
-            <a:headEnd/>
-            <a:tailEnd/>
-          </a:ln>
-        </p:spPr>
-        <p:txBody>
-          <a:bodyPr>
-            <a:spAutoFit/>
-          </a:bodyPr>
-          <a:lstStyle/>
-          <a:p>
-            <a:pPr algn="ctr"/>
-            <a:r>
-              <a:rPr lang="en-US" sz="3600" b="1" dirty="0">
-                <a:latin typeface="Calibri" pitchFamily="34" charset="0"/>
-              </a:rPr>
-              <a:t>B</a:t>
-            </a:r>
-            <a:r>
-              <a:rPr lang="en-US" sz="3600" b="1" dirty="0" smtClean="0">
-                <a:latin typeface="Calibri" pitchFamily="34" charset="0"/>
-              </a:rPr>
-              <a:t>. </a:t>
-            </a:r>
-            <a:r>
-              <a:rPr lang="en-US" sz="3600" b="1" dirty="0" err="1" smtClean="0">
-                <a:latin typeface="Calibri" pitchFamily="34" charset="0"/>
-              </a:rPr>
-              <a:t>Varias</a:t>
-            </a:r>
-            <a:endParaRPr lang="en-US" sz="3600" b="1" dirty="0">
-              <a:latin typeface="Calibri" pitchFamily="34" charset="0"/>
-            </a:endParaRPr>
-          </a:p>
-        </p:txBody>
-      </p:sp>
-    </p:spTree>
-    <p:extLst>
-      <p:ext uri="{BB962C8B-B14F-4D97-AF65-F5344CB8AC3E}">
-        <p14:creationId xmlns:p14="http://schemas.microsoft.com/office/powerpoint/2010/main" val="1319223877"/>
-      </p:ext>
-    </p:extLst>
-  </p:cSld>
-  <p:clrMapOvr>
-    <a:masterClrMapping/>
-  </p:clrMapOvr>
-</p:sld>
-</file>
-
-<file path=ppt/slides/slide7.xml><?xml version="1.0" encoding="utf-8"?>
-<p:sld xmlns:a="http://schemas.openxmlformats.org/drawingml/2006/main" xmlns:r="http://schemas.openxmlformats.org/officeDocument/2006/relationships" xmlns:p="http://schemas.openxmlformats.org/presentationml/2006/main">
-  <p:cSld>
-    <p:spTree>
-      <p:nvGrpSpPr>
-        <p:cNvPr id="1" name=""/>
-        <p:cNvGrpSpPr/>
-        <p:nvPr/>
-      </p:nvGrpSpPr>
-      <p:grpSpPr>
-        <a:xfrm>
-          <a:off x="0" y="0"/>
-          <a:ext cx="0" cy="0"/>
-          <a:chOff x="0" y="0"/>
-          <a:chExt cx="0" cy="0"/>
-        </a:xfrm>
-      </p:grpSpPr>
-      <p:sp>
-        <p:nvSpPr>
-          <p:cNvPr id="2" name="Title 1"/>
-          <p:cNvSpPr>
-            <a:spLocks noGrp="1"/>
-          </p:cNvSpPr>
-          <p:nvPr>
-            <p:ph type="ctrTitle"/>
-          </p:nvPr>
-        </p:nvSpPr>
-        <p:spPr>
-          <a:xfrm>
-            <a:off x="2057400" y="3581401"/>
-            <a:ext cx="7772400" cy="1470025"/>
-          </a:xfrm>
-        </p:spPr>
-        <p:txBody>
-          <a:bodyPr rtlCol="0">
-            <a:normAutofit fontScale="90000"/>
-          </a:bodyPr>
-          <a:lstStyle/>
-          <a:p>
-            <a:pPr>
-              <a:defRPr/>
-            </a:pPr>
-            <a:r>
-              <a:rPr lang="en-US" dirty="0" smtClean="0"/>
-              <a:t>¿</a:t>
-            </a:r>
-            <a:r>
-              <a:rPr lang="en-US" dirty="0" err="1" smtClean="0"/>
-              <a:t>Podemos</a:t>
-            </a:r>
-            <a:r>
-              <a:rPr lang="en-US" dirty="0" smtClean="0"/>
-              <a:t> </a:t>
-            </a:r>
-            <a:r>
-              <a:rPr lang="en-US" dirty="0" err="1" smtClean="0"/>
-              <a:t>diseñar</a:t>
-            </a:r>
-            <a:r>
-              <a:rPr lang="en-US" dirty="0" smtClean="0"/>
-              <a:t> </a:t>
-            </a:r>
-            <a:r>
-              <a:rPr lang="en-US" dirty="0" err="1" smtClean="0"/>
-              <a:t>archivos</a:t>
-            </a:r>
-            <a:r>
-              <a:rPr lang="en-US" dirty="0" smtClean="0"/>
-              <a:t> XIB </a:t>
-            </a:r>
-            <a:r>
-              <a:rPr lang="en-US" dirty="0" err="1" smtClean="0"/>
-              <a:t>desde</a:t>
-            </a:r>
-            <a:r>
-              <a:rPr lang="en-US" dirty="0" smtClean="0"/>
-              <a:t> Xamarin Studio?</a:t>
-            </a:r>
-            <a:br>
-              <a:rPr lang="en-US" dirty="0" smtClean="0"/>
-            </a:br>
-            <a:r>
-              <a:rPr lang="en-US" dirty="0" smtClean="0"/>
-              <a:t>____________________</a:t>
-            </a:r>
-            <a:endParaRPr lang="en-US" dirty="0"/>
-          </a:p>
-        </p:txBody>
-      </p:sp>
-      <p:sp>
-        <p:nvSpPr>
-          <p:cNvPr id="4" name="TextBox 3"/>
-          <p:cNvSpPr txBox="1">
-            <a:spLocks noChangeArrowheads="1"/>
-          </p:cNvSpPr>
-          <p:nvPr/>
-        </p:nvSpPr>
-        <p:spPr bwMode="auto">
-          <a:xfrm>
-            <a:off x="2514600" y="2006601"/>
-            <a:ext cx="2667000" cy="646331"/>
-          </a:xfrm>
-          <a:prstGeom prst="rect">
-            <a:avLst/>
-          </a:prstGeom>
-          <a:noFill/>
-          <a:ln w="28575">
-            <a:solidFill>
-              <a:srgbClr val="FF0000"/>
-            </a:solidFill>
-            <a:miter lim="800000"/>
-            <a:headEnd/>
-            <a:tailEnd/>
-          </a:ln>
-        </p:spPr>
-        <p:txBody>
-          <a:bodyPr>
-            <a:spAutoFit/>
-          </a:bodyPr>
-          <a:lstStyle/>
-          <a:p>
-            <a:pPr algn="ctr"/>
-            <a:r>
-              <a:rPr lang="en-US" sz="3600" b="1" dirty="0">
-                <a:latin typeface="Calibri" pitchFamily="34" charset="0"/>
-              </a:rPr>
-              <a:t>A</a:t>
-            </a:r>
-            <a:r>
-              <a:rPr lang="en-US" sz="3600" b="1" dirty="0" smtClean="0">
-                <a:latin typeface="Calibri" pitchFamily="34" charset="0"/>
-              </a:rPr>
-              <a:t>. </a:t>
-            </a:r>
-            <a:r>
-              <a:rPr lang="en-US" sz="3200" b="1" dirty="0" smtClean="0">
-                <a:latin typeface="Calibri" pitchFamily="34" charset="0"/>
-              </a:rPr>
-              <a:t>Si</a:t>
-            </a:r>
-            <a:endParaRPr lang="en-US" sz="2000" b="1" dirty="0">
-              <a:latin typeface="Calibri" pitchFamily="34" charset="0"/>
-            </a:endParaRPr>
-          </a:p>
-        </p:txBody>
-      </p:sp>
-      <p:sp>
-        <p:nvSpPr>
-          <p:cNvPr id="5" name="TextBox 4"/>
-          <p:cNvSpPr txBox="1">
-            <a:spLocks noChangeArrowheads="1"/>
-          </p:cNvSpPr>
-          <p:nvPr/>
-        </p:nvSpPr>
-        <p:spPr bwMode="auto">
-          <a:xfrm>
-            <a:off x="5791200" y="2006601"/>
-            <a:ext cx="2667000" cy="646331"/>
-          </a:xfrm>
-          <a:prstGeom prst="rect">
-            <a:avLst/>
-          </a:prstGeom>
-          <a:noFill/>
-          <a:ln w="28575">
-            <a:solidFill>
-              <a:srgbClr val="FF0000"/>
-            </a:solidFill>
-            <a:miter lim="800000"/>
-            <a:headEnd/>
-            <a:tailEnd/>
-          </a:ln>
-        </p:spPr>
-        <p:txBody>
-          <a:bodyPr>
-            <a:spAutoFit/>
-          </a:bodyPr>
-          <a:lstStyle/>
-          <a:p>
-            <a:pPr algn="ctr"/>
-            <a:r>
-              <a:rPr lang="en-US" sz="3600" b="1" dirty="0">
-                <a:latin typeface="Calibri" pitchFamily="34" charset="0"/>
-              </a:rPr>
-              <a:t>B</a:t>
-            </a:r>
-            <a:r>
-              <a:rPr lang="en-US" sz="3600" b="1" dirty="0" smtClean="0">
-                <a:latin typeface="Calibri" pitchFamily="34" charset="0"/>
-              </a:rPr>
-              <a:t>. </a:t>
-            </a:r>
-            <a:r>
-              <a:rPr lang="en-US" sz="2800" b="1" dirty="0" smtClean="0">
-                <a:latin typeface="Calibri" pitchFamily="34" charset="0"/>
-              </a:rPr>
-              <a:t>No</a:t>
-            </a:r>
-            <a:endParaRPr lang="en-US" sz="2800" b="1" dirty="0">
-              <a:latin typeface="Calibri" pitchFamily="34" charset="0"/>
-            </a:endParaRPr>
-          </a:p>
-        </p:txBody>
-      </p:sp>
-    </p:spTree>
-    <p:extLst>
-      <p:ext uri="{BB962C8B-B14F-4D97-AF65-F5344CB8AC3E}">
-        <p14:creationId xmlns:p14="http://schemas.microsoft.com/office/powerpoint/2010/main" val="532116873"/>
-      </p:ext>
-    </p:extLst>
-  </p:cSld>
-  <p:clrMapOvr>
-    <a:masterClrMapping/>
-  </p:clrMapOvr>
-</p:sld>
-</file>
-
-<file path=ppt/slides/slide8.xml><?xml version="1.0" encoding="utf-8"?>
-<p:sld xmlns:a="http://schemas.openxmlformats.org/drawingml/2006/main" xmlns:r="http://schemas.openxmlformats.org/officeDocument/2006/relationships" xmlns:p="http://schemas.openxmlformats.org/presentationml/2006/main">
-  <p:cSld>
-    <p:spTree>
-      <p:nvGrpSpPr>
-        <p:cNvPr id="1" name=""/>
-        <p:cNvGrpSpPr/>
-        <p:nvPr/>
-      </p:nvGrpSpPr>
-      <p:grpSpPr>
-        <a:xfrm>
-          <a:off x="0" y="0"/>
-          <a:ext cx="0" cy="0"/>
-          <a:chOff x="0" y="0"/>
-          <a:chExt cx="0" cy="0"/>
-        </a:xfrm>
-      </p:grpSpPr>
-      <p:sp>
-        <p:nvSpPr>
-          <p:cNvPr id="2" name="Title 1"/>
-          <p:cNvSpPr>
-            <a:spLocks noGrp="1"/>
-          </p:cNvSpPr>
-          <p:nvPr>
-            <p:ph type="ctrTitle"/>
-          </p:nvPr>
-        </p:nvSpPr>
-        <p:spPr>
-          <a:xfrm>
-            <a:off x="2057400" y="3581401"/>
-            <a:ext cx="7772400" cy="1470025"/>
-          </a:xfrm>
-        </p:spPr>
-        <p:txBody>
-          <a:bodyPr rtlCol="0">
-            <a:normAutofit fontScale="90000"/>
-          </a:bodyPr>
-          <a:lstStyle/>
-          <a:p>
-            <a:pPr>
-              <a:defRPr/>
-            </a:pPr>
-            <a:r>
-              <a:rPr lang="en-US" dirty="0" smtClean="0"/>
-              <a:t>¿</a:t>
-            </a:r>
-            <a:r>
-              <a:rPr lang="en-US" dirty="0" err="1" smtClean="0"/>
-              <a:t>Qué</a:t>
-            </a:r>
-            <a:r>
-              <a:rPr lang="en-US" dirty="0" smtClean="0"/>
-              <a:t> no se </a:t>
-            </a:r>
-            <a:r>
-              <a:rPr lang="en-US" dirty="0" err="1" smtClean="0"/>
-              <a:t>soporta</a:t>
-            </a:r>
-            <a:r>
-              <a:rPr lang="en-US" dirty="0" smtClean="0"/>
-              <a:t> </a:t>
-            </a:r>
-            <a:r>
-              <a:rPr lang="en-US" dirty="0" err="1" smtClean="0"/>
-              <a:t>en</a:t>
-            </a:r>
-            <a:r>
-              <a:rPr lang="en-US" dirty="0" smtClean="0"/>
-              <a:t> App UWP XF 2.0?</a:t>
-            </a:r>
-            <a:br>
-              <a:rPr lang="en-US" dirty="0" smtClean="0"/>
-            </a:br>
-            <a:r>
-              <a:rPr lang="en-US" dirty="0" smtClean="0"/>
-              <a:t>____________________</a:t>
-            </a:r>
-            <a:endParaRPr lang="en-US" dirty="0"/>
-          </a:p>
-        </p:txBody>
-      </p:sp>
-      <p:sp>
-        <p:nvSpPr>
-          <p:cNvPr id="4" name="TextBox 3"/>
-          <p:cNvSpPr txBox="1">
-            <a:spLocks noChangeArrowheads="1"/>
-          </p:cNvSpPr>
-          <p:nvPr/>
-        </p:nvSpPr>
-        <p:spPr bwMode="auto">
-          <a:xfrm>
-            <a:off x="2514600" y="2006601"/>
-            <a:ext cx="2667000" cy="646331"/>
-          </a:xfrm>
-          <a:prstGeom prst="rect">
-            <a:avLst/>
-          </a:prstGeom>
-          <a:noFill/>
-          <a:ln w="28575">
-            <a:solidFill>
-              <a:srgbClr val="FF0000"/>
-            </a:solidFill>
-            <a:miter lim="800000"/>
-            <a:headEnd/>
-            <a:tailEnd/>
-          </a:ln>
-        </p:spPr>
-        <p:txBody>
-          <a:bodyPr>
-            <a:spAutoFit/>
-          </a:bodyPr>
-          <a:lstStyle/>
-          <a:p>
-            <a:pPr algn="ctr"/>
-            <a:r>
-              <a:rPr lang="en-US" sz="3600" b="1" dirty="0">
-                <a:latin typeface="Calibri" pitchFamily="34" charset="0"/>
-              </a:rPr>
-              <a:t>B</a:t>
-            </a:r>
-            <a:r>
-              <a:rPr lang="en-US" sz="3600" b="1" dirty="0" smtClean="0">
-                <a:latin typeface="Calibri" pitchFamily="34" charset="0"/>
-              </a:rPr>
-              <a:t>. </a:t>
-            </a:r>
-            <a:r>
-              <a:rPr lang="en-US" sz="3200" b="1" dirty="0" err="1" smtClean="0">
-                <a:latin typeface="Calibri" pitchFamily="34" charset="0"/>
-              </a:rPr>
-              <a:t>Mapas</a:t>
-            </a:r>
-            <a:endParaRPr lang="en-US" sz="2000" b="1" dirty="0">
-              <a:latin typeface="Calibri" pitchFamily="34" charset="0"/>
-            </a:endParaRPr>
-          </a:p>
-        </p:txBody>
-      </p:sp>
-      <p:sp>
-        <p:nvSpPr>
-          <p:cNvPr id="5" name="TextBox 4"/>
-          <p:cNvSpPr txBox="1">
-            <a:spLocks noChangeArrowheads="1"/>
-          </p:cNvSpPr>
-          <p:nvPr/>
-        </p:nvSpPr>
-        <p:spPr bwMode="auto">
-          <a:xfrm>
-            <a:off x="5791200" y="2006601"/>
-            <a:ext cx="2667000" cy="646331"/>
-          </a:xfrm>
-          <a:prstGeom prst="rect">
-            <a:avLst/>
-          </a:prstGeom>
-          <a:noFill/>
-          <a:ln w="28575">
-            <a:solidFill>
-              <a:srgbClr val="FF0000"/>
-            </a:solidFill>
-            <a:miter lim="800000"/>
-            <a:headEnd/>
-            <a:tailEnd/>
-          </a:ln>
-        </p:spPr>
-        <p:txBody>
-          <a:bodyPr>
-            <a:spAutoFit/>
-          </a:bodyPr>
-          <a:lstStyle/>
-          <a:p>
-            <a:pPr algn="ctr"/>
-            <a:r>
-              <a:rPr lang="en-US" sz="3600" b="1" dirty="0">
-                <a:latin typeface="Calibri" pitchFamily="34" charset="0"/>
-              </a:rPr>
-              <a:t>A</a:t>
-            </a:r>
-            <a:r>
-              <a:rPr lang="en-US" sz="3600" b="1" dirty="0" smtClean="0">
-                <a:latin typeface="Calibri" pitchFamily="34" charset="0"/>
-              </a:rPr>
-              <a:t>. </a:t>
-            </a:r>
-            <a:r>
-              <a:rPr lang="en-US" sz="2800" b="1" dirty="0" err="1" smtClean="0">
-                <a:latin typeface="Calibri" pitchFamily="34" charset="0"/>
-              </a:rPr>
-              <a:t>Gestos</a:t>
-            </a:r>
-            <a:endParaRPr lang="en-US" sz="2800" b="1" dirty="0">
-              <a:latin typeface="Calibri" pitchFamily="34" charset="0"/>
-            </a:endParaRPr>
-          </a:p>
-        </p:txBody>
-      </p:sp>
-    </p:spTree>
-    <p:extLst>
-      <p:ext uri="{BB962C8B-B14F-4D97-AF65-F5344CB8AC3E}">
-        <p14:creationId xmlns:p14="http://schemas.microsoft.com/office/powerpoint/2010/main" val="2323276779"/>
-      </p:ext>
-    </p:extLst>
-  </p:cSld>
-  <p:clrMapOvr>
-    <a:masterClrMapping/>
-  </p:clrMapOvr>
-</p:sld>
-</file>
-
-<file path=ppt/slides/slide9.xml><?xml version="1.0" encoding="utf-8"?>
-<p:sld xmlns:a="http://schemas.openxmlformats.org/drawingml/2006/main" xmlns:r="http://schemas.openxmlformats.org/officeDocument/2006/relationships" xmlns:p="http://schemas.openxmlformats.org/presentationml/2006/main">
-  <p:cSld>
-    <p:spTree>
-      <p:nvGrpSpPr>
-        <p:cNvPr id="1" name=""/>
-        <p:cNvGrpSpPr/>
-        <p:nvPr/>
-      </p:nvGrpSpPr>
-      <p:grpSpPr>
-        <a:xfrm>
-          <a:off x="0" y="0"/>
-          <a:ext cx="0" cy="0"/>
-          <a:chOff x="0" y="0"/>
-          <a:chExt cx="0" cy="0"/>
-        </a:xfrm>
-      </p:grpSpPr>
-      <p:sp>
-        <p:nvSpPr>
-          <p:cNvPr id="27" name="Text Placeholder 25"/>
-          <p:cNvSpPr txBox="1">
-            <a:spLocks/>
-          </p:cNvSpPr>
-          <p:nvPr/>
-        </p:nvSpPr>
-        <p:spPr bwMode="invGray">
-          <a:xfrm>
-            <a:off x="1556293" y="1685952"/>
-            <a:ext cx="10321336" cy="821723"/>
-          </a:xfrm>
-          <a:prstGeom prst="rect">
-            <a:avLst/>
-          </a:prstGeom>
-        </p:spPr>
-        <p:txBody>
-          <a:bodyPr vert="horz" wrap="square" lIns="179285" tIns="143428" rIns="179285" bIns="143428" rtlCol="0" anchor="t">
-            <a:noAutofit/>
-          </a:bodyPr>
-          <a:lstStyle>
-            <a:lvl1pPr marL="0" indent="0" algn="l" defTabSz="914166" rtl="0" eaLnBrk="1" latinLnBrk="0" hangingPunct="1">
-              <a:spcBef>
-                <a:spcPct val="20000"/>
-              </a:spcBef>
-              <a:buFont typeface="Arial" pitchFamily="34" charset="0"/>
-              <a:buNone/>
-              <a:defRPr sz="6700" kern="1200" spc="-153">
-                <a:gradFill>
-                  <a:gsLst>
-                    <a:gs pos="0">
-                      <a:schemeClr val="tx1"/>
-                    </a:gs>
-                    <a:gs pos="100000">
-                      <a:schemeClr val="tx1"/>
-                    </a:gs>
-                  </a:gsLst>
-                  <a:lin ang="5400000" scaled="0"/>
-                </a:gradFill>
-                <a:latin typeface="+mj-lt"/>
-                <a:ea typeface="+mn-ea"/>
-                <a:cs typeface="+mn-cs"/>
-              </a:defRPr>
-            </a:lvl1pPr>
-            <a:lvl2pPr marL="0" indent="0" algn="l" defTabSz="914166" rtl="0" eaLnBrk="1" latinLnBrk="0" hangingPunct="1">
-              <a:spcBef>
-                <a:spcPct val="20000"/>
-              </a:spcBef>
-              <a:buFont typeface="Arial" pitchFamily="34" charset="0"/>
-              <a:buNone/>
-              <a:defRPr sz="2800" kern="1200">
-                <a:gradFill>
-                  <a:gsLst>
-                    <a:gs pos="0">
-                      <a:schemeClr val="tx1"/>
-                    </a:gs>
-                    <a:gs pos="100000">
-                      <a:schemeClr val="tx1"/>
-                    </a:gs>
-                  </a:gsLst>
-                  <a:lin ang="5400000" scaled="0"/>
-                </a:gradFill>
-                <a:latin typeface="+mn-lt"/>
-                <a:ea typeface="+mn-ea"/>
-                <a:cs typeface="+mn-cs"/>
-              </a:defRPr>
-            </a:lvl2pPr>
-            <a:lvl3pPr marL="457082" indent="-228541" algn="l" defTabSz="914166" rtl="0" eaLnBrk="1" latinLnBrk="0" hangingPunct="1">
-              <a:spcBef>
-                <a:spcPct val="20000"/>
-              </a:spcBef>
-              <a:buFont typeface="Arial" pitchFamily="34" charset="0"/>
-              <a:buChar char="•"/>
-              <a:defRPr sz="2400" kern="1200">
-                <a:gradFill>
-                  <a:gsLst>
-                    <a:gs pos="0">
-                      <a:schemeClr val="tx1"/>
-                    </a:gs>
-                    <a:gs pos="100000">
-                      <a:schemeClr val="tx1"/>
-                    </a:gs>
-                  </a:gsLst>
-                  <a:lin ang="5400000" scaled="0"/>
-                </a:gradFill>
-                <a:latin typeface="+mn-lt"/>
-                <a:ea typeface="+mn-ea"/>
-                <a:cs typeface="+mn-cs"/>
-              </a:defRPr>
-            </a:lvl3pPr>
-            <a:lvl4pPr marL="739586" indent="-282503" algn="l" defTabSz="914166" rtl="0" eaLnBrk="1" latinLnBrk="0" hangingPunct="1">
-              <a:spcBef>
-                <a:spcPct val="20000"/>
-              </a:spcBef>
-              <a:buFont typeface="Arial" pitchFamily="34" charset="0"/>
-              <a:buChar char="–"/>
-              <a:defRPr sz="2000" kern="1200">
-                <a:gradFill>
-                  <a:gsLst>
-                    <a:gs pos="0">
-                      <a:schemeClr val="tx1"/>
-                    </a:gs>
-                    <a:gs pos="100000">
-                      <a:schemeClr val="tx1"/>
-                    </a:gs>
-                  </a:gsLst>
-                  <a:lin ang="5400000" scaled="0"/>
-                </a:gradFill>
-                <a:latin typeface="+mn-lt"/>
-                <a:ea typeface="+mn-ea"/>
-                <a:cs typeface="+mn-cs"/>
-              </a:defRPr>
-            </a:lvl4pPr>
-            <a:lvl5pPr marL="1033199" indent="-293612" algn="l" defTabSz="914166" rtl="0" eaLnBrk="1" latinLnBrk="0" hangingPunct="1">
-              <a:spcBef>
-                <a:spcPct val="20000"/>
-              </a:spcBef>
-              <a:buFont typeface="Arial" pitchFamily="34" charset="0"/>
-              <a:buChar char="»"/>
-              <a:defRPr sz="1800" kern="1200">
-                <a:gradFill>
-                  <a:gsLst>
-                    <a:gs pos="0">
-                      <a:schemeClr val="tx1"/>
-                    </a:gs>
-                    <a:gs pos="100000">
-                      <a:schemeClr val="tx1"/>
-                    </a:gs>
-                  </a:gsLst>
-                  <a:lin ang="5400000" scaled="0"/>
-                </a:gradFill>
-                <a:latin typeface="+mn-lt"/>
-                <a:ea typeface="+mn-ea"/>
-                <a:cs typeface="+mn-cs"/>
-              </a:defRPr>
-            </a:lvl5pPr>
-            <a:lvl6pPr marL="2513956" indent="-228541" algn="l" defTabSz="914166" rtl="0" eaLnBrk="1" latinLnBrk="0" hangingPunct="1">
-              <a:spcBef>
-                <a:spcPct val="20000"/>
-              </a:spcBef>
-              <a:buFont typeface="Arial" pitchFamily="34" charset="0"/>
-              <a:buChar char="•"/>
-              <a:defRPr sz="2000" kern="1200">
-                <a:solidFill>
-                  <a:schemeClr val="tx1"/>
-                </a:solidFill>
-                <a:latin typeface="+mn-lt"/>
-                <a:ea typeface="+mn-ea"/>
-                <a:cs typeface="+mn-cs"/>
-              </a:defRPr>
-            </a:lvl6pPr>
-            <a:lvl7pPr marL="2971038" indent="-228541" algn="l" defTabSz="914166" rtl="0" eaLnBrk="1" latinLnBrk="0" hangingPunct="1">
-              <a:spcBef>
-                <a:spcPct val="20000"/>
-              </a:spcBef>
-              <a:buFont typeface="Arial" pitchFamily="34" charset="0"/>
-              <a:buChar char="•"/>
-              <a:defRPr sz="2000" kern="1200">
-                <a:solidFill>
-                  <a:schemeClr val="tx1"/>
-                </a:solidFill>
-                <a:latin typeface="+mn-lt"/>
-                <a:ea typeface="+mn-ea"/>
-                <a:cs typeface="+mn-cs"/>
-              </a:defRPr>
-            </a:lvl7pPr>
-            <a:lvl8pPr marL="3428122" indent="-228541" algn="l" defTabSz="914166" rtl="0" eaLnBrk="1" latinLnBrk="0" hangingPunct="1">
-              <a:spcBef>
-                <a:spcPct val="20000"/>
-              </a:spcBef>
-              <a:buFont typeface="Arial" pitchFamily="34" charset="0"/>
-              <a:buChar char="•"/>
-              <a:defRPr sz="2000" kern="1200">
-                <a:solidFill>
-                  <a:schemeClr val="tx1"/>
-                </a:solidFill>
-                <a:latin typeface="+mn-lt"/>
-                <a:ea typeface="+mn-ea"/>
-                <a:cs typeface="+mn-cs"/>
-              </a:defRPr>
-            </a:lvl8pPr>
-            <a:lvl9pPr marL="3885204" indent="-228541" algn="l" defTabSz="914166" rtl="0" eaLnBrk="1" latinLnBrk="0" hangingPunct="1">
-              <a:spcBef>
-                <a:spcPct val="20000"/>
-              </a:spcBef>
-              <a:buFont typeface="Arial" pitchFamily="34" charset="0"/>
-              <a:buChar char="•"/>
-              <a:defRPr sz="2000" kern="1200">
-                <a:solidFill>
-                  <a:schemeClr val="tx1"/>
-                </a:solidFill>
-                <a:latin typeface="+mn-lt"/>
-                <a:ea typeface="+mn-ea"/>
-                <a:cs typeface="+mn-cs"/>
-              </a:defRPr>
-            </a:lvl9pPr>
-          </a:lstStyle>
-          <a:p>
-            <a:pPr defTabSz="914367">
-              <a:lnSpc>
-                <a:spcPct val="60000"/>
-              </a:lnSpc>
-              <a:buClr>
-                <a:srgbClr val="FFFFFF"/>
-              </a:buClr>
-              <a:buSzPct val="90000"/>
-            </a:pPr>
-            <a:r>
-              <a:rPr lang="en-US" sz="7646" spc="0" dirty="0" smtClean="0">
-                <a:solidFill>
-                  <a:schemeClr val="tx1"/>
-                </a:solidFill>
-              </a:rPr>
-              <a:t>Gracias a </a:t>
-            </a:r>
-            <a:r>
-              <a:rPr lang="en-US" sz="7646" spc="0" dirty="0" err="1" smtClean="0">
-                <a:solidFill>
-                  <a:schemeClr val="tx1"/>
-                </a:solidFill>
-              </a:rPr>
-              <a:t>todos</a:t>
-            </a:r>
-            <a:r>
-              <a:rPr lang="en-US" sz="7646" spc="0" dirty="0" smtClean="0">
-                <a:solidFill>
-                  <a:schemeClr val="tx1"/>
-                </a:solidFill>
-              </a:rPr>
-              <a:t>!</a:t>
-            </a:r>
-            <a:endParaRPr lang="en-US" sz="7646" spc="0" dirty="0">
-              <a:solidFill>
-                <a:schemeClr val="tx1"/>
-              </a:solidFill>
-              <a:latin typeface="+mn-lt"/>
-            </a:endParaRPr>
-          </a:p>
-        </p:txBody>
-      </p:sp>
-      <p:sp>
-        <p:nvSpPr>
-          <p:cNvPr id="8" name="TextBox 7"/>
-          <p:cNvSpPr txBox="1"/>
-          <p:nvPr/>
-        </p:nvSpPr>
-        <p:spPr>
-          <a:xfrm>
-            <a:off x="4145965" y="-846623"/>
-            <a:ext cx="362072" cy="621556"/>
-          </a:xfrm>
-          <a:prstGeom prst="rect">
-            <a:avLst/>
-          </a:prstGeom>
-          <a:noFill/>
-        </p:spPr>
-        <p:txBody>
-          <a:bodyPr wrap="none" lIns="179285" tIns="143428" rIns="179285" bIns="143428" rtlCol="0">
-            <a:spAutoFit/>
-          </a:bodyPr>
-          <a:lstStyle/>
-          <a:p>
-            <a:pPr>
-              <a:lnSpc>
-                <a:spcPct val="90000"/>
-              </a:lnSpc>
-              <a:spcAft>
-                <a:spcPts val="588"/>
-              </a:spcAft>
-            </a:pPr>
-            <a:endParaRPr lang="en-US" sz="2353" dirty="0" err="1">
-              <a:gradFill>
-                <a:gsLst>
-                  <a:gs pos="2917">
-                    <a:schemeClr val="tx1"/>
-                  </a:gs>
-                  <a:gs pos="30000">
-                    <a:schemeClr val="tx1"/>
-                  </a:gs>
-                </a:gsLst>
-                <a:lin ang="5400000" scaled="0"/>
-              </a:gradFill>
-            </a:endParaRPr>
-          </a:p>
-        </p:txBody>
-      </p:sp>
-    </p:spTree>
-    <p:extLst>
-      <p:ext uri="{BB962C8B-B14F-4D97-AF65-F5344CB8AC3E}">
-        <p14:creationId xmlns:p14="http://schemas.microsoft.com/office/powerpoint/2010/main" val="209359415"/>
-      </p:ext>
-    </p:extLst>
-  </p:cSld>
-  <p:clrMapOvr>
-    <a:masterClrMapping/>
-  </p:clrMapOvr>
-  <p:transition>
-    <p:fade/>
-  </p:transition>
-  <p:timing>
-    <p:tnLst>
-      <p:par>
-        <p:cTn id="1" dur="indefinite" restart="never" nodeType="tmRoot">
-          <p:childTnLst>
-            <p:seq concurrent="1" nextAc="seek">
-              <p:cTn id="2" dur="indefinite" nodeType="mainSeq">
-                <p:childTnLst>
-                  <p:par>
-                    <p:cTn id="3" fill="hold">
-                      <p:stCondLst>
-                        <p:cond delay="indefinite"/>
-                        <p:cond evt="onBegin" delay="0">
-                          <p:tn val="2"/>
-                        </p:cond>
-                      </p:stCondLst>
-                      <p:childTnLst>
-                        <p:par>
-                          <p:cTn id="4" fill="hold">
-                            <p:stCondLst>
-                              <p:cond delay="0"/>
-                            </p:stCondLst>
-                            <p:childTnLst>
-                              <p:par>
-                                <p:cTn id="5" presetID="10" presetClass="entr" presetSubtype="0" fill="hold" grpId="0" nodeType="afterEffect">
-                                  <p:stCondLst>
-                                    <p:cond delay="0"/>
-                                  </p:stCondLst>
-                                  <p:childTnLst>
-                                    <p:set>
-                                      <p:cBhvr>
-                                        <p:cTn id="6" dur="1" fill="hold">
-                                          <p:stCondLst>
-                                            <p:cond delay="0"/>
-                                          </p:stCondLst>
-                                        </p:cTn>
-                                        <p:tgtEl>
-                                          <p:spTgt spid="27"/>
-                                        </p:tgtEl>
-                                        <p:attrNameLst>
-                                          <p:attrName>style.visibility</p:attrName>
-                                        </p:attrNameLst>
-                                      </p:cBhvr>
-                                      <p:to>
-                                        <p:strVal val="visible"/>
-                                      </p:to>
-                                    </p:set>
-                                    <p:animEffect transition="in" filter="fade">
-                                      <p:cBhvr>
-                                        <p:cTn id="7" dur="500"/>
-                                        <p:tgtEl>
-                                          <p:spTgt spid="27"/>
-                                        </p:tgtEl>
-                                      </p:cBhvr>
-                                    </p:animEffect>
-                                  </p:childTnLst>
-                                </p:cTn>
-                              </p:par>
-                            </p:childTnLst>
-                          </p:cTn>
-                        </p:par>
-                      </p:childTnLst>
-                    </p:cTn>
-                  </p:par>
-                </p:childTnLst>
-              </p:cTn>
-              <p:prevCondLst>
-                <p:cond evt="onPrev" delay="0">
-                  <p:tgtEl>
-                    <p:sldTgt/>
-                  </p:tgtEl>
-                </p:cond>
-              </p:prevCondLst>
-              <p:nextCondLst>
-                <p:cond evt="onNext" delay="0">
-                  <p:tgtEl>
-                    <p:sldTgt/>
-                  </p:tgtEl>
-                </p:cond>
-              </p:nextCondLst>
-            </p:seq>
-          </p:childTnLst>
-        </p:cTn>
-      </p:par>
-    </p:tnLst>
-    <p:bldLst>
-      <p:bldP spid="27" grpId="0"/>
     </p:bldLst>
   </p:timing>
 </p:sld>

--- a/Xamarin 4 Party/03. Xamarin 4 Contest.pptx
+++ b/Xamarin 4 Party/03. Xamarin 4 Contest.pptx
@@ -5,7 +5,7 @@
     <p:sldMasterId id="2147483660" r:id="rId1"/>
   </p:sldMasterIdLst>
   <p:notesMasterIdLst>
-    <p:notesMasterId r:id="rId21"/>
+    <p:notesMasterId r:id="rId29"/>
   </p:notesMasterIdLst>
   <p:sldIdLst>
     <p:sldId id="380" r:id="rId2"/>
@@ -13,20 +13,28 @@
     <p:sldId id="414" r:id="rId4"/>
     <p:sldId id="424" r:id="rId5"/>
     <p:sldId id="425" r:id="rId6"/>
-    <p:sldId id="426" r:id="rId7"/>
-    <p:sldId id="427" r:id="rId8"/>
-    <p:sldId id="412" r:id="rId9"/>
-    <p:sldId id="413" r:id="rId10"/>
-    <p:sldId id="415" r:id="rId11"/>
-    <p:sldId id="416" r:id="rId12"/>
-    <p:sldId id="417" r:id="rId13"/>
-    <p:sldId id="419" r:id="rId14"/>
-    <p:sldId id="420" r:id="rId15"/>
-    <p:sldId id="421" r:id="rId16"/>
-    <p:sldId id="422" r:id="rId17"/>
-    <p:sldId id="423" r:id="rId18"/>
-    <p:sldId id="418" r:id="rId19"/>
-    <p:sldId id="364" r:id="rId20"/>
+    <p:sldId id="431" r:id="rId7"/>
+    <p:sldId id="432" r:id="rId8"/>
+    <p:sldId id="426" r:id="rId9"/>
+    <p:sldId id="427" r:id="rId10"/>
+    <p:sldId id="412" r:id="rId11"/>
+    <p:sldId id="413" r:id="rId12"/>
+    <p:sldId id="415" r:id="rId13"/>
+    <p:sldId id="416" r:id="rId14"/>
+    <p:sldId id="417" r:id="rId15"/>
+    <p:sldId id="433" r:id="rId16"/>
+    <p:sldId id="419" r:id="rId17"/>
+    <p:sldId id="420" r:id="rId18"/>
+    <p:sldId id="421" r:id="rId19"/>
+    <p:sldId id="422" r:id="rId20"/>
+    <p:sldId id="423" r:id="rId21"/>
+    <p:sldId id="430" r:id="rId22"/>
+    <p:sldId id="435" r:id="rId23"/>
+    <p:sldId id="428" r:id="rId24"/>
+    <p:sldId id="429" r:id="rId25"/>
+    <p:sldId id="434" r:id="rId26"/>
+    <p:sldId id="418" r:id="rId27"/>
+    <p:sldId id="364" r:id="rId28"/>
   </p:sldIdLst>
   <p:sldSz cx="12192000" cy="6858000"/>
   <p:notesSz cx="6858000" cy="9144000"/>
@@ -226,7 +234,7 @@
           <a:p>
             <a:fld id="{A334C884-B1D7-A043-A4AA-521744755A4B}" type="datetimeFigureOut">
               <a:rPr lang="en-US" smtClean="0"/>
-              <a:t>1/21/2016</a:t>
+              <a:t>1/24/2016</a:t>
             </a:fld>
             <a:endParaRPr lang="en-US"/>
           </a:p>
@@ -643,7 +651,7 @@
           <a:p>
             <a:fld id="{65097B6B-FF96-F443-AED4-FFB28983C4F8}" type="slidenum">
               <a:rPr lang="en-US" smtClean="0"/>
-              <a:t>18</a:t>
+              <a:t>21</a:t>
             </a:fld>
             <a:endParaRPr lang="en-US"/>
           </a:p>
@@ -652,7 +660,7 @@
     </p:spTree>
     <p:extLst>
       <p:ext uri="{BB962C8B-B14F-4D97-AF65-F5344CB8AC3E}">
-        <p14:creationId xmlns:p14="http://schemas.microsoft.com/office/powerpoint/2010/main" val="1030376142"/>
+        <p14:creationId xmlns:p14="http://schemas.microsoft.com/office/powerpoint/2010/main" val="2958587650"/>
       </p:ext>
     </p:extLst>
   </p:cSld>
@@ -706,6 +714,430 @@
           <a:bodyPr/>
           <a:lstStyle/>
           <a:p>
+            <a:r>
+              <a:rPr lang="es-ES" dirty="0" smtClean="0"/>
+              <a:t>C#, F#</a:t>
+            </a:r>
+            <a:endParaRPr lang="es-ES" dirty="0"/>
+          </a:p>
+        </p:txBody>
+      </p:sp>
+      <p:sp>
+        <p:nvSpPr>
+          <p:cNvPr id="4" name="Slide Number Placeholder 3"/>
+          <p:cNvSpPr>
+            <a:spLocks noGrp="1"/>
+          </p:cNvSpPr>
+          <p:nvPr>
+            <p:ph type="sldNum" sz="quarter" idx="10"/>
+          </p:nvPr>
+        </p:nvSpPr>
+        <p:spPr/>
+        <p:txBody>
+          <a:bodyPr/>
+          <a:lstStyle/>
+          <a:p>
+            <a:fld id="{65097B6B-FF96-F443-AED4-FFB28983C4F8}" type="slidenum">
+              <a:rPr lang="en-US" smtClean="0"/>
+              <a:t>22</a:t>
+            </a:fld>
+            <a:endParaRPr lang="en-US"/>
+          </a:p>
+        </p:txBody>
+      </p:sp>
+    </p:spTree>
+    <p:extLst>
+      <p:ext uri="{BB962C8B-B14F-4D97-AF65-F5344CB8AC3E}">
+        <p14:creationId xmlns:p14="http://schemas.microsoft.com/office/powerpoint/2010/main" val="330356996"/>
+      </p:ext>
+    </p:extLst>
+  </p:cSld>
+  <p:clrMapOvr>
+    <a:masterClrMapping/>
+  </p:clrMapOvr>
+</p:notes>
+</file>
+
+<file path=ppt/notesSlides/notesSlide12.xml><?xml version="1.0" encoding="utf-8"?>
+<p:notes xmlns:a="http://schemas.openxmlformats.org/drawingml/2006/main" xmlns:r="http://schemas.openxmlformats.org/officeDocument/2006/relationships" xmlns:p="http://schemas.openxmlformats.org/presentationml/2006/main">
+  <p:cSld>
+    <p:spTree>
+      <p:nvGrpSpPr>
+        <p:cNvPr id="1" name=""/>
+        <p:cNvGrpSpPr/>
+        <p:nvPr/>
+      </p:nvGrpSpPr>
+      <p:grpSpPr>
+        <a:xfrm>
+          <a:off x="0" y="0"/>
+          <a:ext cx="0" cy="0"/>
+          <a:chOff x="0" y="0"/>
+          <a:chExt cx="0" cy="0"/>
+        </a:xfrm>
+      </p:grpSpPr>
+      <p:sp>
+        <p:nvSpPr>
+          <p:cNvPr id="2" name="Slide Image Placeholder 1"/>
+          <p:cNvSpPr>
+            <a:spLocks noGrp="1" noRot="1" noChangeAspect="1"/>
+          </p:cNvSpPr>
+          <p:nvPr>
+            <p:ph type="sldImg"/>
+          </p:nvPr>
+        </p:nvSpPr>
+        <p:spPr/>
+      </p:sp>
+      <p:sp>
+        <p:nvSpPr>
+          <p:cNvPr id="3" name="Notes Placeholder 2"/>
+          <p:cNvSpPr>
+            <a:spLocks noGrp="1"/>
+          </p:cNvSpPr>
+          <p:nvPr>
+            <p:ph type="body" idx="1"/>
+          </p:nvPr>
+        </p:nvSpPr>
+        <p:spPr/>
+        <p:txBody>
+          <a:bodyPr/>
+          <a:lstStyle/>
+          <a:p>
+            <a:endParaRPr lang="es-ES" dirty="0"/>
+          </a:p>
+        </p:txBody>
+      </p:sp>
+      <p:sp>
+        <p:nvSpPr>
+          <p:cNvPr id="4" name="Slide Number Placeholder 3"/>
+          <p:cNvSpPr>
+            <a:spLocks noGrp="1"/>
+          </p:cNvSpPr>
+          <p:nvPr>
+            <p:ph type="sldNum" sz="quarter" idx="10"/>
+          </p:nvPr>
+        </p:nvSpPr>
+        <p:spPr/>
+        <p:txBody>
+          <a:bodyPr/>
+          <a:lstStyle/>
+          <a:p>
+            <a:fld id="{65097B6B-FF96-F443-AED4-FFB28983C4F8}" type="slidenum">
+              <a:rPr lang="en-US" smtClean="0"/>
+              <a:t>23</a:t>
+            </a:fld>
+            <a:endParaRPr lang="en-US"/>
+          </a:p>
+        </p:txBody>
+      </p:sp>
+    </p:spTree>
+    <p:extLst>
+      <p:ext uri="{BB962C8B-B14F-4D97-AF65-F5344CB8AC3E}">
+        <p14:creationId xmlns:p14="http://schemas.microsoft.com/office/powerpoint/2010/main" val="1406305710"/>
+      </p:ext>
+    </p:extLst>
+  </p:cSld>
+  <p:clrMapOvr>
+    <a:masterClrMapping/>
+  </p:clrMapOvr>
+</p:notes>
+</file>
+
+<file path=ppt/notesSlides/notesSlide13.xml><?xml version="1.0" encoding="utf-8"?>
+<p:notes xmlns:a="http://schemas.openxmlformats.org/drawingml/2006/main" xmlns:r="http://schemas.openxmlformats.org/officeDocument/2006/relationships" xmlns:p="http://schemas.openxmlformats.org/presentationml/2006/main">
+  <p:cSld>
+    <p:spTree>
+      <p:nvGrpSpPr>
+        <p:cNvPr id="1" name=""/>
+        <p:cNvGrpSpPr/>
+        <p:nvPr/>
+      </p:nvGrpSpPr>
+      <p:grpSpPr>
+        <a:xfrm>
+          <a:off x="0" y="0"/>
+          <a:ext cx="0" cy="0"/>
+          <a:chOff x="0" y="0"/>
+          <a:chExt cx="0" cy="0"/>
+        </a:xfrm>
+      </p:grpSpPr>
+      <p:sp>
+        <p:nvSpPr>
+          <p:cNvPr id="2" name="Slide Image Placeholder 1"/>
+          <p:cNvSpPr>
+            <a:spLocks noGrp="1" noRot="1" noChangeAspect="1"/>
+          </p:cNvSpPr>
+          <p:nvPr>
+            <p:ph type="sldImg"/>
+          </p:nvPr>
+        </p:nvSpPr>
+        <p:spPr/>
+      </p:sp>
+      <p:sp>
+        <p:nvSpPr>
+          <p:cNvPr id="3" name="Notes Placeholder 2"/>
+          <p:cNvSpPr>
+            <a:spLocks noGrp="1"/>
+          </p:cNvSpPr>
+          <p:nvPr>
+            <p:ph type="body" idx="1"/>
+          </p:nvPr>
+        </p:nvSpPr>
+        <p:spPr/>
+        <p:txBody>
+          <a:bodyPr/>
+          <a:lstStyle/>
+          <a:p>
+            <a:endParaRPr lang="es-ES" dirty="0"/>
+          </a:p>
+        </p:txBody>
+      </p:sp>
+      <p:sp>
+        <p:nvSpPr>
+          <p:cNvPr id="4" name="Slide Number Placeholder 3"/>
+          <p:cNvSpPr>
+            <a:spLocks noGrp="1"/>
+          </p:cNvSpPr>
+          <p:nvPr>
+            <p:ph type="sldNum" sz="quarter" idx="10"/>
+          </p:nvPr>
+        </p:nvSpPr>
+        <p:spPr/>
+        <p:txBody>
+          <a:bodyPr/>
+          <a:lstStyle/>
+          <a:p>
+            <a:fld id="{65097B6B-FF96-F443-AED4-FFB28983C4F8}" type="slidenum">
+              <a:rPr lang="en-US" smtClean="0"/>
+              <a:t>24</a:t>
+            </a:fld>
+            <a:endParaRPr lang="en-US"/>
+          </a:p>
+        </p:txBody>
+      </p:sp>
+    </p:spTree>
+    <p:extLst>
+      <p:ext uri="{BB962C8B-B14F-4D97-AF65-F5344CB8AC3E}">
+        <p14:creationId xmlns:p14="http://schemas.microsoft.com/office/powerpoint/2010/main" val="3925983200"/>
+      </p:ext>
+    </p:extLst>
+  </p:cSld>
+  <p:clrMapOvr>
+    <a:masterClrMapping/>
+  </p:clrMapOvr>
+</p:notes>
+</file>
+
+<file path=ppt/notesSlides/notesSlide14.xml><?xml version="1.0" encoding="utf-8"?>
+<p:notes xmlns:a="http://schemas.openxmlformats.org/drawingml/2006/main" xmlns:r="http://schemas.openxmlformats.org/officeDocument/2006/relationships" xmlns:p="http://schemas.openxmlformats.org/presentationml/2006/main">
+  <p:cSld>
+    <p:spTree>
+      <p:nvGrpSpPr>
+        <p:cNvPr id="1" name=""/>
+        <p:cNvGrpSpPr/>
+        <p:nvPr/>
+      </p:nvGrpSpPr>
+      <p:grpSpPr>
+        <a:xfrm>
+          <a:off x="0" y="0"/>
+          <a:ext cx="0" cy="0"/>
+          <a:chOff x="0" y="0"/>
+          <a:chExt cx="0" cy="0"/>
+        </a:xfrm>
+      </p:grpSpPr>
+      <p:sp>
+        <p:nvSpPr>
+          <p:cNvPr id="2" name="Slide Image Placeholder 1"/>
+          <p:cNvSpPr>
+            <a:spLocks noGrp="1" noRot="1" noChangeAspect="1"/>
+          </p:cNvSpPr>
+          <p:nvPr>
+            <p:ph type="sldImg"/>
+          </p:nvPr>
+        </p:nvSpPr>
+        <p:spPr/>
+      </p:sp>
+      <p:sp>
+        <p:nvSpPr>
+          <p:cNvPr id="3" name="Notes Placeholder 2"/>
+          <p:cNvSpPr>
+            <a:spLocks noGrp="1"/>
+          </p:cNvSpPr>
+          <p:nvPr>
+            <p:ph type="body" idx="1"/>
+          </p:nvPr>
+        </p:nvSpPr>
+        <p:spPr/>
+        <p:txBody>
+          <a:bodyPr/>
+          <a:lstStyle/>
+          <a:p>
+            <a:endParaRPr lang="es-ES" dirty="0"/>
+          </a:p>
+        </p:txBody>
+      </p:sp>
+      <p:sp>
+        <p:nvSpPr>
+          <p:cNvPr id="4" name="Slide Number Placeholder 3"/>
+          <p:cNvSpPr>
+            <a:spLocks noGrp="1"/>
+          </p:cNvSpPr>
+          <p:nvPr>
+            <p:ph type="sldNum" sz="quarter" idx="10"/>
+          </p:nvPr>
+        </p:nvSpPr>
+        <p:spPr/>
+        <p:txBody>
+          <a:bodyPr/>
+          <a:lstStyle/>
+          <a:p>
+            <a:fld id="{65097B6B-FF96-F443-AED4-FFB28983C4F8}" type="slidenum">
+              <a:rPr lang="en-US" smtClean="0"/>
+              <a:t>25</a:t>
+            </a:fld>
+            <a:endParaRPr lang="en-US"/>
+          </a:p>
+        </p:txBody>
+      </p:sp>
+    </p:spTree>
+    <p:extLst>
+      <p:ext uri="{BB962C8B-B14F-4D97-AF65-F5344CB8AC3E}">
+        <p14:creationId xmlns:p14="http://schemas.microsoft.com/office/powerpoint/2010/main" val="1127926441"/>
+      </p:ext>
+    </p:extLst>
+  </p:cSld>
+  <p:clrMapOvr>
+    <a:masterClrMapping/>
+  </p:clrMapOvr>
+</p:notes>
+</file>
+
+<file path=ppt/notesSlides/notesSlide15.xml><?xml version="1.0" encoding="utf-8"?>
+<p:notes xmlns:a="http://schemas.openxmlformats.org/drawingml/2006/main" xmlns:r="http://schemas.openxmlformats.org/officeDocument/2006/relationships" xmlns:p="http://schemas.openxmlformats.org/presentationml/2006/main">
+  <p:cSld>
+    <p:spTree>
+      <p:nvGrpSpPr>
+        <p:cNvPr id="1" name=""/>
+        <p:cNvGrpSpPr/>
+        <p:nvPr/>
+      </p:nvGrpSpPr>
+      <p:grpSpPr>
+        <a:xfrm>
+          <a:off x="0" y="0"/>
+          <a:ext cx="0" cy="0"/>
+          <a:chOff x="0" y="0"/>
+          <a:chExt cx="0" cy="0"/>
+        </a:xfrm>
+      </p:grpSpPr>
+      <p:sp>
+        <p:nvSpPr>
+          <p:cNvPr id="2" name="Slide Image Placeholder 1"/>
+          <p:cNvSpPr>
+            <a:spLocks noGrp="1" noRot="1" noChangeAspect="1"/>
+          </p:cNvSpPr>
+          <p:nvPr>
+            <p:ph type="sldImg"/>
+          </p:nvPr>
+        </p:nvSpPr>
+        <p:spPr/>
+      </p:sp>
+      <p:sp>
+        <p:nvSpPr>
+          <p:cNvPr id="3" name="Notes Placeholder 2"/>
+          <p:cNvSpPr>
+            <a:spLocks noGrp="1"/>
+          </p:cNvSpPr>
+          <p:nvPr>
+            <p:ph type="body" idx="1"/>
+          </p:nvPr>
+        </p:nvSpPr>
+        <p:spPr/>
+        <p:txBody>
+          <a:bodyPr/>
+          <a:lstStyle/>
+          <a:p>
+            <a:endParaRPr lang="es-ES" dirty="0"/>
+          </a:p>
+        </p:txBody>
+      </p:sp>
+      <p:sp>
+        <p:nvSpPr>
+          <p:cNvPr id="4" name="Slide Number Placeholder 3"/>
+          <p:cNvSpPr>
+            <a:spLocks noGrp="1"/>
+          </p:cNvSpPr>
+          <p:nvPr>
+            <p:ph type="sldNum" sz="quarter" idx="10"/>
+          </p:nvPr>
+        </p:nvSpPr>
+        <p:spPr/>
+        <p:txBody>
+          <a:bodyPr/>
+          <a:lstStyle/>
+          <a:p>
+            <a:fld id="{65097B6B-FF96-F443-AED4-FFB28983C4F8}" type="slidenum">
+              <a:rPr lang="en-US" smtClean="0"/>
+              <a:t>26</a:t>
+            </a:fld>
+            <a:endParaRPr lang="en-US"/>
+          </a:p>
+        </p:txBody>
+      </p:sp>
+    </p:spTree>
+    <p:extLst>
+      <p:ext uri="{BB962C8B-B14F-4D97-AF65-F5344CB8AC3E}">
+        <p14:creationId xmlns:p14="http://schemas.microsoft.com/office/powerpoint/2010/main" val="1030376142"/>
+      </p:ext>
+    </p:extLst>
+  </p:cSld>
+  <p:clrMapOvr>
+    <a:masterClrMapping/>
+  </p:clrMapOvr>
+</p:notes>
+</file>
+
+<file path=ppt/notesSlides/notesSlide16.xml><?xml version="1.0" encoding="utf-8"?>
+<p:notes xmlns:a="http://schemas.openxmlformats.org/drawingml/2006/main" xmlns:r="http://schemas.openxmlformats.org/officeDocument/2006/relationships" xmlns:p="http://schemas.openxmlformats.org/presentationml/2006/main">
+  <p:cSld>
+    <p:spTree>
+      <p:nvGrpSpPr>
+        <p:cNvPr id="1" name=""/>
+        <p:cNvGrpSpPr/>
+        <p:nvPr/>
+      </p:nvGrpSpPr>
+      <p:grpSpPr>
+        <a:xfrm>
+          <a:off x="0" y="0"/>
+          <a:ext cx="0" cy="0"/>
+          <a:chOff x="0" y="0"/>
+          <a:chExt cx="0" cy="0"/>
+        </a:xfrm>
+      </p:grpSpPr>
+      <p:sp>
+        <p:nvSpPr>
+          <p:cNvPr id="2" name="Slide Image Placeholder 1"/>
+          <p:cNvSpPr>
+            <a:spLocks noGrp="1" noRot="1" noChangeAspect="1"/>
+          </p:cNvSpPr>
+          <p:nvPr>
+            <p:ph type="sldImg"/>
+          </p:nvPr>
+        </p:nvSpPr>
+        <p:spPr/>
+      </p:sp>
+      <p:sp>
+        <p:nvSpPr>
+          <p:cNvPr id="3" name="Notes Placeholder 2"/>
+          <p:cNvSpPr>
+            <a:spLocks noGrp="1"/>
+          </p:cNvSpPr>
+          <p:nvPr>
+            <p:ph type="body" idx="1"/>
+          </p:nvPr>
+        </p:nvSpPr>
+        <p:spPr/>
+        <p:txBody>
+          <a:bodyPr/>
+          <a:lstStyle/>
+          <a:p>
             <a:endParaRPr lang="en-US" dirty="0"/>
           </a:p>
         </p:txBody>
@@ -781,7 +1213,7 @@
           <a:p>
             <a:fld id="{E74353ED-ACB2-44BF-A903-985B0AF962B7}" type="datetime1">
               <a:rPr lang="en-US" smtClean="0"/>
-              <a:t>1/21/2016</a:t>
+              <a:t>1/24/2016</a:t>
             </a:fld>
             <a:endParaRPr lang="en-US" dirty="0"/>
           </a:p>
@@ -805,7 +1237,7 @@
             <a:fld id="{B4008EB6-D09E-4580-8CD6-DDB14511944F}" type="slidenum">
               <a:rPr lang="en-US" smtClean="0"/>
               <a:pPr/>
-              <a:t>19</a:t>
+              <a:t>27</a:t>
             </a:fld>
             <a:endParaRPr lang="en-US" dirty="0"/>
           </a:p>
@@ -1057,7 +1489,7 @@
           <a:p>
             <a:fld id="{65097B6B-FF96-F443-AED4-FFB28983C4F8}" type="slidenum">
               <a:rPr lang="en-US" smtClean="0"/>
-              <a:t>12</a:t>
+              <a:t>14</a:t>
             </a:fld>
             <a:endParaRPr lang="en-US"/>
           </a:p>
@@ -1141,7 +1573,7 @@
           <a:p>
             <a:fld id="{65097B6B-FF96-F443-AED4-FFB28983C4F8}" type="slidenum">
               <a:rPr lang="en-US" smtClean="0"/>
-              <a:t>13</a:t>
+              <a:t>16</a:t>
             </a:fld>
             <a:endParaRPr lang="en-US"/>
           </a:p>
@@ -1225,7 +1657,7 @@
           <a:p>
             <a:fld id="{65097B6B-FF96-F443-AED4-FFB28983C4F8}" type="slidenum">
               <a:rPr lang="en-US" smtClean="0"/>
-              <a:t>14</a:t>
+              <a:t>17</a:t>
             </a:fld>
             <a:endParaRPr lang="en-US"/>
           </a:p>
@@ -1309,7 +1741,7 @@
           <a:p>
             <a:fld id="{65097B6B-FF96-F443-AED4-FFB28983C4F8}" type="slidenum">
               <a:rPr lang="en-US" smtClean="0"/>
-              <a:t>15</a:t>
+              <a:t>18</a:t>
             </a:fld>
             <a:endParaRPr lang="en-US"/>
           </a:p>
@@ -1393,7 +1825,7 @@
           <a:p>
             <a:fld id="{65097B6B-FF96-F443-AED4-FFB28983C4F8}" type="slidenum">
               <a:rPr lang="en-US" smtClean="0"/>
-              <a:t>16</a:t>
+              <a:t>19</a:t>
             </a:fld>
             <a:endParaRPr lang="en-US"/>
           </a:p>
@@ -1477,7 +1909,7 @@
           <a:p>
             <a:fld id="{65097B6B-FF96-F443-AED4-FFB28983C4F8}" type="slidenum">
               <a:rPr lang="en-US" smtClean="0"/>
-              <a:t>17</a:t>
+              <a:t>20</a:t>
             </a:fld>
             <a:endParaRPr lang="en-US"/>
           </a:p>
@@ -2337,7 +2769,7 @@
           <a:p>
             <a:fld id="{B13EE0C7-BB44-4D3B-9328-A1960D19624C}" type="datetimeFigureOut">
               <a:rPr lang="en-US" smtClean="0"/>
-              <a:t>1/21/2016</a:t>
+              <a:t>1/24/2016</a:t>
             </a:fld>
             <a:endParaRPr lang="en-US"/>
           </a:p>
@@ -4529,6 +4961,570 @@
             </a:r>
             <a:r>
               <a:rPr lang="en-US" dirty="0" err="1" smtClean="0"/>
+              <a:t>Cómo</a:t>
+            </a:r>
+            <a:r>
+              <a:rPr lang="en-US" dirty="0" smtClean="0"/>
+              <a:t> </a:t>
+            </a:r>
+            <a:r>
+              <a:rPr lang="en-US" dirty="0" err="1" smtClean="0"/>
+              <a:t>añadimos</a:t>
+            </a:r>
+            <a:r>
+              <a:rPr lang="en-US" dirty="0" smtClean="0"/>
+              <a:t> </a:t>
+            </a:r>
+            <a:r>
+              <a:rPr lang="en-US" dirty="0" err="1" smtClean="0"/>
+              <a:t>compilación</a:t>
+            </a:r>
+            <a:r>
+              <a:rPr lang="en-US" dirty="0" smtClean="0"/>
+              <a:t> XAML </a:t>
+            </a:r>
+            <a:r>
+              <a:rPr lang="en-US" dirty="0" err="1" smtClean="0"/>
+              <a:t>en</a:t>
+            </a:r>
+            <a:r>
+              <a:rPr lang="en-US" dirty="0" smtClean="0"/>
+              <a:t> Proyecto UWP XF2.0?</a:t>
+            </a:r>
+            <a:br>
+              <a:rPr lang="en-US" dirty="0" smtClean="0"/>
+            </a:br>
+            <a:r>
+              <a:rPr lang="en-US" dirty="0" smtClean="0"/>
+              <a:t>____________________</a:t>
+            </a:r>
+            <a:endParaRPr lang="en-US" dirty="0"/>
+          </a:p>
+        </p:txBody>
+      </p:sp>
+      <p:sp>
+        <p:nvSpPr>
+          <p:cNvPr id="4" name="TextBox 3"/>
+          <p:cNvSpPr txBox="1">
+            <a:spLocks noChangeArrowheads="1"/>
+          </p:cNvSpPr>
+          <p:nvPr/>
+        </p:nvSpPr>
+        <p:spPr bwMode="auto">
+          <a:xfrm>
+            <a:off x="2514600" y="2006601"/>
+            <a:ext cx="2667000" cy="646331"/>
+          </a:xfrm>
+          <a:prstGeom prst="rect">
+            <a:avLst/>
+          </a:prstGeom>
+          <a:noFill/>
+          <a:ln w="28575">
+            <a:solidFill>
+              <a:srgbClr val="FF0000"/>
+            </a:solidFill>
+            <a:miter lim="800000"/>
+            <a:headEnd/>
+            <a:tailEnd/>
+          </a:ln>
+        </p:spPr>
+        <p:txBody>
+          <a:bodyPr>
+            <a:spAutoFit/>
+          </a:bodyPr>
+          <a:lstStyle/>
+          <a:p>
+            <a:pPr algn="ctr"/>
+            <a:r>
+              <a:rPr lang="en-US" sz="3600" b="1" dirty="0">
+                <a:latin typeface="Calibri" pitchFamily="34" charset="0"/>
+              </a:rPr>
+              <a:t>A</a:t>
+            </a:r>
+            <a:r>
+              <a:rPr lang="en-US" sz="3600" b="1" dirty="0" smtClean="0">
+                <a:latin typeface="Calibri" pitchFamily="34" charset="0"/>
+              </a:rPr>
+              <a:t>. </a:t>
+            </a:r>
+            <a:r>
+              <a:rPr lang="en-US" sz="2000" b="1" dirty="0" err="1" smtClean="0">
+                <a:latin typeface="Calibri" pitchFamily="34" charset="0"/>
+              </a:rPr>
+              <a:t>XamlCompilation</a:t>
+            </a:r>
+            <a:endParaRPr lang="en-US" sz="2000" b="1" dirty="0">
+              <a:latin typeface="Calibri" pitchFamily="34" charset="0"/>
+            </a:endParaRPr>
+          </a:p>
+        </p:txBody>
+      </p:sp>
+      <p:sp>
+        <p:nvSpPr>
+          <p:cNvPr id="5" name="TextBox 4"/>
+          <p:cNvSpPr txBox="1">
+            <a:spLocks noChangeArrowheads="1"/>
+          </p:cNvSpPr>
+          <p:nvPr/>
+        </p:nvSpPr>
+        <p:spPr bwMode="auto">
+          <a:xfrm>
+            <a:off x="5791200" y="2006601"/>
+            <a:ext cx="2667000" cy="646331"/>
+          </a:xfrm>
+          <a:prstGeom prst="rect">
+            <a:avLst/>
+          </a:prstGeom>
+          <a:noFill/>
+          <a:ln w="28575">
+            <a:solidFill>
+              <a:srgbClr val="FF0000"/>
+            </a:solidFill>
+            <a:miter lim="800000"/>
+            <a:headEnd/>
+            <a:tailEnd/>
+          </a:ln>
+        </p:spPr>
+        <p:txBody>
+          <a:bodyPr>
+            <a:spAutoFit/>
+          </a:bodyPr>
+          <a:lstStyle/>
+          <a:p>
+            <a:pPr algn="ctr"/>
+            <a:r>
+              <a:rPr lang="en-US" sz="3600" b="1" dirty="0">
+                <a:latin typeface="Calibri" pitchFamily="34" charset="0"/>
+              </a:rPr>
+              <a:t>B</a:t>
+            </a:r>
+            <a:r>
+              <a:rPr lang="en-US" sz="3600" b="1" dirty="0" smtClean="0">
+                <a:latin typeface="Calibri" pitchFamily="34" charset="0"/>
+              </a:rPr>
+              <a:t>. </a:t>
+            </a:r>
+            <a:r>
+              <a:rPr lang="en-US" sz="2800" b="1" dirty="0" smtClean="0">
+                <a:latin typeface="Calibri" pitchFamily="34" charset="0"/>
+              </a:rPr>
+              <a:t>No se </a:t>
+            </a:r>
+            <a:r>
+              <a:rPr lang="en-US" sz="2800" b="1" dirty="0" err="1" smtClean="0">
+                <a:latin typeface="Calibri" pitchFamily="34" charset="0"/>
+              </a:rPr>
+              <a:t>puede</a:t>
+            </a:r>
+            <a:endParaRPr lang="en-US" sz="2800" b="1" dirty="0">
+              <a:latin typeface="Calibri" pitchFamily="34" charset="0"/>
+            </a:endParaRPr>
+          </a:p>
+        </p:txBody>
+      </p:sp>
+    </p:spTree>
+    <p:extLst>
+      <p:ext uri="{BB962C8B-B14F-4D97-AF65-F5344CB8AC3E}">
+        <p14:creationId xmlns:p14="http://schemas.microsoft.com/office/powerpoint/2010/main" val="1237968091"/>
+      </p:ext>
+    </p:extLst>
+  </p:cSld>
+  <p:clrMapOvr>
+    <a:masterClrMapping/>
+  </p:clrMapOvr>
+  <p:timing>
+    <p:tnLst>
+      <p:par>
+        <p:cTn id="1" dur="indefinite" restart="never" nodeType="tmRoot">
+          <p:childTnLst>
+            <p:seq concurrent="1" nextAc="seek">
+              <p:cTn id="2" dur="indefinite" nodeType="mainSeq">
+                <p:childTnLst>
+                  <p:par>
+                    <p:cTn id="3" fill="hold">
+                      <p:stCondLst>
+                        <p:cond delay="indefinite"/>
+                      </p:stCondLst>
+                      <p:childTnLst>
+                        <p:par>
+                          <p:cTn id="4" fill="hold">
+                            <p:stCondLst>
+                              <p:cond delay="0"/>
+                            </p:stCondLst>
+                            <p:childTnLst>
+                              <p:par>
+                                <p:cTn id="5" presetID="42" presetClass="path" presetSubtype="0" accel="50000" decel="50000" fill="hold" grpId="0" nodeType="clickEffect">
+                                  <p:stCondLst>
+                                    <p:cond delay="0"/>
+                                  </p:stCondLst>
+                                  <p:childTnLst>
+                                    <p:animMotion origin="layout" path="M 5E-6 -3.33333E-6 L -0.29232 0.39699 " pathEditMode="relative" rAng="0" ptsTypes="AA">
+                                      <p:cBhvr>
+                                        <p:cTn id="6" dur="2000" fill="hold"/>
+                                        <p:tgtEl>
+                                          <p:spTgt spid="5"/>
+                                        </p:tgtEl>
+                                        <p:attrNameLst>
+                                          <p:attrName>ppt_x</p:attrName>
+                                          <p:attrName>ppt_y</p:attrName>
+                                        </p:attrNameLst>
+                                      </p:cBhvr>
+                                      <p:rCtr x="-14622" y="19838"/>
+                                    </p:animMotion>
+                                  </p:childTnLst>
+                                </p:cTn>
+                              </p:par>
+                            </p:childTnLst>
+                          </p:cTn>
+                        </p:par>
+                      </p:childTnLst>
+                    </p:cTn>
+                  </p:par>
+                </p:childTnLst>
+              </p:cTn>
+              <p:prevCondLst>
+                <p:cond evt="onPrev" delay="0">
+                  <p:tgtEl>
+                    <p:sldTgt/>
+                  </p:tgtEl>
+                </p:cond>
+              </p:prevCondLst>
+              <p:nextCondLst>
+                <p:cond evt="onNext" delay="0">
+                  <p:tgtEl>
+                    <p:sldTgt/>
+                  </p:tgtEl>
+                </p:cond>
+              </p:nextCondLst>
+            </p:seq>
+          </p:childTnLst>
+        </p:cTn>
+      </p:par>
+    </p:tnLst>
+    <p:bldLst>
+      <p:bldP spid="5" grpId="0" animBg="1"/>
+    </p:bldLst>
+  </p:timing>
+</p:sld>
+</file>
+
+<file path=ppt/slides/slide11.xml><?xml version="1.0" encoding="utf-8"?>
+<p:sld xmlns:a="http://schemas.openxmlformats.org/drawingml/2006/main" xmlns:r="http://schemas.openxmlformats.org/officeDocument/2006/relationships" xmlns:p="http://schemas.openxmlformats.org/presentationml/2006/main">
+  <p:cSld>
+    <p:spTree>
+      <p:nvGrpSpPr>
+        <p:cNvPr id="1" name=""/>
+        <p:cNvGrpSpPr/>
+        <p:nvPr/>
+      </p:nvGrpSpPr>
+      <p:grpSpPr>
+        <a:xfrm>
+          <a:off x="0" y="0"/>
+          <a:ext cx="0" cy="0"/>
+          <a:chOff x="0" y="0"/>
+          <a:chExt cx="0" cy="0"/>
+        </a:xfrm>
+      </p:grpSpPr>
+      <p:sp>
+        <p:nvSpPr>
+          <p:cNvPr id="2" name="Title 1"/>
+          <p:cNvSpPr>
+            <a:spLocks noGrp="1"/>
+          </p:cNvSpPr>
+          <p:nvPr>
+            <p:ph type="ctrTitle"/>
+          </p:nvPr>
+        </p:nvSpPr>
+        <p:spPr>
+          <a:xfrm>
+            <a:off x="2057400" y="3581401"/>
+            <a:ext cx="7772400" cy="1470025"/>
+          </a:xfrm>
+        </p:spPr>
+        <p:txBody>
+          <a:bodyPr rtlCol="0">
+            <a:normAutofit fontScale="90000"/>
+          </a:bodyPr>
+          <a:lstStyle/>
+          <a:p>
+            <a:pPr>
+              <a:defRPr/>
+            </a:pPr>
+            <a:r>
+              <a:rPr lang="en-US" dirty="0" smtClean="0"/>
+              <a:t>¿</a:t>
+            </a:r>
+            <a:r>
+              <a:rPr lang="en-US" dirty="0" err="1" smtClean="0"/>
+              <a:t>Cómo</a:t>
+            </a:r>
+            <a:r>
+              <a:rPr lang="en-US" dirty="0" smtClean="0"/>
+              <a:t> se </a:t>
+            </a:r>
+            <a:r>
+              <a:rPr lang="en-US" dirty="0" err="1" smtClean="0"/>
+              <a:t>comunica</a:t>
+            </a:r>
+            <a:r>
+              <a:rPr lang="en-US" dirty="0" smtClean="0"/>
+              <a:t> VS con Mac </a:t>
+            </a:r>
+            <a:r>
+              <a:rPr lang="en-US" dirty="0" err="1" smtClean="0"/>
+              <a:t>vía</a:t>
+            </a:r>
+            <a:r>
+              <a:rPr lang="en-US" dirty="0" smtClean="0"/>
+              <a:t> Mac Build Host?</a:t>
+            </a:r>
+            <a:br>
+              <a:rPr lang="en-US" dirty="0" smtClean="0"/>
+            </a:br>
+            <a:r>
+              <a:rPr lang="en-US" dirty="0" smtClean="0"/>
+              <a:t>____________________</a:t>
+            </a:r>
+            <a:endParaRPr lang="en-US" dirty="0"/>
+          </a:p>
+        </p:txBody>
+      </p:sp>
+      <p:sp>
+        <p:nvSpPr>
+          <p:cNvPr id="4" name="TextBox 3"/>
+          <p:cNvSpPr txBox="1">
+            <a:spLocks noChangeArrowheads="1"/>
+          </p:cNvSpPr>
+          <p:nvPr/>
+        </p:nvSpPr>
+        <p:spPr bwMode="auto">
+          <a:xfrm>
+            <a:off x="2514600" y="2006601"/>
+            <a:ext cx="2667000" cy="646113"/>
+          </a:xfrm>
+          <a:prstGeom prst="rect">
+            <a:avLst/>
+          </a:prstGeom>
+          <a:noFill/>
+          <a:ln w="28575">
+            <a:solidFill>
+              <a:srgbClr val="FF0000"/>
+            </a:solidFill>
+            <a:miter lim="800000"/>
+            <a:headEnd/>
+            <a:tailEnd/>
+          </a:ln>
+        </p:spPr>
+        <p:txBody>
+          <a:bodyPr>
+            <a:spAutoFit/>
+          </a:bodyPr>
+          <a:lstStyle/>
+          <a:p>
+            <a:pPr algn="ctr"/>
+            <a:r>
+              <a:rPr lang="en-US" sz="3600" b="1" dirty="0">
+                <a:latin typeface="Calibri" pitchFamily="34" charset="0"/>
+              </a:rPr>
+              <a:t>A</a:t>
+            </a:r>
+            <a:r>
+              <a:rPr lang="en-US" sz="3600" b="1" dirty="0" smtClean="0">
+                <a:latin typeface="Calibri" pitchFamily="34" charset="0"/>
+              </a:rPr>
+              <a:t>. HTTP</a:t>
+            </a:r>
+            <a:endParaRPr lang="en-US" sz="3600" b="1" dirty="0">
+              <a:latin typeface="Calibri" pitchFamily="34" charset="0"/>
+            </a:endParaRPr>
+          </a:p>
+        </p:txBody>
+      </p:sp>
+      <p:sp>
+        <p:nvSpPr>
+          <p:cNvPr id="5" name="TextBox 4"/>
+          <p:cNvSpPr txBox="1">
+            <a:spLocks noChangeArrowheads="1"/>
+          </p:cNvSpPr>
+          <p:nvPr/>
+        </p:nvSpPr>
+        <p:spPr bwMode="auto">
+          <a:xfrm>
+            <a:off x="5791200" y="2006601"/>
+            <a:ext cx="2667000" cy="646113"/>
+          </a:xfrm>
+          <a:prstGeom prst="rect">
+            <a:avLst/>
+          </a:prstGeom>
+          <a:noFill/>
+          <a:ln w="28575">
+            <a:solidFill>
+              <a:srgbClr val="FF0000"/>
+            </a:solidFill>
+            <a:miter lim="800000"/>
+            <a:headEnd/>
+            <a:tailEnd/>
+          </a:ln>
+        </p:spPr>
+        <p:txBody>
+          <a:bodyPr>
+            <a:spAutoFit/>
+          </a:bodyPr>
+          <a:lstStyle/>
+          <a:p>
+            <a:pPr algn="ctr"/>
+            <a:r>
+              <a:rPr lang="en-US" sz="3600" b="1" dirty="0">
+                <a:latin typeface="Calibri" pitchFamily="34" charset="0"/>
+              </a:rPr>
+              <a:t>B</a:t>
+            </a:r>
+            <a:r>
+              <a:rPr lang="en-US" sz="3600" b="1" dirty="0" smtClean="0">
+                <a:latin typeface="Calibri" pitchFamily="34" charset="0"/>
+              </a:rPr>
+              <a:t>. SSH</a:t>
+            </a:r>
+            <a:endParaRPr lang="en-US" sz="3600" b="1" dirty="0">
+              <a:latin typeface="Calibri" pitchFamily="34" charset="0"/>
+            </a:endParaRPr>
+          </a:p>
+        </p:txBody>
+      </p:sp>
+    </p:spTree>
+    <p:extLst>
+      <p:ext uri="{BB962C8B-B14F-4D97-AF65-F5344CB8AC3E}">
+        <p14:creationId xmlns:p14="http://schemas.microsoft.com/office/powerpoint/2010/main" val="1725259876"/>
+      </p:ext>
+    </p:extLst>
+  </p:cSld>
+  <p:clrMapOvr>
+    <a:masterClrMapping/>
+  </p:clrMapOvr>
+  <p:timing>
+    <p:tnLst>
+      <p:par>
+        <p:cTn id="1" dur="indefinite" restart="never" nodeType="tmRoot">
+          <p:childTnLst>
+            <p:seq concurrent="1" nextAc="seek">
+              <p:cTn id="2" dur="indefinite" nodeType="mainSeq">
+                <p:childTnLst>
+                  <p:par>
+                    <p:cTn id="3" fill="hold">
+                      <p:stCondLst>
+                        <p:cond delay="indefinite"/>
+                      </p:stCondLst>
+                      <p:childTnLst>
+                        <p:par>
+                          <p:cTn id="4" fill="hold">
+                            <p:stCondLst>
+                              <p:cond delay="0"/>
+                            </p:stCondLst>
+                            <p:childTnLst>
+                              <p:par>
+                                <p:cTn id="5" presetID="42" presetClass="path" presetSubtype="0" accel="50000" decel="50000" fill="hold" grpId="0" nodeType="clickEffect">
+                                  <p:stCondLst>
+                                    <p:cond delay="0"/>
+                                  </p:stCondLst>
+                                  <p:childTnLst>
+                                    <p:animMotion origin="layout" path="M 5E-6 -3.33333E-6 L -0.29766 0.39699 " pathEditMode="relative" rAng="0" ptsTypes="AA">
+                                      <p:cBhvr>
+                                        <p:cTn id="6" dur="2000" fill="hold"/>
+                                        <p:tgtEl>
+                                          <p:spTgt spid="5"/>
+                                        </p:tgtEl>
+                                        <p:attrNameLst>
+                                          <p:attrName>ppt_x</p:attrName>
+                                          <p:attrName>ppt_y</p:attrName>
+                                        </p:attrNameLst>
+                                      </p:cBhvr>
+                                      <p:rCtr x="-14883" y="19838"/>
+                                    </p:animMotion>
+                                  </p:childTnLst>
+                                </p:cTn>
+                              </p:par>
+                            </p:childTnLst>
+                          </p:cTn>
+                        </p:par>
+                      </p:childTnLst>
+                    </p:cTn>
+                  </p:par>
+                </p:childTnLst>
+              </p:cTn>
+              <p:prevCondLst>
+                <p:cond evt="onPrev" delay="0">
+                  <p:tgtEl>
+                    <p:sldTgt/>
+                  </p:tgtEl>
+                </p:cond>
+              </p:prevCondLst>
+              <p:nextCondLst>
+                <p:cond evt="onNext" delay="0">
+                  <p:tgtEl>
+                    <p:sldTgt/>
+                  </p:tgtEl>
+                </p:cond>
+              </p:nextCondLst>
+            </p:seq>
+          </p:childTnLst>
+        </p:cTn>
+      </p:par>
+    </p:tnLst>
+    <p:bldLst>
+      <p:bldP spid="5" grpId="0" animBg="1"/>
+    </p:bldLst>
+  </p:timing>
+</p:sld>
+</file>
+
+<file path=ppt/slides/slide12.xml><?xml version="1.0" encoding="utf-8"?>
+<p:sld xmlns:a="http://schemas.openxmlformats.org/drawingml/2006/main" xmlns:r="http://schemas.openxmlformats.org/officeDocument/2006/relationships" xmlns:p="http://schemas.openxmlformats.org/presentationml/2006/main">
+  <p:cSld>
+    <p:spTree>
+      <p:nvGrpSpPr>
+        <p:cNvPr id="1" name=""/>
+        <p:cNvGrpSpPr/>
+        <p:nvPr/>
+      </p:nvGrpSpPr>
+      <p:grpSpPr>
+        <a:xfrm>
+          <a:off x="0" y="0"/>
+          <a:ext cx="0" cy="0"/>
+          <a:chOff x="0" y="0"/>
+          <a:chExt cx="0" cy="0"/>
+        </a:xfrm>
+      </p:grpSpPr>
+      <p:sp>
+        <p:nvSpPr>
+          <p:cNvPr id="2" name="Title 1"/>
+          <p:cNvSpPr>
+            <a:spLocks noGrp="1"/>
+          </p:cNvSpPr>
+          <p:nvPr>
+            <p:ph type="ctrTitle"/>
+          </p:nvPr>
+        </p:nvSpPr>
+        <p:spPr>
+          <a:xfrm>
+            <a:off x="2057400" y="3581401"/>
+            <a:ext cx="7772400" cy="1470025"/>
+          </a:xfrm>
+        </p:spPr>
+        <p:txBody>
+          <a:bodyPr rtlCol="0">
+            <a:normAutofit fontScale="90000"/>
+          </a:bodyPr>
+          <a:lstStyle/>
+          <a:p>
+            <a:pPr>
+              <a:defRPr/>
+            </a:pPr>
+            <a:r>
+              <a:rPr lang="en-US" dirty="0" smtClean="0"/>
+              <a:t>¿</a:t>
+            </a:r>
+            <a:r>
+              <a:rPr lang="en-US" dirty="0" err="1" smtClean="0"/>
               <a:t>Cuántas</a:t>
             </a:r>
             <a:r>
@@ -4764,7 +5760,7 @@
 </p:sld>
 </file>
 
-<file path=ppt/slides/slide11.xml><?xml version="1.0" encoding="utf-8"?>
+<file path=ppt/slides/slide13.xml><?xml version="1.0" encoding="utf-8"?>
 <p:sld xmlns:a="http://schemas.openxmlformats.org/drawingml/2006/main" xmlns:r="http://schemas.openxmlformats.org/officeDocument/2006/relationships" xmlns:p="http://schemas.openxmlformats.org/presentationml/2006/main">
   <p:cSld>
     <p:spTree>
@@ -5053,7 +6049,7 @@
 </p:sld>
 </file>
 
-<file path=ppt/slides/slide12.xml><?xml version="1.0" encoding="utf-8"?>
+<file path=ppt/slides/slide14.xml><?xml version="1.0" encoding="utf-8"?>
 <p:sld xmlns:a="http://schemas.openxmlformats.org/drawingml/2006/main" xmlns:r="http://schemas.openxmlformats.org/officeDocument/2006/relationships" xmlns:p="http://schemas.openxmlformats.org/presentationml/2006/main">
   <p:cSld>
     <p:spTree>
@@ -5334,7 +6330,7 @@
 </p:sld>
 </file>
 
-<file path=ppt/slides/slide13.xml><?xml version="1.0" encoding="utf-8"?>
+<file path=ppt/slides/slide15.xml><?xml version="1.0" encoding="utf-8"?>
 <p:sld xmlns:a="http://schemas.openxmlformats.org/drawingml/2006/main" xmlns:r="http://schemas.openxmlformats.org/officeDocument/2006/relationships" xmlns:p="http://schemas.openxmlformats.org/presentationml/2006/main">
   <p:cSld>
     <p:spTree>
@@ -5363,6 +6359,283 @@
         </p:nvSpPr>
         <p:spPr>
           <a:xfrm>
+            <a:off x="1962150" y="3467100"/>
+            <a:ext cx="7772400" cy="1470025"/>
+          </a:xfrm>
+        </p:spPr>
+        <p:txBody>
+          <a:bodyPr rtlCol="0">
+            <a:noAutofit/>
+          </a:bodyPr>
+          <a:lstStyle/>
+          <a:p>
+            <a:pPr>
+              <a:defRPr/>
+            </a:pPr>
+            <a:r>
+              <a:rPr lang="en-US" sz="4000" dirty="0" smtClean="0"/>
+              <a:t>¿</a:t>
+            </a:r>
+            <a:r>
+              <a:rPr lang="en-US" sz="4000" dirty="0" err="1" smtClean="0"/>
+              <a:t>Podemos</a:t>
+            </a:r>
+            <a:r>
+              <a:rPr lang="en-US" sz="4000" dirty="0" smtClean="0"/>
+              <a:t> </a:t>
+            </a:r>
+            <a:r>
+              <a:rPr lang="en-US" sz="4000" dirty="0" err="1" smtClean="0"/>
+              <a:t>desarrollar</a:t>
+            </a:r>
+            <a:r>
+              <a:rPr lang="en-US" sz="4000" dirty="0" smtClean="0"/>
+              <a:t> para el Apple TV con Xamarin?</a:t>
+            </a:r>
+            <a:r>
+              <a:rPr lang="en-US" sz="4000" dirty="0" smtClean="0"/>
+              <a:t/>
+            </a:r>
+            <a:br>
+              <a:rPr lang="en-US" sz="4000" dirty="0" smtClean="0"/>
+            </a:br>
+            <a:r>
+              <a:rPr lang="en-US" sz="4000" dirty="0" smtClean="0"/>
+              <a:t>____________________</a:t>
+            </a:r>
+            <a:endParaRPr lang="en-US" sz="4000" dirty="0"/>
+          </a:p>
+        </p:txBody>
+      </p:sp>
+      <p:sp>
+        <p:nvSpPr>
+          <p:cNvPr id="4" name="TextBox 3"/>
+          <p:cNvSpPr txBox="1">
+            <a:spLocks noChangeArrowheads="1"/>
+          </p:cNvSpPr>
+          <p:nvPr/>
+        </p:nvSpPr>
+        <p:spPr bwMode="auto">
+          <a:xfrm>
+            <a:off x="2514600" y="2006601"/>
+            <a:ext cx="2667000" cy="646331"/>
+          </a:xfrm>
+          <a:prstGeom prst="rect">
+            <a:avLst/>
+          </a:prstGeom>
+          <a:noFill/>
+          <a:ln w="28575">
+            <a:solidFill>
+              <a:srgbClr val="FF0000"/>
+            </a:solidFill>
+            <a:miter lim="800000"/>
+            <a:headEnd/>
+            <a:tailEnd/>
+          </a:ln>
+        </p:spPr>
+        <p:txBody>
+          <a:bodyPr>
+            <a:spAutoFit/>
+          </a:bodyPr>
+          <a:lstStyle/>
+          <a:p>
+            <a:pPr algn="ctr"/>
+            <a:r>
+              <a:rPr lang="en-US" sz="3600" b="1" dirty="0">
+                <a:latin typeface="Calibri" pitchFamily="34" charset="0"/>
+              </a:rPr>
+              <a:t>A</a:t>
+            </a:r>
+            <a:r>
+              <a:rPr lang="en-US" sz="3600" b="1" dirty="0" smtClean="0">
+                <a:latin typeface="Calibri" pitchFamily="34" charset="0"/>
+              </a:rPr>
+              <a:t>. </a:t>
+            </a:r>
+            <a:r>
+              <a:rPr lang="en-US" sz="3200" b="1" dirty="0" smtClean="0">
+                <a:latin typeface="Calibri" pitchFamily="34" charset="0"/>
+              </a:rPr>
+              <a:t>Si</a:t>
+            </a:r>
+            <a:endParaRPr lang="en-US" sz="2000" b="1" dirty="0">
+              <a:latin typeface="Calibri" pitchFamily="34" charset="0"/>
+            </a:endParaRPr>
+          </a:p>
+        </p:txBody>
+      </p:sp>
+      <p:sp>
+        <p:nvSpPr>
+          <p:cNvPr id="5" name="TextBox 4"/>
+          <p:cNvSpPr txBox="1">
+            <a:spLocks noChangeArrowheads="1"/>
+          </p:cNvSpPr>
+          <p:nvPr/>
+        </p:nvSpPr>
+        <p:spPr bwMode="auto">
+          <a:xfrm>
+            <a:off x="5791200" y="2006601"/>
+            <a:ext cx="2667000" cy="646331"/>
+          </a:xfrm>
+          <a:prstGeom prst="rect">
+            <a:avLst/>
+          </a:prstGeom>
+          <a:noFill/>
+          <a:ln w="28575">
+            <a:solidFill>
+              <a:srgbClr val="FF0000"/>
+            </a:solidFill>
+            <a:miter lim="800000"/>
+            <a:headEnd/>
+            <a:tailEnd/>
+          </a:ln>
+        </p:spPr>
+        <p:txBody>
+          <a:bodyPr>
+            <a:spAutoFit/>
+          </a:bodyPr>
+          <a:lstStyle/>
+          <a:p>
+            <a:pPr algn="ctr"/>
+            <a:r>
+              <a:rPr lang="en-US" sz="3600" b="1" dirty="0">
+                <a:latin typeface="Calibri" pitchFamily="34" charset="0"/>
+              </a:rPr>
+              <a:t>B</a:t>
+            </a:r>
+            <a:r>
+              <a:rPr lang="en-US" sz="3600" b="1" dirty="0" smtClean="0">
+                <a:latin typeface="Calibri" pitchFamily="34" charset="0"/>
+              </a:rPr>
+              <a:t>. </a:t>
+            </a:r>
+            <a:r>
+              <a:rPr lang="en-US" sz="2800" b="1" dirty="0" smtClean="0">
+                <a:latin typeface="Calibri" pitchFamily="34" charset="0"/>
+              </a:rPr>
+              <a:t>No</a:t>
+            </a:r>
+            <a:endParaRPr lang="en-US" sz="2800" b="1" dirty="0">
+              <a:latin typeface="Calibri" pitchFamily="34" charset="0"/>
+            </a:endParaRPr>
+          </a:p>
+        </p:txBody>
+      </p:sp>
+    </p:spTree>
+    <p:extLst>
+      <p:ext uri="{BB962C8B-B14F-4D97-AF65-F5344CB8AC3E}">
+        <p14:creationId xmlns:p14="http://schemas.microsoft.com/office/powerpoint/2010/main" val="1709315888"/>
+      </p:ext>
+    </p:extLst>
+  </p:cSld>
+  <p:clrMapOvr>
+    <a:masterClrMapping/>
+  </p:clrMapOvr>
+  <p:timing>
+    <p:tnLst>
+      <p:par>
+        <p:cTn id="1" dur="indefinite" restart="never" nodeType="tmRoot">
+          <p:childTnLst>
+            <p:seq concurrent="1" nextAc="seek">
+              <p:cTn id="2" dur="indefinite" nodeType="mainSeq">
+                <p:childTnLst>
+                  <p:par>
+                    <p:cTn id="3" fill="hold">
+                      <p:stCondLst>
+                        <p:cond delay="indefinite"/>
+                      </p:stCondLst>
+                      <p:childTnLst>
+                        <p:par>
+                          <p:cTn id="4" fill="hold">
+                            <p:stCondLst>
+                              <p:cond delay="0"/>
+                            </p:stCondLst>
+                            <p:childTnLst>
+                              <p:par>
+                                <p:cTn id="5" presetID="42" presetClass="path" presetSubtype="0" accel="50000" decel="50000" fill="hold" grpId="0" nodeType="clickEffect">
+                                  <p:stCondLst>
+                                    <p:cond delay="0"/>
+                                  </p:stCondLst>
+                                  <p:childTnLst>
+                                    <p:animMotion origin="layout" path="M 5E-6 -3.33333E-6 L 0.0043 0.36968 " pathEditMode="relative" rAng="0" ptsTypes="AA">
+                                      <p:cBhvr>
+                                        <p:cTn id="6" dur="2000" fill="hold"/>
+                                        <p:tgtEl>
+                                          <p:spTgt spid="4"/>
+                                        </p:tgtEl>
+                                        <p:attrNameLst>
+                                          <p:attrName>ppt_x</p:attrName>
+                                          <p:attrName>ppt_y</p:attrName>
+                                        </p:attrNameLst>
+                                      </p:cBhvr>
+                                      <p:rCtr x="208" y="18472"/>
+                                    </p:animMotion>
+                                  </p:childTnLst>
+                                </p:cTn>
+                              </p:par>
+                            </p:childTnLst>
+                          </p:cTn>
+                        </p:par>
+                      </p:childTnLst>
+                    </p:cTn>
+                  </p:par>
+                </p:childTnLst>
+              </p:cTn>
+              <p:prevCondLst>
+                <p:cond evt="onPrev" delay="0">
+                  <p:tgtEl>
+                    <p:sldTgt/>
+                  </p:tgtEl>
+                </p:cond>
+              </p:prevCondLst>
+              <p:nextCondLst>
+                <p:cond evt="onNext" delay="0">
+                  <p:tgtEl>
+                    <p:sldTgt/>
+                  </p:tgtEl>
+                </p:cond>
+              </p:nextCondLst>
+            </p:seq>
+          </p:childTnLst>
+        </p:cTn>
+      </p:par>
+    </p:tnLst>
+    <p:bldLst>
+      <p:bldP spid="4" grpId="0" animBg="1"/>
+    </p:bldLst>
+  </p:timing>
+</p:sld>
+</file>
+
+<file path=ppt/slides/slide16.xml><?xml version="1.0" encoding="utf-8"?>
+<p:sld xmlns:a="http://schemas.openxmlformats.org/drawingml/2006/main" xmlns:r="http://schemas.openxmlformats.org/officeDocument/2006/relationships" xmlns:p="http://schemas.openxmlformats.org/presentationml/2006/main">
+  <p:cSld>
+    <p:spTree>
+      <p:nvGrpSpPr>
+        <p:cNvPr id="1" name=""/>
+        <p:cNvGrpSpPr/>
+        <p:nvPr/>
+      </p:nvGrpSpPr>
+      <p:grpSpPr>
+        <a:xfrm>
+          <a:off x="0" y="0"/>
+          <a:ext cx="0" cy="0"/>
+          <a:chOff x="0" y="0"/>
+          <a:chExt cx="0" cy="0"/>
+        </a:xfrm>
+      </p:grpSpPr>
+      <p:sp>
+        <p:nvSpPr>
+          <p:cNvPr id="2" name="Title 1"/>
+          <p:cNvSpPr>
+            <a:spLocks noGrp="1"/>
+          </p:cNvSpPr>
+          <p:nvPr>
+            <p:ph type="ctrTitle"/>
+          </p:nvPr>
+        </p:nvSpPr>
+        <p:spPr>
+          <a:xfrm>
             <a:off x="2057400" y="3581401"/>
             <a:ext cx="7772400" cy="1470025"/>
           </a:xfrm>
@@ -5419,10 +6692,6 @@
             <a:r>
               <a:rPr lang="en-US" dirty="0" smtClean="0"/>
               <a:t>?</a:t>
-            </a:r>
-            <a:r>
-              <a:rPr lang="en-US" dirty="0" smtClean="0"/>
-              <a:t/>
             </a:r>
             <a:br>
               <a:rPr lang="en-US" dirty="0" smtClean="0"/>
@@ -5635,7 +6904,7 @@
 </p:sld>
 </file>
 
-<file path=ppt/slides/slide14.xml><?xml version="1.0" encoding="utf-8"?>
+<file path=ppt/slides/slide17.xml><?xml version="1.0" encoding="utf-8"?>
 <p:sld xmlns:a="http://schemas.openxmlformats.org/drawingml/2006/main" xmlns:r="http://schemas.openxmlformats.org/officeDocument/2006/relationships" xmlns:p="http://schemas.openxmlformats.org/presentationml/2006/main">
   <p:cSld>
     <p:spTree>
@@ -5720,10 +6989,6 @@
             <a:r>
               <a:rPr lang="en-US" dirty="0" smtClean="0"/>
               <a:t> Test Cloud?</a:t>
-            </a:r>
-            <a:r>
-              <a:rPr lang="en-US" dirty="0" smtClean="0"/>
-              <a:t/>
             </a:r>
             <a:br>
               <a:rPr lang="en-US" dirty="0" smtClean="0"/>
@@ -5936,7 +7201,7 @@
 </p:sld>
 </file>
 
-<file path=ppt/slides/slide15.xml><?xml version="1.0" encoding="utf-8"?>
+<file path=ppt/slides/slide18.xml><?xml version="1.0" encoding="utf-8"?>
 <p:sld xmlns:a="http://schemas.openxmlformats.org/drawingml/2006/main" xmlns:r="http://schemas.openxmlformats.org/officeDocument/2006/relationships" xmlns:p="http://schemas.openxmlformats.org/presentationml/2006/main">
   <p:cSld>
     <p:spTree>
@@ -6013,10 +7278,6 @@
             <a:r>
               <a:rPr lang="en-US" dirty="0" smtClean="0"/>
               <a:t> Test Cloud?</a:t>
-            </a:r>
-            <a:r>
-              <a:rPr lang="en-US" dirty="0" smtClean="0"/>
-              <a:t/>
             </a:r>
             <a:br>
               <a:rPr lang="en-US" dirty="0" smtClean="0"/>
@@ -6229,7 +7490,7 @@
 </p:sld>
 </file>
 
-<file path=ppt/slides/slide16.xml><?xml version="1.0" encoding="utf-8"?>
+<file path=ppt/slides/slide19.xml><?xml version="1.0" encoding="utf-8"?>
 <p:sld xmlns:a="http://schemas.openxmlformats.org/drawingml/2006/main" xmlns:r="http://schemas.openxmlformats.org/officeDocument/2006/relationships" xmlns:p="http://schemas.openxmlformats.org/presentationml/2006/main">
   <p:cSld>
     <p:spTree>
@@ -6306,10 +7567,6 @@
             <a:r>
               <a:rPr lang="en-US" dirty="0" smtClean="0"/>
               <a:t> Xamarin Insights?</a:t>
-            </a:r>
-            <a:r>
-              <a:rPr lang="en-US" dirty="0" smtClean="0"/>
-              <a:t/>
             </a:r>
             <a:br>
               <a:rPr lang="en-US" dirty="0" smtClean="0"/>
@@ -6522,7 +7779,7 @@
 </p:sld>
 </file>
 
-<file path=ppt/slides/slide17.xml><?xml version="1.0" encoding="utf-8"?>
+<file path=ppt/slides/slide2.xml><?xml version="1.0" encoding="utf-8"?>
 <p:sld xmlns:a="http://schemas.openxmlformats.org/drawingml/2006/main" xmlns:r="http://schemas.openxmlformats.org/officeDocument/2006/relationships" xmlns:p="http://schemas.openxmlformats.org/presentationml/2006/main">
   <p:cSld>
     <p:spTree>
@@ -6541,6 +7798,341 @@
       </p:grpSpPr>
       <p:sp>
         <p:nvSpPr>
+          <p:cNvPr id="14" name="Rectangle 13"/>
+          <p:cNvSpPr/>
+          <p:nvPr/>
+        </p:nvSpPr>
+        <p:spPr>
+          <a:xfrm>
+            <a:off x="2135036" y="2241746"/>
+            <a:ext cx="7924247" cy="3046988"/>
+          </a:xfrm>
+          <a:prstGeom prst="rect">
+            <a:avLst/>
+          </a:prstGeom>
+        </p:spPr>
+        <p:txBody>
+          <a:bodyPr wrap="square">
+            <a:spAutoFit/>
+          </a:bodyPr>
+          <a:lstStyle/>
+          <a:p>
+            <a:pPr lvl="0" algn="ctr"/>
+            <a:r>
+              <a:rPr lang="en-US" sz="4800" dirty="0" err="1" smtClean="0">
+                <a:solidFill>
+                  <a:schemeClr val="tx1">
+                    <a:lumMod val="65000"/>
+                    <a:lumOff val="35000"/>
+                  </a:schemeClr>
+                </a:solidFill>
+                <a:latin typeface="Segoe UI Light"/>
+                <a:cs typeface="Segoe UI Light"/>
+              </a:rPr>
+              <a:t>Concurso</a:t>
+            </a:r>
+            <a:r>
+              <a:rPr lang="en-US" sz="4800" dirty="0" smtClean="0">
+                <a:solidFill>
+                  <a:schemeClr val="tx1">
+                    <a:lumMod val="65000"/>
+                    <a:lumOff val="35000"/>
+                  </a:schemeClr>
+                </a:solidFill>
+                <a:latin typeface="Segoe UI Light"/>
+                <a:cs typeface="Segoe UI Light"/>
+              </a:rPr>
+              <a:t> </a:t>
+            </a:r>
+            <a:r>
+              <a:rPr lang="en-US" sz="4800" dirty="0" err="1" smtClean="0">
+                <a:solidFill>
+                  <a:schemeClr val="tx1">
+                    <a:lumMod val="65000"/>
+                    <a:lumOff val="35000"/>
+                  </a:schemeClr>
+                </a:solidFill>
+                <a:latin typeface="Segoe UI Light"/>
+                <a:cs typeface="Segoe UI Light"/>
+              </a:rPr>
+              <a:t>en</a:t>
+            </a:r>
+            <a:r>
+              <a:rPr lang="en-US" sz="4800" dirty="0" smtClean="0">
+                <a:solidFill>
+                  <a:schemeClr val="tx1">
+                    <a:lumMod val="65000"/>
+                    <a:lumOff val="35000"/>
+                  </a:schemeClr>
+                </a:solidFill>
+                <a:latin typeface="Segoe UI Light"/>
+                <a:cs typeface="Segoe UI Light"/>
+              </a:rPr>
+              <a:t> el que </a:t>
+            </a:r>
+            <a:r>
+              <a:rPr lang="en-US" sz="4800" dirty="0" err="1" smtClean="0">
+                <a:solidFill>
+                  <a:srgbClr val="48B3CA"/>
+                </a:solidFill>
+                <a:latin typeface="Segoe UI" charset="0"/>
+                <a:ea typeface="Segoe UI" charset="0"/>
+                <a:cs typeface="Segoe UI" charset="0"/>
+              </a:rPr>
+              <a:t>sorteamos</a:t>
+            </a:r>
+            <a:r>
+              <a:rPr lang="en-US" sz="4800" dirty="0" smtClean="0">
+                <a:solidFill>
+                  <a:schemeClr val="tx1">
+                    <a:lumMod val="65000"/>
+                    <a:lumOff val="35000"/>
+                  </a:schemeClr>
+                </a:solidFill>
+                <a:latin typeface="Segoe UI Light"/>
+                <a:cs typeface="Segoe UI Light"/>
+              </a:rPr>
+              <a:t> </a:t>
+            </a:r>
+            <a:r>
+              <a:rPr lang="en-US" sz="4800" dirty="0" err="1" smtClean="0">
+                <a:solidFill>
+                  <a:srgbClr val="90CA47"/>
+                </a:solidFill>
+                <a:latin typeface="Segoe UI" charset="0"/>
+                <a:ea typeface="Segoe UI" charset="0"/>
+                <a:cs typeface="Segoe UI" charset="0"/>
+              </a:rPr>
+              <a:t>regalos</a:t>
+            </a:r>
+            <a:r>
+              <a:rPr lang="en-US" sz="4800" dirty="0" smtClean="0">
+                <a:solidFill>
+                  <a:schemeClr val="tx1">
+                    <a:lumMod val="65000"/>
+                    <a:lumOff val="35000"/>
+                  </a:schemeClr>
+                </a:solidFill>
+                <a:latin typeface="Segoe UI Light"/>
+                <a:cs typeface="Segoe UI Light"/>
+              </a:rPr>
+              <a:t> y la </a:t>
+            </a:r>
+            <a:r>
+              <a:rPr lang="en-US" sz="4800" dirty="0" err="1" smtClean="0">
+                <a:solidFill>
+                  <a:srgbClr val="9377CE"/>
+                </a:solidFill>
+                <a:latin typeface="Segoe UI" charset="0"/>
+                <a:ea typeface="Segoe UI" charset="0"/>
+                <a:cs typeface="Segoe UI" charset="0"/>
+              </a:rPr>
+              <a:t>subscripción</a:t>
+            </a:r>
+            <a:r>
+              <a:rPr lang="en-US" sz="4800" dirty="0" smtClean="0">
+                <a:solidFill>
+                  <a:srgbClr val="9377CE"/>
+                </a:solidFill>
+                <a:latin typeface="Segoe UI" charset="0"/>
+                <a:ea typeface="Segoe UI" charset="0"/>
+                <a:cs typeface="Segoe UI" charset="0"/>
+              </a:rPr>
+              <a:t> </a:t>
+            </a:r>
+            <a:r>
+              <a:rPr lang="en-US" sz="4800" dirty="0" err="1" smtClean="0">
+                <a:solidFill>
+                  <a:srgbClr val="9377CE"/>
+                </a:solidFill>
+                <a:latin typeface="Segoe UI" charset="0"/>
+                <a:ea typeface="Segoe UI" charset="0"/>
+                <a:cs typeface="Segoe UI" charset="0"/>
+              </a:rPr>
+              <a:t>anual</a:t>
+            </a:r>
+            <a:r>
+              <a:rPr lang="en-US" sz="4800" dirty="0" smtClean="0">
+                <a:solidFill>
+                  <a:srgbClr val="9377CE"/>
+                </a:solidFill>
+                <a:latin typeface="Segoe UI" charset="0"/>
+                <a:ea typeface="Segoe UI" charset="0"/>
+                <a:cs typeface="Segoe UI" charset="0"/>
+              </a:rPr>
+              <a:t> </a:t>
+            </a:r>
+            <a:r>
+              <a:rPr lang="en-US" sz="4800" dirty="0" smtClean="0">
+                <a:solidFill>
+                  <a:schemeClr val="tx1">
+                    <a:lumMod val="65000"/>
+                    <a:lumOff val="35000"/>
+                  </a:schemeClr>
+                </a:solidFill>
+                <a:latin typeface="Segoe UI Light"/>
+                <a:cs typeface="Segoe UI Light"/>
+              </a:rPr>
+              <a:t>para Android e iOS.</a:t>
+            </a:r>
+            <a:endParaRPr lang="en-US" sz="4800" kern="0" dirty="0">
+              <a:solidFill>
+                <a:schemeClr val="tx1">
+                  <a:lumMod val="65000"/>
+                  <a:lumOff val="35000"/>
+                </a:schemeClr>
+              </a:solidFill>
+              <a:latin typeface="Segoe UI Light"/>
+              <a:ea typeface="Segoe UI" pitchFamily="34" charset="0"/>
+              <a:cs typeface="Segoe UI Light"/>
+            </a:endParaRPr>
+          </a:p>
+        </p:txBody>
+      </p:sp>
+      <p:pic>
+        <p:nvPicPr>
+          <p:cNvPr id="6" name="Picture 5"/>
+          <p:cNvPicPr>
+            <a:picLocks noChangeAspect="1"/>
+          </p:cNvPicPr>
+          <p:nvPr/>
+        </p:nvPicPr>
+        <p:blipFill>
+          <a:blip r:embed="rId3">
+            <a:extLst>
+              <a:ext uri="{28A0092B-C50C-407E-A947-70E740481C1C}">
+                <a14:useLocalDpi xmlns:a14="http://schemas.microsoft.com/office/drawing/2010/main" val="0"/>
+              </a:ext>
+            </a:extLst>
+          </a:blip>
+          <a:stretch>
+            <a:fillRect/>
+          </a:stretch>
+        </p:blipFill>
+        <p:spPr>
+          <a:xfrm>
+            <a:off x="13131539" y="150829"/>
+            <a:ext cx="7909677" cy="6858000"/>
+          </a:xfrm>
+          <a:prstGeom prst="rect">
+            <a:avLst/>
+          </a:prstGeom>
+        </p:spPr>
+      </p:pic>
+      <p:sp>
+        <p:nvSpPr>
+          <p:cNvPr id="7" name="Title 22"/>
+          <p:cNvSpPr>
+            <a:spLocks noGrp="1"/>
+          </p:cNvSpPr>
+          <p:nvPr>
+            <p:ph type="title"/>
+          </p:nvPr>
+        </p:nvSpPr>
+        <p:spPr/>
+        <p:txBody>
+          <a:bodyPr/>
+          <a:lstStyle/>
+          <a:p>
+            <a:r>
+              <a:rPr lang="en-US" dirty="0" smtClean="0">
+                <a:solidFill>
+                  <a:srgbClr val="06AED0"/>
+                </a:solidFill>
+              </a:rPr>
+              <a:t>¿</a:t>
+            </a:r>
+            <a:r>
+              <a:rPr lang="en-US" dirty="0" err="1" smtClean="0">
+                <a:solidFill>
+                  <a:srgbClr val="06AED0"/>
+                </a:solidFill>
+              </a:rPr>
+              <a:t>En</a:t>
+            </a:r>
+            <a:r>
+              <a:rPr lang="en-US" dirty="0" smtClean="0">
+                <a:solidFill>
+                  <a:srgbClr val="06AED0"/>
+                </a:solidFill>
+              </a:rPr>
+              <a:t> </a:t>
+            </a:r>
+            <a:r>
+              <a:rPr lang="en-US" dirty="0" err="1" smtClean="0">
+                <a:solidFill>
+                  <a:srgbClr val="06AED0"/>
+                </a:solidFill>
+              </a:rPr>
+              <a:t>qué</a:t>
+            </a:r>
+            <a:r>
+              <a:rPr lang="en-US" dirty="0" smtClean="0">
+                <a:solidFill>
+                  <a:srgbClr val="06AED0"/>
+                </a:solidFill>
+              </a:rPr>
+              <a:t> </a:t>
+            </a:r>
+            <a:r>
+              <a:rPr lang="en-US" dirty="0" err="1" smtClean="0">
+                <a:solidFill>
+                  <a:srgbClr val="06AED0"/>
+                </a:solidFill>
+              </a:rPr>
+              <a:t>consiste</a:t>
+            </a:r>
+            <a:r>
+              <a:rPr lang="en-US" dirty="0" smtClean="0">
+                <a:solidFill>
+                  <a:srgbClr val="06AED0"/>
+                </a:solidFill>
+              </a:rPr>
+              <a:t>?</a:t>
+            </a:r>
+            <a:endParaRPr lang="en-US" dirty="0">
+              <a:solidFill>
+                <a:srgbClr val="06AED0"/>
+              </a:solidFill>
+            </a:endParaRPr>
+          </a:p>
+        </p:txBody>
+      </p:sp>
+    </p:spTree>
+    <p:extLst>
+      <p:ext uri="{BB962C8B-B14F-4D97-AF65-F5344CB8AC3E}">
+        <p14:creationId xmlns:p14="http://schemas.microsoft.com/office/powerpoint/2010/main" val="2015615358"/>
+      </p:ext>
+    </p:extLst>
+  </p:cSld>
+  <p:clrMapOvr>
+    <a:masterClrMapping/>
+  </p:clrMapOvr>
+  <p:transition>
+    <p:fade/>
+  </p:transition>
+</p:sld>
+</file>
+
+<file path=ppt/slides/slide20.xml><?xml version="1.0" encoding="utf-8"?>
+<p:sld xmlns:a="http://schemas.openxmlformats.org/drawingml/2006/main" xmlns:r="http://schemas.openxmlformats.org/officeDocument/2006/relationships" xmlns:p="http://schemas.openxmlformats.org/presentationml/2006/main">
+  <p:cSld>
+    <p:spTree>
+      <p:nvGrpSpPr>
+        <p:cNvPr id="1" name=""/>
+        <p:cNvGrpSpPr/>
+        <p:nvPr/>
+      </p:nvGrpSpPr>
+      <p:grpSpPr>
+        <a:xfrm>
+          <a:off x="0" y="0"/>
+          <a:ext cx="0" cy="0"/>
+          <a:chOff x="0" y="0"/>
+          <a:chExt cx="0" cy="0"/>
+        </a:xfrm>
+      </p:grpSpPr>
+      <p:sp>
+        <p:nvSpPr>
           <p:cNvPr id="2" name="Title 1"/>
           <p:cNvSpPr>
             <a:spLocks noGrp="1"/>
@@ -6591,10 +8183,6 @@
             <a:r>
               <a:rPr lang="en-US" dirty="0" smtClean="0"/>
               <a:t> a Xamarin Insights?</a:t>
-            </a:r>
-            <a:r>
-              <a:rPr lang="en-US" dirty="0" smtClean="0"/>
-              <a:t/>
             </a:r>
             <a:br>
               <a:rPr lang="en-US" dirty="0" smtClean="0"/>
@@ -6807,7 +8395,7 @@
 </p:sld>
 </file>
 
-<file path=ppt/slides/slide18.xml><?xml version="1.0" encoding="utf-8"?>
+<file path=ppt/slides/slide21.xml><?xml version="1.0" encoding="utf-8"?>
 <p:sld xmlns:a="http://schemas.openxmlformats.org/drawingml/2006/main" xmlns:r="http://schemas.openxmlformats.org/officeDocument/2006/relationships" xmlns:p="http://schemas.openxmlformats.org/presentationml/2006/main">
   <p:cSld>
     <p:spTree>
@@ -6836,6 +8424,1495 @@
         </p:nvSpPr>
         <p:spPr>
           <a:xfrm>
+            <a:off x="2057400" y="3581401"/>
+            <a:ext cx="7772400" cy="1470025"/>
+          </a:xfrm>
+        </p:spPr>
+        <p:txBody>
+          <a:bodyPr rtlCol="0">
+            <a:normAutofit fontScale="90000"/>
+          </a:bodyPr>
+          <a:lstStyle/>
+          <a:p>
+            <a:pPr>
+              <a:defRPr/>
+            </a:pPr>
+            <a:r>
+              <a:rPr lang="en-US" dirty="0" smtClean="0"/>
+              <a:t>¿</a:t>
+            </a:r>
+            <a:r>
+              <a:rPr lang="en-US" dirty="0" err="1" smtClean="0"/>
+              <a:t>Cuántos</a:t>
+            </a:r>
+            <a:r>
+              <a:rPr lang="en-US" dirty="0" smtClean="0"/>
+              <a:t> </a:t>
+            </a:r>
+            <a:r>
+              <a:rPr lang="en-US" dirty="0" err="1" smtClean="0"/>
+              <a:t>dispositivos</a:t>
+            </a:r>
+            <a:r>
+              <a:rPr lang="en-US" dirty="0" smtClean="0"/>
+              <a:t> </a:t>
+            </a:r>
+            <a:r>
+              <a:rPr lang="en-US" dirty="0" err="1" smtClean="0"/>
+              <a:t>tenemos</a:t>
+            </a:r>
+            <a:r>
+              <a:rPr lang="en-US" dirty="0" smtClean="0"/>
+              <a:t> </a:t>
+            </a:r>
+            <a:r>
+              <a:rPr lang="en-US" dirty="0" err="1" smtClean="0"/>
+              <a:t>disponibles</a:t>
+            </a:r>
+            <a:r>
+              <a:rPr lang="en-US" dirty="0" smtClean="0"/>
+              <a:t> </a:t>
+            </a:r>
+            <a:r>
+              <a:rPr lang="en-US" dirty="0" err="1" smtClean="0"/>
+              <a:t>en</a:t>
+            </a:r>
+            <a:r>
+              <a:rPr lang="en-US" dirty="0" smtClean="0"/>
+              <a:t> Test Cloud?</a:t>
+            </a:r>
+            <a:r>
+              <a:rPr lang="en-US" dirty="0" smtClean="0"/>
+              <a:t/>
+            </a:r>
+            <a:br>
+              <a:rPr lang="en-US" dirty="0" smtClean="0"/>
+            </a:br>
+            <a:r>
+              <a:rPr lang="en-US" dirty="0" smtClean="0"/>
+              <a:t>____________________</a:t>
+            </a:r>
+            <a:endParaRPr lang="en-US" dirty="0"/>
+          </a:p>
+        </p:txBody>
+      </p:sp>
+      <p:sp>
+        <p:nvSpPr>
+          <p:cNvPr id="4" name="TextBox 3"/>
+          <p:cNvSpPr txBox="1">
+            <a:spLocks noChangeArrowheads="1"/>
+          </p:cNvSpPr>
+          <p:nvPr/>
+        </p:nvSpPr>
+        <p:spPr bwMode="auto">
+          <a:xfrm>
+            <a:off x="2514600" y="2006601"/>
+            <a:ext cx="2667000" cy="646331"/>
+          </a:xfrm>
+          <a:prstGeom prst="rect">
+            <a:avLst/>
+          </a:prstGeom>
+          <a:noFill/>
+          <a:ln w="28575">
+            <a:solidFill>
+              <a:srgbClr val="FF0000"/>
+            </a:solidFill>
+            <a:miter lim="800000"/>
+            <a:headEnd/>
+            <a:tailEnd/>
+          </a:ln>
+        </p:spPr>
+        <p:txBody>
+          <a:bodyPr>
+            <a:spAutoFit/>
+          </a:bodyPr>
+          <a:lstStyle/>
+          <a:p>
+            <a:pPr algn="ctr"/>
+            <a:r>
+              <a:rPr lang="en-US" sz="3600" b="1" dirty="0">
+                <a:latin typeface="Calibri" pitchFamily="34" charset="0"/>
+              </a:rPr>
+              <a:t>A</a:t>
+            </a:r>
+            <a:r>
+              <a:rPr lang="en-US" sz="3600" b="1" dirty="0" smtClean="0">
+                <a:latin typeface="Calibri" pitchFamily="34" charset="0"/>
+              </a:rPr>
+              <a:t>. </a:t>
+            </a:r>
+            <a:r>
+              <a:rPr lang="en-US" sz="2400" b="1" dirty="0" smtClean="0">
+                <a:latin typeface="Calibri" pitchFamily="34" charset="0"/>
+              </a:rPr>
+              <a:t>+1000</a:t>
+            </a:r>
+            <a:endParaRPr lang="en-US" sz="1600" b="1" dirty="0">
+              <a:latin typeface="Calibri" pitchFamily="34" charset="0"/>
+            </a:endParaRPr>
+          </a:p>
+        </p:txBody>
+      </p:sp>
+      <p:sp>
+        <p:nvSpPr>
+          <p:cNvPr id="5" name="TextBox 4"/>
+          <p:cNvSpPr txBox="1">
+            <a:spLocks noChangeArrowheads="1"/>
+          </p:cNvSpPr>
+          <p:nvPr/>
+        </p:nvSpPr>
+        <p:spPr bwMode="auto">
+          <a:xfrm>
+            <a:off x="5791200" y="2006601"/>
+            <a:ext cx="2667000" cy="646331"/>
+          </a:xfrm>
+          <a:prstGeom prst="rect">
+            <a:avLst/>
+          </a:prstGeom>
+          <a:noFill/>
+          <a:ln w="28575">
+            <a:solidFill>
+              <a:srgbClr val="FF0000"/>
+            </a:solidFill>
+            <a:miter lim="800000"/>
+            <a:headEnd/>
+            <a:tailEnd/>
+          </a:ln>
+        </p:spPr>
+        <p:txBody>
+          <a:bodyPr>
+            <a:spAutoFit/>
+          </a:bodyPr>
+          <a:lstStyle/>
+          <a:p>
+            <a:pPr algn="ctr"/>
+            <a:r>
+              <a:rPr lang="en-US" sz="3600" b="1" dirty="0">
+                <a:latin typeface="Calibri" pitchFamily="34" charset="0"/>
+              </a:rPr>
+              <a:t>B</a:t>
+            </a:r>
+            <a:r>
+              <a:rPr lang="en-US" sz="3600" b="1" dirty="0" smtClean="0">
+                <a:latin typeface="Calibri" pitchFamily="34" charset="0"/>
+              </a:rPr>
+              <a:t>. </a:t>
+            </a:r>
+            <a:r>
+              <a:rPr lang="en-US" sz="2800" b="1" dirty="0" smtClean="0">
+                <a:latin typeface="Calibri" pitchFamily="34" charset="0"/>
+              </a:rPr>
+              <a:t>+2000</a:t>
+            </a:r>
+            <a:endParaRPr lang="en-US" sz="2800" b="1" dirty="0">
+              <a:latin typeface="Calibri" pitchFamily="34" charset="0"/>
+            </a:endParaRPr>
+          </a:p>
+        </p:txBody>
+      </p:sp>
+    </p:spTree>
+    <p:extLst>
+      <p:ext uri="{BB962C8B-B14F-4D97-AF65-F5344CB8AC3E}">
+        <p14:creationId xmlns:p14="http://schemas.microsoft.com/office/powerpoint/2010/main" val="1756099824"/>
+      </p:ext>
+    </p:extLst>
+  </p:cSld>
+  <p:clrMapOvr>
+    <a:masterClrMapping/>
+  </p:clrMapOvr>
+  <p:timing>
+    <p:tnLst>
+      <p:par>
+        <p:cTn id="1" dur="indefinite" restart="never" nodeType="tmRoot">
+          <p:childTnLst>
+            <p:seq concurrent="1" nextAc="seek">
+              <p:cTn id="2" dur="indefinite" nodeType="mainSeq">
+                <p:childTnLst>
+                  <p:par>
+                    <p:cTn id="3" fill="hold">
+                      <p:stCondLst>
+                        <p:cond delay="indefinite"/>
+                      </p:stCondLst>
+                      <p:childTnLst>
+                        <p:par>
+                          <p:cTn id="4" fill="hold">
+                            <p:stCondLst>
+                              <p:cond delay="0"/>
+                            </p:stCondLst>
+                            <p:childTnLst>
+                              <p:par>
+                                <p:cTn id="5" presetID="42" presetClass="path" presetSubtype="0" accel="50000" decel="50000" fill="hold" grpId="0" nodeType="clickEffect">
+                                  <p:stCondLst>
+                                    <p:cond delay="0"/>
+                                  </p:stCondLst>
+                                  <p:childTnLst>
+                                    <p:animMotion origin="layout" path="M 5E-6 -3.33333E-6 L -0.2879 0.39699 " pathEditMode="relative" rAng="0" ptsTypes="AA">
+                                      <p:cBhvr>
+                                        <p:cTn id="6" dur="2000" fill="hold"/>
+                                        <p:tgtEl>
+                                          <p:spTgt spid="5"/>
+                                        </p:tgtEl>
+                                        <p:attrNameLst>
+                                          <p:attrName>ppt_x</p:attrName>
+                                          <p:attrName>ppt_y</p:attrName>
+                                        </p:attrNameLst>
+                                      </p:cBhvr>
+                                      <p:rCtr x="-14401" y="19838"/>
+                                    </p:animMotion>
+                                  </p:childTnLst>
+                                </p:cTn>
+                              </p:par>
+                            </p:childTnLst>
+                          </p:cTn>
+                        </p:par>
+                      </p:childTnLst>
+                    </p:cTn>
+                  </p:par>
+                </p:childTnLst>
+              </p:cTn>
+              <p:prevCondLst>
+                <p:cond evt="onPrev" delay="0">
+                  <p:tgtEl>
+                    <p:sldTgt/>
+                  </p:tgtEl>
+                </p:cond>
+              </p:prevCondLst>
+              <p:nextCondLst>
+                <p:cond evt="onNext" delay="0">
+                  <p:tgtEl>
+                    <p:sldTgt/>
+                  </p:tgtEl>
+                </p:cond>
+              </p:nextCondLst>
+            </p:seq>
+          </p:childTnLst>
+        </p:cTn>
+      </p:par>
+    </p:tnLst>
+    <p:bldLst>
+      <p:bldP spid="5" grpId="0" animBg="1"/>
+    </p:bldLst>
+  </p:timing>
+</p:sld>
+</file>
+
+<file path=ppt/slides/slide22.xml><?xml version="1.0" encoding="utf-8"?>
+<p:sld xmlns:a="http://schemas.openxmlformats.org/drawingml/2006/main" xmlns:r="http://schemas.openxmlformats.org/officeDocument/2006/relationships" xmlns:p="http://schemas.openxmlformats.org/presentationml/2006/main">
+  <p:cSld>
+    <p:spTree>
+      <p:nvGrpSpPr>
+        <p:cNvPr id="1" name=""/>
+        <p:cNvGrpSpPr/>
+        <p:nvPr/>
+      </p:nvGrpSpPr>
+      <p:grpSpPr>
+        <a:xfrm>
+          <a:off x="0" y="0"/>
+          <a:ext cx="0" cy="0"/>
+          <a:chOff x="0" y="0"/>
+          <a:chExt cx="0" cy="0"/>
+        </a:xfrm>
+      </p:grpSpPr>
+      <p:sp>
+        <p:nvSpPr>
+          <p:cNvPr id="2" name="Title 1"/>
+          <p:cNvSpPr>
+            <a:spLocks noGrp="1"/>
+          </p:cNvSpPr>
+          <p:nvPr>
+            <p:ph type="ctrTitle"/>
+          </p:nvPr>
+        </p:nvSpPr>
+        <p:spPr>
+          <a:xfrm>
+            <a:off x="2057400" y="3581401"/>
+            <a:ext cx="7772400" cy="1470025"/>
+          </a:xfrm>
+        </p:spPr>
+        <p:txBody>
+          <a:bodyPr rtlCol="0">
+            <a:normAutofit fontScale="90000"/>
+          </a:bodyPr>
+          <a:lstStyle/>
+          <a:p>
+            <a:pPr>
+              <a:defRPr/>
+            </a:pPr>
+            <a:r>
+              <a:rPr lang="en-US" sz="4000" dirty="0" smtClean="0"/>
+              <a:t>¿</a:t>
+            </a:r>
+            <a:r>
+              <a:rPr lang="en-US" sz="4000" dirty="0" err="1" smtClean="0"/>
+              <a:t>Qué</a:t>
+            </a:r>
+            <a:r>
+              <a:rPr lang="en-US" sz="4000" dirty="0" smtClean="0"/>
+              <a:t> </a:t>
+            </a:r>
+            <a:r>
+              <a:rPr lang="en-US" sz="4000" dirty="0" err="1" smtClean="0"/>
+              <a:t>lenguaje</a:t>
+            </a:r>
+            <a:r>
+              <a:rPr lang="en-US" sz="4000" dirty="0" smtClean="0"/>
+              <a:t> </a:t>
+            </a:r>
+            <a:r>
+              <a:rPr lang="en-US" sz="4000" dirty="0" err="1" smtClean="0"/>
+              <a:t>utilizamos</a:t>
+            </a:r>
+            <a:r>
+              <a:rPr lang="en-US" sz="4000" dirty="0" smtClean="0"/>
+              <a:t> para </a:t>
+            </a:r>
+            <a:r>
+              <a:rPr lang="en-US" sz="4000" dirty="0" err="1" smtClean="0"/>
+              <a:t>desarrollar</a:t>
+            </a:r>
+            <a:r>
+              <a:rPr lang="en-US" sz="4000" dirty="0" smtClean="0"/>
+              <a:t> la </a:t>
+            </a:r>
+            <a:r>
+              <a:rPr lang="en-US" sz="4000" dirty="0" err="1" smtClean="0"/>
+              <a:t>lógica</a:t>
+            </a:r>
+            <a:r>
+              <a:rPr lang="en-US" sz="4000" dirty="0" smtClean="0"/>
+              <a:t> </a:t>
+            </a:r>
+            <a:r>
+              <a:rPr lang="en-US" sz="4000" dirty="0" err="1" smtClean="0"/>
+              <a:t>en</a:t>
+            </a:r>
+            <a:r>
+              <a:rPr lang="en-US" sz="4000" dirty="0" smtClean="0"/>
+              <a:t> </a:t>
+            </a:r>
+            <a:r>
+              <a:rPr lang="en-US" sz="4000" dirty="0" err="1" smtClean="0"/>
+              <a:t>Xamarin.Forms</a:t>
+            </a:r>
+            <a:r>
+              <a:rPr lang="en-US" sz="4000" dirty="0" smtClean="0"/>
+              <a:t>?</a:t>
+            </a:r>
+            <a:r>
+              <a:rPr lang="en-US" sz="4000" dirty="0" smtClean="0"/>
+              <a:t/>
+            </a:r>
+            <a:br>
+              <a:rPr lang="en-US" sz="4000" dirty="0" smtClean="0"/>
+            </a:br>
+            <a:r>
+              <a:rPr lang="en-US" dirty="0" smtClean="0"/>
+              <a:t>____________________</a:t>
+            </a:r>
+            <a:endParaRPr lang="en-US" dirty="0"/>
+          </a:p>
+        </p:txBody>
+      </p:sp>
+      <p:sp>
+        <p:nvSpPr>
+          <p:cNvPr id="4" name="TextBox 3"/>
+          <p:cNvSpPr txBox="1">
+            <a:spLocks noChangeArrowheads="1"/>
+          </p:cNvSpPr>
+          <p:nvPr/>
+        </p:nvSpPr>
+        <p:spPr bwMode="auto">
+          <a:xfrm>
+            <a:off x="2514600" y="2006601"/>
+            <a:ext cx="2667000" cy="646331"/>
+          </a:xfrm>
+          <a:prstGeom prst="rect">
+            <a:avLst/>
+          </a:prstGeom>
+          <a:noFill/>
+          <a:ln w="28575">
+            <a:solidFill>
+              <a:srgbClr val="FF0000"/>
+            </a:solidFill>
+            <a:miter lim="800000"/>
+            <a:headEnd/>
+            <a:tailEnd/>
+          </a:ln>
+        </p:spPr>
+        <p:txBody>
+          <a:bodyPr>
+            <a:spAutoFit/>
+          </a:bodyPr>
+          <a:lstStyle/>
+          <a:p>
+            <a:pPr algn="ctr"/>
+            <a:r>
+              <a:rPr lang="en-US" sz="3600" b="1" dirty="0">
+                <a:latin typeface="Calibri" pitchFamily="34" charset="0"/>
+              </a:rPr>
+              <a:t>A</a:t>
+            </a:r>
+            <a:r>
+              <a:rPr lang="en-US" sz="3600" b="1" dirty="0" smtClean="0">
+                <a:latin typeface="Calibri" pitchFamily="34" charset="0"/>
+              </a:rPr>
+              <a:t>. </a:t>
+            </a:r>
+            <a:r>
+              <a:rPr lang="es-ES" dirty="0" smtClean="0"/>
+              <a:t>C#</a:t>
+            </a:r>
+            <a:endParaRPr lang="en-US" sz="1600" b="1" dirty="0">
+              <a:latin typeface="Calibri" pitchFamily="34" charset="0"/>
+            </a:endParaRPr>
+          </a:p>
+        </p:txBody>
+      </p:sp>
+      <p:sp>
+        <p:nvSpPr>
+          <p:cNvPr id="5" name="TextBox 4"/>
+          <p:cNvSpPr txBox="1">
+            <a:spLocks noChangeArrowheads="1"/>
+          </p:cNvSpPr>
+          <p:nvPr/>
+        </p:nvSpPr>
+        <p:spPr bwMode="auto">
+          <a:xfrm>
+            <a:off x="5791200" y="2006601"/>
+            <a:ext cx="2667000" cy="646331"/>
+          </a:xfrm>
+          <a:prstGeom prst="rect">
+            <a:avLst/>
+          </a:prstGeom>
+          <a:noFill/>
+          <a:ln w="28575">
+            <a:solidFill>
+              <a:srgbClr val="FF0000"/>
+            </a:solidFill>
+            <a:miter lim="800000"/>
+            <a:headEnd/>
+            <a:tailEnd/>
+          </a:ln>
+        </p:spPr>
+        <p:txBody>
+          <a:bodyPr>
+            <a:spAutoFit/>
+          </a:bodyPr>
+          <a:lstStyle/>
+          <a:p>
+            <a:pPr algn="ctr"/>
+            <a:r>
+              <a:rPr lang="en-US" sz="3600" b="1" dirty="0">
+                <a:latin typeface="Calibri" pitchFamily="34" charset="0"/>
+              </a:rPr>
+              <a:t>B</a:t>
+            </a:r>
+            <a:r>
+              <a:rPr lang="en-US" sz="3600" b="1" dirty="0" smtClean="0">
+                <a:latin typeface="Calibri" pitchFamily="34" charset="0"/>
+              </a:rPr>
+              <a:t>. </a:t>
+            </a:r>
+            <a:r>
+              <a:rPr lang="es-ES" dirty="0" smtClean="0"/>
+              <a:t>Varias opciones</a:t>
+            </a:r>
+            <a:endParaRPr lang="en-US" sz="2800" b="1" dirty="0">
+              <a:latin typeface="Calibri" pitchFamily="34" charset="0"/>
+            </a:endParaRPr>
+          </a:p>
+        </p:txBody>
+      </p:sp>
+    </p:spTree>
+    <p:extLst>
+      <p:ext uri="{BB962C8B-B14F-4D97-AF65-F5344CB8AC3E}">
+        <p14:creationId xmlns:p14="http://schemas.microsoft.com/office/powerpoint/2010/main" val="3353569977"/>
+      </p:ext>
+    </p:extLst>
+  </p:cSld>
+  <p:clrMapOvr>
+    <a:masterClrMapping/>
+  </p:clrMapOvr>
+  <p:timing>
+    <p:tnLst>
+      <p:par>
+        <p:cTn id="1" dur="indefinite" restart="never" nodeType="tmRoot">
+          <p:childTnLst>
+            <p:seq concurrent="1" nextAc="seek">
+              <p:cTn id="2" dur="indefinite" nodeType="mainSeq">
+                <p:childTnLst>
+                  <p:par>
+                    <p:cTn id="3" fill="hold">
+                      <p:stCondLst>
+                        <p:cond delay="indefinite"/>
+                      </p:stCondLst>
+                      <p:childTnLst>
+                        <p:par>
+                          <p:cTn id="4" fill="hold">
+                            <p:stCondLst>
+                              <p:cond delay="0"/>
+                            </p:stCondLst>
+                            <p:childTnLst>
+                              <p:par>
+                                <p:cTn id="5" presetID="42" presetClass="path" presetSubtype="0" accel="50000" decel="50000" fill="hold" grpId="0" nodeType="clickEffect">
+                                  <p:stCondLst>
+                                    <p:cond delay="0"/>
+                                  </p:stCondLst>
+                                  <p:childTnLst>
+                                    <p:animMotion origin="layout" path="M 5E-6 -3.33333E-6 L -0.26915 0.39699 " pathEditMode="relative" rAng="0" ptsTypes="AA">
+                                      <p:cBhvr>
+                                        <p:cTn id="6" dur="2000" fill="hold"/>
+                                        <p:tgtEl>
+                                          <p:spTgt spid="5"/>
+                                        </p:tgtEl>
+                                        <p:attrNameLst>
+                                          <p:attrName>ppt_x</p:attrName>
+                                          <p:attrName>ppt_y</p:attrName>
+                                        </p:attrNameLst>
+                                      </p:cBhvr>
+                                      <p:rCtr x="-13464" y="19838"/>
+                                    </p:animMotion>
+                                  </p:childTnLst>
+                                </p:cTn>
+                              </p:par>
+                            </p:childTnLst>
+                          </p:cTn>
+                        </p:par>
+                      </p:childTnLst>
+                    </p:cTn>
+                  </p:par>
+                </p:childTnLst>
+              </p:cTn>
+              <p:prevCondLst>
+                <p:cond evt="onPrev" delay="0">
+                  <p:tgtEl>
+                    <p:sldTgt/>
+                  </p:tgtEl>
+                </p:cond>
+              </p:prevCondLst>
+              <p:nextCondLst>
+                <p:cond evt="onNext" delay="0">
+                  <p:tgtEl>
+                    <p:sldTgt/>
+                  </p:tgtEl>
+                </p:cond>
+              </p:nextCondLst>
+            </p:seq>
+          </p:childTnLst>
+        </p:cTn>
+      </p:par>
+    </p:tnLst>
+    <p:bldLst>
+      <p:bldP spid="5" grpId="0" animBg="1"/>
+    </p:bldLst>
+  </p:timing>
+</p:sld>
+</file>
+
+<file path=ppt/slides/slide23.xml><?xml version="1.0" encoding="utf-8"?>
+<p:sld xmlns:a="http://schemas.openxmlformats.org/drawingml/2006/main" xmlns:r="http://schemas.openxmlformats.org/officeDocument/2006/relationships" xmlns:p="http://schemas.openxmlformats.org/presentationml/2006/main">
+  <p:cSld>
+    <p:spTree>
+      <p:nvGrpSpPr>
+        <p:cNvPr id="1" name=""/>
+        <p:cNvGrpSpPr/>
+        <p:nvPr/>
+      </p:nvGrpSpPr>
+      <p:grpSpPr>
+        <a:xfrm>
+          <a:off x="0" y="0"/>
+          <a:ext cx="0" cy="0"/>
+          <a:chOff x="0" y="0"/>
+          <a:chExt cx="0" cy="0"/>
+        </a:xfrm>
+      </p:grpSpPr>
+      <p:sp>
+        <p:nvSpPr>
+          <p:cNvPr id="2" name="Title 1"/>
+          <p:cNvSpPr>
+            <a:spLocks noGrp="1"/>
+          </p:cNvSpPr>
+          <p:nvPr>
+            <p:ph type="ctrTitle"/>
+          </p:nvPr>
+        </p:nvSpPr>
+        <p:spPr>
+          <a:xfrm>
+            <a:off x="2057400" y="3581401"/>
+            <a:ext cx="7772400" cy="1470025"/>
+          </a:xfrm>
+        </p:spPr>
+        <p:txBody>
+          <a:bodyPr rtlCol="0">
+            <a:normAutofit fontScale="90000"/>
+          </a:bodyPr>
+          <a:lstStyle/>
+          <a:p>
+            <a:pPr>
+              <a:defRPr/>
+            </a:pPr>
+            <a:r>
+              <a:rPr lang="en-US" dirty="0" smtClean="0"/>
+              <a:t>¿</a:t>
+            </a:r>
+            <a:r>
+              <a:rPr lang="en-US" dirty="0" err="1" smtClean="0"/>
+              <a:t>Cómo</a:t>
+            </a:r>
+            <a:r>
+              <a:rPr lang="en-US" dirty="0" smtClean="0"/>
+              <a:t> </a:t>
+            </a:r>
+            <a:r>
+              <a:rPr lang="en-US" dirty="0" err="1" smtClean="0"/>
+              <a:t>registramos</a:t>
+            </a:r>
+            <a:r>
+              <a:rPr lang="en-US" dirty="0" smtClean="0"/>
+              <a:t> </a:t>
+            </a:r>
+            <a:r>
+              <a:rPr lang="en-US" dirty="0" err="1" smtClean="0"/>
+              <a:t>una</a:t>
+            </a:r>
+            <a:r>
+              <a:rPr lang="en-US" dirty="0" smtClean="0"/>
+              <a:t> </a:t>
+            </a:r>
+            <a:r>
+              <a:rPr lang="en-US" dirty="0" err="1" smtClean="0"/>
+              <a:t>excepción</a:t>
+            </a:r>
+            <a:r>
+              <a:rPr lang="en-US" dirty="0" smtClean="0"/>
+              <a:t> </a:t>
+            </a:r>
+            <a:r>
+              <a:rPr lang="en-US" dirty="0" err="1" smtClean="0"/>
+              <a:t>en</a:t>
+            </a:r>
+            <a:r>
+              <a:rPr lang="en-US" dirty="0" smtClean="0"/>
+              <a:t> Xamarin Insights ?</a:t>
+            </a:r>
+            <a:r>
+              <a:rPr lang="en-US" dirty="0" smtClean="0"/>
+              <a:t/>
+            </a:r>
+            <a:br>
+              <a:rPr lang="en-US" dirty="0" smtClean="0"/>
+            </a:br>
+            <a:r>
+              <a:rPr lang="en-US" dirty="0" smtClean="0"/>
+              <a:t>____________________</a:t>
+            </a:r>
+            <a:endParaRPr lang="en-US" dirty="0"/>
+          </a:p>
+        </p:txBody>
+      </p:sp>
+      <p:sp>
+        <p:nvSpPr>
+          <p:cNvPr id="4" name="TextBox 3"/>
+          <p:cNvSpPr txBox="1">
+            <a:spLocks noChangeArrowheads="1"/>
+          </p:cNvSpPr>
+          <p:nvPr/>
+        </p:nvSpPr>
+        <p:spPr bwMode="auto">
+          <a:xfrm>
+            <a:off x="2514600" y="2006601"/>
+            <a:ext cx="2667000" cy="923330"/>
+          </a:xfrm>
+          <a:prstGeom prst="rect">
+            <a:avLst/>
+          </a:prstGeom>
+          <a:noFill/>
+          <a:ln w="28575">
+            <a:solidFill>
+              <a:srgbClr val="FF0000"/>
+            </a:solidFill>
+            <a:miter lim="800000"/>
+            <a:headEnd/>
+            <a:tailEnd/>
+          </a:ln>
+        </p:spPr>
+        <p:txBody>
+          <a:bodyPr>
+            <a:spAutoFit/>
+          </a:bodyPr>
+          <a:lstStyle/>
+          <a:p>
+            <a:pPr algn="ctr"/>
+            <a:r>
+              <a:rPr lang="en-US" sz="3600" b="1" dirty="0">
+                <a:latin typeface="Calibri" pitchFamily="34" charset="0"/>
+              </a:rPr>
+              <a:t>A</a:t>
+            </a:r>
+            <a:r>
+              <a:rPr lang="en-US" sz="3600" b="1" dirty="0" smtClean="0">
+                <a:latin typeface="Calibri" pitchFamily="34" charset="0"/>
+              </a:rPr>
+              <a:t>. </a:t>
+            </a:r>
+            <a:r>
+              <a:rPr lang="es-ES" dirty="0" err="1"/>
+              <a:t>Xamarin.Insights.Report</a:t>
+            </a:r>
+            <a:endParaRPr lang="en-US" sz="1600" b="1" dirty="0">
+              <a:latin typeface="Calibri" pitchFamily="34" charset="0"/>
+            </a:endParaRPr>
+          </a:p>
+        </p:txBody>
+      </p:sp>
+      <p:sp>
+        <p:nvSpPr>
+          <p:cNvPr id="5" name="TextBox 4"/>
+          <p:cNvSpPr txBox="1">
+            <a:spLocks noChangeArrowheads="1"/>
+          </p:cNvSpPr>
+          <p:nvPr/>
+        </p:nvSpPr>
+        <p:spPr bwMode="auto">
+          <a:xfrm>
+            <a:off x="5791200" y="2006601"/>
+            <a:ext cx="2667000" cy="923330"/>
+          </a:xfrm>
+          <a:prstGeom prst="rect">
+            <a:avLst/>
+          </a:prstGeom>
+          <a:noFill/>
+          <a:ln w="28575">
+            <a:solidFill>
+              <a:srgbClr val="FF0000"/>
+            </a:solidFill>
+            <a:miter lim="800000"/>
+            <a:headEnd/>
+            <a:tailEnd/>
+          </a:ln>
+        </p:spPr>
+        <p:txBody>
+          <a:bodyPr>
+            <a:spAutoFit/>
+          </a:bodyPr>
+          <a:lstStyle/>
+          <a:p>
+            <a:pPr algn="ctr"/>
+            <a:r>
+              <a:rPr lang="en-US" sz="3600" b="1" dirty="0">
+                <a:latin typeface="Calibri" pitchFamily="34" charset="0"/>
+              </a:rPr>
+              <a:t>B</a:t>
+            </a:r>
+            <a:r>
+              <a:rPr lang="en-US" sz="3600" b="1" dirty="0" smtClean="0">
+                <a:latin typeface="Calibri" pitchFamily="34" charset="0"/>
+              </a:rPr>
+              <a:t>. </a:t>
+            </a:r>
+            <a:r>
+              <a:rPr lang="es-ES" dirty="0" err="1" smtClean="0"/>
+              <a:t>Xamarin.Insights.Error</a:t>
+            </a:r>
+            <a:endParaRPr lang="en-US" sz="2800" b="1" dirty="0">
+              <a:latin typeface="Calibri" pitchFamily="34" charset="0"/>
+            </a:endParaRPr>
+          </a:p>
+        </p:txBody>
+      </p:sp>
+    </p:spTree>
+    <p:extLst>
+      <p:ext uri="{BB962C8B-B14F-4D97-AF65-F5344CB8AC3E}">
+        <p14:creationId xmlns:p14="http://schemas.microsoft.com/office/powerpoint/2010/main" val="684695231"/>
+      </p:ext>
+    </p:extLst>
+  </p:cSld>
+  <p:clrMapOvr>
+    <a:masterClrMapping/>
+  </p:clrMapOvr>
+  <p:timing>
+    <p:tnLst>
+      <p:par>
+        <p:cTn id="1" dur="indefinite" restart="never" nodeType="tmRoot">
+          <p:childTnLst>
+            <p:seq concurrent="1" nextAc="seek">
+              <p:cTn id="2" dur="indefinite" nodeType="mainSeq">
+                <p:childTnLst>
+                  <p:par>
+                    <p:cTn id="3" fill="hold">
+                      <p:stCondLst>
+                        <p:cond delay="indefinite"/>
+                      </p:stCondLst>
+                      <p:childTnLst>
+                        <p:par>
+                          <p:cTn id="4" fill="hold">
+                            <p:stCondLst>
+                              <p:cond delay="0"/>
+                            </p:stCondLst>
+                            <p:childTnLst>
+                              <p:par>
+                                <p:cTn id="5" presetID="42" presetClass="path" presetSubtype="0" accel="50000" decel="50000" fill="hold" grpId="0" nodeType="clickEffect">
+                                  <p:stCondLst>
+                                    <p:cond delay="0"/>
+                                  </p:stCondLst>
+                                  <p:childTnLst>
+                                    <p:animMotion origin="layout" path="M 5E-6 -3.7037E-6 L -0.00039 0.33889 " pathEditMode="relative" rAng="0" ptsTypes="AA">
+                                      <p:cBhvr>
+                                        <p:cTn id="6" dur="2000" fill="hold"/>
+                                        <p:tgtEl>
+                                          <p:spTgt spid="4"/>
+                                        </p:tgtEl>
+                                        <p:attrNameLst>
+                                          <p:attrName>ppt_x</p:attrName>
+                                          <p:attrName>ppt_y</p:attrName>
+                                        </p:attrNameLst>
+                                      </p:cBhvr>
+                                      <p:rCtr x="-26" y="16944"/>
+                                    </p:animMotion>
+                                  </p:childTnLst>
+                                </p:cTn>
+                              </p:par>
+                            </p:childTnLst>
+                          </p:cTn>
+                        </p:par>
+                      </p:childTnLst>
+                    </p:cTn>
+                  </p:par>
+                </p:childTnLst>
+              </p:cTn>
+              <p:prevCondLst>
+                <p:cond evt="onPrev" delay="0">
+                  <p:tgtEl>
+                    <p:sldTgt/>
+                  </p:tgtEl>
+                </p:cond>
+              </p:prevCondLst>
+              <p:nextCondLst>
+                <p:cond evt="onNext" delay="0">
+                  <p:tgtEl>
+                    <p:sldTgt/>
+                  </p:tgtEl>
+                </p:cond>
+              </p:nextCondLst>
+            </p:seq>
+          </p:childTnLst>
+        </p:cTn>
+      </p:par>
+    </p:tnLst>
+    <p:bldLst>
+      <p:bldP spid="4" grpId="0" animBg="1"/>
+    </p:bldLst>
+  </p:timing>
+</p:sld>
+</file>
+
+<file path=ppt/slides/slide24.xml><?xml version="1.0" encoding="utf-8"?>
+<p:sld xmlns:a="http://schemas.openxmlformats.org/drawingml/2006/main" xmlns:r="http://schemas.openxmlformats.org/officeDocument/2006/relationships" xmlns:p="http://schemas.openxmlformats.org/presentationml/2006/main">
+  <p:cSld>
+    <p:spTree>
+      <p:nvGrpSpPr>
+        <p:cNvPr id="1" name=""/>
+        <p:cNvGrpSpPr/>
+        <p:nvPr/>
+      </p:nvGrpSpPr>
+      <p:grpSpPr>
+        <a:xfrm>
+          <a:off x="0" y="0"/>
+          <a:ext cx="0" cy="0"/>
+          <a:chOff x="0" y="0"/>
+          <a:chExt cx="0" cy="0"/>
+        </a:xfrm>
+      </p:grpSpPr>
+      <p:sp>
+        <p:nvSpPr>
+          <p:cNvPr id="2" name="Title 1"/>
+          <p:cNvSpPr>
+            <a:spLocks noGrp="1"/>
+          </p:cNvSpPr>
+          <p:nvPr>
+            <p:ph type="ctrTitle"/>
+          </p:nvPr>
+        </p:nvSpPr>
+        <p:spPr>
+          <a:xfrm>
+            <a:off x="2057400" y="3581401"/>
+            <a:ext cx="7772400" cy="1470025"/>
+          </a:xfrm>
+        </p:spPr>
+        <p:txBody>
+          <a:bodyPr rtlCol="0">
+            <a:normAutofit fontScale="90000"/>
+          </a:bodyPr>
+          <a:lstStyle/>
+          <a:p>
+            <a:pPr>
+              <a:defRPr/>
+            </a:pPr>
+            <a:r>
+              <a:rPr lang="en-US" dirty="0" smtClean="0"/>
+              <a:t>¿</a:t>
+            </a:r>
+            <a:r>
+              <a:rPr lang="en-US" dirty="0" err="1" smtClean="0"/>
+              <a:t>Qué</a:t>
+            </a:r>
+            <a:r>
+              <a:rPr lang="en-US" dirty="0" smtClean="0"/>
+              <a:t> se ha </a:t>
+            </a:r>
+            <a:r>
+              <a:rPr lang="en-US" dirty="0" err="1" smtClean="0"/>
+              <a:t>añadido</a:t>
+            </a:r>
+            <a:r>
+              <a:rPr lang="en-US" dirty="0" smtClean="0"/>
+              <a:t> </a:t>
+            </a:r>
+            <a:r>
+              <a:rPr lang="en-US" dirty="0" err="1" smtClean="0"/>
+              <a:t>en</a:t>
+            </a:r>
+            <a:r>
+              <a:rPr lang="en-US" dirty="0" smtClean="0"/>
+              <a:t> </a:t>
+            </a:r>
+            <a:r>
+              <a:rPr lang="en-US" dirty="0" err="1" smtClean="0"/>
+              <a:t>Xamarin.Forms</a:t>
+            </a:r>
+            <a:r>
+              <a:rPr lang="en-US" dirty="0" smtClean="0"/>
+              <a:t> 2.0?</a:t>
+            </a:r>
+            <a:r>
+              <a:rPr lang="en-US" dirty="0" smtClean="0"/>
+              <a:t/>
+            </a:r>
+            <a:br>
+              <a:rPr lang="en-US" dirty="0" smtClean="0"/>
+            </a:br>
+            <a:r>
+              <a:rPr lang="en-US" dirty="0" smtClean="0"/>
+              <a:t>____________________</a:t>
+            </a:r>
+            <a:endParaRPr lang="en-US" dirty="0"/>
+          </a:p>
+        </p:txBody>
+      </p:sp>
+      <p:sp>
+        <p:nvSpPr>
+          <p:cNvPr id="4" name="TextBox 3"/>
+          <p:cNvSpPr txBox="1">
+            <a:spLocks noChangeArrowheads="1"/>
+          </p:cNvSpPr>
+          <p:nvPr/>
+        </p:nvSpPr>
+        <p:spPr bwMode="auto">
+          <a:xfrm>
+            <a:off x="2514600" y="2006601"/>
+            <a:ext cx="2667000" cy="646331"/>
+          </a:xfrm>
+          <a:prstGeom prst="rect">
+            <a:avLst/>
+          </a:prstGeom>
+          <a:noFill/>
+          <a:ln w="28575">
+            <a:solidFill>
+              <a:srgbClr val="FF0000"/>
+            </a:solidFill>
+            <a:miter lim="800000"/>
+            <a:headEnd/>
+            <a:tailEnd/>
+          </a:ln>
+        </p:spPr>
+        <p:txBody>
+          <a:bodyPr>
+            <a:spAutoFit/>
+          </a:bodyPr>
+          <a:lstStyle/>
+          <a:p>
+            <a:pPr algn="ctr"/>
+            <a:r>
+              <a:rPr lang="en-US" sz="3600" b="1" dirty="0">
+                <a:latin typeface="Calibri" pitchFamily="34" charset="0"/>
+              </a:rPr>
+              <a:t>A</a:t>
+            </a:r>
+            <a:r>
+              <a:rPr lang="en-US" sz="3600" b="1" dirty="0" smtClean="0">
+                <a:latin typeface="Calibri" pitchFamily="34" charset="0"/>
+              </a:rPr>
+              <a:t>. </a:t>
+            </a:r>
+            <a:r>
+              <a:rPr lang="es-ES" dirty="0" smtClean="0"/>
+              <a:t>Editor Visual</a:t>
+            </a:r>
+            <a:endParaRPr lang="en-US" sz="1600" b="1" dirty="0">
+              <a:latin typeface="Calibri" pitchFamily="34" charset="0"/>
+            </a:endParaRPr>
+          </a:p>
+        </p:txBody>
+      </p:sp>
+      <p:sp>
+        <p:nvSpPr>
+          <p:cNvPr id="5" name="TextBox 4"/>
+          <p:cNvSpPr txBox="1">
+            <a:spLocks noChangeArrowheads="1"/>
+          </p:cNvSpPr>
+          <p:nvPr/>
+        </p:nvSpPr>
+        <p:spPr bwMode="auto">
+          <a:xfrm>
+            <a:off x="5791200" y="2006601"/>
+            <a:ext cx="2667000" cy="646331"/>
+          </a:xfrm>
+          <a:prstGeom prst="rect">
+            <a:avLst/>
+          </a:prstGeom>
+          <a:noFill/>
+          <a:ln w="28575">
+            <a:solidFill>
+              <a:srgbClr val="FF0000"/>
+            </a:solidFill>
+            <a:miter lim="800000"/>
+            <a:headEnd/>
+            <a:tailEnd/>
+          </a:ln>
+        </p:spPr>
+        <p:txBody>
+          <a:bodyPr>
+            <a:spAutoFit/>
+          </a:bodyPr>
+          <a:lstStyle/>
+          <a:p>
+            <a:pPr algn="ctr"/>
+            <a:r>
+              <a:rPr lang="en-US" sz="3600" b="1" dirty="0">
+                <a:latin typeface="Calibri" pitchFamily="34" charset="0"/>
+              </a:rPr>
+              <a:t>B</a:t>
+            </a:r>
+            <a:r>
+              <a:rPr lang="en-US" sz="3600" b="1" dirty="0" smtClean="0">
+                <a:latin typeface="Calibri" pitchFamily="34" charset="0"/>
+              </a:rPr>
+              <a:t>. </a:t>
+            </a:r>
+            <a:r>
+              <a:rPr lang="es-ES" dirty="0" smtClean="0"/>
+              <a:t>Soporte UWP</a:t>
+            </a:r>
+            <a:endParaRPr lang="en-US" sz="2800" b="1" dirty="0">
+              <a:latin typeface="Calibri" pitchFamily="34" charset="0"/>
+            </a:endParaRPr>
+          </a:p>
+        </p:txBody>
+      </p:sp>
+    </p:spTree>
+    <p:extLst>
+      <p:ext uri="{BB962C8B-B14F-4D97-AF65-F5344CB8AC3E}">
+        <p14:creationId xmlns:p14="http://schemas.microsoft.com/office/powerpoint/2010/main" val="2153224874"/>
+      </p:ext>
+    </p:extLst>
+  </p:cSld>
+  <p:clrMapOvr>
+    <a:masterClrMapping/>
+  </p:clrMapOvr>
+  <p:timing>
+    <p:tnLst>
+      <p:par>
+        <p:cTn id="1" dur="indefinite" restart="never" nodeType="tmRoot">
+          <p:childTnLst>
+            <p:seq concurrent="1" nextAc="seek">
+              <p:cTn id="2" dur="indefinite" nodeType="mainSeq">
+                <p:childTnLst>
+                  <p:par>
+                    <p:cTn id="3" fill="hold">
+                      <p:stCondLst>
+                        <p:cond delay="indefinite"/>
+                      </p:stCondLst>
+                      <p:childTnLst>
+                        <p:par>
+                          <p:cTn id="4" fill="hold">
+                            <p:stCondLst>
+                              <p:cond delay="0"/>
+                            </p:stCondLst>
+                            <p:childTnLst>
+                              <p:par>
+                                <p:cTn id="5" presetID="42" presetClass="path" presetSubtype="0" accel="50000" decel="50000" fill="hold" grpId="0" nodeType="clickEffect">
+                                  <p:stCondLst>
+                                    <p:cond delay="0"/>
+                                  </p:stCondLst>
+                                  <p:childTnLst>
+                                    <p:animMotion origin="layout" path="M 5E-6 -3.33333E-6 L -0.26915 0.39699 " pathEditMode="relative" rAng="0" ptsTypes="AA">
+                                      <p:cBhvr>
+                                        <p:cTn id="6" dur="2000" fill="hold"/>
+                                        <p:tgtEl>
+                                          <p:spTgt spid="5"/>
+                                        </p:tgtEl>
+                                        <p:attrNameLst>
+                                          <p:attrName>ppt_x</p:attrName>
+                                          <p:attrName>ppt_y</p:attrName>
+                                        </p:attrNameLst>
+                                      </p:cBhvr>
+                                      <p:rCtr x="-13464" y="19838"/>
+                                    </p:animMotion>
+                                  </p:childTnLst>
+                                </p:cTn>
+                              </p:par>
+                            </p:childTnLst>
+                          </p:cTn>
+                        </p:par>
+                      </p:childTnLst>
+                    </p:cTn>
+                  </p:par>
+                </p:childTnLst>
+              </p:cTn>
+              <p:prevCondLst>
+                <p:cond evt="onPrev" delay="0">
+                  <p:tgtEl>
+                    <p:sldTgt/>
+                  </p:tgtEl>
+                </p:cond>
+              </p:prevCondLst>
+              <p:nextCondLst>
+                <p:cond evt="onNext" delay="0">
+                  <p:tgtEl>
+                    <p:sldTgt/>
+                  </p:tgtEl>
+                </p:cond>
+              </p:nextCondLst>
+            </p:seq>
+          </p:childTnLst>
+        </p:cTn>
+      </p:par>
+    </p:tnLst>
+    <p:bldLst>
+      <p:bldP spid="5" grpId="0" animBg="1"/>
+    </p:bldLst>
+  </p:timing>
+</p:sld>
+</file>
+
+<file path=ppt/slides/slide25.xml><?xml version="1.0" encoding="utf-8"?>
+<p:sld xmlns:a="http://schemas.openxmlformats.org/drawingml/2006/main" xmlns:r="http://schemas.openxmlformats.org/officeDocument/2006/relationships" xmlns:p="http://schemas.openxmlformats.org/presentationml/2006/main">
+  <p:cSld>
+    <p:spTree>
+      <p:nvGrpSpPr>
+        <p:cNvPr id="1" name=""/>
+        <p:cNvGrpSpPr/>
+        <p:nvPr/>
+      </p:nvGrpSpPr>
+      <p:grpSpPr>
+        <a:xfrm>
+          <a:off x="0" y="0"/>
+          <a:ext cx="0" cy="0"/>
+          <a:chOff x="0" y="0"/>
+          <a:chExt cx="0" cy="0"/>
+        </a:xfrm>
+      </p:grpSpPr>
+      <p:sp>
+        <p:nvSpPr>
+          <p:cNvPr id="2" name="Title 1"/>
+          <p:cNvSpPr>
+            <a:spLocks noGrp="1"/>
+          </p:cNvSpPr>
+          <p:nvPr>
+            <p:ph type="ctrTitle"/>
+          </p:nvPr>
+        </p:nvSpPr>
+        <p:spPr>
+          <a:xfrm>
+            <a:off x="2057400" y="3581401"/>
+            <a:ext cx="7772400" cy="1470025"/>
+          </a:xfrm>
+        </p:spPr>
+        <p:txBody>
+          <a:bodyPr rtlCol="0">
+            <a:normAutofit fontScale="90000"/>
+          </a:bodyPr>
+          <a:lstStyle/>
+          <a:p>
+            <a:pPr>
+              <a:defRPr/>
+            </a:pPr>
+            <a:r>
+              <a:rPr lang="en-US" dirty="0" smtClean="0"/>
+              <a:t>¿</a:t>
+            </a:r>
+            <a:r>
+              <a:rPr lang="en-US" dirty="0" err="1" smtClean="0"/>
+              <a:t>En</a:t>
+            </a:r>
+            <a:r>
+              <a:rPr lang="en-US" dirty="0" smtClean="0"/>
+              <a:t> </a:t>
+            </a:r>
+            <a:r>
+              <a:rPr lang="en-US" dirty="0" err="1" smtClean="0"/>
+              <a:t>qué</a:t>
+            </a:r>
+            <a:r>
+              <a:rPr lang="en-US" dirty="0" smtClean="0"/>
+              <a:t> se </a:t>
+            </a:r>
+            <a:r>
+              <a:rPr lang="en-US" dirty="0" err="1" smtClean="0"/>
+              <a:t>basa</a:t>
+            </a:r>
+            <a:r>
+              <a:rPr lang="en-US" dirty="0" smtClean="0"/>
+              <a:t> Xamarin </a:t>
+            </a:r>
+            <a:r>
+              <a:rPr lang="en-US" dirty="0" err="1" smtClean="0"/>
+              <a:t>UITest</a:t>
+            </a:r>
+            <a:r>
+              <a:rPr lang="en-US" dirty="0" smtClean="0"/>
+              <a:t>?</a:t>
+            </a:r>
+            <a:r>
+              <a:rPr lang="en-US" dirty="0" smtClean="0"/>
+              <a:t/>
+            </a:r>
+            <a:br>
+              <a:rPr lang="en-US" dirty="0" smtClean="0"/>
+            </a:br>
+            <a:r>
+              <a:rPr lang="en-US" dirty="0" smtClean="0"/>
+              <a:t>____________________</a:t>
+            </a:r>
+            <a:endParaRPr lang="en-US" dirty="0"/>
+          </a:p>
+        </p:txBody>
+      </p:sp>
+      <p:sp>
+        <p:nvSpPr>
+          <p:cNvPr id="4" name="TextBox 3"/>
+          <p:cNvSpPr txBox="1">
+            <a:spLocks noChangeArrowheads="1"/>
+          </p:cNvSpPr>
+          <p:nvPr/>
+        </p:nvSpPr>
+        <p:spPr bwMode="auto">
+          <a:xfrm>
+            <a:off x="2514600" y="2006601"/>
+            <a:ext cx="2667000" cy="646331"/>
+          </a:xfrm>
+          <a:prstGeom prst="rect">
+            <a:avLst/>
+          </a:prstGeom>
+          <a:noFill/>
+          <a:ln w="28575">
+            <a:solidFill>
+              <a:srgbClr val="FF0000"/>
+            </a:solidFill>
+            <a:miter lim="800000"/>
+            <a:headEnd/>
+            <a:tailEnd/>
+          </a:ln>
+        </p:spPr>
+        <p:txBody>
+          <a:bodyPr>
+            <a:spAutoFit/>
+          </a:bodyPr>
+          <a:lstStyle/>
+          <a:p>
+            <a:pPr algn="ctr"/>
+            <a:r>
+              <a:rPr lang="en-US" sz="3600" b="1" dirty="0">
+                <a:latin typeface="Calibri" pitchFamily="34" charset="0"/>
+              </a:rPr>
+              <a:t>A</a:t>
+            </a:r>
+            <a:r>
+              <a:rPr lang="en-US" sz="3600" b="1" dirty="0" smtClean="0">
+                <a:latin typeface="Calibri" pitchFamily="34" charset="0"/>
+              </a:rPr>
+              <a:t>. </a:t>
+            </a:r>
+            <a:r>
+              <a:rPr lang="es-ES" dirty="0" err="1" smtClean="0"/>
+              <a:t>NUnit</a:t>
+            </a:r>
+            <a:endParaRPr lang="en-US" sz="1600" b="1" dirty="0">
+              <a:latin typeface="Calibri" pitchFamily="34" charset="0"/>
+            </a:endParaRPr>
+          </a:p>
+        </p:txBody>
+      </p:sp>
+      <p:sp>
+        <p:nvSpPr>
+          <p:cNvPr id="5" name="TextBox 4"/>
+          <p:cNvSpPr txBox="1">
+            <a:spLocks noChangeArrowheads="1"/>
+          </p:cNvSpPr>
+          <p:nvPr/>
+        </p:nvSpPr>
+        <p:spPr bwMode="auto">
+          <a:xfrm>
+            <a:off x="5791200" y="2006601"/>
+            <a:ext cx="2667000" cy="646331"/>
+          </a:xfrm>
+          <a:prstGeom prst="rect">
+            <a:avLst/>
+          </a:prstGeom>
+          <a:noFill/>
+          <a:ln w="28575">
+            <a:solidFill>
+              <a:srgbClr val="FF0000"/>
+            </a:solidFill>
+            <a:miter lim="800000"/>
+            <a:headEnd/>
+            <a:tailEnd/>
+          </a:ln>
+        </p:spPr>
+        <p:txBody>
+          <a:bodyPr>
+            <a:spAutoFit/>
+          </a:bodyPr>
+          <a:lstStyle/>
+          <a:p>
+            <a:pPr algn="ctr"/>
+            <a:r>
+              <a:rPr lang="en-US" sz="3600" b="1" dirty="0">
+                <a:latin typeface="Calibri" pitchFamily="34" charset="0"/>
+              </a:rPr>
+              <a:t>B</a:t>
+            </a:r>
+            <a:r>
+              <a:rPr lang="en-US" sz="3600" b="1" dirty="0" smtClean="0">
+                <a:latin typeface="Calibri" pitchFamily="34" charset="0"/>
+              </a:rPr>
+              <a:t>. </a:t>
+            </a:r>
+            <a:r>
+              <a:rPr lang="es-ES" dirty="0" err="1" smtClean="0"/>
+              <a:t>Calabash</a:t>
+            </a:r>
+            <a:endParaRPr lang="en-US" sz="2800" b="1" dirty="0">
+              <a:latin typeface="Calibri" pitchFamily="34" charset="0"/>
+            </a:endParaRPr>
+          </a:p>
+        </p:txBody>
+      </p:sp>
+    </p:spTree>
+    <p:extLst>
+      <p:ext uri="{BB962C8B-B14F-4D97-AF65-F5344CB8AC3E}">
+        <p14:creationId xmlns:p14="http://schemas.microsoft.com/office/powerpoint/2010/main" val="2674537354"/>
+      </p:ext>
+    </p:extLst>
+  </p:cSld>
+  <p:clrMapOvr>
+    <a:masterClrMapping/>
+  </p:clrMapOvr>
+  <p:timing>
+    <p:tnLst>
+      <p:par>
+        <p:cTn id="1" dur="indefinite" restart="never" nodeType="tmRoot">
+          <p:childTnLst>
+            <p:seq concurrent="1" nextAc="seek">
+              <p:cTn id="2" dur="indefinite" nodeType="mainSeq">
+                <p:childTnLst>
+                  <p:par>
+                    <p:cTn id="3" fill="hold">
+                      <p:stCondLst>
+                        <p:cond delay="indefinite"/>
+                      </p:stCondLst>
+                      <p:childTnLst>
+                        <p:par>
+                          <p:cTn id="4" fill="hold">
+                            <p:stCondLst>
+                              <p:cond delay="0"/>
+                            </p:stCondLst>
+                            <p:childTnLst>
+                              <p:par>
+                                <p:cTn id="5" presetID="42" presetClass="path" presetSubtype="0" accel="50000" decel="50000" fill="hold" grpId="0" nodeType="clickEffect">
+                                  <p:stCondLst>
+                                    <p:cond delay="0"/>
+                                  </p:stCondLst>
+                                  <p:childTnLst>
+                                    <p:animMotion origin="layout" path="M 5E-6 -3.33333E-6 L -0.26915 0.39699 " pathEditMode="relative" rAng="0" ptsTypes="AA">
+                                      <p:cBhvr>
+                                        <p:cTn id="6" dur="2000" fill="hold"/>
+                                        <p:tgtEl>
+                                          <p:spTgt spid="5"/>
+                                        </p:tgtEl>
+                                        <p:attrNameLst>
+                                          <p:attrName>ppt_x</p:attrName>
+                                          <p:attrName>ppt_y</p:attrName>
+                                        </p:attrNameLst>
+                                      </p:cBhvr>
+                                      <p:rCtr x="-13464" y="19838"/>
+                                    </p:animMotion>
+                                  </p:childTnLst>
+                                </p:cTn>
+                              </p:par>
+                            </p:childTnLst>
+                          </p:cTn>
+                        </p:par>
+                      </p:childTnLst>
+                    </p:cTn>
+                  </p:par>
+                </p:childTnLst>
+              </p:cTn>
+              <p:prevCondLst>
+                <p:cond evt="onPrev" delay="0">
+                  <p:tgtEl>
+                    <p:sldTgt/>
+                  </p:tgtEl>
+                </p:cond>
+              </p:prevCondLst>
+              <p:nextCondLst>
+                <p:cond evt="onNext" delay="0">
+                  <p:tgtEl>
+                    <p:sldTgt/>
+                  </p:tgtEl>
+                </p:cond>
+              </p:nextCondLst>
+            </p:seq>
+          </p:childTnLst>
+        </p:cTn>
+      </p:par>
+    </p:tnLst>
+    <p:bldLst>
+      <p:bldP spid="5" grpId="0" animBg="1"/>
+    </p:bldLst>
+  </p:timing>
+</p:sld>
+</file>
+
+<file path=ppt/slides/slide26.xml><?xml version="1.0" encoding="utf-8"?>
+<p:sld xmlns:a="http://schemas.openxmlformats.org/drawingml/2006/main" xmlns:r="http://schemas.openxmlformats.org/officeDocument/2006/relationships" xmlns:p="http://schemas.openxmlformats.org/presentationml/2006/main">
+  <p:cSld>
+    <p:spTree>
+      <p:nvGrpSpPr>
+        <p:cNvPr id="1" name=""/>
+        <p:cNvGrpSpPr/>
+        <p:nvPr/>
+      </p:nvGrpSpPr>
+      <p:grpSpPr>
+        <a:xfrm>
+          <a:off x="0" y="0"/>
+          <a:ext cx="0" cy="0"/>
+          <a:chOff x="0" y="0"/>
+          <a:chExt cx="0" cy="0"/>
+        </a:xfrm>
+      </p:grpSpPr>
+      <p:sp>
+        <p:nvSpPr>
+          <p:cNvPr id="2" name="Title 1"/>
+          <p:cNvSpPr>
+            <a:spLocks noGrp="1"/>
+          </p:cNvSpPr>
+          <p:nvPr>
+            <p:ph type="ctrTitle"/>
+          </p:nvPr>
+        </p:nvSpPr>
+        <p:spPr>
+          <a:xfrm>
             <a:off x="2300287" y="3631397"/>
             <a:ext cx="7772400" cy="1470025"/>
           </a:xfrm>
@@ -6876,10 +9953,6 @@
             <a:r>
               <a:rPr lang="en-US" dirty="0" smtClean="0"/>
               <a:t>?</a:t>
-            </a:r>
-            <a:r>
-              <a:rPr lang="en-US" dirty="0" smtClean="0"/>
-              <a:t/>
             </a:r>
             <a:br>
               <a:rPr lang="en-US" dirty="0" smtClean="0"/>
@@ -7092,7 +10165,7 @@
 </p:sld>
 </file>
 
-<file path=ppt/slides/slide19.xml><?xml version="1.0" encoding="utf-8"?>
+<file path=ppt/slides/slide27.xml><?xml version="1.0" encoding="utf-8"?>
 <p:sld xmlns:a="http://schemas.openxmlformats.org/drawingml/2006/main" xmlns:r="http://schemas.openxmlformats.org/officeDocument/2006/relationships" xmlns:p="http://schemas.openxmlformats.org/presentationml/2006/main">
   <p:cSld>
     <p:spTree>
@@ -7566,341 +10639,6 @@
       <p:bldP spid="27" grpId="0"/>
     </p:bldLst>
   </p:timing>
-</p:sld>
-</file>
-
-<file path=ppt/slides/slide2.xml><?xml version="1.0" encoding="utf-8"?>
-<p:sld xmlns:a="http://schemas.openxmlformats.org/drawingml/2006/main" xmlns:r="http://schemas.openxmlformats.org/officeDocument/2006/relationships" xmlns:p="http://schemas.openxmlformats.org/presentationml/2006/main">
-  <p:cSld>
-    <p:spTree>
-      <p:nvGrpSpPr>
-        <p:cNvPr id="1" name=""/>
-        <p:cNvGrpSpPr/>
-        <p:nvPr/>
-      </p:nvGrpSpPr>
-      <p:grpSpPr>
-        <a:xfrm>
-          <a:off x="0" y="0"/>
-          <a:ext cx="0" cy="0"/>
-          <a:chOff x="0" y="0"/>
-          <a:chExt cx="0" cy="0"/>
-        </a:xfrm>
-      </p:grpSpPr>
-      <p:sp>
-        <p:nvSpPr>
-          <p:cNvPr id="14" name="Rectangle 13"/>
-          <p:cNvSpPr/>
-          <p:nvPr/>
-        </p:nvSpPr>
-        <p:spPr>
-          <a:xfrm>
-            <a:off x="2135036" y="2241746"/>
-            <a:ext cx="7924247" cy="3046988"/>
-          </a:xfrm>
-          <a:prstGeom prst="rect">
-            <a:avLst/>
-          </a:prstGeom>
-        </p:spPr>
-        <p:txBody>
-          <a:bodyPr wrap="square">
-            <a:spAutoFit/>
-          </a:bodyPr>
-          <a:lstStyle/>
-          <a:p>
-            <a:pPr lvl="0" algn="ctr"/>
-            <a:r>
-              <a:rPr lang="en-US" sz="4800" dirty="0" err="1" smtClean="0">
-                <a:solidFill>
-                  <a:schemeClr val="tx1">
-                    <a:lumMod val="65000"/>
-                    <a:lumOff val="35000"/>
-                  </a:schemeClr>
-                </a:solidFill>
-                <a:latin typeface="Segoe UI Light"/>
-                <a:cs typeface="Segoe UI Light"/>
-              </a:rPr>
-              <a:t>Concurso</a:t>
-            </a:r>
-            <a:r>
-              <a:rPr lang="en-US" sz="4800" dirty="0" smtClean="0">
-                <a:solidFill>
-                  <a:schemeClr val="tx1">
-                    <a:lumMod val="65000"/>
-                    <a:lumOff val="35000"/>
-                  </a:schemeClr>
-                </a:solidFill>
-                <a:latin typeface="Segoe UI Light"/>
-                <a:cs typeface="Segoe UI Light"/>
-              </a:rPr>
-              <a:t> </a:t>
-            </a:r>
-            <a:r>
-              <a:rPr lang="en-US" sz="4800" dirty="0" err="1" smtClean="0">
-                <a:solidFill>
-                  <a:schemeClr val="tx1">
-                    <a:lumMod val="65000"/>
-                    <a:lumOff val="35000"/>
-                  </a:schemeClr>
-                </a:solidFill>
-                <a:latin typeface="Segoe UI Light"/>
-                <a:cs typeface="Segoe UI Light"/>
-              </a:rPr>
-              <a:t>en</a:t>
-            </a:r>
-            <a:r>
-              <a:rPr lang="en-US" sz="4800" dirty="0" smtClean="0">
-                <a:solidFill>
-                  <a:schemeClr val="tx1">
-                    <a:lumMod val="65000"/>
-                    <a:lumOff val="35000"/>
-                  </a:schemeClr>
-                </a:solidFill>
-                <a:latin typeface="Segoe UI Light"/>
-                <a:cs typeface="Segoe UI Light"/>
-              </a:rPr>
-              <a:t> el que </a:t>
-            </a:r>
-            <a:r>
-              <a:rPr lang="en-US" sz="4800" dirty="0" err="1" smtClean="0">
-                <a:solidFill>
-                  <a:srgbClr val="48B3CA"/>
-                </a:solidFill>
-                <a:latin typeface="Segoe UI" charset="0"/>
-                <a:ea typeface="Segoe UI" charset="0"/>
-                <a:cs typeface="Segoe UI" charset="0"/>
-              </a:rPr>
-              <a:t>sorteamos</a:t>
-            </a:r>
-            <a:r>
-              <a:rPr lang="en-US" sz="4800" dirty="0" smtClean="0">
-                <a:solidFill>
-                  <a:schemeClr val="tx1">
-                    <a:lumMod val="65000"/>
-                    <a:lumOff val="35000"/>
-                  </a:schemeClr>
-                </a:solidFill>
-                <a:latin typeface="Segoe UI Light"/>
-                <a:cs typeface="Segoe UI Light"/>
-              </a:rPr>
-              <a:t> </a:t>
-            </a:r>
-            <a:r>
-              <a:rPr lang="en-US" sz="4800" dirty="0" err="1" smtClean="0">
-                <a:solidFill>
-                  <a:srgbClr val="90CA47"/>
-                </a:solidFill>
-                <a:latin typeface="Segoe UI" charset="0"/>
-                <a:ea typeface="Segoe UI" charset="0"/>
-                <a:cs typeface="Segoe UI" charset="0"/>
-              </a:rPr>
-              <a:t>regalos</a:t>
-            </a:r>
-            <a:r>
-              <a:rPr lang="en-US" sz="4800" dirty="0" smtClean="0">
-                <a:solidFill>
-                  <a:schemeClr val="tx1">
-                    <a:lumMod val="65000"/>
-                    <a:lumOff val="35000"/>
-                  </a:schemeClr>
-                </a:solidFill>
-                <a:latin typeface="Segoe UI Light"/>
-                <a:cs typeface="Segoe UI Light"/>
-              </a:rPr>
-              <a:t> y la </a:t>
-            </a:r>
-            <a:r>
-              <a:rPr lang="en-US" sz="4800" dirty="0" err="1" smtClean="0">
-                <a:solidFill>
-                  <a:srgbClr val="9377CE"/>
-                </a:solidFill>
-                <a:latin typeface="Segoe UI" charset="0"/>
-                <a:ea typeface="Segoe UI" charset="0"/>
-                <a:cs typeface="Segoe UI" charset="0"/>
-              </a:rPr>
-              <a:t>subscripción</a:t>
-            </a:r>
-            <a:r>
-              <a:rPr lang="en-US" sz="4800" dirty="0" smtClean="0">
-                <a:solidFill>
-                  <a:srgbClr val="9377CE"/>
-                </a:solidFill>
-                <a:latin typeface="Segoe UI" charset="0"/>
-                <a:ea typeface="Segoe UI" charset="0"/>
-                <a:cs typeface="Segoe UI" charset="0"/>
-              </a:rPr>
-              <a:t> </a:t>
-            </a:r>
-            <a:r>
-              <a:rPr lang="en-US" sz="4800" dirty="0" err="1" smtClean="0">
-                <a:solidFill>
-                  <a:srgbClr val="9377CE"/>
-                </a:solidFill>
-                <a:latin typeface="Segoe UI" charset="0"/>
-                <a:ea typeface="Segoe UI" charset="0"/>
-                <a:cs typeface="Segoe UI" charset="0"/>
-              </a:rPr>
-              <a:t>anual</a:t>
-            </a:r>
-            <a:r>
-              <a:rPr lang="en-US" sz="4800" dirty="0" smtClean="0">
-                <a:solidFill>
-                  <a:srgbClr val="9377CE"/>
-                </a:solidFill>
-                <a:latin typeface="Segoe UI" charset="0"/>
-                <a:ea typeface="Segoe UI" charset="0"/>
-                <a:cs typeface="Segoe UI" charset="0"/>
-              </a:rPr>
-              <a:t> </a:t>
-            </a:r>
-            <a:r>
-              <a:rPr lang="en-US" sz="4800" dirty="0" smtClean="0">
-                <a:solidFill>
-                  <a:schemeClr val="tx1">
-                    <a:lumMod val="65000"/>
-                    <a:lumOff val="35000"/>
-                  </a:schemeClr>
-                </a:solidFill>
-                <a:latin typeface="Segoe UI Light"/>
-                <a:cs typeface="Segoe UI Light"/>
-              </a:rPr>
-              <a:t>para Android e iOS.</a:t>
-            </a:r>
-            <a:endParaRPr lang="en-US" sz="4800" kern="0" dirty="0">
-              <a:solidFill>
-                <a:schemeClr val="tx1">
-                  <a:lumMod val="65000"/>
-                  <a:lumOff val="35000"/>
-                </a:schemeClr>
-              </a:solidFill>
-              <a:latin typeface="Segoe UI Light"/>
-              <a:ea typeface="Segoe UI" pitchFamily="34" charset="0"/>
-              <a:cs typeface="Segoe UI Light"/>
-            </a:endParaRPr>
-          </a:p>
-        </p:txBody>
-      </p:sp>
-      <p:pic>
-        <p:nvPicPr>
-          <p:cNvPr id="6" name="Picture 5"/>
-          <p:cNvPicPr>
-            <a:picLocks noChangeAspect="1"/>
-          </p:cNvPicPr>
-          <p:nvPr/>
-        </p:nvPicPr>
-        <p:blipFill>
-          <a:blip r:embed="rId3">
-            <a:extLst>
-              <a:ext uri="{28A0092B-C50C-407E-A947-70E740481C1C}">
-                <a14:useLocalDpi xmlns:a14="http://schemas.microsoft.com/office/drawing/2010/main" val="0"/>
-              </a:ext>
-            </a:extLst>
-          </a:blip>
-          <a:stretch>
-            <a:fillRect/>
-          </a:stretch>
-        </p:blipFill>
-        <p:spPr>
-          <a:xfrm>
-            <a:off x="13131539" y="150829"/>
-            <a:ext cx="7909677" cy="6858000"/>
-          </a:xfrm>
-          <a:prstGeom prst="rect">
-            <a:avLst/>
-          </a:prstGeom>
-        </p:spPr>
-      </p:pic>
-      <p:sp>
-        <p:nvSpPr>
-          <p:cNvPr id="7" name="Title 22"/>
-          <p:cNvSpPr>
-            <a:spLocks noGrp="1"/>
-          </p:cNvSpPr>
-          <p:nvPr>
-            <p:ph type="title"/>
-          </p:nvPr>
-        </p:nvSpPr>
-        <p:spPr/>
-        <p:txBody>
-          <a:bodyPr/>
-          <a:lstStyle/>
-          <a:p>
-            <a:r>
-              <a:rPr lang="en-US" dirty="0" smtClean="0">
-                <a:solidFill>
-                  <a:srgbClr val="06AED0"/>
-                </a:solidFill>
-              </a:rPr>
-              <a:t>¿</a:t>
-            </a:r>
-            <a:r>
-              <a:rPr lang="en-US" dirty="0" err="1" smtClean="0">
-                <a:solidFill>
-                  <a:srgbClr val="06AED0"/>
-                </a:solidFill>
-              </a:rPr>
-              <a:t>En</a:t>
-            </a:r>
-            <a:r>
-              <a:rPr lang="en-US" dirty="0" smtClean="0">
-                <a:solidFill>
-                  <a:srgbClr val="06AED0"/>
-                </a:solidFill>
-              </a:rPr>
-              <a:t> </a:t>
-            </a:r>
-            <a:r>
-              <a:rPr lang="en-US" dirty="0" err="1" smtClean="0">
-                <a:solidFill>
-                  <a:srgbClr val="06AED0"/>
-                </a:solidFill>
-              </a:rPr>
-              <a:t>qué</a:t>
-            </a:r>
-            <a:r>
-              <a:rPr lang="en-US" dirty="0" smtClean="0">
-                <a:solidFill>
-                  <a:srgbClr val="06AED0"/>
-                </a:solidFill>
-              </a:rPr>
-              <a:t> </a:t>
-            </a:r>
-            <a:r>
-              <a:rPr lang="en-US" dirty="0" err="1" smtClean="0">
-                <a:solidFill>
-                  <a:srgbClr val="06AED0"/>
-                </a:solidFill>
-              </a:rPr>
-              <a:t>consiste</a:t>
-            </a:r>
-            <a:r>
-              <a:rPr lang="en-US" dirty="0" smtClean="0">
-                <a:solidFill>
-                  <a:srgbClr val="06AED0"/>
-                </a:solidFill>
-              </a:rPr>
-              <a:t>?</a:t>
-            </a:r>
-            <a:endParaRPr lang="en-US" dirty="0">
-              <a:solidFill>
-                <a:srgbClr val="06AED0"/>
-              </a:solidFill>
-            </a:endParaRPr>
-          </a:p>
-        </p:txBody>
-      </p:sp>
-    </p:spTree>
-    <p:extLst>
-      <p:ext uri="{BB962C8B-B14F-4D97-AF65-F5344CB8AC3E}">
-        <p14:creationId xmlns:p14="http://schemas.microsoft.com/office/powerpoint/2010/main" val="2015615358"/>
-      </p:ext>
-    </p:extLst>
-  </p:cSld>
-  <p:clrMapOvr>
-    <a:masterClrMapping/>
-  </p:clrMapOvr>
-  <p:transition>
-    <p:fade/>
-  </p:transition>
 </p:sld>
 </file>
 
@@ -9166,10 +11904,6 @@
               <a:rPr lang="en-US" dirty="0" smtClean="0"/>
               <a:t> el Desarrollo de Apps Xamarin?</a:t>
             </a:r>
-            <a:r>
-              <a:rPr lang="en-US" dirty="0" smtClean="0"/>
-              <a:t/>
-            </a:r>
             <a:br>
               <a:rPr lang="en-US" dirty="0" smtClean="0"/>
             </a:br>
@@ -9475,10 +12209,6 @@
               <a:rPr lang="en-US" sz="4000" dirty="0" smtClean="0"/>
               <a:t>?</a:t>
             </a:r>
-            <a:r>
-              <a:rPr lang="en-US" sz="4000" dirty="0" smtClean="0"/>
-              <a:t/>
-            </a:r>
             <a:br>
               <a:rPr lang="en-US" sz="4000" dirty="0" smtClean="0"/>
             </a:br>
@@ -9719,7 +12449,7 @@
         </p:nvSpPr>
         <p:spPr>
           <a:xfrm>
-            <a:off x="2057400" y="3581401"/>
+            <a:off x="1962150" y="3467100"/>
             <a:ext cx="7772400" cy="1470025"/>
           </a:xfrm>
         </p:spPr>
@@ -9738,7 +12468,7 @@
             </a:r>
             <a:r>
               <a:rPr lang="en-US" sz="4000" dirty="0" err="1" smtClean="0"/>
-              <a:t>Cuántos</a:t>
+              <a:t>Podemos</a:t>
             </a:r>
             <a:r>
               <a:rPr lang="en-US" sz="4000" dirty="0" smtClean="0"/>
@@ -9746,51 +12476,11 @@
             </a:r>
             <a:r>
               <a:rPr lang="en-US" sz="4000" dirty="0" err="1" smtClean="0"/>
-              <a:t>proyectos</a:t>
+              <a:t>desarrollar</a:t>
             </a:r>
             <a:r>
               <a:rPr lang="en-US" sz="4000" dirty="0" smtClean="0"/>
-              <a:t> (</a:t>
-            </a:r>
-            <a:r>
-              <a:rPr lang="en-US" sz="4000" dirty="0" err="1" smtClean="0"/>
-              <a:t>por</a:t>
-            </a:r>
-            <a:r>
-              <a:rPr lang="en-US" sz="4000" dirty="0" smtClean="0"/>
-              <a:t> </a:t>
-            </a:r>
-            <a:r>
-              <a:rPr lang="en-US" sz="4000" dirty="0" err="1" smtClean="0"/>
-              <a:t>defecto</a:t>
-            </a:r>
-            <a:r>
-              <a:rPr lang="en-US" sz="4000" dirty="0" smtClean="0"/>
-              <a:t>) </a:t>
-            </a:r>
-            <a:r>
-              <a:rPr lang="en-US" sz="4000" dirty="0" err="1" smtClean="0"/>
-              <a:t>componen</a:t>
-            </a:r>
-            <a:r>
-              <a:rPr lang="en-US" sz="4000" dirty="0" smtClean="0"/>
-              <a:t> </a:t>
-            </a:r>
-            <a:r>
-              <a:rPr lang="en-US" sz="4000" dirty="0" err="1" smtClean="0"/>
-              <a:t>una</a:t>
-            </a:r>
-            <a:r>
-              <a:rPr lang="en-US" sz="4000" dirty="0" smtClean="0"/>
-              <a:t> App </a:t>
-            </a:r>
-            <a:r>
-              <a:rPr lang="en-US" sz="4000" dirty="0" err="1" smtClean="0"/>
-              <a:t>Xamarin.Forms</a:t>
-            </a:r>
-            <a:r>
-              <a:rPr lang="en-US" sz="4000" dirty="0" smtClean="0"/>
-              <a:t>?</a:t>
+              <a:t> para el Apple Watch con Xamarin?</a:t>
             </a:r>
             <a:r>
               <a:rPr lang="en-US" sz="4000" dirty="0" smtClean="0"/>
@@ -9856,9 +12546,9 @@
               <a:rPr lang="en-US" sz="3200" b="1" dirty="0" smtClean="0">
                 <a:latin typeface="Calibri" pitchFamily="34" charset="0"/>
               </a:rPr>
-              <a:t>3</a:t>
-            </a:r>
-            <a:endParaRPr lang="en-US" sz="3200" b="1" dirty="0">
+              <a:t>Si</a:t>
+            </a:r>
+            <a:endParaRPr lang="en-US" sz="2000" b="1" dirty="0">
               <a:latin typeface="Calibri" pitchFamily="34" charset="0"/>
             </a:endParaRPr>
           </a:p>
@@ -9910,10 +12600,10 @@
               <a:t>. </a:t>
             </a:r>
             <a:r>
-              <a:rPr lang="en-US" sz="3600" b="1" dirty="0" smtClean="0">
+              <a:rPr lang="en-US" sz="2800" b="1" dirty="0" smtClean="0">
                 <a:latin typeface="Calibri" pitchFamily="34" charset="0"/>
               </a:rPr>
-              <a:t>4</a:t>
+              <a:t>No</a:t>
             </a:r>
             <a:endParaRPr lang="en-US" sz="2800" b="1" dirty="0">
               <a:latin typeface="Calibri" pitchFamily="34" charset="0"/>
@@ -9924,7 +12614,7 @@
     </p:spTree>
     <p:extLst>
       <p:ext uri="{BB962C8B-B14F-4D97-AF65-F5344CB8AC3E}">
-        <p14:creationId xmlns:p14="http://schemas.microsoft.com/office/powerpoint/2010/main" val="2649550920"/>
+        <p14:creationId xmlns:p14="http://schemas.microsoft.com/office/powerpoint/2010/main" val="489788566"/>
       </p:ext>
     </p:extLst>
   </p:cSld>
@@ -9957,18 +12647,18 @@
                                     <p:cond delay="0"/>
                                   </p:stCondLst>
                                   <p:childTnLst>
-                                    <p:animMotion origin="layout" path="M 5E-6 -3.33333E-6 L -0.29232 0.39699 " pathEditMode="relative" rAng="0" ptsTypes="AA">
+                                    <p:animMotion origin="layout" path="M 5E-6 -3.33333E-6 L 0.0043 0.36968 " pathEditMode="relative" rAng="0" ptsTypes="AA">
                                       <p:cBhvr>
                                         <p:cTn id="6" dur="2000" fill="hold"/>
                                         <p:tgtEl>
-                                          <p:spTgt spid="5"/>
+                                          <p:spTgt spid="4"/>
                                         </p:tgtEl>
                                         <p:attrNameLst>
                                           <p:attrName>ppt_x</p:attrName>
                                           <p:attrName>ppt_y</p:attrName>
                                         </p:attrNameLst>
                                       </p:cBhvr>
-                                      <p:rCtr x="-14622" y="19838"/>
+                                      <p:rCtr x="208" y="18472"/>
                                     </p:animMotion>
                                   </p:childTnLst>
                                 </p:cTn>
@@ -10001,7 +12691,7 @@
       </p:par>
     </p:tnLst>
     <p:bldLst>
-      <p:bldP spid="5" grpId="0" animBg="1"/>
+      <p:bldP spid="4" grpId="0" animBg="1"/>
     </p:bldLst>
   </p:timing>
 </p:sld>
@@ -10036,7 +12726,7 @@
         </p:nvSpPr>
         <p:spPr>
           <a:xfrm>
-            <a:off x="2057400" y="3581401"/>
+            <a:off x="1962150" y="3467100"/>
             <a:ext cx="7772400" cy="1470025"/>
           </a:xfrm>
         </p:spPr>
@@ -10051,15 +12741,23 @@
             </a:pPr>
             <a:r>
               <a:rPr lang="en-US" sz="4000" dirty="0" smtClean="0"/>
-              <a:t>¿Vistas </a:t>
+              <a:t>¿</a:t>
             </a:r>
             <a:r>
               <a:rPr lang="en-US" sz="4000" dirty="0" err="1" smtClean="0"/>
-              <a:t>nativas</a:t>
+              <a:t>Podemos</a:t>
             </a:r>
             <a:r>
               <a:rPr lang="en-US" sz="4000" dirty="0" smtClean="0"/>
-              <a:t>?</a:t>
+              <a:t> </a:t>
+            </a:r>
+            <a:r>
+              <a:rPr lang="en-US" sz="4000" dirty="0" err="1" smtClean="0"/>
+              <a:t>desarrollar</a:t>
+            </a:r>
+            <a:r>
+              <a:rPr lang="en-US" sz="4000" dirty="0" smtClean="0"/>
+              <a:t> para la Microsoft Band con Xamarin?</a:t>
             </a:r>
             <a:r>
               <a:rPr lang="en-US" sz="4000" dirty="0" smtClean="0"/>
@@ -10122,12 +12820,12 @@
               <a:t>. </a:t>
             </a:r>
             <a:r>
-              <a:rPr lang="en-US" sz="2400" b="1" dirty="0" err="1" smtClean="0">
+              <a:rPr lang="en-US" sz="3200" b="1" dirty="0" smtClean="0">
                 <a:latin typeface="Calibri" pitchFamily="34" charset="0"/>
               </a:rPr>
-              <a:t>Xamarin.Forms</a:t>
-            </a:r>
-            <a:endParaRPr lang="en-US" sz="2400" b="1" dirty="0">
+              <a:t>Si</a:t>
+            </a:r>
+            <a:endParaRPr lang="en-US" sz="2000" b="1" dirty="0">
               <a:latin typeface="Calibri" pitchFamily="34" charset="0"/>
             </a:endParaRPr>
           </a:p>
@@ -10179,10 +12877,10 @@
               <a:t>. </a:t>
             </a:r>
             <a:r>
-              <a:rPr lang="en-US" sz="2400" b="1" dirty="0" smtClean="0">
+              <a:rPr lang="en-US" sz="2800" b="1" dirty="0" smtClean="0">
                 <a:latin typeface="Calibri" pitchFamily="34" charset="0"/>
               </a:rPr>
-              <a:t>Xamarin Classic</a:t>
+              <a:t>No</a:t>
             </a:r>
             <a:endParaRPr lang="en-US" sz="2800" b="1" dirty="0">
               <a:latin typeface="Calibri" pitchFamily="34" charset="0"/>
@@ -10193,7 +12891,7 @@
     </p:spTree>
     <p:extLst>
       <p:ext uri="{BB962C8B-B14F-4D97-AF65-F5344CB8AC3E}">
-        <p14:creationId xmlns:p14="http://schemas.microsoft.com/office/powerpoint/2010/main" val="3744662631"/>
+        <p14:creationId xmlns:p14="http://schemas.microsoft.com/office/powerpoint/2010/main" val="2939384080"/>
       </p:ext>
     </p:extLst>
   </p:cSld>
@@ -10226,18 +12924,18 @@
                                     <p:cond delay="0"/>
                                   </p:stCondLst>
                                   <p:childTnLst>
-                                    <p:animMotion origin="layout" path="M 5E-6 -3.33333E-6 L -0.29232 0.39699 " pathEditMode="relative" rAng="0" ptsTypes="AA">
+                                    <p:animMotion origin="layout" path="M 5E-6 -3.33333E-6 L 0.0043 0.36968 " pathEditMode="relative" rAng="0" ptsTypes="AA">
                                       <p:cBhvr>
                                         <p:cTn id="6" dur="2000" fill="hold"/>
                                         <p:tgtEl>
-                                          <p:spTgt spid="5"/>
+                                          <p:spTgt spid="4"/>
                                         </p:tgtEl>
                                         <p:attrNameLst>
                                           <p:attrName>ppt_x</p:attrName>
                                           <p:attrName>ppt_y</p:attrName>
                                         </p:attrNameLst>
                                       </p:cBhvr>
-                                      <p:rCtr x="-14622" y="19838"/>
+                                      <p:rCtr x="208" y="18472"/>
                                     </p:animMotion>
                                   </p:childTnLst>
                                 </p:cTn>
@@ -10270,7 +12968,7 @@
       </p:par>
     </p:tnLst>
     <p:bldLst>
-      <p:bldP spid="5" grpId="0" animBg="1"/>
+      <p:bldP spid="4" grpId="0" animBg="1"/>
     </p:bldLst>
   </p:timing>
 </p:sld>
@@ -10311,7 +13009,7 @@
         </p:spPr>
         <p:txBody>
           <a:bodyPr rtlCol="0">
-            <a:normAutofit fontScale="90000"/>
+            <a:noAutofit/>
           </a:bodyPr>
           <a:lstStyle/>
           <a:p>
@@ -10319,49 +13017,73 @@
               <a:defRPr/>
             </a:pPr>
             <a:r>
-              <a:rPr lang="en-US" dirty="0" smtClean="0"/>
+              <a:rPr lang="en-US" sz="4000" dirty="0" smtClean="0"/>
               <a:t>¿</a:t>
             </a:r>
             <a:r>
-              <a:rPr lang="en-US" dirty="0" err="1" smtClean="0"/>
-              <a:t>Cómo</a:t>
-            </a:r>
-            <a:r>
-              <a:rPr lang="en-US" dirty="0" smtClean="0"/>
+              <a:rPr lang="en-US" sz="4000" dirty="0" err="1" smtClean="0"/>
+              <a:t>Cuántos</a:t>
+            </a:r>
+            <a:r>
+              <a:rPr lang="en-US" sz="4000" dirty="0" smtClean="0"/>
               <a:t> </a:t>
             </a:r>
             <a:r>
-              <a:rPr lang="en-US" dirty="0" err="1" smtClean="0"/>
-              <a:t>añadimos</a:t>
-            </a:r>
-            <a:r>
-              <a:rPr lang="en-US" dirty="0" smtClean="0"/>
+              <a:rPr lang="en-US" sz="4000" dirty="0" err="1" smtClean="0"/>
+              <a:t>proyectos</a:t>
+            </a:r>
+            <a:r>
+              <a:rPr lang="en-US" sz="4000" dirty="0" smtClean="0"/>
+              <a:t> (</a:t>
+            </a:r>
+            <a:r>
+              <a:rPr lang="en-US" sz="4000" dirty="0" err="1" smtClean="0"/>
+              <a:t>por</a:t>
+            </a:r>
+            <a:r>
+              <a:rPr lang="en-US" sz="4000" dirty="0" smtClean="0"/>
               <a:t> </a:t>
             </a:r>
             <a:r>
-              <a:rPr lang="en-US" dirty="0" err="1" smtClean="0"/>
-              <a:t>compilación</a:t>
-            </a:r>
-            <a:r>
-              <a:rPr lang="en-US" dirty="0" smtClean="0"/>
-              <a:t> XAML </a:t>
-            </a:r>
-            <a:r>
-              <a:rPr lang="en-US" dirty="0" err="1" smtClean="0"/>
-              <a:t>en</a:t>
-            </a:r>
-            <a:r>
-              <a:rPr lang="en-US" dirty="0" smtClean="0"/>
-              <a:t> Proyecto UWP XF2.0?</a:t>
+              <a:rPr lang="en-US" sz="4000" dirty="0" err="1" smtClean="0"/>
+              <a:t>defecto</a:t>
+            </a:r>
+            <a:r>
+              <a:rPr lang="en-US" sz="4000" dirty="0" smtClean="0"/>
+              <a:t>) </a:t>
+            </a:r>
+            <a:r>
+              <a:rPr lang="en-US" sz="4000" dirty="0" err="1" smtClean="0"/>
+              <a:t>componen</a:t>
+            </a:r>
+            <a:r>
+              <a:rPr lang="en-US" sz="4000" dirty="0" smtClean="0"/>
+              <a:t> </a:t>
+            </a:r>
+            <a:r>
+              <a:rPr lang="en-US" sz="4000" dirty="0" err="1" smtClean="0"/>
+              <a:t>una</a:t>
+            </a:r>
+            <a:r>
+              <a:rPr lang="en-US" sz="4000" dirty="0" smtClean="0"/>
+              <a:t> App </a:t>
+            </a:r>
+            <a:r>
+              <a:rPr lang="en-US" sz="4000" dirty="0" err="1" smtClean="0"/>
+              <a:t>Xamarin.Forms</a:t>
+            </a:r>
+            <a:r>
+              <a:rPr lang="en-US" sz="4000" dirty="0" smtClean="0"/>
+              <a:t>?</a:t>
             </a:r>
             <a:br>
-              <a:rPr lang="en-US" dirty="0" smtClean="0"/>
+              <a:rPr lang="en-US" sz="4000" dirty="0" smtClean="0"/>
             </a:br>
             <a:r>
-              <a:rPr lang="en-US" dirty="0" smtClean="0"/>
+              <a:rPr lang="en-US" sz="4000" dirty="0" smtClean="0"/>
               <a:t>____________________</a:t>
             </a:r>
-            <a:endParaRPr lang="en-US" dirty="0"/>
+            <a:endParaRPr lang="en-US" sz="4000" dirty="0"/>
           </a:p>
         </p:txBody>
       </p:sp>
@@ -10411,12 +13133,12 @@
               <a:t>. </a:t>
             </a:r>
             <a:r>
-              <a:rPr lang="en-US" sz="2000" b="1" dirty="0" err="1" smtClean="0">
+              <a:rPr lang="en-US" sz="3200" b="1" dirty="0" smtClean="0">
                 <a:latin typeface="Calibri" pitchFamily="34" charset="0"/>
               </a:rPr>
-              <a:t>XamlCompilation</a:t>
-            </a:r>
-            <a:endParaRPr lang="en-US" sz="2000" b="1" dirty="0">
+              <a:t>3</a:t>
+            </a:r>
+            <a:endParaRPr lang="en-US" sz="3200" b="1" dirty="0">
               <a:latin typeface="Calibri" pitchFamily="34" charset="0"/>
             </a:endParaRPr>
           </a:p>
@@ -10465,19 +13187,7 @@
               <a:rPr lang="en-US" sz="3600" b="1" dirty="0" smtClean="0">
                 <a:latin typeface="Calibri" pitchFamily="34" charset="0"/>
               </a:rPr>
-              <a:t>. </a:t>
-            </a:r>
-            <a:r>
-              <a:rPr lang="en-US" sz="2800" b="1" dirty="0" smtClean="0">
-                <a:latin typeface="Calibri" pitchFamily="34" charset="0"/>
-              </a:rPr>
-              <a:t>No se </a:t>
-            </a:r>
-            <a:r>
-              <a:rPr lang="en-US" sz="2800" b="1" dirty="0" err="1" smtClean="0">
-                <a:latin typeface="Calibri" pitchFamily="34" charset="0"/>
-              </a:rPr>
-              <a:t>puede</a:t>
+              <a:t>. 4</a:t>
             </a:r>
             <a:endParaRPr lang="en-US" sz="2800" b="1" dirty="0">
               <a:latin typeface="Calibri" pitchFamily="34" charset="0"/>
@@ -10488,7 +13198,7 @@
     </p:spTree>
     <p:extLst>
       <p:ext uri="{BB962C8B-B14F-4D97-AF65-F5344CB8AC3E}">
-        <p14:creationId xmlns:p14="http://schemas.microsoft.com/office/powerpoint/2010/main" val="1237968091"/>
+        <p14:creationId xmlns:p14="http://schemas.microsoft.com/office/powerpoint/2010/main" val="2649550920"/>
       </p:ext>
     </p:extLst>
   </p:cSld>
@@ -10606,7 +13316,7 @@
         </p:spPr>
         <p:txBody>
           <a:bodyPr rtlCol="0">
-            <a:normAutofit fontScale="90000"/>
+            <a:noAutofit/>
           </a:bodyPr>
           <a:lstStyle/>
           <a:p>
@@ -10614,41 +13324,25 @@
               <a:defRPr/>
             </a:pPr>
             <a:r>
-              <a:rPr lang="en-US" dirty="0" smtClean="0"/>
-              <a:t>¿</a:t>
-            </a:r>
-            <a:r>
-              <a:rPr lang="en-US" dirty="0" err="1" smtClean="0"/>
-              <a:t>Cómo</a:t>
-            </a:r>
-            <a:r>
-              <a:rPr lang="en-US" dirty="0" smtClean="0"/>
-              <a:t> se </a:t>
-            </a:r>
-            <a:r>
-              <a:rPr lang="en-US" dirty="0" err="1" smtClean="0"/>
-              <a:t>comunica</a:t>
-            </a:r>
-            <a:r>
-              <a:rPr lang="en-US" dirty="0" smtClean="0"/>
-              <a:t> VS con Mac </a:t>
-            </a:r>
-            <a:r>
-              <a:rPr lang="en-US" dirty="0" err="1" smtClean="0"/>
-              <a:t>vía</a:t>
-            </a:r>
-            <a:r>
-              <a:rPr lang="en-US" dirty="0" smtClean="0"/>
-              <a:t> Mac Build Host?</a:t>
+              <a:rPr lang="en-US" sz="4000" dirty="0" smtClean="0"/>
+              <a:t>¿Vistas </a:t>
+            </a:r>
+            <a:r>
+              <a:rPr lang="en-US" sz="4000" dirty="0" err="1" smtClean="0"/>
+              <a:t>nativas</a:t>
+            </a:r>
+            <a:r>
+              <a:rPr lang="en-US" sz="4000" dirty="0" smtClean="0"/>
+              <a:t>?</a:t>
             </a:r>
             <a:br>
-              <a:rPr lang="en-US" dirty="0" smtClean="0"/>
+              <a:rPr lang="en-US" sz="4000" dirty="0" smtClean="0"/>
             </a:br>
             <a:r>
-              <a:rPr lang="en-US" dirty="0" smtClean="0"/>
+              <a:rPr lang="en-US" sz="4000" dirty="0" smtClean="0"/>
               <a:t>____________________</a:t>
             </a:r>
-            <a:endParaRPr lang="en-US" dirty="0"/>
+            <a:endParaRPr lang="en-US" sz="4000" dirty="0"/>
           </a:p>
         </p:txBody>
       </p:sp>
@@ -10663,7 +13357,7 @@
         <p:spPr bwMode="auto">
           <a:xfrm>
             <a:off x="2514600" y="2006601"/>
-            <a:ext cx="2667000" cy="646113"/>
+            <a:ext cx="2667000" cy="646331"/>
           </a:xfrm>
           <a:prstGeom prst="rect">
             <a:avLst/>
@@ -10695,9 +13389,15 @@
               <a:rPr lang="en-US" sz="3600" b="1" dirty="0" smtClean="0">
                 <a:latin typeface="Calibri" pitchFamily="34" charset="0"/>
               </a:rPr>
-              <a:t>. HTTP</a:t>
-            </a:r>
-            <a:endParaRPr lang="en-US" sz="3600" b="1" dirty="0">
+              <a:t>. </a:t>
+            </a:r>
+            <a:r>
+              <a:rPr lang="en-US" sz="2400" b="1" dirty="0" err="1" smtClean="0">
+                <a:latin typeface="Calibri" pitchFamily="34" charset="0"/>
+              </a:rPr>
+              <a:t>Xamarin.Forms</a:t>
+            </a:r>
+            <a:endParaRPr lang="en-US" sz="2400" b="1" dirty="0">
               <a:latin typeface="Calibri" pitchFamily="34" charset="0"/>
             </a:endParaRPr>
           </a:p>
@@ -10714,7 +13414,7 @@
         <p:spPr bwMode="auto">
           <a:xfrm>
             <a:off x="5791200" y="2006601"/>
-            <a:ext cx="2667000" cy="646113"/>
+            <a:ext cx="2667000" cy="646331"/>
           </a:xfrm>
           <a:prstGeom prst="rect">
             <a:avLst/>
@@ -10746,9 +13446,15 @@
               <a:rPr lang="en-US" sz="3600" b="1" dirty="0" smtClean="0">
                 <a:latin typeface="Calibri" pitchFamily="34" charset="0"/>
               </a:rPr>
-              <a:t>. SSH</a:t>
-            </a:r>
-            <a:endParaRPr lang="en-US" sz="3600" b="1" dirty="0">
+              <a:t>. </a:t>
+            </a:r>
+            <a:r>
+              <a:rPr lang="en-US" sz="2400" b="1" dirty="0" smtClean="0">
+                <a:latin typeface="Calibri" pitchFamily="34" charset="0"/>
+              </a:rPr>
+              <a:t>Xamarin Classic</a:t>
+            </a:r>
+            <a:endParaRPr lang="en-US" sz="2800" b="1" dirty="0">
               <a:latin typeface="Calibri" pitchFamily="34" charset="0"/>
             </a:endParaRPr>
           </a:p>
@@ -10757,7 +13463,7 @@
     </p:spTree>
     <p:extLst>
       <p:ext uri="{BB962C8B-B14F-4D97-AF65-F5344CB8AC3E}">
-        <p14:creationId xmlns:p14="http://schemas.microsoft.com/office/powerpoint/2010/main" val="1725259876"/>
+        <p14:creationId xmlns:p14="http://schemas.microsoft.com/office/powerpoint/2010/main" val="3744662631"/>
       </p:ext>
     </p:extLst>
   </p:cSld>
@@ -10790,7 +13496,7 @@
                                     <p:cond delay="0"/>
                                   </p:stCondLst>
                                   <p:childTnLst>
-                                    <p:animMotion origin="layout" path="M 5E-6 -3.33333E-6 L -0.29766 0.39699 " pathEditMode="relative" rAng="0" ptsTypes="AA">
+                                    <p:animMotion origin="layout" path="M 5E-6 -3.33333E-6 L -0.29232 0.39699 " pathEditMode="relative" rAng="0" ptsTypes="AA">
                                       <p:cBhvr>
                                         <p:cTn id="6" dur="2000" fill="hold"/>
                                         <p:tgtEl>
@@ -10801,7 +13507,7 @@
                                           <p:attrName>ppt_y</p:attrName>
                                         </p:attrNameLst>
                                       </p:cBhvr>
-                                      <p:rCtr x="-14883" y="19838"/>
+                                      <p:rCtr x="-14622" y="19838"/>
                                     </p:animMotion>
                                   </p:childTnLst>
                                 </p:cTn>

--- a/Xamarin 4 Party/03. Xamarin 4 Contest.pptx
+++ b/Xamarin 4 Party/03. Xamarin 4 Contest.pptx
@@ -5,7 +5,7 @@
     <p:sldMasterId id="2147483660" r:id="rId1"/>
   </p:sldMasterIdLst>
   <p:notesMasterIdLst>
-    <p:notesMasterId r:id="rId29"/>
+    <p:notesMasterId r:id="rId37"/>
   </p:notesMasterIdLst>
   <p:sldIdLst>
     <p:sldId id="380" r:id="rId2"/>
@@ -14,27 +14,35 @@
     <p:sldId id="424" r:id="rId5"/>
     <p:sldId id="425" r:id="rId6"/>
     <p:sldId id="431" r:id="rId7"/>
-    <p:sldId id="432" r:id="rId8"/>
-    <p:sldId id="426" r:id="rId9"/>
-    <p:sldId id="427" r:id="rId10"/>
-    <p:sldId id="412" r:id="rId11"/>
-    <p:sldId id="413" r:id="rId12"/>
-    <p:sldId id="415" r:id="rId13"/>
-    <p:sldId id="416" r:id="rId14"/>
-    <p:sldId id="417" r:id="rId15"/>
-    <p:sldId id="433" r:id="rId16"/>
-    <p:sldId id="419" r:id="rId17"/>
-    <p:sldId id="420" r:id="rId18"/>
+    <p:sldId id="438" r:id="rId8"/>
+    <p:sldId id="432" r:id="rId9"/>
+    <p:sldId id="426" r:id="rId10"/>
+    <p:sldId id="427" r:id="rId11"/>
+    <p:sldId id="412" r:id="rId12"/>
+    <p:sldId id="413" r:id="rId13"/>
+    <p:sldId id="415" r:id="rId14"/>
+    <p:sldId id="440" r:id="rId15"/>
+    <p:sldId id="416" r:id="rId16"/>
+    <p:sldId id="417" r:id="rId17"/>
+    <p:sldId id="433" r:id="rId18"/>
     <p:sldId id="421" r:id="rId19"/>
-    <p:sldId id="422" r:id="rId20"/>
-    <p:sldId id="423" r:id="rId21"/>
-    <p:sldId id="430" r:id="rId22"/>
-    <p:sldId id="435" r:id="rId23"/>
-    <p:sldId id="428" r:id="rId24"/>
-    <p:sldId id="429" r:id="rId25"/>
-    <p:sldId id="434" r:id="rId26"/>
-    <p:sldId id="418" r:id="rId27"/>
-    <p:sldId id="364" r:id="rId28"/>
+    <p:sldId id="419" r:id="rId20"/>
+    <p:sldId id="420" r:id="rId21"/>
+    <p:sldId id="422" r:id="rId22"/>
+    <p:sldId id="423" r:id="rId23"/>
+    <p:sldId id="430" r:id="rId24"/>
+    <p:sldId id="435" r:id="rId25"/>
+    <p:sldId id="428" r:id="rId26"/>
+    <p:sldId id="443" r:id="rId27"/>
+    <p:sldId id="429" r:id="rId28"/>
+    <p:sldId id="437" r:id="rId29"/>
+    <p:sldId id="434" r:id="rId30"/>
+    <p:sldId id="439" r:id="rId31"/>
+    <p:sldId id="441" r:id="rId32"/>
+    <p:sldId id="442" r:id="rId33"/>
+    <p:sldId id="436" r:id="rId34"/>
+    <p:sldId id="418" r:id="rId35"/>
+    <p:sldId id="364" r:id="rId36"/>
   </p:sldIdLst>
   <p:sldSz cx="12192000" cy="6858000"/>
   <p:notesSz cx="6858000" cy="9144000"/>
@@ -234,7 +242,7 @@
           <a:p>
             <a:fld id="{A334C884-B1D7-A043-A4AA-521744755A4B}" type="datetimeFigureOut">
               <a:rPr lang="en-US" smtClean="0"/>
-              <a:t>1/24/2016</a:t>
+              <a:t>1/26/2016</a:t>
             </a:fld>
             <a:endParaRPr lang="en-US"/>
           </a:p>
@@ -651,7 +659,7 @@
           <a:p>
             <a:fld id="{65097B6B-FF96-F443-AED4-FFB28983C4F8}" type="slidenum">
               <a:rPr lang="en-US" smtClean="0"/>
-              <a:t>21</a:t>
+              <a:t>22</a:t>
             </a:fld>
             <a:endParaRPr lang="en-US"/>
           </a:p>
@@ -660,7 +668,7 @@
     </p:spTree>
     <p:extLst>
       <p:ext uri="{BB962C8B-B14F-4D97-AF65-F5344CB8AC3E}">
-        <p14:creationId xmlns:p14="http://schemas.microsoft.com/office/powerpoint/2010/main" val="2958587650"/>
+        <p14:creationId xmlns:p14="http://schemas.microsoft.com/office/powerpoint/2010/main" val="3748314537"/>
       </p:ext>
     </p:extLst>
   </p:cSld>
@@ -714,10 +722,6 @@
           <a:bodyPr/>
           <a:lstStyle/>
           <a:p>
-            <a:r>
-              <a:rPr lang="es-ES" dirty="0" smtClean="0"/>
-              <a:t>C#, F#</a:t>
-            </a:r>
             <a:endParaRPr lang="es-ES" dirty="0"/>
           </a:p>
         </p:txBody>
@@ -739,7 +743,7 @@
           <a:p>
             <a:fld id="{65097B6B-FF96-F443-AED4-FFB28983C4F8}" type="slidenum">
               <a:rPr lang="en-US" smtClean="0"/>
-              <a:t>22</a:t>
+              <a:t>23</a:t>
             </a:fld>
             <a:endParaRPr lang="en-US"/>
           </a:p>
@@ -748,7 +752,7 @@
     </p:spTree>
     <p:extLst>
       <p:ext uri="{BB962C8B-B14F-4D97-AF65-F5344CB8AC3E}">
-        <p14:creationId xmlns:p14="http://schemas.microsoft.com/office/powerpoint/2010/main" val="330356996"/>
+        <p14:creationId xmlns:p14="http://schemas.microsoft.com/office/powerpoint/2010/main" val="2958587650"/>
       </p:ext>
     </p:extLst>
   </p:cSld>
@@ -802,6 +806,10 @@
           <a:bodyPr/>
           <a:lstStyle/>
           <a:p>
+            <a:r>
+              <a:rPr lang="es-ES" dirty="0" smtClean="0"/>
+              <a:t>C#, F#</a:t>
+            </a:r>
             <a:endParaRPr lang="es-ES" dirty="0"/>
           </a:p>
         </p:txBody>
@@ -823,7 +831,7 @@
           <a:p>
             <a:fld id="{65097B6B-FF96-F443-AED4-FFB28983C4F8}" type="slidenum">
               <a:rPr lang="en-US" smtClean="0"/>
-              <a:t>23</a:t>
+              <a:t>24</a:t>
             </a:fld>
             <a:endParaRPr lang="en-US"/>
           </a:p>
@@ -832,7 +840,7 @@
     </p:spTree>
     <p:extLst>
       <p:ext uri="{BB962C8B-B14F-4D97-AF65-F5344CB8AC3E}">
-        <p14:creationId xmlns:p14="http://schemas.microsoft.com/office/powerpoint/2010/main" val="1406305710"/>
+        <p14:creationId xmlns:p14="http://schemas.microsoft.com/office/powerpoint/2010/main" val="330356996"/>
       </p:ext>
     </p:extLst>
   </p:cSld>
@@ -907,7 +915,7 @@
           <a:p>
             <a:fld id="{65097B6B-FF96-F443-AED4-FFB28983C4F8}" type="slidenum">
               <a:rPr lang="en-US" smtClean="0"/>
-              <a:t>24</a:t>
+              <a:t>25</a:t>
             </a:fld>
             <a:endParaRPr lang="en-US"/>
           </a:p>
@@ -916,7 +924,7 @@
     </p:spTree>
     <p:extLst>
       <p:ext uri="{BB962C8B-B14F-4D97-AF65-F5344CB8AC3E}">
-        <p14:creationId xmlns:p14="http://schemas.microsoft.com/office/powerpoint/2010/main" val="3925983200"/>
+        <p14:creationId xmlns:p14="http://schemas.microsoft.com/office/powerpoint/2010/main" val="1406305710"/>
       </p:ext>
     </p:extLst>
   </p:cSld>
@@ -991,7 +999,7 @@
           <a:p>
             <a:fld id="{65097B6B-FF96-F443-AED4-FFB28983C4F8}" type="slidenum">
               <a:rPr lang="en-US" smtClean="0"/>
-              <a:t>25</a:t>
+              <a:t>26</a:t>
             </a:fld>
             <a:endParaRPr lang="en-US"/>
           </a:p>
@@ -1000,7 +1008,7 @@
     </p:spTree>
     <p:extLst>
       <p:ext uri="{BB962C8B-B14F-4D97-AF65-F5344CB8AC3E}">
-        <p14:creationId xmlns:p14="http://schemas.microsoft.com/office/powerpoint/2010/main" val="1127926441"/>
+        <p14:creationId xmlns:p14="http://schemas.microsoft.com/office/powerpoint/2010/main" val="3131668709"/>
       </p:ext>
     </p:extLst>
   </p:cSld>
@@ -1075,7 +1083,7 @@
           <a:p>
             <a:fld id="{65097B6B-FF96-F443-AED4-FFB28983C4F8}" type="slidenum">
               <a:rPr lang="en-US" smtClean="0"/>
-              <a:t>26</a:t>
+              <a:t>27</a:t>
             </a:fld>
             <a:endParaRPr lang="en-US"/>
           </a:p>
@@ -1084,7 +1092,7 @@
     </p:spTree>
     <p:extLst>
       <p:ext uri="{BB962C8B-B14F-4D97-AF65-F5344CB8AC3E}">
-        <p14:creationId xmlns:p14="http://schemas.microsoft.com/office/powerpoint/2010/main" val="1030376142"/>
+        <p14:creationId xmlns:p14="http://schemas.microsoft.com/office/powerpoint/2010/main" val="3925983200"/>
       </p:ext>
     </p:extLst>
   </p:cSld>
@@ -1138,18 +1146,18 @@
           <a:bodyPr/>
           <a:lstStyle/>
           <a:p>
-            <a:endParaRPr lang="en-US" dirty="0"/>
-          </a:p>
-        </p:txBody>
-      </p:sp>
-      <p:sp>
-        <p:nvSpPr>
-          <p:cNvPr id="4" name="Footer Placeholder 3"/>
+            <a:endParaRPr lang="es-ES" dirty="0"/>
+          </a:p>
+        </p:txBody>
+      </p:sp>
+      <p:sp>
+        <p:nvSpPr>
+          <p:cNvPr id="4" name="Slide Number Placeholder 3"/>
           <p:cNvSpPr>
             <a:spLocks noGrp="1"/>
           </p:cNvSpPr>
           <p:nvPr>
-            <p:ph type="ftr" sz="quarter" idx="10"/>
+            <p:ph type="sldNum" sz="quarter" idx="10"/>
           </p:nvPr>
         </p:nvSpPr>
         <p:spPr/>
@@ -1157,96 +1165,270 @@
           <a:bodyPr/>
           <a:lstStyle/>
           <a:p>
-            <a:pPr defTabSz="914099" eaLnBrk="0" hangingPunct="0"/>
-            <a:r>
-              <a:rPr lang="en-US" sz="400" smtClean="0">
-                <a:gradFill>
-                  <a:gsLst>
-                    <a:gs pos="0">
-                      <a:prstClr val="black"/>
-                    </a:gs>
-                    <a:gs pos="100000">
-                      <a:prstClr val="black"/>
-                    </a:gs>
-                  </a:gsLst>
-                  <a:lin ang="5400000" scaled="0"/>
-                </a:gradFill>
-                <a:latin typeface="Segoe UI" pitchFamily="34" charset="0"/>
-                <a:ea typeface="Segoe UI" pitchFamily="34" charset="0"/>
-                <a:cs typeface="Segoe UI" pitchFamily="34" charset="0"/>
-              </a:rPr>
-              <a:t>© 2014 Microsoft Corporation. All rights reserved. Microsoft, Windows, and other product names are or may be registered trademarks and/or trademarks in the U.S. and/or other countries. The information herein is for informational purposes only and represents the current view of Microsoft Corporation as of the date of this presentation.  Because Microsoft must respond to changing market conditions, it should not be interpreted to be a commitment on the part of Microsoft, and Microsoft cannot guarantee the accuracy of any information provided after the date of this presentation.  MICROSOFT MAKES NO WARRANTIES, EXPRESS, IMPLIED OR STATUTORY, AS TO THE INFORMATION IN THIS PRESENTATION.</a:t>
-            </a:r>
-            <a:endParaRPr lang="en-US" sz="400" dirty="0" smtClean="0">
-              <a:gradFill>
-                <a:gsLst>
-                  <a:gs pos="0">
-                    <a:prstClr val="black"/>
-                  </a:gs>
-                  <a:gs pos="100000">
-                    <a:prstClr val="black"/>
-                  </a:gs>
-                </a:gsLst>
-                <a:lin ang="5400000" scaled="0"/>
-              </a:gradFill>
-              <a:latin typeface="Segoe UI" pitchFamily="34" charset="0"/>
-              <a:ea typeface="Segoe UI" pitchFamily="34" charset="0"/>
-              <a:cs typeface="Segoe UI" pitchFamily="34" charset="0"/>
-            </a:endParaRPr>
-          </a:p>
-        </p:txBody>
-      </p:sp>
-      <p:sp>
-        <p:nvSpPr>
-          <p:cNvPr id="5" name="Date Placeholder 4"/>
-          <p:cNvSpPr>
-            <a:spLocks noGrp="1"/>
-          </p:cNvSpPr>
-          <p:nvPr>
-            <p:ph type="dt" idx="11"/>
-          </p:nvPr>
-        </p:nvSpPr>
-        <p:spPr/>
-        <p:txBody>
-          <a:bodyPr/>
-          <a:lstStyle/>
-          <a:p>
-            <a:fld id="{E74353ED-ACB2-44BF-A903-985B0AF962B7}" type="datetime1">
+            <a:fld id="{65097B6B-FF96-F443-AED4-FFB28983C4F8}" type="slidenum">
               <a:rPr lang="en-US" smtClean="0"/>
-              <a:t>1/24/2016</a:t>
+              <a:t>28</a:t>
             </a:fld>
-            <a:endParaRPr lang="en-US" dirty="0"/>
-          </a:p>
-        </p:txBody>
-      </p:sp>
-      <p:sp>
-        <p:nvSpPr>
-          <p:cNvPr id="6" name="Slide Number Placeholder 5"/>
-          <p:cNvSpPr>
-            <a:spLocks noGrp="1"/>
-          </p:cNvSpPr>
-          <p:nvPr>
-            <p:ph type="sldNum" sz="quarter" idx="12"/>
-          </p:nvPr>
-        </p:nvSpPr>
-        <p:spPr/>
-        <p:txBody>
-          <a:bodyPr/>
-          <a:lstStyle/>
-          <a:p>
-            <a:fld id="{B4008EB6-D09E-4580-8CD6-DDB14511944F}" type="slidenum">
-              <a:rPr lang="en-US" smtClean="0"/>
-              <a:pPr/>
-              <a:t>27</a:t>
-            </a:fld>
-            <a:endParaRPr lang="en-US" dirty="0"/>
+            <a:endParaRPr lang="en-US"/>
           </a:p>
         </p:txBody>
       </p:sp>
     </p:spTree>
     <p:extLst>
       <p:ext uri="{BB962C8B-B14F-4D97-AF65-F5344CB8AC3E}">
-        <p14:creationId xmlns:p14="http://schemas.microsoft.com/office/powerpoint/2010/main" val="1735079296"/>
+        <p14:creationId xmlns:p14="http://schemas.microsoft.com/office/powerpoint/2010/main" val="2630197523"/>
+      </p:ext>
+    </p:extLst>
+  </p:cSld>
+  <p:clrMapOvr>
+    <a:masterClrMapping/>
+  </p:clrMapOvr>
+</p:notes>
+</file>
+
+<file path=ppt/notesSlides/notesSlide17.xml><?xml version="1.0" encoding="utf-8"?>
+<p:notes xmlns:a="http://schemas.openxmlformats.org/drawingml/2006/main" xmlns:r="http://schemas.openxmlformats.org/officeDocument/2006/relationships" xmlns:p="http://schemas.openxmlformats.org/presentationml/2006/main">
+  <p:cSld>
+    <p:spTree>
+      <p:nvGrpSpPr>
+        <p:cNvPr id="1" name=""/>
+        <p:cNvGrpSpPr/>
+        <p:nvPr/>
+      </p:nvGrpSpPr>
+      <p:grpSpPr>
+        <a:xfrm>
+          <a:off x="0" y="0"/>
+          <a:ext cx="0" cy="0"/>
+          <a:chOff x="0" y="0"/>
+          <a:chExt cx="0" cy="0"/>
+        </a:xfrm>
+      </p:grpSpPr>
+      <p:sp>
+        <p:nvSpPr>
+          <p:cNvPr id="2" name="Slide Image Placeholder 1"/>
+          <p:cNvSpPr>
+            <a:spLocks noGrp="1" noRot="1" noChangeAspect="1"/>
+          </p:cNvSpPr>
+          <p:nvPr>
+            <p:ph type="sldImg"/>
+          </p:nvPr>
+        </p:nvSpPr>
+        <p:spPr/>
+      </p:sp>
+      <p:sp>
+        <p:nvSpPr>
+          <p:cNvPr id="3" name="Notes Placeholder 2"/>
+          <p:cNvSpPr>
+            <a:spLocks noGrp="1"/>
+          </p:cNvSpPr>
+          <p:nvPr>
+            <p:ph type="body" idx="1"/>
+          </p:nvPr>
+        </p:nvSpPr>
+        <p:spPr/>
+        <p:txBody>
+          <a:bodyPr/>
+          <a:lstStyle/>
+          <a:p>
+            <a:endParaRPr lang="es-ES" dirty="0"/>
+          </a:p>
+        </p:txBody>
+      </p:sp>
+      <p:sp>
+        <p:nvSpPr>
+          <p:cNvPr id="4" name="Slide Number Placeholder 3"/>
+          <p:cNvSpPr>
+            <a:spLocks noGrp="1"/>
+          </p:cNvSpPr>
+          <p:nvPr>
+            <p:ph type="sldNum" sz="quarter" idx="10"/>
+          </p:nvPr>
+        </p:nvSpPr>
+        <p:spPr/>
+        <p:txBody>
+          <a:bodyPr/>
+          <a:lstStyle/>
+          <a:p>
+            <a:fld id="{65097B6B-FF96-F443-AED4-FFB28983C4F8}" type="slidenum">
+              <a:rPr lang="en-US" smtClean="0"/>
+              <a:t>29</a:t>
+            </a:fld>
+            <a:endParaRPr lang="en-US"/>
+          </a:p>
+        </p:txBody>
+      </p:sp>
+    </p:spTree>
+    <p:extLst>
+      <p:ext uri="{BB962C8B-B14F-4D97-AF65-F5344CB8AC3E}">
+        <p14:creationId xmlns:p14="http://schemas.microsoft.com/office/powerpoint/2010/main" val="1127926441"/>
+      </p:ext>
+    </p:extLst>
+  </p:cSld>
+  <p:clrMapOvr>
+    <a:masterClrMapping/>
+  </p:clrMapOvr>
+</p:notes>
+</file>
+
+<file path=ppt/notesSlides/notesSlide18.xml><?xml version="1.0" encoding="utf-8"?>
+<p:notes xmlns:a="http://schemas.openxmlformats.org/drawingml/2006/main" xmlns:r="http://schemas.openxmlformats.org/officeDocument/2006/relationships" xmlns:p="http://schemas.openxmlformats.org/presentationml/2006/main">
+  <p:cSld>
+    <p:spTree>
+      <p:nvGrpSpPr>
+        <p:cNvPr id="1" name=""/>
+        <p:cNvGrpSpPr/>
+        <p:nvPr/>
+      </p:nvGrpSpPr>
+      <p:grpSpPr>
+        <a:xfrm>
+          <a:off x="0" y="0"/>
+          <a:ext cx="0" cy="0"/>
+          <a:chOff x="0" y="0"/>
+          <a:chExt cx="0" cy="0"/>
+        </a:xfrm>
+      </p:grpSpPr>
+      <p:sp>
+        <p:nvSpPr>
+          <p:cNvPr id="2" name="Slide Image Placeholder 1"/>
+          <p:cNvSpPr>
+            <a:spLocks noGrp="1" noRot="1" noChangeAspect="1"/>
+          </p:cNvSpPr>
+          <p:nvPr>
+            <p:ph type="sldImg"/>
+          </p:nvPr>
+        </p:nvSpPr>
+        <p:spPr/>
+      </p:sp>
+      <p:sp>
+        <p:nvSpPr>
+          <p:cNvPr id="3" name="Notes Placeholder 2"/>
+          <p:cNvSpPr>
+            <a:spLocks noGrp="1"/>
+          </p:cNvSpPr>
+          <p:nvPr>
+            <p:ph type="body" idx="1"/>
+          </p:nvPr>
+        </p:nvSpPr>
+        <p:spPr/>
+        <p:txBody>
+          <a:bodyPr/>
+          <a:lstStyle/>
+          <a:p>
+            <a:endParaRPr lang="es-ES" dirty="0"/>
+          </a:p>
+        </p:txBody>
+      </p:sp>
+      <p:sp>
+        <p:nvSpPr>
+          <p:cNvPr id="4" name="Slide Number Placeholder 3"/>
+          <p:cNvSpPr>
+            <a:spLocks noGrp="1"/>
+          </p:cNvSpPr>
+          <p:nvPr>
+            <p:ph type="sldNum" sz="quarter" idx="10"/>
+          </p:nvPr>
+        </p:nvSpPr>
+        <p:spPr/>
+        <p:txBody>
+          <a:bodyPr/>
+          <a:lstStyle/>
+          <a:p>
+            <a:fld id="{65097B6B-FF96-F443-AED4-FFB28983C4F8}" type="slidenum">
+              <a:rPr lang="en-US" smtClean="0"/>
+              <a:t>31</a:t>
+            </a:fld>
+            <a:endParaRPr lang="en-US"/>
+          </a:p>
+        </p:txBody>
+      </p:sp>
+    </p:spTree>
+    <p:extLst>
+      <p:ext uri="{BB962C8B-B14F-4D97-AF65-F5344CB8AC3E}">
+        <p14:creationId xmlns:p14="http://schemas.microsoft.com/office/powerpoint/2010/main" val="703030700"/>
+      </p:ext>
+    </p:extLst>
+  </p:cSld>
+  <p:clrMapOvr>
+    <a:masterClrMapping/>
+  </p:clrMapOvr>
+</p:notes>
+</file>
+
+<file path=ppt/notesSlides/notesSlide19.xml><?xml version="1.0" encoding="utf-8"?>
+<p:notes xmlns:a="http://schemas.openxmlformats.org/drawingml/2006/main" xmlns:r="http://schemas.openxmlformats.org/officeDocument/2006/relationships" xmlns:p="http://schemas.openxmlformats.org/presentationml/2006/main">
+  <p:cSld>
+    <p:spTree>
+      <p:nvGrpSpPr>
+        <p:cNvPr id="1" name=""/>
+        <p:cNvGrpSpPr/>
+        <p:nvPr/>
+      </p:nvGrpSpPr>
+      <p:grpSpPr>
+        <a:xfrm>
+          <a:off x="0" y="0"/>
+          <a:ext cx="0" cy="0"/>
+          <a:chOff x="0" y="0"/>
+          <a:chExt cx="0" cy="0"/>
+        </a:xfrm>
+      </p:grpSpPr>
+      <p:sp>
+        <p:nvSpPr>
+          <p:cNvPr id="2" name="Slide Image Placeholder 1"/>
+          <p:cNvSpPr>
+            <a:spLocks noGrp="1" noRot="1" noChangeAspect="1"/>
+          </p:cNvSpPr>
+          <p:nvPr>
+            <p:ph type="sldImg"/>
+          </p:nvPr>
+        </p:nvSpPr>
+        <p:spPr/>
+      </p:sp>
+      <p:sp>
+        <p:nvSpPr>
+          <p:cNvPr id="3" name="Notes Placeholder 2"/>
+          <p:cNvSpPr>
+            <a:spLocks noGrp="1"/>
+          </p:cNvSpPr>
+          <p:nvPr>
+            <p:ph type="body" idx="1"/>
+          </p:nvPr>
+        </p:nvSpPr>
+        <p:spPr/>
+        <p:txBody>
+          <a:bodyPr/>
+          <a:lstStyle/>
+          <a:p>
+            <a:endParaRPr lang="es-ES" dirty="0"/>
+          </a:p>
+        </p:txBody>
+      </p:sp>
+      <p:sp>
+        <p:nvSpPr>
+          <p:cNvPr id="4" name="Slide Number Placeholder 3"/>
+          <p:cNvSpPr>
+            <a:spLocks noGrp="1"/>
+          </p:cNvSpPr>
+          <p:nvPr>
+            <p:ph type="sldNum" sz="quarter" idx="10"/>
+          </p:nvPr>
+        </p:nvSpPr>
+        <p:spPr/>
+        <p:txBody>
+          <a:bodyPr/>
+          <a:lstStyle/>
+          <a:p>
+            <a:fld id="{65097B6B-FF96-F443-AED4-FFB28983C4F8}" type="slidenum">
+              <a:rPr lang="en-US" smtClean="0"/>
+              <a:t>32</a:t>
+            </a:fld>
+            <a:endParaRPr lang="en-US"/>
+          </a:p>
+        </p:txBody>
+      </p:sp>
+    </p:spTree>
+    <p:extLst>
+      <p:ext uri="{BB962C8B-B14F-4D97-AF65-F5344CB8AC3E}">
+        <p14:creationId xmlns:p14="http://schemas.microsoft.com/office/powerpoint/2010/main" val="3120227778"/>
       </p:ext>
     </p:extLst>
   </p:cSld>
@@ -1331,6 +1513,336 @@
     <p:extLst>
       <p:ext uri="{BB962C8B-B14F-4D97-AF65-F5344CB8AC3E}">
         <p14:creationId xmlns:p14="http://schemas.microsoft.com/office/powerpoint/2010/main" val="2040274128"/>
+      </p:ext>
+    </p:extLst>
+  </p:cSld>
+  <p:clrMapOvr>
+    <a:masterClrMapping/>
+  </p:clrMapOvr>
+</p:notes>
+</file>
+
+<file path=ppt/notesSlides/notesSlide20.xml><?xml version="1.0" encoding="utf-8"?>
+<p:notes xmlns:a="http://schemas.openxmlformats.org/drawingml/2006/main" xmlns:r="http://schemas.openxmlformats.org/officeDocument/2006/relationships" xmlns:p="http://schemas.openxmlformats.org/presentationml/2006/main">
+  <p:cSld>
+    <p:spTree>
+      <p:nvGrpSpPr>
+        <p:cNvPr id="1" name=""/>
+        <p:cNvGrpSpPr/>
+        <p:nvPr/>
+      </p:nvGrpSpPr>
+      <p:grpSpPr>
+        <a:xfrm>
+          <a:off x="0" y="0"/>
+          <a:ext cx="0" cy="0"/>
+          <a:chOff x="0" y="0"/>
+          <a:chExt cx="0" cy="0"/>
+        </a:xfrm>
+      </p:grpSpPr>
+      <p:sp>
+        <p:nvSpPr>
+          <p:cNvPr id="2" name="Slide Image Placeholder 1"/>
+          <p:cNvSpPr>
+            <a:spLocks noGrp="1" noRot="1" noChangeAspect="1"/>
+          </p:cNvSpPr>
+          <p:nvPr>
+            <p:ph type="sldImg"/>
+          </p:nvPr>
+        </p:nvSpPr>
+        <p:spPr/>
+      </p:sp>
+      <p:sp>
+        <p:nvSpPr>
+          <p:cNvPr id="3" name="Notes Placeholder 2"/>
+          <p:cNvSpPr>
+            <a:spLocks noGrp="1"/>
+          </p:cNvSpPr>
+          <p:nvPr>
+            <p:ph type="body" idx="1"/>
+          </p:nvPr>
+        </p:nvSpPr>
+        <p:spPr/>
+        <p:txBody>
+          <a:bodyPr/>
+          <a:lstStyle/>
+          <a:p>
+            <a:endParaRPr lang="es-ES" dirty="0"/>
+          </a:p>
+        </p:txBody>
+      </p:sp>
+      <p:sp>
+        <p:nvSpPr>
+          <p:cNvPr id="4" name="Slide Number Placeholder 3"/>
+          <p:cNvSpPr>
+            <a:spLocks noGrp="1"/>
+          </p:cNvSpPr>
+          <p:nvPr>
+            <p:ph type="sldNum" sz="quarter" idx="10"/>
+          </p:nvPr>
+        </p:nvSpPr>
+        <p:spPr/>
+        <p:txBody>
+          <a:bodyPr/>
+          <a:lstStyle/>
+          <a:p>
+            <a:fld id="{65097B6B-FF96-F443-AED4-FFB28983C4F8}" type="slidenum">
+              <a:rPr lang="en-US" smtClean="0"/>
+              <a:t>33</a:t>
+            </a:fld>
+            <a:endParaRPr lang="en-US"/>
+          </a:p>
+        </p:txBody>
+      </p:sp>
+    </p:spTree>
+    <p:extLst>
+      <p:ext uri="{BB962C8B-B14F-4D97-AF65-F5344CB8AC3E}">
+        <p14:creationId xmlns:p14="http://schemas.microsoft.com/office/powerpoint/2010/main" val="1685352913"/>
+      </p:ext>
+    </p:extLst>
+  </p:cSld>
+  <p:clrMapOvr>
+    <a:masterClrMapping/>
+  </p:clrMapOvr>
+</p:notes>
+</file>
+
+<file path=ppt/notesSlides/notesSlide21.xml><?xml version="1.0" encoding="utf-8"?>
+<p:notes xmlns:a="http://schemas.openxmlformats.org/drawingml/2006/main" xmlns:r="http://schemas.openxmlformats.org/officeDocument/2006/relationships" xmlns:p="http://schemas.openxmlformats.org/presentationml/2006/main">
+  <p:cSld>
+    <p:spTree>
+      <p:nvGrpSpPr>
+        <p:cNvPr id="1" name=""/>
+        <p:cNvGrpSpPr/>
+        <p:nvPr/>
+      </p:nvGrpSpPr>
+      <p:grpSpPr>
+        <a:xfrm>
+          <a:off x="0" y="0"/>
+          <a:ext cx="0" cy="0"/>
+          <a:chOff x="0" y="0"/>
+          <a:chExt cx="0" cy="0"/>
+        </a:xfrm>
+      </p:grpSpPr>
+      <p:sp>
+        <p:nvSpPr>
+          <p:cNvPr id="2" name="Slide Image Placeholder 1"/>
+          <p:cNvSpPr>
+            <a:spLocks noGrp="1" noRot="1" noChangeAspect="1"/>
+          </p:cNvSpPr>
+          <p:nvPr>
+            <p:ph type="sldImg"/>
+          </p:nvPr>
+        </p:nvSpPr>
+        <p:spPr/>
+      </p:sp>
+      <p:sp>
+        <p:nvSpPr>
+          <p:cNvPr id="3" name="Notes Placeholder 2"/>
+          <p:cNvSpPr>
+            <a:spLocks noGrp="1"/>
+          </p:cNvSpPr>
+          <p:nvPr>
+            <p:ph type="body" idx="1"/>
+          </p:nvPr>
+        </p:nvSpPr>
+        <p:spPr/>
+        <p:txBody>
+          <a:bodyPr/>
+          <a:lstStyle/>
+          <a:p>
+            <a:endParaRPr lang="es-ES" dirty="0"/>
+          </a:p>
+        </p:txBody>
+      </p:sp>
+      <p:sp>
+        <p:nvSpPr>
+          <p:cNvPr id="4" name="Slide Number Placeholder 3"/>
+          <p:cNvSpPr>
+            <a:spLocks noGrp="1"/>
+          </p:cNvSpPr>
+          <p:nvPr>
+            <p:ph type="sldNum" sz="quarter" idx="10"/>
+          </p:nvPr>
+        </p:nvSpPr>
+        <p:spPr/>
+        <p:txBody>
+          <a:bodyPr/>
+          <a:lstStyle/>
+          <a:p>
+            <a:fld id="{65097B6B-FF96-F443-AED4-FFB28983C4F8}" type="slidenum">
+              <a:rPr lang="en-US" smtClean="0"/>
+              <a:t>34</a:t>
+            </a:fld>
+            <a:endParaRPr lang="en-US"/>
+          </a:p>
+        </p:txBody>
+      </p:sp>
+    </p:spTree>
+    <p:extLst>
+      <p:ext uri="{BB962C8B-B14F-4D97-AF65-F5344CB8AC3E}">
+        <p14:creationId xmlns:p14="http://schemas.microsoft.com/office/powerpoint/2010/main" val="1030376142"/>
+      </p:ext>
+    </p:extLst>
+  </p:cSld>
+  <p:clrMapOvr>
+    <a:masterClrMapping/>
+  </p:clrMapOvr>
+</p:notes>
+</file>
+
+<file path=ppt/notesSlides/notesSlide22.xml><?xml version="1.0" encoding="utf-8"?>
+<p:notes xmlns:a="http://schemas.openxmlformats.org/drawingml/2006/main" xmlns:r="http://schemas.openxmlformats.org/officeDocument/2006/relationships" xmlns:p="http://schemas.openxmlformats.org/presentationml/2006/main">
+  <p:cSld>
+    <p:spTree>
+      <p:nvGrpSpPr>
+        <p:cNvPr id="1" name=""/>
+        <p:cNvGrpSpPr/>
+        <p:nvPr/>
+      </p:nvGrpSpPr>
+      <p:grpSpPr>
+        <a:xfrm>
+          <a:off x="0" y="0"/>
+          <a:ext cx="0" cy="0"/>
+          <a:chOff x="0" y="0"/>
+          <a:chExt cx="0" cy="0"/>
+        </a:xfrm>
+      </p:grpSpPr>
+      <p:sp>
+        <p:nvSpPr>
+          <p:cNvPr id="2" name="Slide Image Placeholder 1"/>
+          <p:cNvSpPr>
+            <a:spLocks noGrp="1" noRot="1" noChangeAspect="1"/>
+          </p:cNvSpPr>
+          <p:nvPr>
+            <p:ph type="sldImg"/>
+          </p:nvPr>
+        </p:nvSpPr>
+        <p:spPr/>
+      </p:sp>
+      <p:sp>
+        <p:nvSpPr>
+          <p:cNvPr id="3" name="Notes Placeholder 2"/>
+          <p:cNvSpPr>
+            <a:spLocks noGrp="1"/>
+          </p:cNvSpPr>
+          <p:nvPr>
+            <p:ph type="body" idx="1"/>
+          </p:nvPr>
+        </p:nvSpPr>
+        <p:spPr/>
+        <p:txBody>
+          <a:bodyPr/>
+          <a:lstStyle/>
+          <a:p>
+            <a:endParaRPr lang="en-US" dirty="0"/>
+          </a:p>
+        </p:txBody>
+      </p:sp>
+      <p:sp>
+        <p:nvSpPr>
+          <p:cNvPr id="4" name="Footer Placeholder 3"/>
+          <p:cNvSpPr>
+            <a:spLocks noGrp="1"/>
+          </p:cNvSpPr>
+          <p:nvPr>
+            <p:ph type="ftr" sz="quarter" idx="10"/>
+          </p:nvPr>
+        </p:nvSpPr>
+        <p:spPr/>
+        <p:txBody>
+          <a:bodyPr/>
+          <a:lstStyle/>
+          <a:p>
+            <a:pPr defTabSz="914099" eaLnBrk="0" hangingPunct="0"/>
+            <a:r>
+              <a:rPr lang="en-US" sz="400" smtClean="0">
+                <a:gradFill>
+                  <a:gsLst>
+                    <a:gs pos="0">
+                      <a:prstClr val="black"/>
+                    </a:gs>
+                    <a:gs pos="100000">
+                      <a:prstClr val="black"/>
+                    </a:gs>
+                  </a:gsLst>
+                  <a:lin ang="5400000" scaled="0"/>
+                </a:gradFill>
+                <a:latin typeface="Segoe UI" pitchFamily="34" charset="0"/>
+                <a:ea typeface="Segoe UI" pitchFamily="34" charset="0"/>
+                <a:cs typeface="Segoe UI" pitchFamily="34" charset="0"/>
+              </a:rPr>
+              <a:t>© 2014 Microsoft Corporation. All rights reserved. Microsoft, Windows, and other product names are or may be registered trademarks and/or trademarks in the U.S. and/or other countries. The information herein is for informational purposes only and represents the current view of Microsoft Corporation as of the date of this presentation.  Because Microsoft must respond to changing market conditions, it should not be interpreted to be a commitment on the part of Microsoft, and Microsoft cannot guarantee the accuracy of any information provided after the date of this presentation.  MICROSOFT MAKES NO WARRANTIES, EXPRESS, IMPLIED OR STATUTORY, AS TO THE INFORMATION IN THIS PRESENTATION.</a:t>
+            </a:r>
+            <a:endParaRPr lang="en-US" sz="400" dirty="0" smtClean="0">
+              <a:gradFill>
+                <a:gsLst>
+                  <a:gs pos="0">
+                    <a:prstClr val="black"/>
+                  </a:gs>
+                  <a:gs pos="100000">
+                    <a:prstClr val="black"/>
+                  </a:gs>
+                </a:gsLst>
+                <a:lin ang="5400000" scaled="0"/>
+              </a:gradFill>
+              <a:latin typeface="Segoe UI" pitchFamily="34" charset="0"/>
+              <a:ea typeface="Segoe UI" pitchFamily="34" charset="0"/>
+              <a:cs typeface="Segoe UI" pitchFamily="34" charset="0"/>
+            </a:endParaRPr>
+          </a:p>
+        </p:txBody>
+      </p:sp>
+      <p:sp>
+        <p:nvSpPr>
+          <p:cNvPr id="5" name="Date Placeholder 4"/>
+          <p:cNvSpPr>
+            <a:spLocks noGrp="1"/>
+          </p:cNvSpPr>
+          <p:nvPr>
+            <p:ph type="dt" idx="11"/>
+          </p:nvPr>
+        </p:nvSpPr>
+        <p:spPr/>
+        <p:txBody>
+          <a:bodyPr/>
+          <a:lstStyle/>
+          <a:p>
+            <a:fld id="{E74353ED-ACB2-44BF-A903-985B0AF962B7}" type="datetime1">
+              <a:rPr lang="en-US" smtClean="0"/>
+              <a:t>1/26/2016</a:t>
+            </a:fld>
+            <a:endParaRPr lang="en-US" dirty="0"/>
+          </a:p>
+        </p:txBody>
+      </p:sp>
+      <p:sp>
+        <p:nvSpPr>
+          <p:cNvPr id="6" name="Slide Number Placeholder 5"/>
+          <p:cNvSpPr>
+            <a:spLocks noGrp="1"/>
+          </p:cNvSpPr>
+          <p:nvPr>
+            <p:ph type="sldNum" sz="quarter" idx="12"/>
+          </p:nvPr>
+        </p:nvSpPr>
+        <p:spPr/>
+        <p:txBody>
+          <a:bodyPr/>
+          <a:lstStyle/>
+          <a:p>
+            <a:fld id="{B4008EB6-D09E-4580-8CD6-DDB14511944F}" type="slidenum">
+              <a:rPr lang="en-US" smtClean="0"/>
+              <a:pPr/>
+              <a:t>35</a:t>
+            </a:fld>
+            <a:endParaRPr lang="en-US" dirty="0"/>
+          </a:p>
+        </p:txBody>
+      </p:sp>
+    </p:spTree>
+    <p:extLst>
+      <p:ext uri="{BB962C8B-B14F-4D97-AF65-F5344CB8AC3E}">
+        <p14:creationId xmlns:p14="http://schemas.microsoft.com/office/powerpoint/2010/main" val="1735079296"/>
       </p:ext>
     </p:extLst>
   </p:cSld>
@@ -1498,7 +2010,7 @@
     </p:spTree>
     <p:extLst>
       <p:ext uri="{BB962C8B-B14F-4D97-AF65-F5344CB8AC3E}">
-        <p14:creationId xmlns:p14="http://schemas.microsoft.com/office/powerpoint/2010/main" val="4270636725"/>
+        <p14:creationId xmlns:p14="http://schemas.microsoft.com/office/powerpoint/2010/main" val="764334133"/>
       </p:ext>
     </p:extLst>
   </p:cSld>
@@ -1582,7 +2094,7 @@
     </p:spTree>
     <p:extLst>
       <p:ext uri="{BB962C8B-B14F-4D97-AF65-F5344CB8AC3E}">
-        <p14:creationId xmlns:p14="http://schemas.microsoft.com/office/powerpoint/2010/main" val="273552480"/>
+        <p14:creationId xmlns:p14="http://schemas.microsoft.com/office/powerpoint/2010/main" val="4270636725"/>
       </p:ext>
     </p:extLst>
   </p:cSld>
@@ -1657,7 +2169,7 @@
           <a:p>
             <a:fld id="{65097B6B-FF96-F443-AED4-FFB28983C4F8}" type="slidenum">
               <a:rPr lang="en-US" smtClean="0"/>
-              <a:t>17</a:t>
+              <a:t>18</a:t>
             </a:fld>
             <a:endParaRPr lang="en-US"/>
           </a:p>
@@ -1666,7 +2178,7 @@
     </p:spTree>
     <p:extLst>
       <p:ext uri="{BB962C8B-B14F-4D97-AF65-F5344CB8AC3E}">
-        <p14:creationId xmlns:p14="http://schemas.microsoft.com/office/powerpoint/2010/main" val="272738463"/>
+        <p14:creationId xmlns:p14="http://schemas.microsoft.com/office/powerpoint/2010/main" val="1842837085"/>
       </p:ext>
     </p:extLst>
   </p:cSld>
@@ -1741,7 +2253,7 @@
           <a:p>
             <a:fld id="{65097B6B-FF96-F443-AED4-FFB28983C4F8}" type="slidenum">
               <a:rPr lang="en-US" smtClean="0"/>
-              <a:t>18</a:t>
+              <a:t>19</a:t>
             </a:fld>
             <a:endParaRPr lang="en-US"/>
           </a:p>
@@ -1750,7 +2262,7 @@
     </p:spTree>
     <p:extLst>
       <p:ext uri="{BB962C8B-B14F-4D97-AF65-F5344CB8AC3E}">
-        <p14:creationId xmlns:p14="http://schemas.microsoft.com/office/powerpoint/2010/main" val="1842837085"/>
+        <p14:creationId xmlns:p14="http://schemas.microsoft.com/office/powerpoint/2010/main" val="273552480"/>
       </p:ext>
     </p:extLst>
   </p:cSld>
@@ -1825,7 +2337,7 @@
           <a:p>
             <a:fld id="{65097B6B-FF96-F443-AED4-FFB28983C4F8}" type="slidenum">
               <a:rPr lang="en-US" smtClean="0"/>
-              <a:t>19</a:t>
+              <a:t>20</a:t>
             </a:fld>
             <a:endParaRPr lang="en-US"/>
           </a:p>
@@ -1834,7 +2346,7 @@
     </p:spTree>
     <p:extLst>
       <p:ext uri="{BB962C8B-B14F-4D97-AF65-F5344CB8AC3E}">
-        <p14:creationId xmlns:p14="http://schemas.microsoft.com/office/powerpoint/2010/main" val="3427454879"/>
+        <p14:creationId xmlns:p14="http://schemas.microsoft.com/office/powerpoint/2010/main" val="272738463"/>
       </p:ext>
     </p:extLst>
   </p:cSld>
@@ -1909,7 +2421,7 @@
           <a:p>
             <a:fld id="{65097B6B-FF96-F443-AED4-FFB28983C4F8}" type="slidenum">
               <a:rPr lang="en-US" smtClean="0"/>
-              <a:t>20</a:t>
+              <a:t>21</a:t>
             </a:fld>
             <a:endParaRPr lang="en-US"/>
           </a:p>
@@ -1918,7 +2430,7 @@
     </p:spTree>
     <p:extLst>
       <p:ext uri="{BB962C8B-B14F-4D97-AF65-F5344CB8AC3E}">
-        <p14:creationId xmlns:p14="http://schemas.microsoft.com/office/powerpoint/2010/main" val="3748314537"/>
+        <p14:creationId xmlns:p14="http://schemas.microsoft.com/office/powerpoint/2010/main" val="3427454879"/>
       </p:ext>
     </p:extLst>
   </p:cSld>
@@ -2769,7 +3281,7 @@
           <a:p>
             <a:fld id="{B13EE0C7-BB44-4D3B-9328-A1960D19624C}" type="datetimeFigureOut">
               <a:rPr lang="en-US" smtClean="0"/>
-              <a:t>1/24/2016</a:t>
+              <a:t>1/26/2016</a:t>
             </a:fld>
             <a:endParaRPr lang="en-US"/>
           </a:p>
@@ -4948,7 +5460,7 @@
         </p:spPr>
         <p:txBody>
           <a:bodyPr rtlCol="0">
-            <a:normAutofit fontScale="90000"/>
+            <a:noAutofit/>
           </a:bodyPr>
           <a:lstStyle/>
           <a:p>
@@ -4956,49 +5468,25 @@
               <a:defRPr/>
             </a:pPr>
             <a:r>
-              <a:rPr lang="en-US" dirty="0" smtClean="0"/>
-              <a:t>¿</a:t>
-            </a:r>
-            <a:r>
-              <a:rPr lang="en-US" dirty="0" err="1" smtClean="0"/>
-              <a:t>Cómo</a:t>
-            </a:r>
-            <a:r>
-              <a:rPr lang="en-US" dirty="0" smtClean="0"/>
-              <a:t> </a:t>
-            </a:r>
-            <a:r>
-              <a:rPr lang="en-US" dirty="0" err="1" smtClean="0"/>
-              <a:t>añadimos</a:t>
-            </a:r>
-            <a:r>
-              <a:rPr lang="en-US" dirty="0" smtClean="0"/>
-              <a:t> </a:t>
-            </a:r>
-            <a:r>
-              <a:rPr lang="en-US" dirty="0" err="1" smtClean="0"/>
-              <a:t>compilación</a:t>
-            </a:r>
-            <a:r>
-              <a:rPr lang="en-US" dirty="0" smtClean="0"/>
-              <a:t> XAML </a:t>
-            </a:r>
-            <a:r>
-              <a:rPr lang="en-US" dirty="0" err="1" smtClean="0"/>
-              <a:t>en</a:t>
-            </a:r>
-            <a:r>
-              <a:rPr lang="en-US" dirty="0" smtClean="0"/>
-              <a:t> Proyecto UWP XF2.0?</a:t>
+              <a:rPr lang="en-US" sz="4000" dirty="0" smtClean="0"/>
+              <a:t>¿Vistas </a:t>
+            </a:r>
+            <a:r>
+              <a:rPr lang="en-US" sz="4000" dirty="0" err="1" smtClean="0"/>
+              <a:t>nativas</a:t>
+            </a:r>
+            <a:r>
+              <a:rPr lang="en-US" sz="4000" dirty="0" smtClean="0"/>
+              <a:t>?</a:t>
             </a:r>
             <a:br>
-              <a:rPr lang="en-US" dirty="0" smtClean="0"/>
+              <a:rPr lang="en-US" sz="4000" dirty="0" smtClean="0"/>
             </a:br>
             <a:r>
-              <a:rPr lang="en-US" dirty="0" smtClean="0"/>
+              <a:rPr lang="en-US" sz="4000" dirty="0" smtClean="0"/>
               <a:t>____________________</a:t>
             </a:r>
-            <a:endParaRPr lang="en-US" dirty="0"/>
+            <a:endParaRPr lang="en-US" sz="4000" dirty="0"/>
           </a:p>
         </p:txBody>
       </p:sp>
@@ -5048,12 +5536,12 @@
               <a:t>. </a:t>
             </a:r>
             <a:r>
-              <a:rPr lang="en-US" sz="2000" b="1" dirty="0" err="1" smtClean="0">
+              <a:rPr lang="en-US" sz="2400" b="1" dirty="0" err="1" smtClean="0">
                 <a:latin typeface="Calibri" pitchFamily="34" charset="0"/>
               </a:rPr>
-              <a:t>XamlCompilation</a:t>
-            </a:r>
-            <a:endParaRPr lang="en-US" sz="2000" b="1" dirty="0">
+              <a:t>Xamarin.Forms</a:t>
+            </a:r>
+            <a:endParaRPr lang="en-US" sz="2400" b="1" dirty="0">
               <a:latin typeface="Calibri" pitchFamily="34" charset="0"/>
             </a:endParaRPr>
           </a:p>
@@ -5105,16 +5593,10 @@
               <a:t>. </a:t>
             </a:r>
             <a:r>
-              <a:rPr lang="en-US" sz="2800" b="1" dirty="0" smtClean="0">
+              <a:rPr lang="en-US" sz="2400" b="1" dirty="0" smtClean="0">
                 <a:latin typeface="Calibri" pitchFamily="34" charset="0"/>
               </a:rPr>
-              <a:t>No se </a:t>
-            </a:r>
-            <a:r>
-              <a:rPr lang="en-US" sz="2800" b="1" dirty="0" err="1" smtClean="0">
-                <a:latin typeface="Calibri" pitchFamily="34" charset="0"/>
-              </a:rPr>
-              <a:t>puede</a:t>
+              <a:t>Xamarin Classic</a:t>
             </a:r>
             <a:endParaRPr lang="en-US" sz="2800" b="1" dirty="0">
               <a:latin typeface="Calibri" pitchFamily="34" charset="0"/>
@@ -5125,7 +5607,7 @@
     </p:spTree>
     <p:extLst>
       <p:ext uri="{BB962C8B-B14F-4D97-AF65-F5344CB8AC3E}">
-        <p14:creationId xmlns:p14="http://schemas.microsoft.com/office/powerpoint/2010/main" val="1237968091"/>
+        <p14:creationId xmlns:p14="http://schemas.microsoft.com/office/powerpoint/2010/main" val="3744662631"/>
       </p:ext>
     </p:extLst>
   </p:cSld>
@@ -5260,6 +5742,301 @@
             </a:r>
             <a:r>
               <a:rPr lang="en-US" dirty="0" smtClean="0"/>
+              <a:t> </a:t>
+            </a:r>
+            <a:r>
+              <a:rPr lang="en-US" dirty="0" err="1" smtClean="0"/>
+              <a:t>añadimos</a:t>
+            </a:r>
+            <a:r>
+              <a:rPr lang="en-US" dirty="0" smtClean="0"/>
+              <a:t> </a:t>
+            </a:r>
+            <a:r>
+              <a:rPr lang="en-US" dirty="0" err="1" smtClean="0"/>
+              <a:t>compilación</a:t>
+            </a:r>
+            <a:r>
+              <a:rPr lang="en-US" dirty="0" smtClean="0"/>
+              <a:t> XAML </a:t>
+            </a:r>
+            <a:r>
+              <a:rPr lang="en-US" dirty="0" err="1" smtClean="0"/>
+              <a:t>en</a:t>
+            </a:r>
+            <a:r>
+              <a:rPr lang="en-US" dirty="0" smtClean="0"/>
+              <a:t> Proyecto UWP XF2.0?</a:t>
+            </a:r>
+            <a:br>
+              <a:rPr lang="en-US" dirty="0" smtClean="0"/>
+            </a:br>
+            <a:r>
+              <a:rPr lang="en-US" dirty="0" smtClean="0"/>
+              <a:t>____________________</a:t>
+            </a:r>
+            <a:endParaRPr lang="en-US" dirty="0"/>
+          </a:p>
+        </p:txBody>
+      </p:sp>
+      <p:sp>
+        <p:nvSpPr>
+          <p:cNvPr id="4" name="TextBox 3"/>
+          <p:cNvSpPr txBox="1">
+            <a:spLocks noChangeArrowheads="1"/>
+          </p:cNvSpPr>
+          <p:nvPr/>
+        </p:nvSpPr>
+        <p:spPr bwMode="auto">
+          <a:xfrm>
+            <a:off x="2514600" y="2006601"/>
+            <a:ext cx="2667000" cy="646331"/>
+          </a:xfrm>
+          <a:prstGeom prst="rect">
+            <a:avLst/>
+          </a:prstGeom>
+          <a:noFill/>
+          <a:ln w="28575">
+            <a:solidFill>
+              <a:srgbClr val="FF0000"/>
+            </a:solidFill>
+            <a:miter lim="800000"/>
+            <a:headEnd/>
+            <a:tailEnd/>
+          </a:ln>
+        </p:spPr>
+        <p:txBody>
+          <a:bodyPr>
+            <a:spAutoFit/>
+          </a:bodyPr>
+          <a:lstStyle/>
+          <a:p>
+            <a:pPr algn="ctr"/>
+            <a:r>
+              <a:rPr lang="en-US" sz="3600" b="1" dirty="0">
+                <a:latin typeface="Calibri" pitchFamily="34" charset="0"/>
+              </a:rPr>
+              <a:t>A</a:t>
+            </a:r>
+            <a:r>
+              <a:rPr lang="en-US" sz="3600" b="1" dirty="0" smtClean="0">
+                <a:latin typeface="Calibri" pitchFamily="34" charset="0"/>
+              </a:rPr>
+              <a:t>. </a:t>
+            </a:r>
+            <a:r>
+              <a:rPr lang="en-US" sz="2000" b="1" dirty="0" err="1" smtClean="0">
+                <a:latin typeface="Calibri" pitchFamily="34" charset="0"/>
+              </a:rPr>
+              <a:t>XamlCompilation</a:t>
+            </a:r>
+            <a:endParaRPr lang="en-US" sz="2000" b="1" dirty="0">
+              <a:latin typeface="Calibri" pitchFamily="34" charset="0"/>
+            </a:endParaRPr>
+          </a:p>
+        </p:txBody>
+      </p:sp>
+      <p:sp>
+        <p:nvSpPr>
+          <p:cNvPr id="5" name="TextBox 4"/>
+          <p:cNvSpPr txBox="1">
+            <a:spLocks noChangeArrowheads="1"/>
+          </p:cNvSpPr>
+          <p:nvPr/>
+        </p:nvSpPr>
+        <p:spPr bwMode="auto">
+          <a:xfrm>
+            <a:off x="5791200" y="2006601"/>
+            <a:ext cx="2667000" cy="646331"/>
+          </a:xfrm>
+          <a:prstGeom prst="rect">
+            <a:avLst/>
+          </a:prstGeom>
+          <a:noFill/>
+          <a:ln w="28575">
+            <a:solidFill>
+              <a:srgbClr val="FF0000"/>
+            </a:solidFill>
+            <a:miter lim="800000"/>
+            <a:headEnd/>
+            <a:tailEnd/>
+          </a:ln>
+        </p:spPr>
+        <p:txBody>
+          <a:bodyPr>
+            <a:spAutoFit/>
+          </a:bodyPr>
+          <a:lstStyle/>
+          <a:p>
+            <a:pPr algn="ctr"/>
+            <a:r>
+              <a:rPr lang="en-US" sz="3600" b="1" dirty="0">
+                <a:latin typeface="Calibri" pitchFamily="34" charset="0"/>
+              </a:rPr>
+              <a:t>B</a:t>
+            </a:r>
+            <a:r>
+              <a:rPr lang="en-US" sz="3600" b="1" dirty="0" smtClean="0">
+                <a:latin typeface="Calibri" pitchFamily="34" charset="0"/>
+              </a:rPr>
+              <a:t>. </a:t>
+            </a:r>
+            <a:r>
+              <a:rPr lang="en-US" sz="2800" b="1" dirty="0" smtClean="0">
+                <a:latin typeface="Calibri" pitchFamily="34" charset="0"/>
+              </a:rPr>
+              <a:t>No se </a:t>
+            </a:r>
+            <a:r>
+              <a:rPr lang="en-US" sz="2800" b="1" dirty="0" err="1" smtClean="0">
+                <a:latin typeface="Calibri" pitchFamily="34" charset="0"/>
+              </a:rPr>
+              <a:t>puede</a:t>
+            </a:r>
+            <a:endParaRPr lang="en-US" sz="2800" b="1" dirty="0">
+              <a:latin typeface="Calibri" pitchFamily="34" charset="0"/>
+            </a:endParaRPr>
+          </a:p>
+        </p:txBody>
+      </p:sp>
+    </p:spTree>
+    <p:extLst>
+      <p:ext uri="{BB962C8B-B14F-4D97-AF65-F5344CB8AC3E}">
+        <p14:creationId xmlns:p14="http://schemas.microsoft.com/office/powerpoint/2010/main" val="1237968091"/>
+      </p:ext>
+    </p:extLst>
+  </p:cSld>
+  <p:clrMapOvr>
+    <a:masterClrMapping/>
+  </p:clrMapOvr>
+  <p:timing>
+    <p:tnLst>
+      <p:par>
+        <p:cTn id="1" dur="indefinite" restart="never" nodeType="tmRoot">
+          <p:childTnLst>
+            <p:seq concurrent="1" nextAc="seek">
+              <p:cTn id="2" dur="indefinite" nodeType="mainSeq">
+                <p:childTnLst>
+                  <p:par>
+                    <p:cTn id="3" fill="hold">
+                      <p:stCondLst>
+                        <p:cond delay="indefinite"/>
+                      </p:stCondLst>
+                      <p:childTnLst>
+                        <p:par>
+                          <p:cTn id="4" fill="hold">
+                            <p:stCondLst>
+                              <p:cond delay="0"/>
+                            </p:stCondLst>
+                            <p:childTnLst>
+                              <p:par>
+                                <p:cTn id="5" presetID="42" presetClass="path" presetSubtype="0" accel="50000" decel="50000" fill="hold" grpId="0" nodeType="clickEffect">
+                                  <p:stCondLst>
+                                    <p:cond delay="0"/>
+                                  </p:stCondLst>
+                                  <p:childTnLst>
+                                    <p:animMotion origin="layout" path="M 5E-6 -3.33333E-6 L -0.29232 0.39699 " pathEditMode="relative" rAng="0" ptsTypes="AA">
+                                      <p:cBhvr>
+                                        <p:cTn id="6" dur="2000" fill="hold"/>
+                                        <p:tgtEl>
+                                          <p:spTgt spid="5"/>
+                                        </p:tgtEl>
+                                        <p:attrNameLst>
+                                          <p:attrName>ppt_x</p:attrName>
+                                          <p:attrName>ppt_y</p:attrName>
+                                        </p:attrNameLst>
+                                      </p:cBhvr>
+                                      <p:rCtr x="-14622" y="19838"/>
+                                    </p:animMotion>
+                                  </p:childTnLst>
+                                </p:cTn>
+                              </p:par>
+                            </p:childTnLst>
+                          </p:cTn>
+                        </p:par>
+                      </p:childTnLst>
+                    </p:cTn>
+                  </p:par>
+                </p:childTnLst>
+              </p:cTn>
+              <p:prevCondLst>
+                <p:cond evt="onPrev" delay="0">
+                  <p:tgtEl>
+                    <p:sldTgt/>
+                  </p:tgtEl>
+                </p:cond>
+              </p:prevCondLst>
+              <p:nextCondLst>
+                <p:cond evt="onNext" delay="0">
+                  <p:tgtEl>
+                    <p:sldTgt/>
+                  </p:tgtEl>
+                </p:cond>
+              </p:nextCondLst>
+            </p:seq>
+          </p:childTnLst>
+        </p:cTn>
+      </p:par>
+    </p:tnLst>
+    <p:bldLst>
+      <p:bldP spid="5" grpId="0" animBg="1"/>
+    </p:bldLst>
+  </p:timing>
+</p:sld>
+</file>
+
+<file path=ppt/slides/slide12.xml><?xml version="1.0" encoding="utf-8"?>
+<p:sld xmlns:a="http://schemas.openxmlformats.org/drawingml/2006/main" xmlns:r="http://schemas.openxmlformats.org/officeDocument/2006/relationships" xmlns:p="http://schemas.openxmlformats.org/presentationml/2006/main">
+  <p:cSld>
+    <p:spTree>
+      <p:nvGrpSpPr>
+        <p:cNvPr id="1" name=""/>
+        <p:cNvGrpSpPr/>
+        <p:nvPr/>
+      </p:nvGrpSpPr>
+      <p:grpSpPr>
+        <a:xfrm>
+          <a:off x="0" y="0"/>
+          <a:ext cx="0" cy="0"/>
+          <a:chOff x="0" y="0"/>
+          <a:chExt cx="0" cy="0"/>
+        </a:xfrm>
+      </p:grpSpPr>
+      <p:sp>
+        <p:nvSpPr>
+          <p:cNvPr id="2" name="Title 1"/>
+          <p:cNvSpPr>
+            <a:spLocks noGrp="1"/>
+          </p:cNvSpPr>
+          <p:nvPr>
+            <p:ph type="ctrTitle"/>
+          </p:nvPr>
+        </p:nvSpPr>
+        <p:spPr>
+          <a:xfrm>
+            <a:off x="2057400" y="3581401"/>
+            <a:ext cx="7772400" cy="1470025"/>
+          </a:xfrm>
+        </p:spPr>
+        <p:txBody>
+          <a:bodyPr rtlCol="0">
+            <a:normAutofit fontScale="90000"/>
+          </a:bodyPr>
+          <a:lstStyle/>
+          <a:p>
+            <a:pPr>
+              <a:defRPr/>
+            </a:pPr>
+            <a:r>
+              <a:rPr lang="en-US" dirty="0" smtClean="0"/>
+              <a:t>¿</a:t>
+            </a:r>
+            <a:r>
+              <a:rPr lang="en-US" dirty="0" err="1" smtClean="0"/>
+              <a:t>Cómo</a:t>
+            </a:r>
+            <a:r>
+              <a:rPr lang="en-US" dirty="0" smtClean="0"/>
               <a:t> se </a:t>
             </a:r>
             <a:r>
@@ -5477,7 +6254,7 @@
 </p:sld>
 </file>
 
-<file path=ppt/slides/slide12.xml><?xml version="1.0" encoding="utf-8"?>
+<file path=ppt/slides/slide13.xml><?xml version="1.0" encoding="utf-8"?>
 <p:sld xmlns:a="http://schemas.openxmlformats.org/drawingml/2006/main" xmlns:r="http://schemas.openxmlformats.org/officeDocument/2006/relationships" xmlns:p="http://schemas.openxmlformats.org/presentationml/2006/main">
   <p:cSld>
     <p:spTree>
@@ -5760,7 +6537,7 @@
 </p:sld>
 </file>
 
-<file path=ppt/slides/slide13.xml><?xml version="1.0" encoding="utf-8"?>
+<file path=ppt/slides/slide14.xml><?xml version="1.0" encoding="utf-8"?>
 <p:sld xmlns:a="http://schemas.openxmlformats.org/drawingml/2006/main" xmlns:r="http://schemas.openxmlformats.org/officeDocument/2006/relationships" xmlns:p="http://schemas.openxmlformats.org/presentationml/2006/main">
   <p:cSld>
     <p:spTree>
@@ -5789,7 +6566,7 @@
         </p:nvSpPr>
         <p:spPr>
           <a:xfrm>
-            <a:off x="1962150" y="3467100"/>
+            <a:off x="2057400" y="3581401"/>
             <a:ext cx="7772400" cy="1470025"/>
           </a:xfrm>
         </p:spPr>
@@ -5803,40 +6580,12 @@
               <a:defRPr/>
             </a:pPr>
             <a:r>
+              <a:rPr lang="es-ES" dirty="0"/>
+              <a:t>¿Qué significan las siglas de REPL?</a:t>
+            </a:r>
+            <a:r>
               <a:rPr lang="en-US" dirty="0" smtClean="0"/>
-              <a:t>¿</a:t>
-            </a:r>
-            <a:r>
-              <a:rPr lang="en-US" dirty="0" err="1" smtClean="0"/>
-              <a:t>Podemos</a:t>
-            </a:r>
-            <a:r>
-              <a:rPr lang="en-US" dirty="0" smtClean="0"/>
-              <a:t> </a:t>
-            </a:r>
-            <a:r>
-              <a:rPr lang="en-US" dirty="0" err="1" smtClean="0"/>
-              <a:t>diseñar</a:t>
-            </a:r>
-            <a:r>
-              <a:rPr lang="en-US" dirty="0" smtClean="0"/>
-              <a:t> </a:t>
-            </a:r>
-            <a:r>
-              <a:rPr lang="en-US" dirty="0" err="1" smtClean="0"/>
-              <a:t>archivos</a:t>
-            </a:r>
-            <a:r>
-              <a:rPr lang="en-US" dirty="0" smtClean="0"/>
-              <a:t> XIB </a:t>
-            </a:r>
-            <a:r>
-              <a:rPr lang="en-US" dirty="0" err="1" smtClean="0"/>
-              <a:t>desde</a:t>
-            </a:r>
-            <a:r>
-              <a:rPr lang="en-US" dirty="0" smtClean="0"/>
-              <a:t> Xamarin Studio?</a:t>
+              <a:t/>
             </a:r>
             <a:br>
               <a:rPr lang="en-US" dirty="0" smtClean="0"/>
@@ -5860,7 +6609,7 @@
         <p:spPr bwMode="auto">
           <a:xfrm>
             <a:off x="2514600" y="2006601"/>
-            <a:ext cx="2667000" cy="646331"/>
+            <a:ext cx="2667000" cy="923330"/>
           </a:xfrm>
           <a:prstGeom prst="rect">
             <a:avLst/>
@@ -5895,12 +6644,18 @@
               <a:t>. </a:t>
             </a:r>
             <a:r>
-              <a:rPr lang="en-US" sz="3200" b="1" dirty="0" smtClean="0">
-                <a:latin typeface="Calibri" pitchFamily="34" charset="0"/>
-              </a:rPr>
-              <a:t>Si</a:t>
-            </a:r>
-            <a:endParaRPr lang="en-US" sz="2000" b="1" dirty="0">
+              <a:rPr lang="es-ES" dirty="0" err="1"/>
+              <a:t>Read-Eval-Print</a:t>
+            </a:r>
+            <a:r>
+              <a:rPr lang="es-ES" dirty="0"/>
+              <a:t> </a:t>
+            </a:r>
+            <a:r>
+              <a:rPr lang="es-ES" dirty="0" err="1"/>
+              <a:t>Loop</a:t>
+            </a:r>
+            <a:endParaRPr lang="en-US" sz="1600" dirty="0">
               <a:latin typeface="Calibri" pitchFamily="34" charset="0"/>
             </a:endParaRPr>
           </a:p>
@@ -5917,7 +6672,7 @@
         <p:spPr bwMode="auto">
           <a:xfrm>
             <a:off x="5791200" y="2006601"/>
-            <a:ext cx="2667000" cy="646331"/>
+            <a:ext cx="2667000" cy="923330"/>
           </a:xfrm>
           <a:prstGeom prst="rect">
             <a:avLst/>
@@ -5952,10 +6707,8 @@
               <a:t>. </a:t>
             </a:r>
             <a:r>
-              <a:rPr lang="en-US" sz="2800" b="1" dirty="0" smtClean="0">
-                <a:latin typeface="Calibri" pitchFamily="34" charset="0"/>
-              </a:rPr>
-              <a:t>No</a:t>
+              <a:rPr lang="en-US" dirty="0"/>
+              <a:t>Ready for Evolve, Promising Launches</a:t>
             </a:r>
             <a:endParaRPr lang="en-US" sz="2800" b="1" dirty="0">
               <a:latin typeface="Calibri" pitchFamily="34" charset="0"/>
@@ -5966,7 +6719,7 @@
     </p:spTree>
     <p:extLst>
       <p:ext uri="{BB962C8B-B14F-4D97-AF65-F5344CB8AC3E}">
-        <p14:creationId xmlns:p14="http://schemas.microsoft.com/office/powerpoint/2010/main" val="532116873"/>
+        <p14:creationId xmlns:p14="http://schemas.microsoft.com/office/powerpoint/2010/main" val="693633235"/>
       </p:ext>
     </p:extLst>
   </p:cSld>
@@ -5999,7 +6752,7 @@
                                     <p:cond delay="0"/>
                                   </p:stCondLst>
                                   <p:childTnLst>
-                                    <p:animMotion origin="layout" path="M 5E-6 -3.33333E-6 L 0.0043 0.36968 " pathEditMode="relative" rAng="0" ptsTypes="AA">
+                                    <p:animMotion origin="layout" path="M 5E-6 -3.7037E-6 L -0.00039 0.33889 " pathEditMode="relative" rAng="0" ptsTypes="AA">
                                       <p:cBhvr>
                                         <p:cTn id="6" dur="2000" fill="hold"/>
                                         <p:tgtEl>
@@ -6010,288 +6763,7 @@
                                           <p:attrName>ppt_y</p:attrName>
                                         </p:attrNameLst>
                                       </p:cBhvr>
-                                      <p:rCtr x="208" y="18472"/>
-                                    </p:animMotion>
-                                  </p:childTnLst>
-                                </p:cTn>
-                              </p:par>
-                            </p:childTnLst>
-                          </p:cTn>
-                        </p:par>
-                      </p:childTnLst>
-                    </p:cTn>
-                  </p:par>
-                </p:childTnLst>
-              </p:cTn>
-              <p:prevCondLst>
-                <p:cond evt="onPrev" delay="0">
-                  <p:tgtEl>
-                    <p:sldTgt/>
-                  </p:tgtEl>
-                </p:cond>
-              </p:prevCondLst>
-              <p:nextCondLst>
-                <p:cond evt="onNext" delay="0">
-                  <p:tgtEl>
-                    <p:sldTgt/>
-                  </p:tgtEl>
-                </p:cond>
-              </p:nextCondLst>
-            </p:seq>
-          </p:childTnLst>
-        </p:cTn>
-      </p:par>
-    </p:tnLst>
-    <p:bldLst>
-      <p:bldP spid="4" grpId="0" animBg="1"/>
-    </p:bldLst>
-  </p:timing>
-</p:sld>
-</file>
-
-<file path=ppt/slides/slide14.xml><?xml version="1.0" encoding="utf-8"?>
-<p:sld xmlns:a="http://schemas.openxmlformats.org/drawingml/2006/main" xmlns:r="http://schemas.openxmlformats.org/officeDocument/2006/relationships" xmlns:p="http://schemas.openxmlformats.org/presentationml/2006/main">
-  <p:cSld>
-    <p:spTree>
-      <p:nvGrpSpPr>
-        <p:cNvPr id="1" name=""/>
-        <p:cNvGrpSpPr/>
-        <p:nvPr/>
-      </p:nvGrpSpPr>
-      <p:grpSpPr>
-        <a:xfrm>
-          <a:off x="0" y="0"/>
-          <a:ext cx="0" cy="0"/>
-          <a:chOff x="0" y="0"/>
-          <a:chExt cx="0" cy="0"/>
-        </a:xfrm>
-      </p:grpSpPr>
-      <p:sp>
-        <p:nvSpPr>
-          <p:cNvPr id="2" name="Title 1"/>
-          <p:cNvSpPr>
-            <a:spLocks noGrp="1"/>
-          </p:cNvSpPr>
-          <p:nvPr>
-            <p:ph type="ctrTitle"/>
-          </p:nvPr>
-        </p:nvSpPr>
-        <p:spPr>
-          <a:xfrm>
-            <a:off x="2057400" y="3581401"/>
-            <a:ext cx="7772400" cy="1470025"/>
-          </a:xfrm>
-        </p:spPr>
-        <p:txBody>
-          <a:bodyPr rtlCol="0">
-            <a:normAutofit fontScale="90000"/>
-          </a:bodyPr>
-          <a:lstStyle/>
-          <a:p>
-            <a:pPr>
-              <a:defRPr/>
-            </a:pPr>
-            <a:r>
-              <a:rPr lang="en-US" dirty="0" smtClean="0"/>
-              <a:t>¿</a:t>
-            </a:r>
-            <a:r>
-              <a:rPr lang="en-US" dirty="0" err="1" smtClean="0"/>
-              <a:t>Qué</a:t>
-            </a:r>
-            <a:r>
-              <a:rPr lang="en-US" dirty="0" smtClean="0"/>
-              <a:t> no se </a:t>
-            </a:r>
-            <a:r>
-              <a:rPr lang="en-US" dirty="0" err="1" smtClean="0"/>
-              <a:t>soporta</a:t>
-            </a:r>
-            <a:r>
-              <a:rPr lang="en-US" dirty="0" smtClean="0"/>
-              <a:t> </a:t>
-            </a:r>
-            <a:r>
-              <a:rPr lang="en-US" dirty="0" err="1" smtClean="0"/>
-              <a:t>en</a:t>
-            </a:r>
-            <a:r>
-              <a:rPr lang="en-US" dirty="0" smtClean="0"/>
-              <a:t> App UWP XF 2.0?</a:t>
-            </a:r>
-            <a:br>
-              <a:rPr lang="en-US" dirty="0" smtClean="0"/>
-            </a:br>
-            <a:r>
-              <a:rPr lang="en-US" dirty="0" smtClean="0"/>
-              <a:t>____________________</a:t>
-            </a:r>
-            <a:endParaRPr lang="en-US" dirty="0"/>
-          </a:p>
-        </p:txBody>
-      </p:sp>
-      <p:sp>
-        <p:nvSpPr>
-          <p:cNvPr id="4" name="TextBox 3"/>
-          <p:cNvSpPr txBox="1">
-            <a:spLocks noChangeArrowheads="1"/>
-          </p:cNvSpPr>
-          <p:nvPr/>
-        </p:nvSpPr>
-        <p:spPr bwMode="auto">
-          <a:xfrm>
-            <a:off x="2514600" y="2006601"/>
-            <a:ext cx="2667000" cy="646331"/>
-          </a:xfrm>
-          <a:prstGeom prst="rect">
-            <a:avLst/>
-          </a:prstGeom>
-          <a:noFill/>
-          <a:ln w="28575">
-            <a:solidFill>
-              <a:srgbClr val="FF0000"/>
-            </a:solidFill>
-            <a:miter lim="800000"/>
-            <a:headEnd/>
-            <a:tailEnd/>
-          </a:ln>
-        </p:spPr>
-        <p:txBody>
-          <a:bodyPr>
-            <a:spAutoFit/>
-          </a:bodyPr>
-          <a:lstStyle/>
-          <a:p>
-            <a:pPr algn="ctr"/>
-            <a:r>
-              <a:rPr lang="en-US" sz="3600" b="1" dirty="0">
-                <a:latin typeface="Calibri" pitchFamily="34" charset="0"/>
-              </a:rPr>
-              <a:t>A</a:t>
-            </a:r>
-            <a:r>
-              <a:rPr lang="en-US" sz="3600" b="1" dirty="0" smtClean="0">
-                <a:latin typeface="Calibri" pitchFamily="34" charset="0"/>
-              </a:rPr>
-              <a:t>. </a:t>
-            </a:r>
-            <a:r>
-              <a:rPr lang="en-US" sz="3200" b="1" dirty="0" err="1" smtClean="0">
-                <a:latin typeface="Calibri" pitchFamily="34" charset="0"/>
-              </a:rPr>
-              <a:t>Mapas</a:t>
-            </a:r>
-            <a:endParaRPr lang="en-US" sz="2000" b="1" dirty="0">
-              <a:latin typeface="Calibri" pitchFamily="34" charset="0"/>
-            </a:endParaRPr>
-          </a:p>
-        </p:txBody>
-      </p:sp>
-      <p:sp>
-        <p:nvSpPr>
-          <p:cNvPr id="5" name="TextBox 4"/>
-          <p:cNvSpPr txBox="1">
-            <a:spLocks noChangeArrowheads="1"/>
-          </p:cNvSpPr>
-          <p:nvPr/>
-        </p:nvSpPr>
-        <p:spPr bwMode="auto">
-          <a:xfrm>
-            <a:off x="5791200" y="2006601"/>
-            <a:ext cx="2667000" cy="646331"/>
-          </a:xfrm>
-          <a:prstGeom prst="rect">
-            <a:avLst/>
-          </a:prstGeom>
-          <a:noFill/>
-          <a:ln w="28575">
-            <a:solidFill>
-              <a:srgbClr val="FF0000"/>
-            </a:solidFill>
-            <a:miter lim="800000"/>
-            <a:headEnd/>
-            <a:tailEnd/>
-          </a:ln>
-        </p:spPr>
-        <p:txBody>
-          <a:bodyPr>
-            <a:spAutoFit/>
-          </a:bodyPr>
-          <a:lstStyle/>
-          <a:p>
-            <a:pPr algn="ctr"/>
-            <a:r>
-              <a:rPr lang="en-US" sz="3600" b="1" dirty="0">
-                <a:latin typeface="Calibri" pitchFamily="34" charset="0"/>
-              </a:rPr>
-              <a:t>B</a:t>
-            </a:r>
-            <a:r>
-              <a:rPr lang="en-US" sz="3600" b="1" dirty="0" smtClean="0">
-                <a:latin typeface="Calibri" pitchFamily="34" charset="0"/>
-              </a:rPr>
-              <a:t>. </a:t>
-            </a:r>
-            <a:r>
-              <a:rPr lang="en-US" sz="2800" b="1" dirty="0" err="1" smtClean="0">
-                <a:latin typeface="Calibri" pitchFamily="34" charset="0"/>
-              </a:rPr>
-              <a:t>Gestos</a:t>
-            </a:r>
-            <a:endParaRPr lang="en-US" sz="2800" b="1" dirty="0">
-              <a:latin typeface="Calibri" pitchFamily="34" charset="0"/>
-            </a:endParaRPr>
-          </a:p>
-        </p:txBody>
-      </p:sp>
-    </p:spTree>
-    <p:extLst>
-      <p:ext uri="{BB962C8B-B14F-4D97-AF65-F5344CB8AC3E}">
-        <p14:creationId xmlns:p14="http://schemas.microsoft.com/office/powerpoint/2010/main" val="2323276779"/>
-      </p:ext>
-    </p:extLst>
-  </p:cSld>
-  <p:clrMapOvr>
-    <a:masterClrMapping/>
-  </p:clrMapOvr>
-  <p:timing>
-    <p:tnLst>
-      <p:par>
-        <p:cTn id="1" dur="indefinite" restart="never" nodeType="tmRoot">
-          <p:childTnLst>
-            <p:seq concurrent="1" nextAc="seek">
-              <p:cTn id="2" dur="indefinite" nodeType="mainSeq">
-                <p:childTnLst>
-                  <p:par>
-                    <p:cTn id="3" fill="hold">
-                      <p:stCondLst>
-                        <p:cond delay="indefinite"/>
-                      </p:stCondLst>
-                      <p:childTnLst>
-                        <p:par>
-                          <p:cTn id="4" fill="hold">
-                            <p:stCondLst>
-                              <p:cond delay="0"/>
-                            </p:stCondLst>
-                            <p:childTnLst>
-                              <p:par>
-                                <p:cTn id="5" presetID="42" presetClass="path" presetSubtype="0" accel="50000" decel="50000" fill="hold" grpId="0" nodeType="clickEffect">
-                                  <p:stCondLst>
-                                    <p:cond delay="0"/>
-                                  </p:stCondLst>
-                                  <p:childTnLst>
-                                    <p:animMotion origin="layout" path="M 5E-6 -3.33333E-6 L 0.00079 0.38241 " pathEditMode="relative" rAng="0" ptsTypes="AA">
-                                      <p:cBhvr>
-                                        <p:cTn id="6" dur="2000" fill="hold"/>
-                                        <p:tgtEl>
-                                          <p:spTgt spid="4"/>
-                                        </p:tgtEl>
-                                        <p:attrNameLst>
-                                          <p:attrName>ppt_x</p:attrName>
-                                          <p:attrName>ppt_y</p:attrName>
-                                        </p:attrNameLst>
-                                      </p:cBhvr>
-                                      <p:rCtr x="39" y="19120"/>
+                                      <p:rCtr x="-26" y="16944"/>
                                     </p:animMotion>
                                   </p:childTnLst>
                                 </p:cTn>
@@ -6365,7 +6837,7 @@
         </p:spPr>
         <p:txBody>
           <a:bodyPr rtlCol="0">
-            <a:noAutofit/>
+            <a:normAutofit fontScale="90000"/>
           </a:bodyPr>
           <a:lstStyle/>
           <a:p>
@@ -6373,37 +6845,49 @@
               <a:defRPr/>
             </a:pPr>
             <a:r>
-              <a:rPr lang="en-US" sz="4000" dirty="0" smtClean="0"/>
+              <a:rPr lang="en-US" dirty="0" smtClean="0"/>
               <a:t>¿</a:t>
             </a:r>
             <a:r>
-              <a:rPr lang="en-US" sz="4000" dirty="0" err="1" smtClean="0"/>
+              <a:rPr lang="en-US" dirty="0" err="1" smtClean="0"/>
               <a:t>Podemos</a:t>
             </a:r>
             <a:r>
-              <a:rPr lang="en-US" sz="4000" dirty="0" smtClean="0"/>
+              <a:rPr lang="en-US" dirty="0" smtClean="0"/>
               <a:t> </a:t>
             </a:r>
             <a:r>
-              <a:rPr lang="en-US" sz="4000" dirty="0" err="1" smtClean="0"/>
-              <a:t>desarrollar</a:t>
-            </a:r>
-            <a:r>
-              <a:rPr lang="en-US" sz="4000" dirty="0" smtClean="0"/>
-              <a:t> para el Apple TV con Xamarin?</a:t>
-            </a:r>
-            <a:r>
-              <a:rPr lang="en-US" sz="4000" dirty="0" smtClean="0"/>
-              <a:t/>
+              <a:rPr lang="en-US" dirty="0" err="1" smtClean="0"/>
+              <a:t>diseñar</a:t>
+            </a:r>
+            <a:r>
+              <a:rPr lang="en-US" dirty="0" smtClean="0"/>
+              <a:t> </a:t>
+            </a:r>
+            <a:r>
+              <a:rPr lang="en-US" dirty="0" err="1" smtClean="0"/>
+              <a:t>archivos</a:t>
+            </a:r>
+            <a:r>
+              <a:rPr lang="en-US" dirty="0" smtClean="0"/>
+              <a:t> XIB </a:t>
+            </a:r>
+            <a:r>
+              <a:rPr lang="en-US" dirty="0" err="1" smtClean="0"/>
+              <a:t>desde</a:t>
+            </a:r>
+            <a:r>
+              <a:rPr lang="en-US" dirty="0" smtClean="0"/>
+              <a:t> Xamarin Studio?</a:t>
             </a:r>
             <a:br>
-              <a:rPr lang="en-US" sz="4000" dirty="0" smtClean="0"/>
+              <a:rPr lang="en-US" dirty="0" smtClean="0"/>
             </a:br>
             <a:r>
-              <a:rPr lang="en-US" sz="4000" dirty="0" smtClean="0"/>
+              <a:rPr lang="en-US" dirty="0" smtClean="0"/>
               <a:t>____________________</a:t>
             </a:r>
-            <a:endParaRPr lang="en-US" sz="4000" dirty="0"/>
+            <a:endParaRPr lang="en-US" dirty="0"/>
           </a:p>
         </p:txBody>
       </p:sp>
@@ -6524,7 +7008,7 @@
     </p:spTree>
     <p:extLst>
       <p:ext uri="{BB962C8B-B14F-4D97-AF65-F5344CB8AC3E}">
-        <p14:creationId xmlns:p14="http://schemas.microsoft.com/office/powerpoint/2010/main" val="1709315888"/>
+        <p14:creationId xmlns:p14="http://schemas.microsoft.com/office/powerpoint/2010/main" val="532116873"/>
       </p:ext>
     </p:extLst>
   </p:cSld>
@@ -6655,15 +7139,15 @@
             </a:r>
             <a:r>
               <a:rPr lang="en-US" dirty="0" err="1" smtClean="0"/>
-              <a:t>Cómo</a:t>
+              <a:t>Qué</a:t>
             </a:r>
             <a:r>
               <a:rPr lang="en-US" dirty="0" smtClean="0"/>
-              <a:t> se llama la </a:t>
+              <a:t> no se </a:t>
             </a:r>
             <a:r>
               <a:rPr lang="en-US" dirty="0" err="1" smtClean="0"/>
-              <a:t>nueva</a:t>
+              <a:t>soporta</a:t>
             </a:r>
             <a:r>
               <a:rPr lang="en-US" dirty="0" smtClean="0"/>
@@ -6671,27 +7155,11 @@
             </a:r>
             <a:r>
               <a:rPr lang="en-US" dirty="0" err="1" smtClean="0"/>
-              <a:t>herramienta</a:t>
+              <a:t>en</a:t>
             </a:r>
             <a:r>
               <a:rPr lang="en-US" dirty="0" smtClean="0"/>
-              <a:t> para </a:t>
-            </a:r>
-            <a:r>
-              <a:rPr lang="en-US" dirty="0" err="1" smtClean="0"/>
-              <a:t>crear</a:t>
-            </a:r>
-            <a:r>
-              <a:rPr lang="en-US" dirty="0" smtClean="0"/>
-              <a:t> </a:t>
-            </a:r>
-            <a:r>
-              <a:rPr lang="en-US" dirty="0" err="1" smtClean="0"/>
-              <a:t>UITest</a:t>
-            </a:r>
-            <a:r>
-              <a:rPr lang="en-US" dirty="0" smtClean="0"/>
-              <a:t>?</a:t>
+              <a:t> App UWP XF 2.0?</a:t>
             </a:r>
             <a:br>
               <a:rPr lang="en-US" dirty="0" smtClean="0"/>
@@ -6750,12 +7218,12 @@
               <a:t>. </a:t>
             </a:r>
             <a:r>
-              <a:rPr lang="en-US" sz="2400" b="1" dirty="0" smtClean="0">
+              <a:rPr lang="en-US" sz="3200" b="1" dirty="0" err="1" smtClean="0">
                 <a:latin typeface="Calibri" pitchFamily="34" charset="0"/>
               </a:rPr>
-              <a:t>Test Recorder</a:t>
-            </a:r>
-            <a:endParaRPr lang="en-US" sz="1600" b="1" dirty="0">
+              <a:t>Mapas</a:t>
+            </a:r>
+            <a:endParaRPr lang="en-US" sz="2000" b="1" dirty="0">
               <a:latin typeface="Calibri" pitchFamily="34" charset="0"/>
             </a:endParaRPr>
           </a:p>
@@ -6807,10 +7275,10 @@
               <a:t>. </a:t>
             </a:r>
             <a:r>
-              <a:rPr lang="en-US" sz="2800" b="1" dirty="0" smtClean="0">
+              <a:rPr lang="en-US" sz="2800" b="1" dirty="0" err="1" smtClean="0">
                 <a:latin typeface="Calibri" pitchFamily="34" charset="0"/>
               </a:rPr>
-              <a:t>Test Creator</a:t>
+              <a:t>Gestos</a:t>
             </a:r>
             <a:endParaRPr lang="en-US" sz="2800" b="1" dirty="0">
               <a:latin typeface="Calibri" pitchFamily="34" charset="0"/>
@@ -6821,7 +7289,7 @@
     </p:spTree>
     <p:extLst>
       <p:ext uri="{BB962C8B-B14F-4D97-AF65-F5344CB8AC3E}">
-        <p14:creationId xmlns:p14="http://schemas.microsoft.com/office/powerpoint/2010/main" val="921084484"/>
+        <p14:creationId xmlns:p14="http://schemas.microsoft.com/office/powerpoint/2010/main" val="2323276779"/>
       </p:ext>
     </p:extLst>
   </p:cSld>
@@ -6854,7 +7322,7 @@
                                     <p:cond delay="0"/>
                                   </p:stCondLst>
                                   <p:childTnLst>
-                                    <p:animMotion origin="layout" path="M 5E-6 -3.33333E-6 L 0.00079 0.37801 " pathEditMode="relative" rAng="0" ptsTypes="AA">
+                                    <p:animMotion origin="layout" path="M 5E-6 -3.33333E-6 L 0.00079 0.38241 " pathEditMode="relative" rAng="0" ptsTypes="AA">
                                       <p:cBhvr>
                                         <p:cTn id="6" dur="2000" fill="hold"/>
                                         <p:tgtEl>
@@ -6865,7 +7333,7 @@
                                           <p:attrName>ppt_y</p:attrName>
                                         </p:attrNameLst>
                                       </p:cBhvr>
-                                      <p:rCtr x="39" y="18889"/>
+                                      <p:rCtr x="39" y="19120"/>
                                     </p:animMotion>
                                   </p:childTnLst>
                                 </p:cTn>
@@ -6933,13 +7401,13 @@
         </p:nvSpPr>
         <p:spPr>
           <a:xfrm>
-            <a:off x="2057400" y="3474243"/>
+            <a:off x="1962150" y="3467100"/>
             <a:ext cx="7772400" cy="1470025"/>
           </a:xfrm>
         </p:spPr>
         <p:txBody>
           <a:bodyPr rtlCol="0">
-            <a:normAutofit fontScale="90000"/>
+            <a:noAutofit/>
           </a:bodyPr>
           <a:lstStyle/>
           <a:p>
@@ -6947,57 +7415,33 @@
               <a:defRPr/>
             </a:pPr>
             <a:r>
-              <a:rPr lang="en-US" dirty="0" smtClean="0"/>
+              <a:rPr lang="en-US" sz="4000" dirty="0" smtClean="0"/>
               <a:t>¿</a:t>
             </a:r>
             <a:r>
-              <a:rPr lang="en-US" dirty="0" err="1" smtClean="0"/>
+              <a:rPr lang="en-US" sz="4000" dirty="0" err="1" smtClean="0"/>
               <a:t>Podemos</a:t>
             </a:r>
             <a:r>
-              <a:rPr lang="en-US" dirty="0" smtClean="0"/>
+              <a:rPr lang="en-US" sz="4000" dirty="0" smtClean="0"/>
               <a:t> </a:t>
             </a:r>
             <a:r>
-              <a:rPr lang="en-US" dirty="0" err="1" smtClean="0"/>
-              <a:t>obtener</a:t>
-            </a:r>
-            <a:r>
-              <a:rPr lang="en-US" dirty="0" smtClean="0"/>
-              <a:t> </a:t>
-            </a:r>
-            <a:r>
-              <a:rPr lang="en-US" dirty="0" err="1" smtClean="0"/>
-              <a:t>información</a:t>
-            </a:r>
-            <a:r>
-              <a:rPr lang="en-US" dirty="0" smtClean="0"/>
-              <a:t> de </a:t>
-            </a:r>
-            <a:r>
-              <a:rPr lang="en-US" dirty="0" err="1" smtClean="0"/>
-              <a:t>rendimiento</a:t>
-            </a:r>
-            <a:r>
-              <a:rPr lang="en-US" dirty="0" smtClean="0"/>
-              <a:t> </a:t>
-            </a:r>
-            <a:r>
-              <a:rPr lang="en-US" dirty="0" err="1" smtClean="0"/>
-              <a:t>vía</a:t>
-            </a:r>
-            <a:r>
-              <a:rPr lang="en-US" dirty="0" smtClean="0"/>
-              <a:t> Test Cloud?</a:t>
+              <a:rPr lang="en-US" sz="4000" dirty="0" err="1" smtClean="0"/>
+              <a:t>desarrollar</a:t>
+            </a:r>
+            <a:r>
+              <a:rPr lang="en-US" sz="4000" dirty="0" smtClean="0"/>
+              <a:t> para el Apple TV con Xamarin?</a:t>
             </a:r>
             <a:br>
-              <a:rPr lang="en-US" dirty="0" smtClean="0"/>
+              <a:rPr lang="en-US" sz="4000" dirty="0" smtClean="0"/>
             </a:br>
             <a:r>
-              <a:rPr lang="en-US" dirty="0" smtClean="0"/>
+              <a:rPr lang="en-US" sz="4000" dirty="0" smtClean="0"/>
               <a:t>____________________</a:t>
             </a:r>
-            <a:endParaRPr lang="en-US" dirty="0"/>
+            <a:endParaRPr lang="en-US" sz="4000" dirty="0"/>
           </a:p>
         </p:txBody>
       </p:sp>
@@ -7047,12 +7491,12 @@
               <a:t>. </a:t>
             </a:r>
             <a:r>
-              <a:rPr lang="en-US" sz="2400" b="1" dirty="0" smtClean="0">
+              <a:rPr lang="en-US" sz="3200" b="1" dirty="0" smtClean="0">
                 <a:latin typeface="Calibri" pitchFamily="34" charset="0"/>
               </a:rPr>
               <a:t>Si</a:t>
             </a:r>
-            <a:endParaRPr lang="en-US" sz="1600" b="1" dirty="0">
+            <a:endParaRPr lang="en-US" sz="2000" b="1" dirty="0">
               <a:latin typeface="Calibri" pitchFamily="34" charset="0"/>
             </a:endParaRPr>
           </a:p>
@@ -7118,7 +7562,7 @@
     </p:spTree>
     <p:extLst>
       <p:ext uri="{BB962C8B-B14F-4D97-AF65-F5344CB8AC3E}">
-        <p14:creationId xmlns:p14="http://schemas.microsoft.com/office/powerpoint/2010/main" val="3084389091"/>
+        <p14:creationId xmlns:p14="http://schemas.microsoft.com/office/powerpoint/2010/main" val="1709315888"/>
       </p:ext>
     </p:extLst>
   </p:cSld>
@@ -7151,7 +7595,7 @@
                                     <p:cond delay="0"/>
                                   </p:stCondLst>
                                   <p:childTnLst>
-                                    <p:animMotion origin="layout" path="M 5E-6 -3.33333E-6 L -0.00039 0.39375 " pathEditMode="relative" rAng="0" ptsTypes="AA">
+                                    <p:animMotion origin="layout" path="M 5E-6 -3.33333E-6 L 0.0043 0.36968 " pathEditMode="relative" rAng="0" ptsTypes="AA">
                                       <p:cBhvr>
                                         <p:cTn id="6" dur="2000" fill="hold"/>
                                         <p:tgtEl>
@@ -7162,7 +7606,7 @@
                                           <p:attrName>ppt_y</p:attrName>
                                         </p:attrNameLst>
                                       </p:cBhvr>
-                                      <p:rCtr x="-26" y="19676"/>
+                                      <p:rCtr x="208" y="18472"/>
                                     </p:animMotion>
                                   </p:childTnLst>
                                 </p:cTn>
@@ -7519,6 +7963,935 @@
         </p:nvSpPr>
         <p:spPr>
           <a:xfrm>
+            <a:off x="2057400" y="3581401"/>
+            <a:ext cx="7772400" cy="1470025"/>
+          </a:xfrm>
+        </p:spPr>
+        <p:txBody>
+          <a:bodyPr rtlCol="0">
+            <a:normAutofit fontScale="90000"/>
+          </a:bodyPr>
+          <a:lstStyle/>
+          <a:p>
+            <a:pPr>
+              <a:defRPr/>
+            </a:pPr>
+            <a:r>
+              <a:rPr lang="en-US" dirty="0" smtClean="0"/>
+              <a:t>¿</a:t>
+            </a:r>
+            <a:r>
+              <a:rPr lang="en-US" dirty="0" err="1" smtClean="0"/>
+              <a:t>Cómo</a:t>
+            </a:r>
+            <a:r>
+              <a:rPr lang="en-US" dirty="0" smtClean="0"/>
+              <a:t> se llama la </a:t>
+            </a:r>
+            <a:r>
+              <a:rPr lang="en-US" dirty="0" err="1" smtClean="0"/>
+              <a:t>nueva</a:t>
+            </a:r>
+            <a:r>
+              <a:rPr lang="en-US" dirty="0" smtClean="0"/>
+              <a:t> </a:t>
+            </a:r>
+            <a:r>
+              <a:rPr lang="en-US" dirty="0" err="1" smtClean="0"/>
+              <a:t>herramienta</a:t>
+            </a:r>
+            <a:r>
+              <a:rPr lang="en-US" dirty="0" smtClean="0"/>
+              <a:t> para </a:t>
+            </a:r>
+            <a:r>
+              <a:rPr lang="en-US" dirty="0" err="1" smtClean="0"/>
+              <a:t>crear</a:t>
+            </a:r>
+            <a:r>
+              <a:rPr lang="en-US" dirty="0" smtClean="0"/>
+              <a:t> </a:t>
+            </a:r>
+            <a:r>
+              <a:rPr lang="en-US" dirty="0" err="1" smtClean="0"/>
+              <a:t>UITest</a:t>
+            </a:r>
+            <a:r>
+              <a:rPr lang="en-US" dirty="0" smtClean="0"/>
+              <a:t>?</a:t>
+            </a:r>
+            <a:br>
+              <a:rPr lang="en-US" dirty="0" smtClean="0"/>
+            </a:br>
+            <a:r>
+              <a:rPr lang="en-US" dirty="0" smtClean="0"/>
+              <a:t>____________________</a:t>
+            </a:r>
+            <a:endParaRPr lang="en-US" dirty="0"/>
+          </a:p>
+        </p:txBody>
+      </p:sp>
+      <p:sp>
+        <p:nvSpPr>
+          <p:cNvPr id="4" name="TextBox 3"/>
+          <p:cNvSpPr txBox="1">
+            <a:spLocks noChangeArrowheads="1"/>
+          </p:cNvSpPr>
+          <p:nvPr/>
+        </p:nvSpPr>
+        <p:spPr bwMode="auto">
+          <a:xfrm>
+            <a:off x="2514600" y="2006601"/>
+            <a:ext cx="2667000" cy="646331"/>
+          </a:xfrm>
+          <a:prstGeom prst="rect">
+            <a:avLst/>
+          </a:prstGeom>
+          <a:noFill/>
+          <a:ln w="28575">
+            <a:solidFill>
+              <a:srgbClr val="FF0000"/>
+            </a:solidFill>
+            <a:miter lim="800000"/>
+            <a:headEnd/>
+            <a:tailEnd/>
+          </a:ln>
+        </p:spPr>
+        <p:txBody>
+          <a:bodyPr>
+            <a:spAutoFit/>
+          </a:bodyPr>
+          <a:lstStyle/>
+          <a:p>
+            <a:pPr algn="ctr"/>
+            <a:r>
+              <a:rPr lang="en-US" sz="3600" b="1" dirty="0">
+                <a:latin typeface="Calibri" pitchFamily="34" charset="0"/>
+              </a:rPr>
+              <a:t>A</a:t>
+            </a:r>
+            <a:r>
+              <a:rPr lang="en-US" sz="3600" b="1" dirty="0" smtClean="0">
+                <a:latin typeface="Calibri" pitchFamily="34" charset="0"/>
+              </a:rPr>
+              <a:t>. </a:t>
+            </a:r>
+            <a:r>
+              <a:rPr lang="en-US" sz="2400" b="1" dirty="0" smtClean="0">
+                <a:latin typeface="Calibri" pitchFamily="34" charset="0"/>
+              </a:rPr>
+              <a:t>Test Recorder</a:t>
+            </a:r>
+            <a:endParaRPr lang="en-US" sz="1600" b="1" dirty="0">
+              <a:latin typeface="Calibri" pitchFamily="34" charset="0"/>
+            </a:endParaRPr>
+          </a:p>
+        </p:txBody>
+      </p:sp>
+      <p:sp>
+        <p:nvSpPr>
+          <p:cNvPr id="5" name="TextBox 4"/>
+          <p:cNvSpPr txBox="1">
+            <a:spLocks noChangeArrowheads="1"/>
+          </p:cNvSpPr>
+          <p:nvPr/>
+        </p:nvSpPr>
+        <p:spPr bwMode="auto">
+          <a:xfrm>
+            <a:off x="5791200" y="2006601"/>
+            <a:ext cx="2667000" cy="646331"/>
+          </a:xfrm>
+          <a:prstGeom prst="rect">
+            <a:avLst/>
+          </a:prstGeom>
+          <a:noFill/>
+          <a:ln w="28575">
+            <a:solidFill>
+              <a:srgbClr val="FF0000"/>
+            </a:solidFill>
+            <a:miter lim="800000"/>
+            <a:headEnd/>
+            <a:tailEnd/>
+          </a:ln>
+        </p:spPr>
+        <p:txBody>
+          <a:bodyPr>
+            <a:spAutoFit/>
+          </a:bodyPr>
+          <a:lstStyle/>
+          <a:p>
+            <a:pPr algn="ctr"/>
+            <a:r>
+              <a:rPr lang="en-US" sz="3600" b="1" dirty="0">
+                <a:latin typeface="Calibri" pitchFamily="34" charset="0"/>
+              </a:rPr>
+              <a:t>B</a:t>
+            </a:r>
+            <a:r>
+              <a:rPr lang="en-US" sz="3600" b="1" dirty="0" smtClean="0">
+                <a:latin typeface="Calibri" pitchFamily="34" charset="0"/>
+              </a:rPr>
+              <a:t>. </a:t>
+            </a:r>
+            <a:r>
+              <a:rPr lang="en-US" sz="2800" b="1" dirty="0" smtClean="0">
+                <a:latin typeface="Calibri" pitchFamily="34" charset="0"/>
+              </a:rPr>
+              <a:t>Test Creator</a:t>
+            </a:r>
+            <a:endParaRPr lang="en-US" sz="2800" b="1" dirty="0">
+              <a:latin typeface="Calibri" pitchFamily="34" charset="0"/>
+            </a:endParaRPr>
+          </a:p>
+        </p:txBody>
+      </p:sp>
+    </p:spTree>
+    <p:extLst>
+      <p:ext uri="{BB962C8B-B14F-4D97-AF65-F5344CB8AC3E}">
+        <p14:creationId xmlns:p14="http://schemas.microsoft.com/office/powerpoint/2010/main" val="921084484"/>
+      </p:ext>
+    </p:extLst>
+  </p:cSld>
+  <p:clrMapOvr>
+    <a:masterClrMapping/>
+  </p:clrMapOvr>
+  <p:timing>
+    <p:tnLst>
+      <p:par>
+        <p:cTn id="1" dur="indefinite" restart="never" nodeType="tmRoot">
+          <p:childTnLst>
+            <p:seq concurrent="1" nextAc="seek">
+              <p:cTn id="2" dur="indefinite" nodeType="mainSeq">
+                <p:childTnLst>
+                  <p:par>
+                    <p:cTn id="3" fill="hold">
+                      <p:stCondLst>
+                        <p:cond delay="indefinite"/>
+                      </p:stCondLst>
+                      <p:childTnLst>
+                        <p:par>
+                          <p:cTn id="4" fill="hold">
+                            <p:stCondLst>
+                              <p:cond delay="0"/>
+                            </p:stCondLst>
+                            <p:childTnLst>
+                              <p:par>
+                                <p:cTn id="5" presetID="42" presetClass="path" presetSubtype="0" accel="50000" decel="50000" fill="hold" grpId="0" nodeType="clickEffect">
+                                  <p:stCondLst>
+                                    <p:cond delay="0"/>
+                                  </p:stCondLst>
+                                  <p:childTnLst>
+                                    <p:animMotion origin="layout" path="M 5E-6 -3.33333E-6 L 0.00079 0.37801 " pathEditMode="relative" rAng="0" ptsTypes="AA">
+                                      <p:cBhvr>
+                                        <p:cTn id="6" dur="2000" fill="hold"/>
+                                        <p:tgtEl>
+                                          <p:spTgt spid="4"/>
+                                        </p:tgtEl>
+                                        <p:attrNameLst>
+                                          <p:attrName>ppt_x</p:attrName>
+                                          <p:attrName>ppt_y</p:attrName>
+                                        </p:attrNameLst>
+                                      </p:cBhvr>
+                                      <p:rCtr x="39" y="18889"/>
+                                    </p:animMotion>
+                                  </p:childTnLst>
+                                </p:cTn>
+                              </p:par>
+                            </p:childTnLst>
+                          </p:cTn>
+                        </p:par>
+                      </p:childTnLst>
+                    </p:cTn>
+                  </p:par>
+                </p:childTnLst>
+              </p:cTn>
+              <p:prevCondLst>
+                <p:cond evt="onPrev" delay="0">
+                  <p:tgtEl>
+                    <p:sldTgt/>
+                  </p:tgtEl>
+                </p:cond>
+              </p:prevCondLst>
+              <p:nextCondLst>
+                <p:cond evt="onNext" delay="0">
+                  <p:tgtEl>
+                    <p:sldTgt/>
+                  </p:tgtEl>
+                </p:cond>
+              </p:nextCondLst>
+            </p:seq>
+          </p:childTnLst>
+        </p:cTn>
+      </p:par>
+    </p:tnLst>
+    <p:bldLst>
+      <p:bldP spid="4" grpId="0" animBg="1"/>
+    </p:bldLst>
+  </p:timing>
+</p:sld>
+</file>
+
+<file path=ppt/slides/slide2.xml><?xml version="1.0" encoding="utf-8"?>
+<p:sld xmlns:a="http://schemas.openxmlformats.org/drawingml/2006/main" xmlns:r="http://schemas.openxmlformats.org/officeDocument/2006/relationships" xmlns:p="http://schemas.openxmlformats.org/presentationml/2006/main">
+  <p:cSld>
+    <p:spTree>
+      <p:nvGrpSpPr>
+        <p:cNvPr id="1" name=""/>
+        <p:cNvGrpSpPr/>
+        <p:nvPr/>
+      </p:nvGrpSpPr>
+      <p:grpSpPr>
+        <a:xfrm>
+          <a:off x="0" y="0"/>
+          <a:ext cx="0" cy="0"/>
+          <a:chOff x="0" y="0"/>
+          <a:chExt cx="0" cy="0"/>
+        </a:xfrm>
+      </p:grpSpPr>
+      <p:sp>
+        <p:nvSpPr>
+          <p:cNvPr id="14" name="Rectangle 13"/>
+          <p:cNvSpPr/>
+          <p:nvPr/>
+        </p:nvSpPr>
+        <p:spPr>
+          <a:xfrm>
+            <a:off x="2135036" y="2241746"/>
+            <a:ext cx="7924247" cy="3046988"/>
+          </a:xfrm>
+          <a:prstGeom prst="rect">
+            <a:avLst/>
+          </a:prstGeom>
+        </p:spPr>
+        <p:txBody>
+          <a:bodyPr wrap="square">
+            <a:spAutoFit/>
+          </a:bodyPr>
+          <a:lstStyle/>
+          <a:p>
+            <a:pPr lvl="0" algn="ctr"/>
+            <a:r>
+              <a:rPr lang="en-US" sz="4800" dirty="0" err="1" smtClean="0">
+                <a:solidFill>
+                  <a:schemeClr val="tx1">
+                    <a:lumMod val="65000"/>
+                    <a:lumOff val="35000"/>
+                  </a:schemeClr>
+                </a:solidFill>
+                <a:latin typeface="Segoe UI Light"/>
+                <a:cs typeface="Segoe UI Light"/>
+              </a:rPr>
+              <a:t>Concurso</a:t>
+            </a:r>
+            <a:r>
+              <a:rPr lang="en-US" sz="4800" dirty="0" smtClean="0">
+                <a:solidFill>
+                  <a:schemeClr val="tx1">
+                    <a:lumMod val="65000"/>
+                    <a:lumOff val="35000"/>
+                  </a:schemeClr>
+                </a:solidFill>
+                <a:latin typeface="Segoe UI Light"/>
+                <a:cs typeface="Segoe UI Light"/>
+              </a:rPr>
+              <a:t> </a:t>
+            </a:r>
+            <a:r>
+              <a:rPr lang="en-US" sz="4800" dirty="0" err="1" smtClean="0">
+                <a:solidFill>
+                  <a:schemeClr val="tx1">
+                    <a:lumMod val="65000"/>
+                    <a:lumOff val="35000"/>
+                  </a:schemeClr>
+                </a:solidFill>
+                <a:latin typeface="Segoe UI Light"/>
+                <a:cs typeface="Segoe UI Light"/>
+              </a:rPr>
+              <a:t>en</a:t>
+            </a:r>
+            <a:r>
+              <a:rPr lang="en-US" sz="4800" dirty="0" smtClean="0">
+                <a:solidFill>
+                  <a:schemeClr val="tx1">
+                    <a:lumMod val="65000"/>
+                    <a:lumOff val="35000"/>
+                  </a:schemeClr>
+                </a:solidFill>
+                <a:latin typeface="Segoe UI Light"/>
+                <a:cs typeface="Segoe UI Light"/>
+              </a:rPr>
+              <a:t> el que </a:t>
+            </a:r>
+            <a:r>
+              <a:rPr lang="en-US" sz="4800" dirty="0" err="1" smtClean="0">
+                <a:solidFill>
+                  <a:srgbClr val="48B3CA"/>
+                </a:solidFill>
+                <a:latin typeface="Segoe UI" charset="0"/>
+                <a:ea typeface="Segoe UI" charset="0"/>
+                <a:cs typeface="Segoe UI" charset="0"/>
+              </a:rPr>
+              <a:t>sorteamos</a:t>
+            </a:r>
+            <a:r>
+              <a:rPr lang="en-US" sz="4800" dirty="0" smtClean="0">
+                <a:solidFill>
+                  <a:schemeClr val="tx1">
+                    <a:lumMod val="65000"/>
+                    <a:lumOff val="35000"/>
+                  </a:schemeClr>
+                </a:solidFill>
+                <a:latin typeface="Segoe UI Light"/>
+                <a:cs typeface="Segoe UI Light"/>
+              </a:rPr>
+              <a:t> </a:t>
+            </a:r>
+            <a:r>
+              <a:rPr lang="en-US" sz="4800" dirty="0" err="1" smtClean="0">
+                <a:solidFill>
+                  <a:srgbClr val="90CA47"/>
+                </a:solidFill>
+                <a:latin typeface="Segoe UI" charset="0"/>
+                <a:ea typeface="Segoe UI" charset="0"/>
+                <a:cs typeface="Segoe UI" charset="0"/>
+              </a:rPr>
+              <a:t>regalos</a:t>
+            </a:r>
+            <a:r>
+              <a:rPr lang="en-US" sz="4800" dirty="0" smtClean="0">
+                <a:solidFill>
+                  <a:schemeClr val="tx1">
+                    <a:lumMod val="65000"/>
+                    <a:lumOff val="35000"/>
+                  </a:schemeClr>
+                </a:solidFill>
+                <a:latin typeface="Segoe UI Light"/>
+                <a:cs typeface="Segoe UI Light"/>
+              </a:rPr>
+              <a:t> y la </a:t>
+            </a:r>
+            <a:r>
+              <a:rPr lang="en-US" sz="4800" dirty="0" err="1" smtClean="0">
+                <a:solidFill>
+                  <a:srgbClr val="9377CE"/>
+                </a:solidFill>
+                <a:latin typeface="Segoe UI" charset="0"/>
+                <a:ea typeface="Segoe UI" charset="0"/>
+                <a:cs typeface="Segoe UI" charset="0"/>
+              </a:rPr>
+              <a:t>subscripción</a:t>
+            </a:r>
+            <a:r>
+              <a:rPr lang="en-US" sz="4800" dirty="0" smtClean="0">
+                <a:solidFill>
+                  <a:srgbClr val="9377CE"/>
+                </a:solidFill>
+                <a:latin typeface="Segoe UI" charset="0"/>
+                <a:ea typeface="Segoe UI" charset="0"/>
+                <a:cs typeface="Segoe UI" charset="0"/>
+              </a:rPr>
+              <a:t> </a:t>
+            </a:r>
+            <a:r>
+              <a:rPr lang="en-US" sz="4800" dirty="0" err="1" smtClean="0">
+                <a:solidFill>
+                  <a:srgbClr val="9377CE"/>
+                </a:solidFill>
+                <a:latin typeface="Segoe UI" charset="0"/>
+                <a:ea typeface="Segoe UI" charset="0"/>
+                <a:cs typeface="Segoe UI" charset="0"/>
+              </a:rPr>
+              <a:t>anual</a:t>
+            </a:r>
+            <a:r>
+              <a:rPr lang="en-US" sz="4800" dirty="0" smtClean="0">
+                <a:solidFill>
+                  <a:srgbClr val="9377CE"/>
+                </a:solidFill>
+                <a:latin typeface="Segoe UI" charset="0"/>
+                <a:ea typeface="Segoe UI" charset="0"/>
+                <a:cs typeface="Segoe UI" charset="0"/>
+              </a:rPr>
+              <a:t> </a:t>
+            </a:r>
+            <a:r>
+              <a:rPr lang="en-US" sz="4800" dirty="0" smtClean="0">
+                <a:solidFill>
+                  <a:schemeClr val="tx1">
+                    <a:lumMod val="65000"/>
+                    <a:lumOff val="35000"/>
+                  </a:schemeClr>
+                </a:solidFill>
+                <a:latin typeface="Segoe UI Light"/>
+                <a:cs typeface="Segoe UI Light"/>
+              </a:rPr>
+              <a:t>para Android e iOS.</a:t>
+            </a:r>
+            <a:endParaRPr lang="en-US" sz="4800" kern="0" dirty="0">
+              <a:solidFill>
+                <a:schemeClr val="tx1">
+                  <a:lumMod val="65000"/>
+                  <a:lumOff val="35000"/>
+                </a:schemeClr>
+              </a:solidFill>
+              <a:latin typeface="Segoe UI Light"/>
+              <a:ea typeface="Segoe UI" pitchFamily="34" charset="0"/>
+              <a:cs typeface="Segoe UI Light"/>
+            </a:endParaRPr>
+          </a:p>
+        </p:txBody>
+      </p:sp>
+      <p:pic>
+        <p:nvPicPr>
+          <p:cNvPr id="6" name="Picture 5"/>
+          <p:cNvPicPr>
+            <a:picLocks noChangeAspect="1"/>
+          </p:cNvPicPr>
+          <p:nvPr/>
+        </p:nvPicPr>
+        <p:blipFill>
+          <a:blip r:embed="rId3">
+            <a:extLst>
+              <a:ext uri="{28A0092B-C50C-407E-A947-70E740481C1C}">
+                <a14:useLocalDpi xmlns:a14="http://schemas.microsoft.com/office/drawing/2010/main" val="0"/>
+              </a:ext>
+            </a:extLst>
+          </a:blip>
+          <a:stretch>
+            <a:fillRect/>
+          </a:stretch>
+        </p:blipFill>
+        <p:spPr>
+          <a:xfrm>
+            <a:off x="13131539" y="150829"/>
+            <a:ext cx="7909677" cy="6858000"/>
+          </a:xfrm>
+          <a:prstGeom prst="rect">
+            <a:avLst/>
+          </a:prstGeom>
+        </p:spPr>
+      </p:pic>
+      <p:sp>
+        <p:nvSpPr>
+          <p:cNvPr id="7" name="Title 22"/>
+          <p:cNvSpPr>
+            <a:spLocks noGrp="1"/>
+          </p:cNvSpPr>
+          <p:nvPr>
+            <p:ph type="title"/>
+          </p:nvPr>
+        </p:nvSpPr>
+        <p:spPr/>
+        <p:txBody>
+          <a:bodyPr/>
+          <a:lstStyle/>
+          <a:p>
+            <a:r>
+              <a:rPr lang="en-US" dirty="0" smtClean="0">
+                <a:solidFill>
+                  <a:srgbClr val="06AED0"/>
+                </a:solidFill>
+              </a:rPr>
+              <a:t>¿</a:t>
+            </a:r>
+            <a:r>
+              <a:rPr lang="en-US" dirty="0" err="1" smtClean="0">
+                <a:solidFill>
+                  <a:srgbClr val="06AED0"/>
+                </a:solidFill>
+              </a:rPr>
+              <a:t>En</a:t>
+            </a:r>
+            <a:r>
+              <a:rPr lang="en-US" dirty="0" smtClean="0">
+                <a:solidFill>
+                  <a:srgbClr val="06AED0"/>
+                </a:solidFill>
+              </a:rPr>
+              <a:t> </a:t>
+            </a:r>
+            <a:r>
+              <a:rPr lang="en-US" dirty="0" err="1" smtClean="0">
+                <a:solidFill>
+                  <a:srgbClr val="06AED0"/>
+                </a:solidFill>
+              </a:rPr>
+              <a:t>qué</a:t>
+            </a:r>
+            <a:r>
+              <a:rPr lang="en-US" dirty="0" smtClean="0">
+                <a:solidFill>
+                  <a:srgbClr val="06AED0"/>
+                </a:solidFill>
+              </a:rPr>
+              <a:t> </a:t>
+            </a:r>
+            <a:r>
+              <a:rPr lang="en-US" dirty="0" err="1" smtClean="0">
+                <a:solidFill>
+                  <a:srgbClr val="06AED0"/>
+                </a:solidFill>
+              </a:rPr>
+              <a:t>consiste</a:t>
+            </a:r>
+            <a:r>
+              <a:rPr lang="en-US" dirty="0" smtClean="0">
+                <a:solidFill>
+                  <a:srgbClr val="06AED0"/>
+                </a:solidFill>
+              </a:rPr>
+              <a:t>?</a:t>
+            </a:r>
+            <a:endParaRPr lang="en-US" dirty="0">
+              <a:solidFill>
+                <a:srgbClr val="06AED0"/>
+              </a:solidFill>
+            </a:endParaRPr>
+          </a:p>
+        </p:txBody>
+      </p:sp>
+    </p:spTree>
+    <p:extLst>
+      <p:ext uri="{BB962C8B-B14F-4D97-AF65-F5344CB8AC3E}">
+        <p14:creationId xmlns:p14="http://schemas.microsoft.com/office/powerpoint/2010/main" val="2015615358"/>
+      </p:ext>
+    </p:extLst>
+  </p:cSld>
+  <p:clrMapOvr>
+    <a:masterClrMapping/>
+  </p:clrMapOvr>
+  <p:transition>
+    <p:fade/>
+  </p:transition>
+</p:sld>
+</file>
+
+<file path=ppt/slides/slide20.xml><?xml version="1.0" encoding="utf-8"?>
+<p:sld xmlns:a="http://schemas.openxmlformats.org/drawingml/2006/main" xmlns:r="http://schemas.openxmlformats.org/officeDocument/2006/relationships" xmlns:p="http://schemas.openxmlformats.org/presentationml/2006/main">
+  <p:cSld>
+    <p:spTree>
+      <p:nvGrpSpPr>
+        <p:cNvPr id="1" name=""/>
+        <p:cNvGrpSpPr/>
+        <p:nvPr/>
+      </p:nvGrpSpPr>
+      <p:grpSpPr>
+        <a:xfrm>
+          <a:off x="0" y="0"/>
+          <a:ext cx="0" cy="0"/>
+          <a:chOff x="0" y="0"/>
+          <a:chExt cx="0" cy="0"/>
+        </a:xfrm>
+      </p:grpSpPr>
+      <p:sp>
+        <p:nvSpPr>
+          <p:cNvPr id="2" name="Title 1"/>
+          <p:cNvSpPr>
+            <a:spLocks noGrp="1"/>
+          </p:cNvSpPr>
+          <p:nvPr>
+            <p:ph type="ctrTitle"/>
+          </p:nvPr>
+        </p:nvSpPr>
+        <p:spPr>
+          <a:xfrm>
+            <a:off x="2057400" y="3474243"/>
+            <a:ext cx="7772400" cy="1470025"/>
+          </a:xfrm>
+        </p:spPr>
+        <p:txBody>
+          <a:bodyPr rtlCol="0">
+            <a:normAutofit fontScale="90000"/>
+          </a:bodyPr>
+          <a:lstStyle/>
+          <a:p>
+            <a:pPr>
+              <a:defRPr/>
+            </a:pPr>
+            <a:r>
+              <a:rPr lang="en-US" dirty="0" smtClean="0"/>
+              <a:t>¿</a:t>
+            </a:r>
+            <a:r>
+              <a:rPr lang="en-US" dirty="0" err="1" smtClean="0"/>
+              <a:t>Podemos</a:t>
+            </a:r>
+            <a:r>
+              <a:rPr lang="en-US" dirty="0" smtClean="0"/>
+              <a:t> </a:t>
+            </a:r>
+            <a:r>
+              <a:rPr lang="en-US" dirty="0" err="1" smtClean="0"/>
+              <a:t>obtener</a:t>
+            </a:r>
+            <a:r>
+              <a:rPr lang="en-US" dirty="0" smtClean="0"/>
+              <a:t> </a:t>
+            </a:r>
+            <a:r>
+              <a:rPr lang="en-US" dirty="0" err="1" smtClean="0"/>
+              <a:t>información</a:t>
+            </a:r>
+            <a:r>
+              <a:rPr lang="en-US" dirty="0" smtClean="0"/>
+              <a:t> de </a:t>
+            </a:r>
+            <a:r>
+              <a:rPr lang="en-US" dirty="0" err="1" smtClean="0"/>
+              <a:t>rendimiento</a:t>
+            </a:r>
+            <a:r>
+              <a:rPr lang="en-US" dirty="0" smtClean="0"/>
+              <a:t> </a:t>
+            </a:r>
+            <a:r>
+              <a:rPr lang="en-US" dirty="0" err="1" smtClean="0"/>
+              <a:t>vía</a:t>
+            </a:r>
+            <a:r>
+              <a:rPr lang="en-US" dirty="0" smtClean="0"/>
+              <a:t> Test Cloud?</a:t>
+            </a:r>
+            <a:br>
+              <a:rPr lang="en-US" dirty="0" smtClean="0"/>
+            </a:br>
+            <a:r>
+              <a:rPr lang="en-US" dirty="0" smtClean="0"/>
+              <a:t>____________________</a:t>
+            </a:r>
+            <a:endParaRPr lang="en-US" dirty="0"/>
+          </a:p>
+        </p:txBody>
+      </p:sp>
+      <p:sp>
+        <p:nvSpPr>
+          <p:cNvPr id="4" name="TextBox 3"/>
+          <p:cNvSpPr txBox="1">
+            <a:spLocks noChangeArrowheads="1"/>
+          </p:cNvSpPr>
+          <p:nvPr/>
+        </p:nvSpPr>
+        <p:spPr bwMode="auto">
+          <a:xfrm>
+            <a:off x="2514600" y="2006601"/>
+            <a:ext cx="2667000" cy="646331"/>
+          </a:xfrm>
+          <a:prstGeom prst="rect">
+            <a:avLst/>
+          </a:prstGeom>
+          <a:noFill/>
+          <a:ln w="28575">
+            <a:solidFill>
+              <a:srgbClr val="FF0000"/>
+            </a:solidFill>
+            <a:miter lim="800000"/>
+            <a:headEnd/>
+            <a:tailEnd/>
+          </a:ln>
+        </p:spPr>
+        <p:txBody>
+          <a:bodyPr>
+            <a:spAutoFit/>
+          </a:bodyPr>
+          <a:lstStyle/>
+          <a:p>
+            <a:pPr algn="ctr"/>
+            <a:r>
+              <a:rPr lang="en-US" sz="3600" b="1" dirty="0">
+                <a:latin typeface="Calibri" pitchFamily="34" charset="0"/>
+              </a:rPr>
+              <a:t>A</a:t>
+            </a:r>
+            <a:r>
+              <a:rPr lang="en-US" sz="3600" b="1" dirty="0" smtClean="0">
+                <a:latin typeface="Calibri" pitchFamily="34" charset="0"/>
+              </a:rPr>
+              <a:t>. </a:t>
+            </a:r>
+            <a:r>
+              <a:rPr lang="en-US" sz="2400" b="1" dirty="0" smtClean="0">
+                <a:latin typeface="Calibri" pitchFamily="34" charset="0"/>
+              </a:rPr>
+              <a:t>Si</a:t>
+            </a:r>
+            <a:endParaRPr lang="en-US" sz="1600" b="1" dirty="0">
+              <a:latin typeface="Calibri" pitchFamily="34" charset="0"/>
+            </a:endParaRPr>
+          </a:p>
+        </p:txBody>
+      </p:sp>
+      <p:sp>
+        <p:nvSpPr>
+          <p:cNvPr id="5" name="TextBox 4"/>
+          <p:cNvSpPr txBox="1">
+            <a:spLocks noChangeArrowheads="1"/>
+          </p:cNvSpPr>
+          <p:nvPr/>
+        </p:nvSpPr>
+        <p:spPr bwMode="auto">
+          <a:xfrm>
+            <a:off x="5791200" y="2006601"/>
+            <a:ext cx="2667000" cy="646331"/>
+          </a:xfrm>
+          <a:prstGeom prst="rect">
+            <a:avLst/>
+          </a:prstGeom>
+          <a:noFill/>
+          <a:ln w="28575">
+            <a:solidFill>
+              <a:srgbClr val="FF0000"/>
+            </a:solidFill>
+            <a:miter lim="800000"/>
+            <a:headEnd/>
+            <a:tailEnd/>
+          </a:ln>
+        </p:spPr>
+        <p:txBody>
+          <a:bodyPr>
+            <a:spAutoFit/>
+          </a:bodyPr>
+          <a:lstStyle/>
+          <a:p>
+            <a:pPr algn="ctr"/>
+            <a:r>
+              <a:rPr lang="en-US" sz="3600" b="1" dirty="0">
+                <a:latin typeface="Calibri" pitchFamily="34" charset="0"/>
+              </a:rPr>
+              <a:t>B</a:t>
+            </a:r>
+            <a:r>
+              <a:rPr lang="en-US" sz="3600" b="1" dirty="0" smtClean="0">
+                <a:latin typeface="Calibri" pitchFamily="34" charset="0"/>
+              </a:rPr>
+              <a:t>. </a:t>
+            </a:r>
+            <a:r>
+              <a:rPr lang="en-US" sz="2800" b="1" dirty="0" smtClean="0">
+                <a:latin typeface="Calibri" pitchFamily="34" charset="0"/>
+              </a:rPr>
+              <a:t>No</a:t>
+            </a:r>
+            <a:endParaRPr lang="en-US" sz="2800" b="1" dirty="0">
+              <a:latin typeface="Calibri" pitchFamily="34" charset="0"/>
+            </a:endParaRPr>
+          </a:p>
+        </p:txBody>
+      </p:sp>
+    </p:spTree>
+    <p:extLst>
+      <p:ext uri="{BB962C8B-B14F-4D97-AF65-F5344CB8AC3E}">
+        <p14:creationId xmlns:p14="http://schemas.microsoft.com/office/powerpoint/2010/main" val="3084389091"/>
+      </p:ext>
+    </p:extLst>
+  </p:cSld>
+  <p:clrMapOvr>
+    <a:masterClrMapping/>
+  </p:clrMapOvr>
+  <p:timing>
+    <p:tnLst>
+      <p:par>
+        <p:cTn id="1" dur="indefinite" restart="never" nodeType="tmRoot">
+          <p:childTnLst>
+            <p:seq concurrent="1" nextAc="seek">
+              <p:cTn id="2" dur="indefinite" nodeType="mainSeq">
+                <p:childTnLst>
+                  <p:par>
+                    <p:cTn id="3" fill="hold">
+                      <p:stCondLst>
+                        <p:cond delay="indefinite"/>
+                      </p:stCondLst>
+                      <p:childTnLst>
+                        <p:par>
+                          <p:cTn id="4" fill="hold">
+                            <p:stCondLst>
+                              <p:cond delay="0"/>
+                            </p:stCondLst>
+                            <p:childTnLst>
+                              <p:par>
+                                <p:cTn id="5" presetID="42" presetClass="path" presetSubtype="0" accel="50000" decel="50000" fill="hold" grpId="0" nodeType="clickEffect">
+                                  <p:stCondLst>
+                                    <p:cond delay="0"/>
+                                  </p:stCondLst>
+                                  <p:childTnLst>
+                                    <p:animMotion origin="layout" path="M 5E-6 -3.33333E-6 L -0.00039 0.39375 " pathEditMode="relative" rAng="0" ptsTypes="AA">
+                                      <p:cBhvr>
+                                        <p:cTn id="6" dur="2000" fill="hold"/>
+                                        <p:tgtEl>
+                                          <p:spTgt spid="4"/>
+                                        </p:tgtEl>
+                                        <p:attrNameLst>
+                                          <p:attrName>ppt_x</p:attrName>
+                                          <p:attrName>ppt_y</p:attrName>
+                                        </p:attrNameLst>
+                                      </p:cBhvr>
+                                      <p:rCtr x="-26" y="19676"/>
+                                    </p:animMotion>
+                                  </p:childTnLst>
+                                </p:cTn>
+                              </p:par>
+                            </p:childTnLst>
+                          </p:cTn>
+                        </p:par>
+                      </p:childTnLst>
+                    </p:cTn>
+                  </p:par>
+                </p:childTnLst>
+              </p:cTn>
+              <p:prevCondLst>
+                <p:cond evt="onPrev" delay="0">
+                  <p:tgtEl>
+                    <p:sldTgt/>
+                  </p:tgtEl>
+                </p:cond>
+              </p:prevCondLst>
+              <p:nextCondLst>
+                <p:cond evt="onNext" delay="0">
+                  <p:tgtEl>
+                    <p:sldTgt/>
+                  </p:tgtEl>
+                </p:cond>
+              </p:nextCondLst>
+            </p:seq>
+          </p:childTnLst>
+        </p:cTn>
+      </p:par>
+    </p:tnLst>
+    <p:bldLst>
+      <p:bldP spid="4" grpId="0" animBg="1"/>
+    </p:bldLst>
+  </p:timing>
+</p:sld>
+</file>
+
+<file path=ppt/slides/slide21.xml><?xml version="1.0" encoding="utf-8"?>
+<p:sld xmlns:a="http://schemas.openxmlformats.org/drawingml/2006/main" xmlns:r="http://schemas.openxmlformats.org/officeDocument/2006/relationships" xmlns:p="http://schemas.openxmlformats.org/presentationml/2006/main">
+  <p:cSld>
+    <p:spTree>
+      <p:nvGrpSpPr>
+        <p:cNvPr id="1" name=""/>
+        <p:cNvGrpSpPr/>
+        <p:nvPr/>
+      </p:nvGrpSpPr>
+      <p:grpSpPr>
+        <a:xfrm>
+          <a:off x="0" y="0"/>
+          <a:ext cx="0" cy="0"/>
+          <a:chOff x="0" y="0"/>
+          <a:chExt cx="0" cy="0"/>
+        </a:xfrm>
+      </p:grpSpPr>
+      <p:sp>
+        <p:nvSpPr>
+          <p:cNvPr id="2" name="Title 1"/>
+          <p:cNvSpPr>
+            <a:spLocks noGrp="1"/>
+          </p:cNvSpPr>
+          <p:nvPr>
+            <p:ph type="ctrTitle"/>
+          </p:nvPr>
+        </p:nvSpPr>
+        <p:spPr>
+          <a:xfrm>
             <a:off x="2057400" y="3838571"/>
             <a:ext cx="7772400" cy="1470025"/>
           </a:xfrm>
@@ -7779,342 +9152,7 @@
 </p:sld>
 </file>
 
-<file path=ppt/slides/slide2.xml><?xml version="1.0" encoding="utf-8"?>
-<p:sld xmlns:a="http://schemas.openxmlformats.org/drawingml/2006/main" xmlns:r="http://schemas.openxmlformats.org/officeDocument/2006/relationships" xmlns:p="http://schemas.openxmlformats.org/presentationml/2006/main">
-  <p:cSld>
-    <p:spTree>
-      <p:nvGrpSpPr>
-        <p:cNvPr id="1" name=""/>
-        <p:cNvGrpSpPr/>
-        <p:nvPr/>
-      </p:nvGrpSpPr>
-      <p:grpSpPr>
-        <a:xfrm>
-          <a:off x="0" y="0"/>
-          <a:ext cx="0" cy="0"/>
-          <a:chOff x="0" y="0"/>
-          <a:chExt cx="0" cy="0"/>
-        </a:xfrm>
-      </p:grpSpPr>
-      <p:sp>
-        <p:nvSpPr>
-          <p:cNvPr id="14" name="Rectangle 13"/>
-          <p:cNvSpPr/>
-          <p:nvPr/>
-        </p:nvSpPr>
-        <p:spPr>
-          <a:xfrm>
-            <a:off x="2135036" y="2241746"/>
-            <a:ext cx="7924247" cy="3046988"/>
-          </a:xfrm>
-          <a:prstGeom prst="rect">
-            <a:avLst/>
-          </a:prstGeom>
-        </p:spPr>
-        <p:txBody>
-          <a:bodyPr wrap="square">
-            <a:spAutoFit/>
-          </a:bodyPr>
-          <a:lstStyle/>
-          <a:p>
-            <a:pPr lvl="0" algn="ctr"/>
-            <a:r>
-              <a:rPr lang="en-US" sz="4800" dirty="0" err="1" smtClean="0">
-                <a:solidFill>
-                  <a:schemeClr val="tx1">
-                    <a:lumMod val="65000"/>
-                    <a:lumOff val="35000"/>
-                  </a:schemeClr>
-                </a:solidFill>
-                <a:latin typeface="Segoe UI Light"/>
-                <a:cs typeface="Segoe UI Light"/>
-              </a:rPr>
-              <a:t>Concurso</a:t>
-            </a:r>
-            <a:r>
-              <a:rPr lang="en-US" sz="4800" dirty="0" smtClean="0">
-                <a:solidFill>
-                  <a:schemeClr val="tx1">
-                    <a:lumMod val="65000"/>
-                    <a:lumOff val="35000"/>
-                  </a:schemeClr>
-                </a:solidFill>
-                <a:latin typeface="Segoe UI Light"/>
-                <a:cs typeface="Segoe UI Light"/>
-              </a:rPr>
-              <a:t> </a:t>
-            </a:r>
-            <a:r>
-              <a:rPr lang="en-US" sz="4800" dirty="0" err="1" smtClean="0">
-                <a:solidFill>
-                  <a:schemeClr val="tx1">
-                    <a:lumMod val="65000"/>
-                    <a:lumOff val="35000"/>
-                  </a:schemeClr>
-                </a:solidFill>
-                <a:latin typeface="Segoe UI Light"/>
-                <a:cs typeface="Segoe UI Light"/>
-              </a:rPr>
-              <a:t>en</a:t>
-            </a:r>
-            <a:r>
-              <a:rPr lang="en-US" sz="4800" dirty="0" smtClean="0">
-                <a:solidFill>
-                  <a:schemeClr val="tx1">
-                    <a:lumMod val="65000"/>
-                    <a:lumOff val="35000"/>
-                  </a:schemeClr>
-                </a:solidFill>
-                <a:latin typeface="Segoe UI Light"/>
-                <a:cs typeface="Segoe UI Light"/>
-              </a:rPr>
-              <a:t> el que </a:t>
-            </a:r>
-            <a:r>
-              <a:rPr lang="en-US" sz="4800" dirty="0" err="1" smtClean="0">
-                <a:solidFill>
-                  <a:srgbClr val="48B3CA"/>
-                </a:solidFill>
-                <a:latin typeface="Segoe UI" charset="0"/>
-                <a:ea typeface="Segoe UI" charset="0"/>
-                <a:cs typeface="Segoe UI" charset="0"/>
-              </a:rPr>
-              <a:t>sorteamos</a:t>
-            </a:r>
-            <a:r>
-              <a:rPr lang="en-US" sz="4800" dirty="0" smtClean="0">
-                <a:solidFill>
-                  <a:schemeClr val="tx1">
-                    <a:lumMod val="65000"/>
-                    <a:lumOff val="35000"/>
-                  </a:schemeClr>
-                </a:solidFill>
-                <a:latin typeface="Segoe UI Light"/>
-                <a:cs typeface="Segoe UI Light"/>
-              </a:rPr>
-              <a:t> </a:t>
-            </a:r>
-            <a:r>
-              <a:rPr lang="en-US" sz="4800" dirty="0" err="1" smtClean="0">
-                <a:solidFill>
-                  <a:srgbClr val="90CA47"/>
-                </a:solidFill>
-                <a:latin typeface="Segoe UI" charset="0"/>
-                <a:ea typeface="Segoe UI" charset="0"/>
-                <a:cs typeface="Segoe UI" charset="0"/>
-              </a:rPr>
-              <a:t>regalos</a:t>
-            </a:r>
-            <a:r>
-              <a:rPr lang="en-US" sz="4800" dirty="0" smtClean="0">
-                <a:solidFill>
-                  <a:schemeClr val="tx1">
-                    <a:lumMod val="65000"/>
-                    <a:lumOff val="35000"/>
-                  </a:schemeClr>
-                </a:solidFill>
-                <a:latin typeface="Segoe UI Light"/>
-                <a:cs typeface="Segoe UI Light"/>
-              </a:rPr>
-              <a:t> y la </a:t>
-            </a:r>
-            <a:r>
-              <a:rPr lang="en-US" sz="4800" dirty="0" err="1" smtClean="0">
-                <a:solidFill>
-                  <a:srgbClr val="9377CE"/>
-                </a:solidFill>
-                <a:latin typeface="Segoe UI" charset="0"/>
-                <a:ea typeface="Segoe UI" charset="0"/>
-                <a:cs typeface="Segoe UI" charset="0"/>
-              </a:rPr>
-              <a:t>subscripción</a:t>
-            </a:r>
-            <a:r>
-              <a:rPr lang="en-US" sz="4800" dirty="0" smtClean="0">
-                <a:solidFill>
-                  <a:srgbClr val="9377CE"/>
-                </a:solidFill>
-                <a:latin typeface="Segoe UI" charset="0"/>
-                <a:ea typeface="Segoe UI" charset="0"/>
-                <a:cs typeface="Segoe UI" charset="0"/>
-              </a:rPr>
-              <a:t> </a:t>
-            </a:r>
-            <a:r>
-              <a:rPr lang="en-US" sz="4800" dirty="0" err="1" smtClean="0">
-                <a:solidFill>
-                  <a:srgbClr val="9377CE"/>
-                </a:solidFill>
-                <a:latin typeface="Segoe UI" charset="0"/>
-                <a:ea typeface="Segoe UI" charset="0"/>
-                <a:cs typeface="Segoe UI" charset="0"/>
-              </a:rPr>
-              <a:t>anual</a:t>
-            </a:r>
-            <a:r>
-              <a:rPr lang="en-US" sz="4800" dirty="0" smtClean="0">
-                <a:solidFill>
-                  <a:srgbClr val="9377CE"/>
-                </a:solidFill>
-                <a:latin typeface="Segoe UI" charset="0"/>
-                <a:ea typeface="Segoe UI" charset="0"/>
-                <a:cs typeface="Segoe UI" charset="0"/>
-              </a:rPr>
-              <a:t> </a:t>
-            </a:r>
-            <a:r>
-              <a:rPr lang="en-US" sz="4800" dirty="0" smtClean="0">
-                <a:solidFill>
-                  <a:schemeClr val="tx1">
-                    <a:lumMod val="65000"/>
-                    <a:lumOff val="35000"/>
-                  </a:schemeClr>
-                </a:solidFill>
-                <a:latin typeface="Segoe UI Light"/>
-                <a:cs typeface="Segoe UI Light"/>
-              </a:rPr>
-              <a:t>para Android e iOS.</a:t>
-            </a:r>
-            <a:endParaRPr lang="en-US" sz="4800" kern="0" dirty="0">
-              <a:solidFill>
-                <a:schemeClr val="tx1">
-                  <a:lumMod val="65000"/>
-                  <a:lumOff val="35000"/>
-                </a:schemeClr>
-              </a:solidFill>
-              <a:latin typeface="Segoe UI Light"/>
-              <a:ea typeface="Segoe UI" pitchFamily="34" charset="0"/>
-              <a:cs typeface="Segoe UI Light"/>
-            </a:endParaRPr>
-          </a:p>
-        </p:txBody>
-      </p:sp>
-      <p:pic>
-        <p:nvPicPr>
-          <p:cNvPr id="6" name="Picture 5"/>
-          <p:cNvPicPr>
-            <a:picLocks noChangeAspect="1"/>
-          </p:cNvPicPr>
-          <p:nvPr/>
-        </p:nvPicPr>
-        <p:blipFill>
-          <a:blip r:embed="rId3">
-            <a:extLst>
-              <a:ext uri="{28A0092B-C50C-407E-A947-70E740481C1C}">
-                <a14:useLocalDpi xmlns:a14="http://schemas.microsoft.com/office/drawing/2010/main" val="0"/>
-              </a:ext>
-            </a:extLst>
-          </a:blip>
-          <a:stretch>
-            <a:fillRect/>
-          </a:stretch>
-        </p:blipFill>
-        <p:spPr>
-          <a:xfrm>
-            <a:off x="13131539" y="150829"/>
-            <a:ext cx="7909677" cy="6858000"/>
-          </a:xfrm>
-          <a:prstGeom prst="rect">
-            <a:avLst/>
-          </a:prstGeom>
-        </p:spPr>
-      </p:pic>
-      <p:sp>
-        <p:nvSpPr>
-          <p:cNvPr id="7" name="Title 22"/>
-          <p:cNvSpPr>
-            <a:spLocks noGrp="1"/>
-          </p:cNvSpPr>
-          <p:nvPr>
-            <p:ph type="title"/>
-          </p:nvPr>
-        </p:nvSpPr>
-        <p:spPr/>
-        <p:txBody>
-          <a:bodyPr/>
-          <a:lstStyle/>
-          <a:p>
-            <a:r>
-              <a:rPr lang="en-US" dirty="0" smtClean="0">
-                <a:solidFill>
-                  <a:srgbClr val="06AED0"/>
-                </a:solidFill>
-              </a:rPr>
-              <a:t>¿</a:t>
-            </a:r>
-            <a:r>
-              <a:rPr lang="en-US" dirty="0" err="1" smtClean="0">
-                <a:solidFill>
-                  <a:srgbClr val="06AED0"/>
-                </a:solidFill>
-              </a:rPr>
-              <a:t>En</a:t>
-            </a:r>
-            <a:r>
-              <a:rPr lang="en-US" dirty="0" smtClean="0">
-                <a:solidFill>
-                  <a:srgbClr val="06AED0"/>
-                </a:solidFill>
-              </a:rPr>
-              <a:t> </a:t>
-            </a:r>
-            <a:r>
-              <a:rPr lang="en-US" dirty="0" err="1" smtClean="0">
-                <a:solidFill>
-                  <a:srgbClr val="06AED0"/>
-                </a:solidFill>
-              </a:rPr>
-              <a:t>qué</a:t>
-            </a:r>
-            <a:r>
-              <a:rPr lang="en-US" dirty="0" smtClean="0">
-                <a:solidFill>
-                  <a:srgbClr val="06AED0"/>
-                </a:solidFill>
-              </a:rPr>
-              <a:t> </a:t>
-            </a:r>
-            <a:r>
-              <a:rPr lang="en-US" dirty="0" err="1" smtClean="0">
-                <a:solidFill>
-                  <a:srgbClr val="06AED0"/>
-                </a:solidFill>
-              </a:rPr>
-              <a:t>consiste</a:t>
-            </a:r>
-            <a:r>
-              <a:rPr lang="en-US" dirty="0" smtClean="0">
-                <a:solidFill>
-                  <a:srgbClr val="06AED0"/>
-                </a:solidFill>
-              </a:rPr>
-              <a:t>?</a:t>
-            </a:r>
-            <a:endParaRPr lang="en-US" dirty="0">
-              <a:solidFill>
-                <a:srgbClr val="06AED0"/>
-              </a:solidFill>
-            </a:endParaRPr>
-          </a:p>
-        </p:txBody>
-      </p:sp>
-    </p:spTree>
-    <p:extLst>
-      <p:ext uri="{BB962C8B-B14F-4D97-AF65-F5344CB8AC3E}">
-        <p14:creationId xmlns:p14="http://schemas.microsoft.com/office/powerpoint/2010/main" val="2015615358"/>
-      </p:ext>
-    </p:extLst>
-  </p:cSld>
-  <p:clrMapOvr>
-    <a:masterClrMapping/>
-  </p:clrMapOvr>
-  <p:transition>
-    <p:fade/>
-  </p:transition>
-</p:sld>
-</file>
-
-<file path=ppt/slides/slide20.xml><?xml version="1.0" encoding="utf-8"?>
+<file path=ppt/slides/slide22.xml><?xml version="1.0" encoding="utf-8"?>
 <p:sld xmlns:a="http://schemas.openxmlformats.org/drawingml/2006/main" xmlns:r="http://schemas.openxmlformats.org/officeDocument/2006/relationships" xmlns:p="http://schemas.openxmlformats.org/presentationml/2006/main">
   <p:cSld>
     <p:spTree>
@@ -8395,7 +9433,7 @@
 </p:sld>
 </file>
 
-<file path=ppt/slides/slide21.xml><?xml version="1.0" encoding="utf-8"?>
+<file path=ppt/slides/slide23.xml><?xml version="1.0" encoding="utf-8"?>
 <p:sld xmlns:a="http://schemas.openxmlformats.org/drawingml/2006/main" xmlns:r="http://schemas.openxmlformats.org/officeDocument/2006/relationships" xmlns:p="http://schemas.openxmlformats.org/presentationml/2006/main">
   <p:cSld>
     <p:spTree>
@@ -8480,10 +9518,6 @@
             <a:r>
               <a:rPr lang="en-US" dirty="0" smtClean="0"/>
               <a:t> Test Cloud?</a:t>
-            </a:r>
-            <a:r>
-              <a:rPr lang="en-US" dirty="0" smtClean="0"/>
-              <a:t/>
             </a:r>
             <a:br>
               <a:rPr lang="en-US" dirty="0" smtClean="0"/>
@@ -8696,7 +9730,7 @@
 </p:sld>
 </file>
 
-<file path=ppt/slides/slide22.xml><?xml version="1.0" encoding="utf-8"?>
+<file path=ppt/slides/slide24.xml><?xml version="1.0" encoding="utf-8"?>
 <p:sld xmlns:a="http://schemas.openxmlformats.org/drawingml/2006/main" xmlns:r="http://schemas.openxmlformats.org/officeDocument/2006/relationships" xmlns:p="http://schemas.openxmlformats.org/presentationml/2006/main">
   <p:cSld>
     <p:spTree>
@@ -8797,10 +9831,6 @@
             <a:r>
               <a:rPr lang="en-US" sz="4000" dirty="0" smtClean="0"/>
               <a:t>?</a:t>
-            </a:r>
-            <a:r>
-              <a:rPr lang="en-US" sz="4000" dirty="0" smtClean="0"/>
-              <a:t/>
             </a:r>
             <a:br>
               <a:rPr lang="en-US" sz="4000" dirty="0" smtClean="0"/>
@@ -8927,592 +9957,6 @@
     <p:extLst>
       <p:ext uri="{BB962C8B-B14F-4D97-AF65-F5344CB8AC3E}">
         <p14:creationId xmlns:p14="http://schemas.microsoft.com/office/powerpoint/2010/main" val="3353569977"/>
-      </p:ext>
-    </p:extLst>
-  </p:cSld>
-  <p:clrMapOvr>
-    <a:masterClrMapping/>
-  </p:clrMapOvr>
-  <p:timing>
-    <p:tnLst>
-      <p:par>
-        <p:cTn id="1" dur="indefinite" restart="never" nodeType="tmRoot">
-          <p:childTnLst>
-            <p:seq concurrent="1" nextAc="seek">
-              <p:cTn id="2" dur="indefinite" nodeType="mainSeq">
-                <p:childTnLst>
-                  <p:par>
-                    <p:cTn id="3" fill="hold">
-                      <p:stCondLst>
-                        <p:cond delay="indefinite"/>
-                      </p:stCondLst>
-                      <p:childTnLst>
-                        <p:par>
-                          <p:cTn id="4" fill="hold">
-                            <p:stCondLst>
-                              <p:cond delay="0"/>
-                            </p:stCondLst>
-                            <p:childTnLst>
-                              <p:par>
-                                <p:cTn id="5" presetID="42" presetClass="path" presetSubtype="0" accel="50000" decel="50000" fill="hold" grpId="0" nodeType="clickEffect">
-                                  <p:stCondLst>
-                                    <p:cond delay="0"/>
-                                  </p:stCondLst>
-                                  <p:childTnLst>
-                                    <p:animMotion origin="layout" path="M 5E-6 -3.33333E-6 L -0.26915 0.39699 " pathEditMode="relative" rAng="0" ptsTypes="AA">
-                                      <p:cBhvr>
-                                        <p:cTn id="6" dur="2000" fill="hold"/>
-                                        <p:tgtEl>
-                                          <p:spTgt spid="5"/>
-                                        </p:tgtEl>
-                                        <p:attrNameLst>
-                                          <p:attrName>ppt_x</p:attrName>
-                                          <p:attrName>ppt_y</p:attrName>
-                                        </p:attrNameLst>
-                                      </p:cBhvr>
-                                      <p:rCtr x="-13464" y="19838"/>
-                                    </p:animMotion>
-                                  </p:childTnLst>
-                                </p:cTn>
-                              </p:par>
-                            </p:childTnLst>
-                          </p:cTn>
-                        </p:par>
-                      </p:childTnLst>
-                    </p:cTn>
-                  </p:par>
-                </p:childTnLst>
-              </p:cTn>
-              <p:prevCondLst>
-                <p:cond evt="onPrev" delay="0">
-                  <p:tgtEl>
-                    <p:sldTgt/>
-                  </p:tgtEl>
-                </p:cond>
-              </p:prevCondLst>
-              <p:nextCondLst>
-                <p:cond evt="onNext" delay="0">
-                  <p:tgtEl>
-                    <p:sldTgt/>
-                  </p:tgtEl>
-                </p:cond>
-              </p:nextCondLst>
-            </p:seq>
-          </p:childTnLst>
-        </p:cTn>
-      </p:par>
-    </p:tnLst>
-    <p:bldLst>
-      <p:bldP spid="5" grpId="0" animBg="1"/>
-    </p:bldLst>
-  </p:timing>
-</p:sld>
-</file>
-
-<file path=ppt/slides/slide23.xml><?xml version="1.0" encoding="utf-8"?>
-<p:sld xmlns:a="http://schemas.openxmlformats.org/drawingml/2006/main" xmlns:r="http://schemas.openxmlformats.org/officeDocument/2006/relationships" xmlns:p="http://schemas.openxmlformats.org/presentationml/2006/main">
-  <p:cSld>
-    <p:spTree>
-      <p:nvGrpSpPr>
-        <p:cNvPr id="1" name=""/>
-        <p:cNvGrpSpPr/>
-        <p:nvPr/>
-      </p:nvGrpSpPr>
-      <p:grpSpPr>
-        <a:xfrm>
-          <a:off x="0" y="0"/>
-          <a:ext cx="0" cy="0"/>
-          <a:chOff x="0" y="0"/>
-          <a:chExt cx="0" cy="0"/>
-        </a:xfrm>
-      </p:grpSpPr>
-      <p:sp>
-        <p:nvSpPr>
-          <p:cNvPr id="2" name="Title 1"/>
-          <p:cNvSpPr>
-            <a:spLocks noGrp="1"/>
-          </p:cNvSpPr>
-          <p:nvPr>
-            <p:ph type="ctrTitle"/>
-          </p:nvPr>
-        </p:nvSpPr>
-        <p:spPr>
-          <a:xfrm>
-            <a:off x="2057400" y="3581401"/>
-            <a:ext cx="7772400" cy="1470025"/>
-          </a:xfrm>
-        </p:spPr>
-        <p:txBody>
-          <a:bodyPr rtlCol="0">
-            <a:normAutofit fontScale="90000"/>
-          </a:bodyPr>
-          <a:lstStyle/>
-          <a:p>
-            <a:pPr>
-              <a:defRPr/>
-            </a:pPr>
-            <a:r>
-              <a:rPr lang="en-US" dirty="0" smtClean="0"/>
-              <a:t>¿</a:t>
-            </a:r>
-            <a:r>
-              <a:rPr lang="en-US" dirty="0" err="1" smtClean="0"/>
-              <a:t>Cómo</a:t>
-            </a:r>
-            <a:r>
-              <a:rPr lang="en-US" dirty="0" smtClean="0"/>
-              <a:t> </a:t>
-            </a:r>
-            <a:r>
-              <a:rPr lang="en-US" dirty="0" err="1" smtClean="0"/>
-              <a:t>registramos</a:t>
-            </a:r>
-            <a:r>
-              <a:rPr lang="en-US" dirty="0" smtClean="0"/>
-              <a:t> </a:t>
-            </a:r>
-            <a:r>
-              <a:rPr lang="en-US" dirty="0" err="1" smtClean="0"/>
-              <a:t>una</a:t>
-            </a:r>
-            <a:r>
-              <a:rPr lang="en-US" dirty="0" smtClean="0"/>
-              <a:t> </a:t>
-            </a:r>
-            <a:r>
-              <a:rPr lang="en-US" dirty="0" err="1" smtClean="0"/>
-              <a:t>excepción</a:t>
-            </a:r>
-            <a:r>
-              <a:rPr lang="en-US" dirty="0" smtClean="0"/>
-              <a:t> </a:t>
-            </a:r>
-            <a:r>
-              <a:rPr lang="en-US" dirty="0" err="1" smtClean="0"/>
-              <a:t>en</a:t>
-            </a:r>
-            <a:r>
-              <a:rPr lang="en-US" dirty="0" smtClean="0"/>
-              <a:t> Xamarin Insights ?</a:t>
-            </a:r>
-            <a:r>
-              <a:rPr lang="en-US" dirty="0" smtClean="0"/>
-              <a:t/>
-            </a:r>
-            <a:br>
-              <a:rPr lang="en-US" dirty="0" smtClean="0"/>
-            </a:br>
-            <a:r>
-              <a:rPr lang="en-US" dirty="0" smtClean="0"/>
-              <a:t>____________________</a:t>
-            </a:r>
-            <a:endParaRPr lang="en-US" dirty="0"/>
-          </a:p>
-        </p:txBody>
-      </p:sp>
-      <p:sp>
-        <p:nvSpPr>
-          <p:cNvPr id="4" name="TextBox 3"/>
-          <p:cNvSpPr txBox="1">
-            <a:spLocks noChangeArrowheads="1"/>
-          </p:cNvSpPr>
-          <p:nvPr/>
-        </p:nvSpPr>
-        <p:spPr bwMode="auto">
-          <a:xfrm>
-            <a:off x="2514600" y="2006601"/>
-            <a:ext cx="2667000" cy="923330"/>
-          </a:xfrm>
-          <a:prstGeom prst="rect">
-            <a:avLst/>
-          </a:prstGeom>
-          <a:noFill/>
-          <a:ln w="28575">
-            <a:solidFill>
-              <a:srgbClr val="FF0000"/>
-            </a:solidFill>
-            <a:miter lim="800000"/>
-            <a:headEnd/>
-            <a:tailEnd/>
-          </a:ln>
-        </p:spPr>
-        <p:txBody>
-          <a:bodyPr>
-            <a:spAutoFit/>
-          </a:bodyPr>
-          <a:lstStyle/>
-          <a:p>
-            <a:pPr algn="ctr"/>
-            <a:r>
-              <a:rPr lang="en-US" sz="3600" b="1" dirty="0">
-                <a:latin typeface="Calibri" pitchFamily="34" charset="0"/>
-              </a:rPr>
-              <a:t>A</a:t>
-            </a:r>
-            <a:r>
-              <a:rPr lang="en-US" sz="3600" b="1" dirty="0" smtClean="0">
-                <a:latin typeface="Calibri" pitchFamily="34" charset="0"/>
-              </a:rPr>
-              <a:t>. </a:t>
-            </a:r>
-            <a:r>
-              <a:rPr lang="es-ES" dirty="0" err="1"/>
-              <a:t>Xamarin.Insights.Report</a:t>
-            </a:r>
-            <a:endParaRPr lang="en-US" sz="1600" b="1" dirty="0">
-              <a:latin typeface="Calibri" pitchFamily="34" charset="0"/>
-            </a:endParaRPr>
-          </a:p>
-        </p:txBody>
-      </p:sp>
-      <p:sp>
-        <p:nvSpPr>
-          <p:cNvPr id="5" name="TextBox 4"/>
-          <p:cNvSpPr txBox="1">
-            <a:spLocks noChangeArrowheads="1"/>
-          </p:cNvSpPr>
-          <p:nvPr/>
-        </p:nvSpPr>
-        <p:spPr bwMode="auto">
-          <a:xfrm>
-            <a:off x="5791200" y="2006601"/>
-            <a:ext cx="2667000" cy="923330"/>
-          </a:xfrm>
-          <a:prstGeom prst="rect">
-            <a:avLst/>
-          </a:prstGeom>
-          <a:noFill/>
-          <a:ln w="28575">
-            <a:solidFill>
-              <a:srgbClr val="FF0000"/>
-            </a:solidFill>
-            <a:miter lim="800000"/>
-            <a:headEnd/>
-            <a:tailEnd/>
-          </a:ln>
-        </p:spPr>
-        <p:txBody>
-          <a:bodyPr>
-            <a:spAutoFit/>
-          </a:bodyPr>
-          <a:lstStyle/>
-          <a:p>
-            <a:pPr algn="ctr"/>
-            <a:r>
-              <a:rPr lang="en-US" sz="3600" b="1" dirty="0">
-                <a:latin typeface="Calibri" pitchFamily="34" charset="0"/>
-              </a:rPr>
-              <a:t>B</a:t>
-            </a:r>
-            <a:r>
-              <a:rPr lang="en-US" sz="3600" b="1" dirty="0" smtClean="0">
-                <a:latin typeface="Calibri" pitchFamily="34" charset="0"/>
-              </a:rPr>
-              <a:t>. </a:t>
-            </a:r>
-            <a:r>
-              <a:rPr lang="es-ES" dirty="0" err="1" smtClean="0"/>
-              <a:t>Xamarin.Insights.Error</a:t>
-            </a:r>
-            <a:endParaRPr lang="en-US" sz="2800" b="1" dirty="0">
-              <a:latin typeface="Calibri" pitchFamily="34" charset="0"/>
-            </a:endParaRPr>
-          </a:p>
-        </p:txBody>
-      </p:sp>
-    </p:spTree>
-    <p:extLst>
-      <p:ext uri="{BB962C8B-B14F-4D97-AF65-F5344CB8AC3E}">
-        <p14:creationId xmlns:p14="http://schemas.microsoft.com/office/powerpoint/2010/main" val="684695231"/>
-      </p:ext>
-    </p:extLst>
-  </p:cSld>
-  <p:clrMapOvr>
-    <a:masterClrMapping/>
-  </p:clrMapOvr>
-  <p:timing>
-    <p:tnLst>
-      <p:par>
-        <p:cTn id="1" dur="indefinite" restart="never" nodeType="tmRoot">
-          <p:childTnLst>
-            <p:seq concurrent="1" nextAc="seek">
-              <p:cTn id="2" dur="indefinite" nodeType="mainSeq">
-                <p:childTnLst>
-                  <p:par>
-                    <p:cTn id="3" fill="hold">
-                      <p:stCondLst>
-                        <p:cond delay="indefinite"/>
-                      </p:stCondLst>
-                      <p:childTnLst>
-                        <p:par>
-                          <p:cTn id="4" fill="hold">
-                            <p:stCondLst>
-                              <p:cond delay="0"/>
-                            </p:stCondLst>
-                            <p:childTnLst>
-                              <p:par>
-                                <p:cTn id="5" presetID="42" presetClass="path" presetSubtype="0" accel="50000" decel="50000" fill="hold" grpId="0" nodeType="clickEffect">
-                                  <p:stCondLst>
-                                    <p:cond delay="0"/>
-                                  </p:stCondLst>
-                                  <p:childTnLst>
-                                    <p:animMotion origin="layout" path="M 5E-6 -3.7037E-6 L -0.00039 0.33889 " pathEditMode="relative" rAng="0" ptsTypes="AA">
-                                      <p:cBhvr>
-                                        <p:cTn id="6" dur="2000" fill="hold"/>
-                                        <p:tgtEl>
-                                          <p:spTgt spid="4"/>
-                                        </p:tgtEl>
-                                        <p:attrNameLst>
-                                          <p:attrName>ppt_x</p:attrName>
-                                          <p:attrName>ppt_y</p:attrName>
-                                        </p:attrNameLst>
-                                      </p:cBhvr>
-                                      <p:rCtr x="-26" y="16944"/>
-                                    </p:animMotion>
-                                  </p:childTnLst>
-                                </p:cTn>
-                              </p:par>
-                            </p:childTnLst>
-                          </p:cTn>
-                        </p:par>
-                      </p:childTnLst>
-                    </p:cTn>
-                  </p:par>
-                </p:childTnLst>
-              </p:cTn>
-              <p:prevCondLst>
-                <p:cond evt="onPrev" delay="0">
-                  <p:tgtEl>
-                    <p:sldTgt/>
-                  </p:tgtEl>
-                </p:cond>
-              </p:prevCondLst>
-              <p:nextCondLst>
-                <p:cond evt="onNext" delay="0">
-                  <p:tgtEl>
-                    <p:sldTgt/>
-                  </p:tgtEl>
-                </p:cond>
-              </p:nextCondLst>
-            </p:seq>
-          </p:childTnLst>
-        </p:cTn>
-      </p:par>
-    </p:tnLst>
-    <p:bldLst>
-      <p:bldP spid="4" grpId="0" animBg="1"/>
-    </p:bldLst>
-  </p:timing>
-</p:sld>
-</file>
-
-<file path=ppt/slides/slide24.xml><?xml version="1.0" encoding="utf-8"?>
-<p:sld xmlns:a="http://schemas.openxmlformats.org/drawingml/2006/main" xmlns:r="http://schemas.openxmlformats.org/officeDocument/2006/relationships" xmlns:p="http://schemas.openxmlformats.org/presentationml/2006/main">
-  <p:cSld>
-    <p:spTree>
-      <p:nvGrpSpPr>
-        <p:cNvPr id="1" name=""/>
-        <p:cNvGrpSpPr/>
-        <p:nvPr/>
-      </p:nvGrpSpPr>
-      <p:grpSpPr>
-        <a:xfrm>
-          <a:off x="0" y="0"/>
-          <a:ext cx="0" cy="0"/>
-          <a:chOff x="0" y="0"/>
-          <a:chExt cx="0" cy="0"/>
-        </a:xfrm>
-      </p:grpSpPr>
-      <p:sp>
-        <p:nvSpPr>
-          <p:cNvPr id="2" name="Title 1"/>
-          <p:cNvSpPr>
-            <a:spLocks noGrp="1"/>
-          </p:cNvSpPr>
-          <p:nvPr>
-            <p:ph type="ctrTitle"/>
-          </p:nvPr>
-        </p:nvSpPr>
-        <p:spPr>
-          <a:xfrm>
-            <a:off x="2057400" y="3581401"/>
-            <a:ext cx="7772400" cy="1470025"/>
-          </a:xfrm>
-        </p:spPr>
-        <p:txBody>
-          <a:bodyPr rtlCol="0">
-            <a:normAutofit fontScale="90000"/>
-          </a:bodyPr>
-          <a:lstStyle/>
-          <a:p>
-            <a:pPr>
-              <a:defRPr/>
-            </a:pPr>
-            <a:r>
-              <a:rPr lang="en-US" dirty="0" smtClean="0"/>
-              <a:t>¿</a:t>
-            </a:r>
-            <a:r>
-              <a:rPr lang="en-US" dirty="0" err="1" smtClean="0"/>
-              <a:t>Qué</a:t>
-            </a:r>
-            <a:r>
-              <a:rPr lang="en-US" dirty="0" smtClean="0"/>
-              <a:t> se ha </a:t>
-            </a:r>
-            <a:r>
-              <a:rPr lang="en-US" dirty="0" err="1" smtClean="0"/>
-              <a:t>añadido</a:t>
-            </a:r>
-            <a:r>
-              <a:rPr lang="en-US" dirty="0" smtClean="0"/>
-              <a:t> </a:t>
-            </a:r>
-            <a:r>
-              <a:rPr lang="en-US" dirty="0" err="1" smtClean="0"/>
-              <a:t>en</a:t>
-            </a:r>
-            <a:r>
-              <a:rPr lang="en-US" dirty="0" smtClean="0"/>
-              <a:t> </a:t>
-            </a:r>
-            <a:r>
-              <a:rPr lang="en-US" dirty="0" err="1" smtClean="0"/>
-              <a:t>Xamarin.Forms</a:t>
-            </a:r>
-            <a:r>
-              <a:rPr lang="en-US" dirty="0" smtClean="0"/>
-              <a:t> 2.0?</a:t>
-            </a:r>
-            <a:r>
-              <a:rPr lang="en-US" dirty="0" smtClean="0"/>
-              <a:t/>
-            </a:r>
-            <a:br>
-              <a:rPr lang="en-US" dirty="0" smtClean="0"/>
-            </a:br>
-            <a:r>
-              <a:rPr lang="en-US" dirty="0" smtClean="0"/>
-              <a:t>____________________</a:t>
-            </a:r>
-            <a:endParaRPr lang="en-US" dirty="0"/>
-          </a:p>
-        </p:txBody>
-      </p:sp>
-      <p:sp>
-        <p:nvSpPr>
-          <p:cNvPr id="4" name="TextBox 3"/>
-          <p:cNvSpPr txBox="1">
-            <a:spLocks noChangeArrowheads="1"/>
-          </p:cNvSpPr>
-          <p:nvPr/>
-        </p:nvSpPr>
-        <p:spPr bwMode="auto">
-          <a:xfrm>
-            <a:off x="2514600" y="2006601"/>
-            <a:ext cx="2667000" cy="646331"/>
-          </a:xfrm>
-          <a:prstGeom prst="rect">
-            <a:avLst/>
-          </a:prstGeom>
-          <a:noFill/>
-          <a:ln w="28575">
-            <a:solidFill>
-              <a:srgbClr val="FF0000"/>
-            </a:solidFill>
-            <a:miter lim="800000"/>
-            <a:headEnd/>
-            <a:tailEnd/>
-          </a:ln>
-        </p:spPr>
-        <p:txBody>
-          <a:bodyPr>
-            <a:spAutoFit/>
-          </a:bodyPr>
-          <a:lstStyle/>
-          <a:p>
-            <a:pPr algn="ctr"/>
-            <a:r>
-              <a:rPr lang="en-US" sz="3600" b="1" dirty="0">
-                <a:latin typeface="Calibri" pitchFamily="34" charset="0"/>
-              </a:rPr>
-              <a:t>A</a:t>
-            </a:r>
-            <a:r>
-              <a:rPr lang="en-US" sz="3600" b="1" dirty="0" smtClean="0">
-                <a:latin typeface="Calibri" pitchFamily="34" charset="0"/>
-              </a:rPr>
-              <a:t>. </a:t>
-            </a:r>
-            <a:r>
-              <a:rPr lang="es-ES" dirty="0" smtClean="0"/>
-              <a:t>Editor Visual</a:t>
-            </a:r>
-            <a:endParaRPr lang="en-US" sz="1600" b="1" dirty="0">
-              <a:latin typeface="Calibri" pitchFamily="34" charset="0"/>
-            </a:endParaRPr>
-          </a:p>
-        </p:txBody>
-      </p:sp>
-      <p:sp>
-        <p:nvSpPr>
-          <p:cNvPr id="5" name="TextBox 4"/>
-          <p:cNvSpPr txBox="1">
-            <a:spLocks noChangeArrowheads="1"/>
-          </p:cNvSpPr>
-          <p:nvPr/>
-        </p:nvSpPr>
-        <p:spPr bwMode="auto">
-          <a:xfrm>
-            <a:off x="5791200" y="2006601"/>
-            <a:ext cx="2667000" cy="646331"/>
-          </a:xfrm>
-          <a:prstGeom prst="rect">
-            <a:avLst/>
-          </a:prstGeom>
-          <a:noFill/>
-          <a:ln w="28575">
-            <a:solidFill>
-              <a:srgbClr val="FF0000"/>
-            </a:solidFill>
-            <a:miter lim="800000"/>
-            <a:headEnd/>
-            <a:tailEnd/>
-          </a:ln>
-        </p:spPr>
-        <p:txBody>
-          <a:bodyPr>
-            <a:spAutoFit/>
-          </a:bodyPr>
-          <a:lstStyle/>
-          <a:p>
-            <a:pPr algn="ctr"/>
-            <a:r>
-              <a:rPr lang="en-US" sz="3600" b="1" dirty="0">
-                <a:latin typeface="Calibri" pitchFamily="34" charset="0"/>
-              </a:rPr>
-              <a:t>B</a:t>
-            </a:r>
-            <a:r>
-              <a:rPr lang="en-US" sz="3600" b="1" dirty="0" smtClean="0">
-                <a:latin typeface="Calibri" pitchFamily="34" charset="0"/>
-              </a:rPr>
-              <a:t>. </a:t>
-            </a:r>
-            <a:r>
-              <a:rPr lang="es-ES" dirty="0" smtClean="0"/>
-              <a:t>Soporte UWP</a:t>
-            </a:r>
-            <a:endParaRPr lang="en-US" sz="2800" b="1" dirty="0">
-              <a:latin typeface="Calibri" pitchFamily="34" charset="0"/>
-            </a:endParaRPr>
-          </a:p>
-        </p:txBody>
-      </p:sp>
-    </p:spTree>
-    <p:extLst>
-      <p:ext uri="{BB962C8B-B14F-4D97-AF65-F5344CB8AC3E}">
-        <p14:creationId xmlns:p14="http://schemas.microsoft.com/office/powerpoint/2010/main" val="2153224874"/>
       </p:ext>
     </p:extLst>
   </p:cSld>
@@ -9643,7 +10087,7 @@
             </a:r>
             <a:r>
               <a:rPr lang="en-US" dirty="0" err="1" smtClean="0"/>
-              <a:t>En</a:t>
+              <a:t>Cómo</a:t>
             </a:r>
             <a:r>
               <a:rPr lang="en-US" dirty="0" smtClean="0"/>
@@ -9651,34 +10095,299 @@
             </a:r>
             <a:r>
               <a:rPr lang="en-US" dirty="0" err="1" smtClean="0"/>
-              <a:t>qué</a:t>
+              <a:t>registramos</a:t>
             </a:r>
             <a:r>
               <a:rPr lang="en-US" dirty="0" smtClean="0"/>
-              <a:t> se </a:t>
+              <a:t> </a:t>
             </a:r>
             <a:r>
               <a:rPr lang="en-US" dirty="0" err="1" smtClean="0"/>
-              <a:t>basa</a:t>
+              <a:t>una</a:t>
             </a:r>
             <a:r>
               <a:rPr lang="en-US" dirty="0" smtClean="0"/>
-              <a:t> Xamarin </a:t>
+              <a:t> </a:t>
             </a:r>
             <a:r>
               <a:rPr lang="en-US" dirty="0" err="1" smtClean="0"/>
-              <a:t>UITest</a:t>
+              <a:t>excepción</a:t>
             </a:r>
             <a:r>
               <a:rPr lang="en-US" dirty="0" smtClean="0"/>
-              <a:t>?</a:t>
+              <a:t> </a:t>
+            </a:r>
+            <a:r>
+              <a:rPr lang="en-US" dirty="0" err="1" smtClean="0"/>
+              <a:t>en</a:t>
             </a:r>
             <a:r>
               <a:rPr lang="en-US" dirty="0" smtClean="0"/>
-              <a:t/>
+              <a:t> Xamarin Insights ?</a:t>
             </a:r>
             <a:br>
               <a:rPr lang="en-US" dirty="0" smtClean="0"/>
+            </a:br>
+            <a:r>
+              <a:rPr lang="en-US" dirty="0" smtClean="0"/>
+              <a:t>____________________</a:t>
+            </a:r>
+            <a:endParaRPr lang="en-US" dirty="0"/>
+          </a:p>
+        </p:txBody>
+      </p:sp>
+      <p:sp>
+        <p:nvSpPr>
+          <p:cNvPr id="4" name="TextBox 3"/>
+          <p:cNvSpPr txBox="1">
+            <a:spLocks noChangeArrowheads="1"/>
+          </p:cNvSpPr>
+          <p:nvPr/>
+        </p:nvSpPr>
+        <p:spPr bwMode="auto">
+          <a:xfrm>
+            <a:off x="2514600" y="2006601"/>
+            <a:ext cx="2667000" cy="923330"/>
+          </a:xfrm>
+          <a:prstGeom prst="rect">
+            <a:avLst/>
+          </a:prstGeom>
+          <a:noFill/>
+          <a:ln w="28575">
+            <a:solidFill>
+              <a:srgbClr val="FF0000"/>
+            </a:solidFill>
+            <a:miter lim="800000"/>
+            <a:headEnd/>
+            <a:tailEnd/>
+          </a:ln>
+        </p:spPr>
+        <p:txBody>
+          <a:bodyPr>
+            <a:spAutoFit/>
+          </a:bodyPr>
+          <a:lstStyle/>
+          <a:p>
+            <a:pPr algn="ctr"/>
+            <a:r>
+              <a:rPr lang="en-US" sz="3600" b="1" dirty="0">
+                <a:latin typeface="Calibri" pitchFamily="34" charset="0"/>
+              </a:rPr>
+              <a:t>A</a:t>
+            </a:r>
+            <a:r>
+              <a:rPr lang="en-US" sz="3600" b="1" dirty="0" smtClean="0">
+                <a:latin typeface="Calibri" pitchFamily="34" charset="0"/>
+              </a:rPr>
+              <a:t>. </a:t>
+            </a:r>
+            <a:r>
+              <a:rPr lang="es-ES" dirty="0" err="1"/>
+              <a:t>Xamarin.Insights.Report</a:t>
+            </a:r>
+            <a:endParaRPr lang="en-US" sz="1600" b="1" dirty="0">
+              <a:latin typeface="Calibri" pitchFamily="34" charset="0"/>
+            </a:endParaRPr>
+          </a:p>
+        </p:txBody>
+      </p:sp>
+      <p:sp>
+        <p:nvSpPr>
+          <p:cNvPr id="5" name="TextBox 4"/>
+          <p:cNvSpPr txBox="1">
+            <a:spLocks noChangeArrowheads="1"/>
+          </p:cNvSpPr>
+          <p:nvPr/>
+        </p:nvSpPr>
+        <p:spPr bwMode="auto">
+          <a:xfrm>
+            <a:off x="5791200" y="2006601"/>
+            <a:ext cx="2667000" cy="923330"/>
+          </a:xfrm>
+          <a:prstGeom prst="rect">
+            <a:avLst/>
+          </a:prstGeom>
+          <a:noFill/>
+          <a:ln w="28575">
+            <a:solidFill>
+              <a:srgbClr val="FF0000"/>
+            </a:solidFill>
+            <a:miter lim="800000"/>
+            <a:headEnd/>
+            <a:tailEnd/>
+          </a:ln>
+        </p:spPr>
+        <p:txBody>
+          <a:bodyPr>
+            <a:spAutoFit/>
+          </a:bodyPr>
+          <a:lstStyle/>
+          <a:p>
+            <a:pPr algn="ctr"/>
+            <a:r>
+              <a:rPr lang="en-US" sz="3600" b="1" dirty="0">
+                <a:latin typeface="Calibri" pitchFamily="34" charset="0"/>
+              </a:rPr>
+              <a:t>B</a:t>
+            </a:r>
+            <a:r>
+              <a:rPr lang="en-US" sz="3600" b="1" dirty="0" smtClean="0">
+                <a:latin typeface="Calibri" pitchFamily="34" charset="0"/>
+              </a:rPr>
+              <a:t>. </a:t>
+            </a:r>
+            <a:r>
+              <a:rPr lang="es-ES" dirty="0" err="1" smtClean="0"/>
+              <a:t>Xamarin.Insights.Error</a:t>
+            </a:r>
+            <a:endParaRPr lang="en-US" sz="2800" b="1" dirty="0">
+              <a:latin typeface="Calibri" pitchFamily="34" charset="0"/>
+            </a:endParaRPr>
+          </a:p>
+        </p:txBody>
+      </p:sp>
+    </p:spTree>
+    <p:extLst>
+      <p:ext uri="{BB962C8B-B14F-4D97-AF65-F5344CB8AC3E}">
+        <p14:creationId xmlns:p14="http://schemas.microsoft.com/office/powerpoint/2010/main" val="684695231"/>
+      </p:ext>
+    </p:extLst>
+  </p:cSld>
+  <p:clrMapOvr>
+    <a:masterClrMapping/>
+  </p:clrMapOvr>
+  <p:timing>
+    <p:tnLst>
+      <p:par>
+        <p:cTn id="1" dur="indefinite" restart="never" nodeType="tmRoot">
+          <p:childTnLst>
+            <p:seq concurrent="1" nextAc="seek">
+              <p:cTn id="2" dur="indefinite" nodeType="mainSeq">
+                <p:childTnLst>
+                  <p:par>
+                    <p:cTn id="3" fill="hold">
+                      <p:stCondLst>
+                        <p:cond delay="indefinite"/>
+                      </p:stCondLst>
+                      <p:childTnLst>
+                        <p:par>
+                          <p:cTn id="4" fill="hold">
+                            <p:stCondLst>
+                              <p:cond delay="0"/>
+                            </p:stCondLst>
+                            <p:childTnLst>
+                              <p:par>
+                                <p:cTn id="5" presetID="42" presetClass="path" presetSubtype="0" accel="50000" decel="50000" fill="hold" grpId="0" nodeType="clickEffect">
+                                  <p:stCondLst>
+                                    <p:cond delay="0"/>
+                                  </p:stCondLst>
+                                  <p:childTnLst>
+                                    <p:animMotion origin="layout" path="M 5E-6 -3.7037E-6 L -0.00039 0.33889 " pathEditMode="relative" rAng="0" ptsTypes="AA">
+                                      <p:cBhvr>
+                                        <p:cTn id="6" dur="2000" fill="hold"/>
+                                        <p:tgtEl>
+                                          <p:spTgt spid="4"/>
+                                        </p:tgtEl>
+                                        <p:attrNameLst>
+                                          <p:attrName>ppt_x</p:attrName>
+                                          <p:attrName>ppt_y</p:attrName>
+                                        </p:attrNameLst>
+                                      </p:cBhvr>
+                                      <p:rCtr x="-26" y="16944"/>
+                                    </p:animMotion>
+                                  </p:childTnLst>
+                                </p:cTn>
+                              </p:par>
+                            </p:childTnLst>
+                          </p:cTn>
+                        </p:par>
+                      </p:childTnLst>
+                    </p:cTn>
+                  </p:par>
+                </p:childTnLst>
+              </p:cTn>
+              <p:prevCondLst>
+                <p:cond evt="onPrev" delay="0">
+                  <p:tgtEl>
+                    <p:sldTgt/>
+                  </p:tgtEl>
+                </p:cond>
+              </p:prevCondLst>
+              <p:nextCondLst>
+                <p:cond evt="onNext" delay="0">
+                  <p:tgtEl>
+                    <p:sldTgt/>
+                  </p:tgtEl>
+                </p:cond>
+              </p:nextCondLst>
+            </p:seq>
+          </p:childTnLst>
+        </p:cTn>
+      </p:par>
+    </p:tnLst>
+    <p:bldLst>
+      <p:bldP spid="4" grpId="0" animBg="1"/>
+    </p:bldLst>
+  </p:timing>
+</p:sld>
+</file>
+
+<file path=ppt/slides/slide26.xml><?xml version="1.0" encoding="utf-8"?>
+<p:sld xmlns:a="http://schemas.openxmlformats.org/drawingml/2006/main" xmlns:r="http://schemas.openxmlformats.org/officeDocument/2006/relationships" xmlns:p="http://schemas.openxmlformats.org/presentationml/2006/main">
+  <p:cSld>
+    <p:spTree>
+      <p:nvGrpSpPr>
+        <p:cNvPr id="1" name=""/>
+        <p:cNvGrpSpPr/>
+        <p:nvPr/>
+      </p:nvGrpSpPr>
+      <p:grpSpPr>
+        <a:xfrm>
+          <a:off x="0" y="0"/>
+          <a:ext cx="0" cy="0"/>
+          <a:chOff x="0" y="0"/>
+          <a:chExt cx="0" cy="0"/>
+        </a:xfrm>
+      </p:grpSpPr>
+      <p:sp>
+        <p:nvSpPr>
+          <p:cNvPr id="2" name="Title 1"/>
+          <p:cNvSpPr>
+            <a:spLocks noGrp="1"/>
+          </p:cNvSpPr>
+          <p:nvPr>
+            <p:ph type="ctrTitle"/>
+          </p:nvPr>
+        </p:nvSpPr>
+        <p:spPr>
+          <a:xfrm>
+            <a:off x="2057400" y="3581401"/>
+            <a:ext cx="7772400" cy="1470025"/>
+          </a:xfrm>
+        </p:spPr>
+        <p:txBody>
+          <a:bodyPr rtlCol="0">
+            <a:normAutofit fontScale="90000"/>
+          </a:bodyPr>
+          <a:lstStyle/>
+          <a:p>
+            <a:pPr>
+              <a:defRPr/>
+            </a:pPr>
+            <a:r>
+              <a:rPr lang="es-ES" dirty="0"/>
+              <a:t>¿Sobre qué plataforma funciona </a:t>
+            </a:r>
+            <a:r>
+              <a:rPr lang="es-ES" dirty="0" err="1"/>
+              <a:t>Xamarin.UITest</a:t>
+            </a:r>
+            <a:r>
+              <a:rPr lang="es-ES" dirty="0" smtClean="0"/>
+              <a:t>?</a:t>
+            </a:r>
+            <a:br>
+              <a:rPr lang="es-ES" dirty="0" smtClean="0"/>
             </a:br>
             <a:r>
               <a:rPr lang="en-US" dirty="0" smtClean="0"/>
@@ -9789,8 +10498,12 @@
               <a:t>. </a:t>
             </a:r>
             <a:r>
-              <a:rPr lang="es-ES" dirty="0" err="1" smtClean="0"/>
-              <a:t>Calabash</a:t>
+              <a:rPr lang="es-ES" dirty="0"/>
+              <a:t>Microsoft </a:t>
+            </a:r>
+            <a:r>
+              <a:rPr lang="es-ES" dirty="0" smtClean="0"/>
+              <a:t>Test</a:t>
             </a:r>
             <a:endParaRPr lang="en-US" sz="2800" b="1" dirty="0">
               <a:latin typeface="Calibri" pitchFamily="34" charset="0"/>
@@ -9801,7 +10514,292 @@
     </p:spTree>
     <p:extLst>
       <p:ext uri="{BB962C8B-B14F-4D97-AF65-F5344CB8AC3E}">
-        <p14:creationId xmlns:p14="http://schemas.microsoft.com/office/powerpoint/2010/main" val="2674537354"/>
+        <p14:creationId xmlns:p14="http://schemas.microsoft.com/office/powerpoint/2010/main" val="2161841889"/>
+      </p:ext>
+    </p:extLst>
+  </p:cSld>
+  <p:clrMapOvr>
+    <a:masterClrMapping/>
+  </p:clrMapOvr>
+  <p:timing>
+    <p:tnLst>
+      <p:par>
+        <p:cTn id="1" dur="indefinite" restart="never" nodeType="tmRoot">
+          <p:childTnLst>
+            <p:seq concurrent="1" nextAc="seek">
+              <p:cTn id="2" dur="indefinite" nodeType="mainSeq">
+                <p:childTnLst>
+                  <p:par>
+                    <p:cTn id="3" fill="hold">
+                      <p:stCondLst>
+                        <p:cond delay="indefinite"/>
+                      </p:stCondLst>
+                      <p:childTnLst>
+                        <p:par>
+                          <p:cTn id="4" fill="hold">
+                            <p:stCondLst>
+                              <p:cond delay="0"/>
+                            </p:stCondLst>
+                            <p:childTnLst>
+                              <p:par>
+                                <p:cTn id="5" presetID="42" presetClass="path" presetSubtype="0" accel="50000" decel="50000" fill="hold" grpId="0" nodeType="clickEffect">
+                                  <p:stCondLst>
+                                    <p:cond delay="0"/>
+                                  </p:stCondLst>
+                                  <p:childTnLst>
+                                    <p:animMotion origin="layout" path="M 5E-6 -3.33333E-6 L -0.00039 0.33889 " pathEditMode="relative" rAng="0" ptsTypes="AA">
+                                      <p:cBhvr>
+                                        <p:cTn id="6" dur="2000" fill="hold"/>
+                                        <p:tgtEl>
+                                          <p:spTgt spid="4"/>
+                                        </p:tgtEl>
+                                        <p:attrNameLst>
+                                          <p:attrName>ppt_x</p:attrName>
+                                          <p:attrName>ppt_y</p:attrName>
+                                        </p:attrNameLst>
+                                      </p:cBhvr>
+                                      <p:rCtr x="-26" y="16944"/>
+                                    </p:animMotion>
+                                  </p:childTnLst>
+                                </p:cTn>
+                              </p:par>
+                            </p:childTnLst>
+                          </p:cTn>
+                        </p:par>
+                      </p:childTnLst>
+                    </p:cTn>
+                  </p:par>
+                </p:childTnLst>
+              </p:cTn>
+              <p:prevCondLst>
+                <p:cond evt="onPrev" delay="0">
+                  <p:tgtEl>
+                    <p:sldTgt/>
+                  </p:tgtEl>
+                </p:cond>
+              </p:prevCondLst>
+              <p:nextCondLst>
+                <p:cond evt="onNext" delay="0">
+                  <p:tgtEl>
+                    <p:sldTgt/>
+                  </p:tgtEl>
+                </p:cond>
+              </p:nextCondLst>
+            </p:seq>
+          </p:childTnLst>
+        </p:cTn>
+      </p:par>
+    </p:tnLst>
+    <p:bldLst>
+      <p:bldP spid="4" grpId="0" animBg="1"/>
+    </p:bldLst>
+  </p:timing>
+</p:sld>
+</file>
+
+<file path=ppt/slides/slide27.xml><?xml version="1.0" encoding="utf-8"?>
+<p:sld xmlns:a="http://schemas.openxmlformats.org/drawingml/2006/main" xmlns:r="http://schemas.openxmlformats.org/officeDocument/2006/relationships" xmlns:p="http://schemas.openxmlformats.org/presentationml/2006/main">
+  <p:cSld>
+    <p:spTree>
+      <p:nvGrpSpPr>
+        <p:cNvPr id="1" name=""/>
+        <p:cNvGrpSpPr/>
+        <p:nvPr/>
+      </p:nvGrpSpPr>
+      <p:grpSpPr>
+        <a:xfrm>
+          <a:off x="0" y="0"/>
+          <a:ext cx="0" cy="0"/>
+          <a:chOff x="0" y="0"/>
+          <a:chExt cx="0" cy="0"/>
+        </a:xfrm>
+      </p:grpSpPr>
+      <p:sp>
+        <p:nvSpPr>
+          <p:cNvPr id="2" name="Title 1"/>
+          <p:cNvSpPr>
+            <a:spLocks noGrp="1"/>
+          </p:cNvSpPr>
+          <p:nvPr>
+            <p:ph type="ctrTitle"/>
+          </p:nvPr>
+        </p:nvSpPr>
+        <p:spPr>
+          <a:xfrm>
+            <a:off x="2057400" y="3581401"/>
+            <a:ext cx="7772400" cy="1470025"/>
+          </a:xfrm>
+        </p:spPr>
+        <p:txBody>
+          <a:bodyPr rtlCol="0">
+            <a:normAutofit fontScale="90000"/>
+          </a:bodyPr>
+          <a:lstStyle/>
+          <a:p>
+            <a:pPr>
+              <a:defRPr/>
+            </a:pPr>
+            <a:r>
+              <a:rPr lang="en-US" dirty="0" smtClean="0"/>
+              <a:t>¿</a:t>
+            </a:r>
+            <a:r>
+              <a:rPr lang="en-US" dirty="0" err="1" smtClean="0"/>
+              <a:t>Qué</a:t>
+            </a:r>
+            <a:r>
+              <a:rPr lang="en-US" dirty="0" smtClean="0"/>
+              <a:t> se ha </a:t>
+            </a:r>
+            <a:r>
+              <a:rPr lang="en-US" dirty="0" err="1" smtClean="0"/>
+              <a:t>añadido</a:t>
+            </a:r>
+            <a:r>
+              <a:rPr lang="en-US" dirty="0" smtClean="0"/>
+              <a:t> </a:t>
+            </a:r>
+            <a:r>
+              <a:rPr lang="en-US" dirty="0" err="1" smtClean="0"/>
+              <a:t>en</a:t>
+            </a:r>
+            <a:r>
+              <a:rPr lang="en-US" dirty="0" smtClean="0"/>
+              <a:t> </a:t>
+            </a:r>
+            <a:r>
+              <a:rPr lang="en-US" dirty="0" err="1" smtClean="0"/>
+              <a:t>Xamarin.Forms</a:t>
+            </a:r>
+            <a:r>
+              <a:rPr lang="en-US" dirty="0" smtClean="0"/>
+              <a:t> 2.0?</a:t>
+            </a:r>
+            <a:br>
+              <a:rPr lang="en-US" dirty="0" smtClean="0"/>
+            </a:br>
+            <a:r>
+              <a:rPr lang="en-US" dirty="0" smtClean="0"/>
+              <a:t>____________________</a:t>
+            </a:r>
+            <a:endParaRPr lang="en-US" dirty="0"/>
+          </a:p>
+        </p:txBody>
+      </p:sp>
+      <p:sp>
+        <p:nvSpPr>
+          <p:cNvPr id="4" name="TextBox 3"/>
+          <p:cNvSpPr txBox="1">
+            <a:spLocks noChangeArrowheads="1"/>
+          </p:cNvSpPr>
+          <p:nvPr/>
+        </p:nvSpPr>
+        <p:spPr bwMode="auto">
+          <a:xfrm>
+            <a:off x="2514600" y="2006601"/>
+            <a:ext cx="2667000" cy="646331"/>
+          </a:xfrm>
+          <a:prstGeom prst="rect">
+            <a:avLst/>
+          </a:prstGeom>
+          <a:noFill/>
+          <a:ln w="28575">
+            <a:solidFill>
+              <a:srgbClr val="FF0000"/>
+            </a:solidFill>
+            <a:miter lim="800000"/>
+            <a:headEnd/>
+            <a:tailEnd/>
+          </a:ln>
+        </p:spPr>
+        <p:txBody>
+          <a:bodyPr>
+            <a:spAutoFit/>
+          </a:bodyPr>
+          <a:lstStyle/>
+          <a:p>
+            <a:pPr algn="ctr"/>
+            <a:r>
+              <a:rPr lang="en-US" sz="3600" b="1" dirty="0">
+                <a:latin typeface="Calibri" pitchFamily="34" charset="0"/>
+              </a:rPr>
+              <a:t>A</a:t>
+            </a:r>
+            <a:r>
+              <a:rPr lang="en-US" sz="3600" b="1" dirty="0" smtClean="0">
+                <a:latin typeface="Calibri" pitchFamily="34" charset="0"/>
+              </a:rPr>
+              <a:t>. </a:t>
+            </a:r>
+            <a:r>
+              <a:rPr lang="es-ES" dirty="0" smtClean="0"/>
+              <a:t>Editor Visual</a:t>
+            </a:r>
+            <a:endParaRPr lang="en-US" sz="1600" b="1" dirty="0">
+              <a:latin typeface="Calibri" pitchFamily="34" charset="0"/>
+            </a:endParaRPr>
+          </a:p>
+        </p:txBody>
+      </p:sp>
+      <p:sp>
+        <p:nvSpPr>
+          <p:cNvPr id="5" name="TextBox 4"/>
+          <p:cNvSpPr txBox="1">
+            <a:spLocks noChangeArrowheads="1"/>
+          </p:cNvSpPr>
+          <p:nvPr/>
+        </p:nvSpPr>
+        <p:spPr bwMode="auto">
+          <a:xfrm>
+            <a:off x="5791200" y="2006601"/>
+            <a:ext cx="2667000" cy="646331"/>
+          </a:xfrm>
+          <a:prstGeom prst="rect">
+            <a:avLst/>
+          </a:prstGeom>
+          <a:noFill/>
+          <a:ln w="28575">
+            <a:solidFill>
+              <a:srgbClr val="FF0000"/>
+            </a:solidFill>
+            <a:miter lim="800000"/>
+            <a:headEnd/>
+            <a:tailEnd/>
+          </a:ln>
+        </p:spPr>
+        <p:txBody>
+          <a:bodyPr>
+            <a:spAutoFit/>
+          </a:bodyPr>
+          <a:lstStyle/>
+          <a:p>
+            <a:pPr algn="ctr"/>
+            <a:r>
+              <a:rPr lang="en-US" sz="3600" b="1" dirty="0">
+                <a:latin typeface="Calibri" pitchFamily="34" charset="0"/>
+              </a:rPr>
+              <a:t>B</a:t>
+            </a:r>
+            <a:r>
+              <a:rPr lang="en-US" sz="3600" b="1" dirty="0" smtClean="0">
+                <a:latin typeface="Calibri" pitchFamily="34" charset="0"/>
+              </a:rPr>
+              <a:t>. </a:t>
+            </a:r>
+            <a:r>
+              <a:rPr lang="es-ES" dirty="0" smtClean="0"/>
+              <a:t>Soporte UWP</a:t>
+            </a:r>
+            <a:endParaRPr lang="en-US" sz="2800" b="1" dirty="0">
+              <a:latin typeface="Calibri" pitchFamily="34" charset="0"/>
+            </a:endParaRPr>
+          </a:p>
+        </p:txBody>
+      </p:sp>
+    </p:spTree>
+    <p:extLst>
+      <p:ext uri="{BB962C8B-B14F-4D97-AF65-F5344CB8AC3E}">
+        <p14:creationId xmlns:p14="http://schemas.microsoft.com/office/powerpoint/2010/main" val="2153224874"/>
       </p:ext>
     </p:extLst>
   </p:cSld>
@@ -9884,7 +10882,7 @@
 </p:sld>
 </file>
 
-<file path=ppt/slides/slide26.xml><?xml version="1.0" encoding="utf-8"?>
+<file path=ppt/slides/slide28.xml><?xml version="1.0" encoding="utf-8"?>
 <p:sld xmlns:a="http://schemas.openxmlformats.org/drawingml/2006/main" xmlns:r="http://schemas.openxmlformats.org/officeDocument/2006/relationships" xmlns:p="http://schemas.openxmlformats.org/presentationml/2006/main">
   <p:cSld>
     <p:spTree>
@@ -9913,7 +10911,7 @@
         </p:nvSpPr>
         <p:spPr>
           <a:xfrm>
-            <a:off x="2300287" y="3631397"/>
+            <a:off x="2057400" y="3581401"/>
             <a:ext cx="7772400" cy="1470025"/>
           </a:xfrm>
         </p:spPr>
@@ -9927,32 +10925,12 @@
               <a:defRPr/>
             </a:pPr>
             <a:r>
+              <a:rPr lang="es-ES" dirty="0"/>
+              <a:t>¿Cual es el nuevo modo de cache del ListView?</a:t>
+            </a:r>
+            <a:r>
               <a:rPr lang="en-US" dirty="0" smtClean="0"/>
-              <a:t>¿</a:t>
-            </a:r>
-            <a:r>
-              <a:rPr lang="en-US" dirty="0" err="1" smtClean="0"/>
-              <a:t>Cuántos</a:t>
-            </a:r>
-            <a:r>
-              <a:rPr lang="en-US" dirty="0" smtClean="0"/>
-              <a:t> </a:t>
-            </a:r>
-            <a:r>
-              <a:rPr lang="en-US" dirty="0" err="1" smtClean="0"/>
-              <a:t>desarrolladores</a:t>
-            </a:r>
-            <a:r>
-              <a:rPr lang="en-US" dirty="0" smtClean="0"/>
-              <a:t> Xamarin hay </a:t>
-            </a:r>
-            <a:r>
-              <a:rPr lang="en-US" dirty="0" err="1" smtClean="0"/>
-              <a:t>actualmente</a:t>
-            </a:r>
-            <a:r>
-              <a:rPr lang="en-US" dirty="0" smtClean="0"/>
-              <a:t>?</a:t>
+              <a:t/>
             </a:r>
             <a:br>
               <a:rPr lang="en-US" dirty="0" smtClean="0"/>
@@ -10011,12 +10989,10 @@
               <a:t>. </a:t>
             </a:r>
             <a:r>
-              <a:rPr lang="en-US" sz="3200" b="1" dirty="0" smtClean="0">
-                <a:latin typeface="Calibri" pitchFamily="34" charset="0"/>
-              </a:rPr>
-              <a:t>+1.400.000</a:t>
-            </a:r>
-            <a:endParaRPr lang="en-US" sz="2000" b="1" dirty="0">
+              <a:rPr lang="es-ES" dirty="0" err="1"/>
+              <a:t>RecycleElement</a:t>
+            </a:r>
+            <a:endParaRPr lang="en-US" sz="1600" dirty="0">
               <a:latin typeface="Calibri" pitchFamily="34" charset="0"/>
             </a:endParaRPr>
           </a:p>
@@ -10068,10 +11044,8 @@
               <a:t>. </a:t>
             </a:r>
             <a:r>
-              <a:rPr lang="en-US" sz="2800" b="1" dirty="0" smtClean="0">
-                <a:latin typeface="Calibri" pitchFamily="34" charset="0"/>
-              </a:rPr>
-              <a:t>+1.350.000</a:t>
+              <a:rPr lang="es-ES" dirty="0" err="1"/>
+              <a:t>ReuseElement</a:t>
             </a:r>
             <a:endParaRPr lang="en-US" sz="2800" b="1" dirty="0">
               <a:latin typeface="Calibri" pitchFamily="34" charset="0"/>
@@ -10082,7 +11056,7 @@
     </p:spTree>
     <p:extLst>
       <p:ext uri="{BB962C8B-B14F-4D97-AF65-F5344CB8AC3E}">
-        <p14:creationId xmlns:p14="http://schemas.microsoft.com/office/powerpoint/2010/main" val="792944214"/>
+        <p14:creationId xmlns:p14="http://schemas.microsoft.com/office/powerpoint/2010/main" val="4234584548"/>
       </p:ext>
     </p:extLst>
   </p:cSld>
@@ -10115,7 +11089,292 @@
                                     <p:cond delay="0"/>
                                   </p:stCondLst>
                                   <p:childTnLst>
-                                    <p:animMotion origin="layout" path="M 5E-6 -3.33333E-6 L -0.26094 0.36574 " pathEditMode="relative" rAng="0" ptsTypes="AA">
+                                    <p:animMotion origin="layout" path="M 5E-6 -3.33333E-6 L -0.00039 0.33889 " pathEditMode="relative" rAng="0" ptsTypes="AA">
+                                      <p:cBhvr>
+                                        <p:cTn id="6" dur="2000" fill="hold"/>
+                                        <p:tgtEl>
+                                          <p:spTgt spid="4"/>
+                                        </p:tgtEl>
+                                        <p:attrNameLst>
+                                          <p:attrName>ppt_x</p:attrName>
+                                          <p:attrName>ppt_y</p:attrName>
+                                        </p:attrNameLst>
+                                      </p:cBhvr>
+                                      <p:rCtr x="-26" y="16944"/>
+                                    </p:animMotion>
+                                  </p:childTnLst>
+                                </p:cTn>
+                              </p:par>
+                            </p:childTnLst>
+                          </p:cTn>
+                        </p:par>
+                      </p:childTnLst>
+                    </p:cTn>
+                  </p:par>
+                </p:childTnLst>
+              </p:cTn>
+              <p:prevCondLst>
+                <p:cond evt="onPrev" delay="0">
+                  <p:tgtEl>
+                    <p:sldTgt/>
+                  </p:tgtEl>
+                </p:cond>
+              </p:prevCondLst>
+              <p:nextCondLst>
+                <p:cond evt="onNext" delay="0">
+                  <p:tgtEl>
+                    <p:sldTgt/>
+                  </p:tgtEl>
+                </p:cond>
+              </p:nextCondLst>
+            </p:seq>
+          </p:childTnLst>
+        </p:cTn>
+      </p:par>
+    </p:tnLst>
+    <p:bldLst>
+      <p:bldP spid="4" grpId="0" animBg="1"/>
+    </p:bldLst>
+  </p:timing>
+</p:sld>
+</file>
+
+<file path=ppt/slides/slide29.xml><?xml version="1.0" encoding="utf-8"?>
+<p:sld xmlns:a="http://schemas.openxmlformats.org/drawingml/2006/main" xmlns:r="http://schemas.openxmlformats.org/officeDocument/2006/relationships" xmlns:p="http://schemas.openxmlformats.org/presentationml/2006/main">
+  <p:cSld>
+    <p:spTree>
+      <p:nvGrpSpPr>
+        <p:cNvPr id="1" name=""/>
+        <p:cNvGrpSpPr/>
+        <p:nvPr/>
+      </p:nvGrpSpPr>
+      <p:grpSpPr>
+        <a:xfrm>
+          <a:off x="0" y="0"/>
+          <a:ext cx="0" cy="0"/>
+          <a:chOff x="0" y="0"/>
+          <a:chExt cx="0" cy="0"/>
+        </a:xfrm>
+      </p:grpSpPr>
+      <p:sp>
+        <p:nvSpPr>
+          <p:cNvPr id="2" name="Title 1"/>
+          <p:cNvSpPr>
+            <a:spLocks noGrp="1"/>
+          </p:cNvSpPr>
+          <p:nvPr>
+            <p:ph type="ctrTitle"/>
+          </p:nvPr>
+        </p:nvSpPr>
+        <p:spPr>
+          <a:xfrm>
+            <a:off x="2057400" y="3581401"/>
+            <a:ext cx="7772400" cy="1470025"/>
+          </a:xfrm>
+        </p:spPr>
+        <p:txBody>
+          <a:bodyPr rtlCol="0">
+            <a:normAutofit fontScale="90000"/>
+          </a:bodyPr>
+          <a:lstStyle/>
+          <a:p>
+            <a:pPr>
+              <a:defRPr/>
+            </a:pPr>
+            <a:r>
+              <a:rPr lang="en-US" dirty="0" smtClean="0"/>
+              <a:t>¿</a:t>
+            </a:r>
+            <a:r>
+              <a:rPr lang="en-US" dirty="0" err="1" smtClean="0"/>
+              <a:t>En</a:t>
+            </a:r>
+            <a:r>
+              <a:rPr lang="en-US" dirty="0" smtClean="0"/>
+              <a:t> </a:t>
+            </a:r>
+            <a:r>
+              <a:rPr lang="en-US" dirty="0" err="1" smtClean="0"/>
+              <a:t>qué</a:t>
+            </a:r>
+            <a:r>
+              <a:rPr lang="en-US" dirty="0" smtClean="0"/>
+              <a:t> se </a:t>
+            </a:r>
+            <a:r>
+              <a:rPr lang="en-US" dirty="0" err="1" smtClean="0"/>
+              <a:t>basa</a:t>
+            </a:r>
+            <a:r>
+              <a:rPr lang="en-US" dirty="0" smtClean="0"/>
+              <a:t> Xamarin </a:t>
+            </a:r>
+            <a:r>
+              <a:rPr lang="en-US" dirty="0" err="1" smtClean="0"/>
+              <a:t>UITest</a:t>
+            </a:r>
+            <a:r>
+              <a:rPr lang="en-US" dirty="0" smtClean="0"/>
+              <a:t>?</a:t>
+            </a:r>
+            <a:br>
+              <a:rPr lang="en-US" dirty="0" smtClean="0"/>
+            </a:br>
+            <a:r>
+              <a:rPr lang="en-US" dirty="0" smtClean="0"/>
+              <a:t>____________________</a:t>
+            </a:r>
+            <a:endParaRPr lang="en-US" dirty="0"/>
+          </a:p>
+        </p:txBody>
+      </p:sp>
+      <p:sp>
+        <p:nvSpPr>
+          <p:cNvPr id="4" name="TextBox 3"/>
+          <p:cNvSpPr txBox="1">
+            <a:spLocks noChangeArrowheads="1"/>
+          </p:cNvSpPr>
+          <p:nvPr/>
+        </p:nvSpPr>
+        <p:spPr bwMode="auto">
+          <a:xfrm>
+            <a:off x="2514600" y="2006601"/>
+            <a:ext cx="2667000" cy="646331"/>
+          </a:xfrm>
+          <a:prstGeom prst="rect">
+            <a:avLst/>
+          </a:prstGeom>
+          <a:noFill/>
+          <a:ln w="28575">
+            <a:solidFill>
+              <a:srgbClr val="FF0000"/>
+            </a:solidFill>
+            <a:miter lim="800000"/>
+            <a:headEnd/>
+            <a:tailEnd/>
+          </a:ln>
+        </p:spPr>
+        <p:txBody>
+          <a:bodyPr>
+            <a:spAutoFit/>
+          </a:bodyPr>
+          <a:lstStyle/>
+          <a:p>
+            <a:pPr algn="ctr"/>
+            <a:r>
+              <a:rPr lang="en-US" sz="3600" b="1" dirty="0">
+                <a:latin typeface="Calibri" pitchFamily="34" charset="0"/>
+              </a:rPr>
+              <a:t>A</a:t>
+            </a:r>
+            <a:r>
+              <a:rPr lang="en-US" sz="3600" b="1" dirty="0" smtClean="0">
+                <a:latin typeface="Calibri" pitchFamily="34" charset="0"/>
+              </a:rPr>
+              <a:t>. </a:t>
+            </a:r>
+            <a:r>
+              <a:rPr lang="es-ES" dirty="0" err="1" smtClean="0"/>
+              <a:t>NUnit</a:t>
+            </a:r>
+            <a:endParaRPr lang="en-US" sz="1600" b="1" dirty="0">
+              <a:latin typeface="Calibri" pitchFamily="34" charset="0"/>
+            </a:endParaRPr>
+          </a:p>
+        </p:txBody>
+      </p:sp>
+      <p:sp>
+        <p:nvSpPr>
+          <p:cNvPr id="5" name="TextBox 4"/>
+          <p:cNvSpPr txBox="1">
+            <a:spLocks noChangeArrowheads="1"/>
+          </p:cNvSpPr>
+          <p:nvPr/>
+        </p:nvSpPr>
+        <p:spPr bwMode="auto">
+          <a:xfrm>
+            <a:off x="5791200" y="2006601"/>
+            <a:ext cx="2667000" cy="646331"/>
+          </a:xfrm>
+          <a:prstGeom prst="rect">
+            <a:avLst/>
+          </a:prstGeom>
+          <a:noFill/>
+          <a:ln w="28575">
+            <a:solidFill>
+              <a:srgbClr val="FF0000"/>
+            </a:solidFill>
+            <a:miter lim="800000"/>
+            <a:headEnd/>
+            <a:tailEnd/>
+          </a:ln>
+        </p:spPr>
+        <p:txBody>
+          <a:bodyPr>
+            <a:spAutoFit/>
+          </a:bodyPr>
+          <a:lstStyle/>
+          <a:p>
+            <a:pPr algn="ctr"/>
+            <a:r>
+              <a:rPr lang="en-US" sz="3600" b="1" dirty="0">
+                <a:latin typeface="Calibri" pitchFamily="34" charset="0"/>
+              </a:rPr>
+              <a:t>B</a:t>
+            </a:r>
+            <a:r>
+              <a:rPr lang="en-US" sz="3600" b="1" dirty="0" smtClean="0">
+                <a:latin typeface="Calibri" pitchFamily="34" charset="0"/>
+              </a:rPr>
+              <a:t>. </a:t>
+            </a:r>
+            <a:r>
+              <a:rPr lang="es-ES" dirty="0" err="1" smtClean="0"/>
+              <a:t>Calabash</a:t>
+            </a:r>
+            <a:endParaRPr lang="en-US" sz="2800" b="1" dirty="0">
+              <a:latin typeface="Calibri" pitchFamily="34" charset="0"/>
+            </a:endParaRPr>
+          </a:p>
+        </p:txBody>
+      </p:sp>
+    </p:spTree>
+    <p:extLst>
+      <p:ext uri="{BB962C8B-B14F-4D97-AF65-F5344CB8AC3E}">
+        <p14:creationId xmlns:p14="http://schemas.microsoft.com/office/powerpoint/2010/main" val="2674537354"/>
+      </p:ext>
+    </p:extLst>
+  </p:cSld>
+  <p:clrMapOvr>
+    <a:masterClrMapping/>
+  </p:clrMapOvr>
+  <p:timing>
+    <p:tnLst>
+      <p:par>
+        <p:cTn id="1" dur="indefinite" restart="never" nodeType="tmRoot">
+          <p:childTnLst>
+            <p:seq concurrent="1" nextAc="seek">
+              <p:cTn id="2" dur="indefinite" nodeType="mainSeq">
+                <p:childTnLst>
+                  <p:par>
+                    <p:cTn id="3" fill="hold">
+                      <p:stCondLst>
+                        <p:cond delay="indefinite"/>
+                      </p:stCondLst>
+                      <p:childTnLst>
+                        <p:par>
+                          <p:cTn id="4" fill="hold">
+                            <p:stCondLst>
+                              <p:cond delay="0"/>
+                            </p:stCondLst>
+                            <p:childTnLst>
+                              <p:par>
+                                <p:cTn id="5" presetID="42" presetClass="path" presetSubtype="0" accel="50000" decel="50000" fill="hold" grpId="0" nodeType="clickEffect">
+                                  <p:stCondLst>
+                                    <p:cond delay="0"/>
+                                  </p:stCondLst>
+                                  <p:childTnLst>
+                                    <p:animMotion origin="layout" path="M 5E-6 -3.33333E-6 L -0.26915 0.39699 " pathEditMode="relative" rAng="0" ptsTypes="AA">
                                       <p:cBhvr>
                                         <p:cTn id="6" dur="2000" fill="hold"/>
                                         <p:tgtEl>
@@ -10126,7 +11385,7 @@
                                           <p:attrName>ppt_y</p:attrName>
                                         </p:attrNameLst>
                                       </p:cBhvr>
-                                      <p:rCtr x="-13047" y="18287"/>
+                                      <p:rCtr x="-13464" y="19838"/>
                                     </p:animMotion>
                                   </p:childTnLst>
                                 </p:cTn>
@@ -10160,483 +11419,6 @@
     </p:tnLst>
     <p:bldLst>
       <p:bldP spid="5" grpId="0" animBg="1"/>
-    </p:bldLst>
-  </p:timing>
-</p:sld>
-</file>
-
-<file path=ppt/slides/slide27.xml><?xml version="1.0" encoding="utf-8"?>
-<p:sld xmlns:a="http://schemas.openxmlformats.org/drawingml/2006/main" xmlns:r="http://schemas.openxmlformats.org/officeDocument/2006/relationships" xmlns:p="http://schemas.openxmlformats.org/presentationml/2006/main">
-  <p:cSld>
-    <p:spTree>
-      <p:nvGrpSpPr>
-        <p:cNvPr id="1" name=""/>
-        <p:cNvGrpSpPr/>
-        <p:nvPr/>
-      </p:nvGrpSpPr>
-      <p:grpSpPr>
-        <a:xfrm>
-          <a:off x="0" y="0"/>
-          <a:ext cx="0" cy="0"/>
-          <a:chOff x="0" y="0"/>
-          <a:chExt cx="0" cy="0"/>
-        </a:xfrm>
-      </p:grpSpPr>
-      <p:sp>
-        <p:nvSpPr>
-          <p:cNvPr id="27" name="Text Placeholder 25"/>
-          <p:cNvSpPr txBox="1">
-            <a:spLocks/>
-          </p:cNvSpPr>
-          <p:nvPr/>
-        </p:nvSpPr>
-        <p:spPr bwMode="invGray">
-          <a:xfrm>
-            <a:off x="1556293" y="1685952"/>
-            <a:ext cx="10321336" cy="821723"/>
-          </a:xfrm>
-          <a:prstGeom prst="rect">
-            <a:avLst/>
-          </a:prstGeom>
-        </p:spPr>
-        <p:txBody>
-          <a:bodyPr vert="horz" wrap="square" lIns="179285" tIns="143428" rIns="179285" bIns="143428" rtlCol="0" anchor="t">
-            <a:noAutofit/>
-          </a:bodyPr>
-          <a:lstStyle>
-            <a:lvl1pPr marL="0" indent="0" algn="l" defTabSz="914166" rtl="0" eaLnBrk="1" latinLnBrk="0" hangingPunct="1">
-              <a:spcBef>
-                <a:spcPct val="20000"/>
-              </a:spcBef>
-              <a:buFont typeface="Arial" pitchFamily="34" charset="0"/>
-              <a:buNone/>
-              <a:defRPr sz="6700" kern="1200" spc="-153">
-                <a:gradFill>
-                  <a:gsLst>
-                    <a:gs pos="0">
-                      <a:schemeClr val="tx1"/>
-                    </a:gs>
-                    <a:gs pos="100000">
-                      <a:schemeClr val="tx1"/>
-                    </a:gs>
-                  </a:gsLst>
-                  <a:lin ang="5400000" scaled="0"/>
-                </a:gradFill>
-                <a:latin typeface="+mj-lt"/>
-                <a:ea typeface="+mn-ea"/>
-                <a:cs typeface="+mn-cs"/>
-              </a:defRPr>
-            </a:lvl1pPr>
-            <a:lvl2pPr marL="0" indent="0" algn="l" defTabSz="914166" rtl="0" eaLnBrk="1" latinLnBrk="0" hangingPunct="1">
-              <a:spcBef>
-                <a:spcPct val="20000"/>
-              </a:spcBef>
-              <a:buFont typeface="Arial" pitchFamily="34" charset="0"/>
-              <a:buNone/>
-              <a:defRPr sz="2800" kern="1200">
-                <a:gradFill>
-                  <a:gsLst>
-                    <a:gs pos="0">
-                      <a:schemeClr val="tx1"/>
-                    </a:gs>
-                    <a:gs pos="100000">
-                      <a:schemeClr val="tx1"/>
-                    </a:gs>
-                  </a:gsLst>
-                  <a:lin ang="5400000" scaled="0"/>
-                </a:gradFill>
-                <a:latin typeface="+mn-lt"/>
-                <a:ea typeface="+mn-ea"/>
-                <a:cs typeface="+mn-cs"/>
-              </a:defRPr>
-            </a:lvl2pPr>
-            <a:lvl3pPr marL="457082" indent="-228541" algn="l" defTabSz="914166" rtl="0" eaLnBrk="1" latinLnBrk="0" hangingPunct="1">
-              <a:spcBef>
-                <a:spcPct val="20000"/>
-              </a:spcBef>
-              <a:buFont typeface="Arial" pitchFamily="34" charset="0"/>
-              <a:buChar char="•"/>
-              <a:defRPr sz="2400" kern="1200">
-                <a:gradFill>
-                  <a:gsLst>
-                    <a:gs pos="0">
-                      <a:schemeClr val="tx1"/>
-                    </a:gs>
-                    <a:gs pos="100000">
-                      <a:schemeClr val="tx1"/>
-                    </a:gs>
-                  </a:gsLst>
-                  <a:lin ang="5400000" scaled="0"/>
-                </a:gradFill>
-                <a:latin typeface="+mn-lt"/>
-                <a:ea typeface="+mn-ea"/>
-                <a:cs typeface="+mn-cs"/>
-              </a:defRPr>
-            </a:lvl3pPr>
-            <a:lvl4pPr marL="739586" indent="-282503" algn="l" defTabSz="914166" rtl="0" eaLnBrk="1" latinLnBrk="0" hangingPunct="1">
-              <a:spcBef>
-                <a:spcPct val="20000"/>
-              </a:spcBef>
-              <a:buFont typeface="Arial" pitchFamily="34" charset="0"/>
-              <a:buChar char="–"/>
-              <a:defRPr sz="2000" kern="1200">
-                <a:gradFill>
-                  <a:gsLst>
-                    <a:gs pos="0">
-                      <a:schemeClr val="tx1"/>
-                    </a:gs>
-                    <a:gs pos="100000">
-                      <a:schemeClr val="tx1"/>
-                    </a:gs>
-                  </a:gsLst>
-                  <a:lin ang="5400000" scaled="0"/>
-                </a:gradFill>
-                <a:latin typeface="+mn-lt"/>
-                <a:ea typeface="+mn-ea"/>
-                <a:cs typeface="+mn-cs"/>
-              </a:defRPr>
-            </a:lvl4pPr>
-            <a:lvl5pPr marL="1033199" indent="-293612" algn="l" defTabSz="914166" rtl="0" eaLnBrk="1" latinLnBrk="0" hangingPunct="1">
-              <a:spcBef>
-                <a:spcPct val="20000"/>
-              </a:spcBef>
-              <a:buFont typeface="Arial" pitchFamily="34" charset="0"/>
-              <a:buChar char="»"/>
-              <a:defRPr sz="1800" kern="1200">
-                <a:gradFill>
-                  <a:gsLst>
-                    <a:gs pos="0">
-                      <a:schemeClr val="tx1"/>
-                    </a:gs>
-                    <a:gs pos="100000">
-                      <a:schemeClr val="tx1"/>
-                    </a:gs>
-                  </a:gsLst>
-                  <a:lin ang="5400000" scaled="0"/>
-                </a:gradFill>
-                <a:latin typeface="+mn-lt"/>
-                <a:ea typeface="+mn-ea"/>
-                <a:cs typeface="+mn-cs"/>
-              </a:defRPr>
-            </a:lvl5pPr>
-            <a:lvl6pPr marL="2513956" indent="-228541" algn="l" defTabSz="914166" rtl="0" eaLnBrk="1" latinLnBrk="0" hangingPunct="1">
-              <a:spcBef>
-                <a:spcPct val="20000"/>
-              </a:spcBef>
-              <a:buFont typeface="Arial" pitchFamily="34" charset="0"/>
-              <a:buChar char="•"/>
-              <a:defRPr sz="2000" kern="1200">
-                <a:solidFill>
-                  <a:schemeClr val="tx1"/>
-                </a:solidFill>
-                <a:latin typeface="+mn-lt"/>
-                <a:ea typeface="+mn-ea"/>
-                <a:cs typeface="+mn-cs"/>
-              </a:defRPr>
-            </a:lvl6pPr>
-            <a:lvl7pPr marL="2971038" indent="-228541" algn="l" defTabSz="914166" rtl="0" eaLnBrk="1" latinLnBrk="0" hangingPunct="1">
-              <a:spcBef>
-                <a:spcPct val="20000"/>
-              </a:spcBef>
-              <a:buFont typeface="Arial" pitchFamily="34" charset="0"/>
-              <a:buChar char="•"/>
-              <a:defRPr sz="2000" kern="1200">
-                <a:solidFill>
-                  <a:schemeClr val="tx1"/>
-                </a:solidFill>
-                <a:latin typeface="+mn-lt"/>
-                <a:ea typeface="+mn-ea"/>
-                <a:cs typeface="+mn-cs"/>
-              </a:defRPr>
-            </a:lvl7pPr>
-            <a:lvl8pPr marL="3428122" indent="-228541" algn="l" defTabSz="914166" rtl="0" eaLnBrk="1" latinLnBrk="0" hangingPunct="1">
-              <a:spcBef>
-                <a:spcPct val="20000"/>
-              </a:spcBef>
-              <a:buFont typeface="Arial" pitchFamily="34" charset="0"/>
-              <a:buChar char="•"/>
-              <a:defRPr sz="2000" kern="1200">
-                <a:solidFill>
-                  <a:schemeClr val="tx1"/>
-                </a:solidFill>
-                <a:latin typeface="+mn-lt"/>
-                <a:ea typeface="+mn-ea"/>
-                <a:cs typeface="+mn-cs"/>
-              </a:defRPr>
-            </a:lvl8pPr>
-            <a:lvl9pPr marL="3885204" indent="-228541" algn="l" defTabSz="914166" rtl="0" eaLnBrk="1" latinLnBrk="0" hangingPunct="1">
-              <a:spcBef>
-                <a:spcPct val="20000"/>
-              </a:spcBef>
-              <a:buFont typeface="Arial" pitchFamily="34" charset="0"/>
-              <a:buChar char="•"/>
-              <a:defRPr sz="2000" kern="1200">
-                <a:solidFill>
-                  <a:schemeClr val="tx1"/>
-                </a:solidFill>
-                <a:latin typeface="+mn-lt"/>
-                <a:ea typeface="+mn-ea"/>
-                <a:cs typeface="+mn-cs"/>
-              </a:defRPr>
-            </a:lvl9pPr>
-          </a:lstStyle>
-          <a:p>
-            <a:pPr defTabSz="914367">
-              <a:lnSpc>
-                <a:spcPct val="60000"/>
-              </a:lnSpc>
-              <a:buClr>
-                <a:srgbClr val="FFFFFF"/>
-              </a:buClr>
-              <a:buSzPct val="90000"/>
-            </a:pPr>
-            <a:r>
-              <a:rPr lang="en-US" sz="7646" spc="0" dirty="0" smtClean="0">
-                <a:solidFill>
-                  <a:schemeClr val="tx1"/>
-                </a:solidFill>
-              </a:rPr>
-              <a:t>Gracias a </a:t>
-            </a:r>
-            <a:r>
-              <a:rPr lang="en-US" sz="7646" spc="0" dirty="0" err="1" smtClean="0">
-                <a:solidFill>
-                  <a:schemeClr val="tx1"/>
-                </a:solidFill>
-              </a:rPr>
-              <a:t>todos</a:t>
-            </a:r>
-            <a:r>
-              <a:rPr lang="en-US" sz="7646" spc="0" dirty="0" smtClean="0">
-                <a:solidFill>
-                  <a:schemeClr val="tx1"/>
-                </a:solidFill>
-              </a:rPr>
-              <a:t>!</a:t>
-            </a:r>
-            <a:endParaRPr lang="en-US" sz="7646" spc="0" dirty="0">
-              <a:solidFill>
-                <a:schemeClr val="tx1"/>
-              </a:solidFill>
-              <a:latin typeface="+mn-lt"/>
-            </a:endParaRPr>
-          </a:p>
-        </p:txBody>
-      </p:sp>
-      <p:sp>
-        <p:nvSpPr>
-          <p:cNvPr id="8" name="TextBox 7"/>
-          <p:cNvSpPr txBox="1"/>
-          <p:nvPr/>
-        </p:nvSpPr>
-        <p:spPr>
-          <a:xfrm>
-            <a:off x="4145965" y="-846623"/>
-            <a:ext cx="362072" cy="621556"/>
-          </a:xfrm>
-          <a:prstGeom prst="rect">
-            <a:avLst/>
-          </a:prstGeom>
-          <a:noFill/>
-        </p:spPr>
-        <p:txBody>
-          <a:bodyPr wrap="none" lIns="179285" tIns="143428" rIns="179285" bIns="143428" rtlCol="0">
-            <a:spAutoFit/>
-          </a:bodyPr>
-          <a:lstStyle/>
-          <a:p>
-            <a:pPr>
-              <a:lnSpc>
-                <a:spcPct val="90000"/>
-              </a:lnSpc>
-              <a:spcAft>
-                <a:spcPts val="588"/>
-              </a:spcAft>
-            </a:pPr>
-            <a:endParaRPr lang="en-US" sz="2353" dirty="0" err="1">
-              <a:gradFill>
-                <a:gsLst>
-                  <a:gs pos="2917">
-                    <a:schemeClr val="tx1"/>
-                  </a:gs>
-                  <a:gs pos="30000">
-                    <a:schemeClr val="tx1"/>
-                  </a:gs>
-                </a:gsLst>
-                <a:lin ang="5400000" scaled="0"/>
-              </a:gradFill>
-            </a:endParaRPr>
-          </a:p>
-        </p:txBody>
-      </p:sp>
-      <p:pic>
-        <p:nvPicPr>
-          <p:cNvPr id="4" name="Imagen 1"/>
-          <p:cNvPicPr>
-            <a:picLocks noChangeAspect="1"/>
-          </p:cNvPicPr>
-          <p:nvPr/>
-        </p:nvPicPr>
-        <p:blipFill>
-          <a:blip r:embed="rId3"/>
-          <a:stretch>
-            <a:fillRect/>
-          </a:stretch>
-        </p:blipFill>
-        <p:spPr>
-          <a:xfrm>
-            <a:off x="-1" y="2004717"/>
-            <a:ext cx="3243263" cy="4853284"/>
-          </a:xfrm>
-          <a:prstGeom prst="rect">
-            <a:avLst/>
-          </a:prstGeom>
-        </p:spPr>
-      </p:pic>
-    </p:spTree>
-    <p:extLst>
-      <p:ext uri="{BB962C8B-B14F-4D97-AF65-F5344CB8AC3E}">
-        <p14:creationId xmlns:p14="http://schemas.microsoft.com/office/powerpoint/2010/main" val="209359415"/>
-      </p:ext>
-    </p:extLst>
-  </p:cSld>
-  <p:clrMapOvr>
-    <a:masterClrMapping/>
-  </p:clrMapOvr>
-  <p:transition>
-    <p:fade/>
-  </p:transition>
-  <p:timing>
-    <p:tnLst>
-      <p:par>
-        <p:cTn id="1" dur="indefinite" restart="never" nodeType="tmRoot">
-          <p:childTnLst>
-            <p:seq concurrent="1" nextAc="seek">
-              <p:cTn id="2" dur="indefinite" nodeType="mainSeq">
-                <p:childTnLst>
-                  <p:par>
-                    <p:cTn id="3" fill="hold">
-                      <p:stCondLst>
-                        <p:cond delay="indefinite"/>
-                        <p:cond evt="onBegin" delay="0">
-                          <p:tn val="2"/>
-                        </p:cond>
-                      </p:stCondLst>
-                      <p:childTnLst>
-                        <p:par>
-                          <p:cTn id="4" fill="hold">
-                            <p:stCondLst>
-                              <p:cond delay="0"/>
-                            </p:stCondLst>
-                            <p:childTnLst>
-                              <p:par>
-                                <p:cTn id="5" presetID="10" presetClass="entr" presetSubtype="0" fill="hold" grpId="0" nodeType="afterEffect">
-                                  <p:stCondLst>
-                                    <p:cond delay="0"/>
-                                  </p:stCondLst>
-                                  <p:childTnLst>
-                                    <p:set>
-                                      <p:cBhvr>
-                                        <p:cTn id="6" dur="1" fill="hold">
-                                          <p:stCondLst>
-                                            <p:cond delay="0"/>
-                                          </p:stCondLst>
-                                        </p:cTn>
-                                        <p:tgtEl>
-                                          <p:spTgt spid="27"/>
-                                        </p:tgtEl>
-                                        <p:attrNameLst>
-                                          <p:attrName>style.visibility</p:attrName>
-                                        </p:attrNameLst>
-                                      </p:cBhvr>
-                                      <p:to>
-                                        <p:strVal val="visible"/>
-                                      </p:to>
-                                    </p:set>
-                                    <p:animEffect transition="in" filter="fade">
-                                      <p:cBhvr>
-                                        <p:cTn id="7" dur="500"/>
-                                        <p:tgtEl>
-                                          <p:spTgt spid="27"/>
-                                        </p:tgtEl>
-                                      </p:cBhvr>
-                                    </p:animEffect>
-                                  </p:childTnLst>
-                                </p:cTn>
-                              </p:par>
-                            </p:childTnLst>
-                          </p:cTn>
-                        </p:par>
-                        <p:par>
-                          <p:cTn id="8" fill="hold">
-                            <p:stCondLst>
-                              <p:cond delay="500"/>
-                            </p:stCondLst>
-                            <p:childTnLst>
-                              <p:par>
-                                <p:cTn id="9" presetID="22" presetClass="entr" presetSubtype="4" fill="hold" nodeType="afterEffect">
-                                  <p:stCondLst>
-                                    <p:cond delay="0"/>
-                                  </p:stCondLst>
-                                  <p:childTnLst>
-                                    <p:set>
-                                      <p:cBhvr>
-                                        <p:cTn id="10" dur="1" fill="hold">
-                                          <p:stCondLst>
-                                            <p:cond delay="0"/>
-                                          </p:stCondLst>
-                                        </p:cTn>
-                                        <p:tgtEl>
-                                          <p:spTgt spid="4"/>
-                                        </p:tgtEl>
-                                        <p:attrNameLst>
-                                          <p:attrName>style.visibility</p:attrName>
-                                        </p:attrNameLst>
-                                      </p:cBhvr>
-                                      <p:to>
-                                        <p:strVal val="visible"/>
-                                      </p:to>
-                                    </p:set>
-                                    <p:animEffect transition="in" filter="wipe(down)">
-                                      <p:cBhvr>
-                                        <p:cTn id="11" dur="500"/>
-                                        <p:tgtEl>
-                                          <p:spTgt spid="4"/>
-                                        </p:tgtEl>
-                                      </p:cBhvr>
-                                    </p:animEffect>
-                                  </p:childTnLst>
-                                </p:cTn>
-                              </p:par>
-                            </p:childTnLst>
-                          </p:cTn>
-                        </p:par>
-                      </p:childTnLst>
-                    </p:cTn>
-                  </p:par>
-                </p:childTnLst>
-              </p:cTn>
-              <p:prevCondLst>
-                <p:cond evt="onPrev" delay="0">
-                  <p:tgtEl>
-                    <p:sldTgt/>
-                  </p:tgtEl>
-                </p:cond>
-              </p:prevCondLst>
-              <p:nextCondLst>
-                <p:cond evt="onNext" delay="0">
-                  <p:tgtEl>
-                    <p:sldTgt/>
-                  </p:tgtEl>
-                </p:cond>
-              </p:nextCondLst>
-            </p:seq>
-          </p:childTnLst>
-        </p:cTn>
-      </p:par>
-    </p:tnLst>
-    <p:bldLst>
-      <p:bldP spid="27" grpId="0"/>
     </p:bldLst>
   </p:timing>
 </p:sld>
@@ -11834,6 +12616,1837 @@
 </p:sld>
 </file>
 
+<file path=ppt/slides/slide30.xml><?xml version="1.0" encoding="utf-8"?>
+<p:sld xmlns:a="http://schemas.openxmlformats.org/drawingml/2006/main" xmlns:r="http://schemas.openxmlformats.org/officeDocument/2006/relationships" xmlns:p="http://schemas.openxmlformats.org/presentationml/2006/main">
+  <p:cSld>
+    <p:spTree>
+      <p:nvGrpSpPr>
+        <p:cNvPr id="1" name=""/>
+        <p:cNvGrpSpPr/>
+        <p:nvPr/>
+      </p:nvGrpSpPr>
+      <p:grpSpPr>
+        <a:xfrm>
+          <a:off x="0" y="0"/>
+          <a:ext cx="0" cy="0"/>
+          <a:chOff x="0" y="0"/>
+          <a:chExt cx="0" cy="0"/>
+        </a:xfrm>
+      </p:grpSpPr>
+      <p:sp>
+        <p:nvSpPr>
+          <p:cNvPr id="2" name="Title 1"/>
+          <p:cNvSpPr>
+            <a:spLocks noGrp="1"/>
+          </p:cNvSpPr>
+          <p:nvPr>
+            <p:ph type="ctrTitle"/>
+          </p:nvPr>
+        </p:nvSpPr>
+        <p:spPr>
+          <a:xfrm>
+            <a:off x="2057400" y="3581401"/>
+            <a:ext cx="7772400" cy="1470025"/>
+          </a:xfrm>
+        </p:spPr>
+        <p:txBody>
+          <a:bodyPr rtlCol="0">
+            <a:noAutofit/>
+          </a:bodyPr>
+          <a:lstStyle/>
+          <a:p>
+            <a:pPr>
+              <a:defRPr/>
+            </a:pPr>
+            <a:r>
+              <a:rPr lang="es-ES" sz="4000" dirty="0"/>
+              <a:t>¿Cual es el nuevo gesto introducido en Xamarin.Forms 2</a:t>
+            </a:r>
+            <a:r>
+              <a:rPr lang="es-ES" sz="4000" dirty="0" smtClean="0"/>
+              <a:t>?</a:t>
+            </a:r>
+            <a:br>
+              <a:rPr lang="es-ES" sz="4000" dirty="0" smtClean="0"/>
+            </a:br>
+            <a:r>
+              <a:rPr lang="en-US" sz="3200" dirty="0" smtClean="0"/>
+              <a:t>____________________</a:t>
+            </a:r>
+            <a:endParaRPr lang="en-US" sz="3200" dirty="0"/>
+          </a:p>
+        </p:txBody>
+      </p:sp>
+      <p:sp>
+        <p:nvSpPr>
+          <p:cNvPr id="4" name="TextBox 3"/>
+          <p:cNvSpPr txBox="1">
+            <a:spLocks noChangeArrowheads="1"/>
+          </p:cNvSpPr>
+          <p:nvPr/>
+        </p:nvSpPr>
+        <p:spPr bwMode="auto">
+          <a:xfrm>
+            <a:off x="2514600" y="2006601"/>
+            <a:ext cx="2667000" cy="892552"/>
+          </a:xfrm>
+          <a:prstGeom prst="rect">
+            <a:avLst/>
+          </a:prstGeom>
+          <a:noFill/>
+          <a:ln w="28575">
+            <a:solidFill>
+              <a:srgbClr val="FF0000"/>
+            </a:solidFill>
+            <a:miter lim="800000"/>
+            <a:headEnd/>
+            <a:tailEnd/>
+          </a:ln>
+        </p:spPr>
+        <p:txBody>
+          <a:bodyPr>
+            <a:spAutoFit/>
+          </a:bodyPr>
+          <a:lstStyle/>
+          <a:p>
+            <a:pPr algn="ctr"/>
+            <a:r>
+              <a:rPr lang="en-US" sz="3600" b="1" dirty="0">
+                <a:latin typeface="Calibri" pitchFamily="34" charset="0"/>
+              </a:rPr>
+              <a:t>A</a:t>
+            </a:r>
+            <a:r>
+              <a:rPr lang="en-US" sz="3600" b="1" dirty="0" smtClean="0">
+                <a:latin typeface="Calibri" pitchFamily="34" charset="0"/>
+              </a:rPr>
+              <a:t>. </a:t>
+            </a:r>
+            <a:r>
+              <a:rPr lang="es-ES" sz="1600" dirty="0" err="1"/>
+              <a:t>PunchGestureRecognizer</a:t>
+            </a:r>
+            <a:endParaRPr lang="en-US" sz="2800" b="1" dirty="0">
+              <a:latin typeface="Calibri" pitchFamily="34" charset="0"/>
+            </a:endParaRPr>
+          </a:p>
+        </p:txBody>
+      </p:sp>
+      <p:sp>
+        <p:nvSpPr>
+          <p:cNvPr id="5" name="TextBox 4"/>
+          <p:cNvSpPr txBox="1">
+            <a:spLocks noChangeArrowheads="1"/>
+          </p:cNvSpPr>
+          <p:nvPr/>
+        </p:nvSpPr>
+        <p:spPr bwMode="auto">
+          <a:xfrm>
+            <a:off x="5791200" y="2006601"/>
+            <a:ext cx="2667000" cy="923330"/>
+          </a:xfrm>
+          <a:prstGeom prst="rect">
+            <a:avLst/>
+          </a:prstGeom>
+          <a:noFill/>
+          <a:ln w="28575">
+            <a:solidFill>
+              <a:srgbClr val="FF0000"/>
+            </a:solidFill>
+            <a:miter lim="800000"/>
+            <a:headEnd/>
+            <a:tailEnd/>
+          </a:ln>
+        </p:spPr>
+        <p:txBody>
+          <a:bodyPr>
+            <a:spAutoFit/>
+          </a:bodyPr>
+          <a:lstStyle/>
+          <a:p>
+            <a:pPr algn="ctr"/>
+            <a:r>
+              <a:rPr lang="en-US" sz="3600" b="1" dirty="0">
+                <a:latin typeface="Calibri" pitchFamily="34" charset="0"/>
+              </a:rPr>
+              <a:t>B</a:t>
+            </a:r>
+            <a:r>
+              <a:rPr lang="en-US" sz="3600" b="1" dirty="0" smtClean="0">
+                <a:latin typeface="Calibri" pitchFamily="34" charset="0"/>
+              </a:rPr>
+              <a:t>. </a:t>
+            </a:r>
+            <a:r>
+              <a:rPr lang="es-ES" dirty="0" err="1" smtClean="0"/>
+              <a:t>PinchGestureRecognizer</a:t>
+            </a:r>
+            <a:endParaRPr lang="en-US" sz="2800" b="1" dirty="0">
+              <a:latin typeface="Calibri" pitchFamily="34" charset="0"/>
+            </a:endParaRPr>
+          </a:p>
+        </p:txBody>
+      </p:sp>
+    </p:spTree>
+    <p:extLst>
+      <p:ext uri="{BB962C8B-B14F-4D97-AF65-F5344CB8AC3E}">
+        <p14:creationId xmlns:p14="http://schemas.microsoft.com/office/powerpoint/2010/main" val="496925473"/>
+      </p:ext>
+    </p:extLst>
+  </p:cSld>
+  <p:clrMapOvr>
+    <a:masterClrMapping/>
+  </p:clrMapOvr>
+  <p:timing>
+    <p:tnLst>
+      <p:par>
+        <p:cTn id="1" dur="indefinite" restart="never" nodeType="tmRoot">
+          <p:childTnLst>
+            <p:seq concurrent="1" nextAc="seek">
+              <p:cTn id="2" dur="indefinite" nodeType="mainSeq">
+                <p:childTnLst>
+                  <p:par>
+                    <p:cTn id="3" fill="hold">
+                      <p:stCondLst>
+                        <p:cond delay="indefinite"/>
+                      </p:stCondLst>
+                      <p:childTnLst>
+                        <p:par>
+                          <p:cTn id="4" fill="hold">
+                            <p:stCondLst>
+                              <p:cond delay="0"/>
+                            </p:stCondLst>
+                            <p:childTnLst>
+                              <p:par>
+                                <p:cTn id="5" presetID="42" presetClass="path" presetSubtype="0" accel="50000" decel="50000" fill="hold" grpId="0" nodeType="clickEffect">
+                                  <p:stCondLst>
+                                    <p:cond delay="0"/>
+                                  </p:stCondLst>
+                                  <p:childTnLst>
+                                    <p:animMotion origin="layout" path="M 5E-6 -3.7037E-6 L -0.29232 0.39699 " pathEditMode="relative" rAng="0" ptsTypes="AA">
+                                      <p:cBhvr>
+                                        <p:cTn id="6" dur="2000" fill="hold"/>
+                                        <p:tgtEl>
+                                          <p:spTgt spid="5"/>
+                                        </p:tgtEl>
+                                        <p:attrNameLst>
+                                          <p:attrName>ppt_x</p:attrName>
+                                          <p:attrName>ppt_y</p:attrName>
+                                        </p:attrNameLst>
+                                      </p:cBhvr>
+                                      <p:rCtr x="-14622" y="19838"/>
+                                    </p:animMotion>
+                                  </p:childTnLst>
+                                </p:cTn>
+                              </p:par>
+                            </p:childTnLst>
+                          </p:cTn>
+                        </p:par>
+                      </p:childTnLst>
+                    </p:cTn>
+                  </p:par>
+                </p:childTnLst>
+              </p:cTn>
+              <p:prevCondLst>
+                <p:cond evt="onPrev" delay="0">
+                  <p:tgtEl>
+                    <p:sldTgt/>
+                  </p:tgtEl>
+                </p:cond>
+              </p:prevCondLst>
+              <p:nextCondLst>
+                <p:cond evt="onNext" delay="0">
+                  <p:tgtEl>
+                    <p:sldTgt/>
+                  </p:tgtEl>
+                </p:cond>
+              </p:nextCondLst>
+            </p:seq>
+          </p:childTnLst>
+        </p:cTn>
+      </p:par>
+    </p:tnLst>
+    <p:bldLst>
+      <p:bldP spid="5" grpId="0" animBg="1"/>
+    </p:bldLst>
+  </p:timing>
+</p:sld>
+</file>
+
+<file path=ppt/slides/slide31.xml><?xml version="1.0" encoding="utf-8"?>
+<p:sld xmlns:a="http://schemas.openxmlformats.org/drawingml/2006/main" xmlns:r="http://schemas.openxmlformats.org/officeDocument/2006/relationships" xmlns:p="http://schemas.openxmlformats.org/presentationml/2006/main">
+  <p:cSld>
+    <p:spTree>
+      <p:nvGrpSpPr>
+        <p:cNvPr id="1" name=""/>
+        <p:cNvGrpSpPr/>
+        <p:nvPr/>
+      </p:nvGrpSpPr>
+      <p:grpSpPr>
+        <a:xfrm>
+          <a:off x="0" y="0"/>
+          <a:ext cx="0" cy="0"/>
+          <a:chOff x="0" y="0"/>
+          <a:chExt cx="0" cy="0"/>
+        </a:xfrm>
+      </p:grpSpPr>
+      <p:sp>
+        <p:nvSpPr>
+          <p:cNvPr id="2" name="Title 1"/>
+          <p:cNvSpPr>
+            <a:spLocks noGrp="1"/>
+          </p:cNvSpPr>
+          <p:nvPr>
+            <p:ph type="ctrTitle"/>
+          </p:nvPr>
+        </p:nvSpPr>
+        <p:spPr>
+          <a:xfrm>
+            <a:off x="2057400" y="3581401"/>
+            <a:ext cx="7772400" cy="1470025"/>
+          </a:xfrm>
+        </p:spPr>
+        <p:txBody>
+          <a:bodyPr rtlCol="0">
+            <a:normAutofit fontScale="90000"/>
+          </a:bodyPr>
+          <a:lstStyle/>
+          <a:p>
+            <a:pPr>
+              <a:defRPr/>
+            </a:pPr>
+            <a:r>
+              <a:rPr lang="en-US" dirty="0" smtClean="0"/>
+              <a:t>Para </a:t>
+            </a:r>
+            <a:r>
+              <a:rPr lang="en-US" dirty="0" err="1" smtClean="0"/>
+              <a:t>añadir</a:t>
+            </a:r>
+            <a:r>
+              <a:rPr lang="en-US" dirty="0" smtClean="0"/>
+              <a:t> un </a:t>
+            </a:r>
+            <a:r>
+              <a:rPr lang="en-US" dirty="0" err="1" smtClean="0"/>
+              <a:t>efecto</a:t>
+            </a:r>
+            <a:r>
+              <a:rPr lang="en-US" dirty="0" smtClean="0"/>
+              <a:t>…</a:t>
+            </a:r>
+            <a:br>
+              <a:rPr lang="en-US" dirty="0" smtClean="0"/>
+            </a:br>
+            <a:r>
+              <a:rPr lang="en-US" dirty="0" smtClean="0"/>
+              <a:t>____________________</a:t>
+            </a:r>
+            <a:endParaRPr lang="en-US" dirty="0"/>
+          </a:p>
+        </p:txBody>
+      </p:sp>
+      <p:sp>
+        <p:nvSpPr>
+          <p:cNvPr id="4" name="TextBox 3"/>
+          <p:cNvSpPr txBox="1">
+            <a:spLocks noChangeArrowheads="1"/>
+          </p:cNvSpPr>
+          <p:nvPr/>
+        </p:nvSpPr>
+        <p:spPr bwMode="auto">
+          <a:xfrm>
+            <a:off x="2514600" y="2006601"/>
+            <a:ext cx="2667000" cy="1754326"/>
+          </a:xfrm>
+          <a:prstGeom prst="rect">
+            <a:avLst/>
+          </a:prstGeom>
+          <a:noFill/>
+          <a:ln w="28575">
+            <a:solidFill>
+              <a:srgbClr val="FF0000"/>
+            </a:solidFill>
+            <a:miter lim="800000"/>
+            <a:headEnd/>
+            <a:tailEnd/>
+          </a:ln>
+        </p:spPr>
+        <p:txBody>
+          <a:bodyPr>
+            <a:spAutoFit/>
+          </a:bodyPr>
+          <a:lstStyle/>
+          <a:p>
+            <a:pPr algn="ctr"/>
+            <a:r>
+              <a:rPr lang="en-US" sz="3600" b="1" dirty="0">
+                <a:latin typeface="Calibri" pitchFamily="34" charset="0"/>
+              </a:rPr>
+              <a:t>A</a:t>
+            </a:r>
+            <a:r>
+              <a:rPr lang="en-US" sz="3600" b="1" dirty="0" smtClean="0">
+                <a:latin typeface="Calibri" pitchFamily="34" charset="0"/>
+              </a:rPr>
+              <a:t>. </a:t>
+            </a:r>
+            <a:r>
+              <a:rPr lang="es-ES" dirty="0"/>
+              <a:t>Usamos la clase </a:t>
+            </a:r>
+            <a:r>
+              <a:rPr lang="es-ES" dirty="0" err="1"/>
+              <a:t>Effect</a:t>
+            </a:r>
+            <a:r>
+              <a:rPr lang="es-ES" dirty="0"/>
+              <a:t> y el método </a:t>
+            </a:r>
+            <a:r>
+              <a:rPr lang="es-ES" dirty="0" err="1"/>
+              <a:t>Resolve</a:t>
+            </a:r>
+            <a:r>
+              <a:rPr lang="es-ES" dirty="0"/>
+              <a:t> pasando la </a:t>
+            </a:r>
+            <a:r>
+              <a:rPr lang="es-ES" dirty="0" err="1"/>
+              <a:t>string</a:t>
+            </a:r>
+            <a:r>
+              <a:rPr lang="es-ES" dirty="0"/>
+              <a:t> del grupo + </a:t>
+            </a:r>
+            <a:r>
+              <a:rPr lang="es-ES" dirty="0" smtClean="0"/>
+              <a:t>efecto.</a:t>
+            </a:r>
+            <a:endParaRPr lang="en-US" sz="1600" dirty="0">
+              <a:latin typeface="Calibri" pitchFamily="34" charset="0"/>
+            </a:endParaRPr>
+          </a:p>
+        </p:txBody>
+      </p:sp>
+      <p:sp>
+        <p:nvSpPr>
+          <p:cNvPr id="5" name="TextBox 4"/>
+          <p:cNvSpPr txBox="1">
+            <a:spLocks noChangeArrowheads="1"/>
+          </p:cNvSpPr>
+          <p:nvPr/>
+        </p:nvSpPr>
+        <p:spPr bwMode="auto">
+          <a:xfrm>
+            <a:off x="5791200" y="2006601"/>
+            <a:ext cx="2667000" cy="1477328"/>
+          </a:xfrm>
+          <a:prstGeom prst="rect">
+            <a:avLst/>
+          </a:prstGeom>
+          <a:noFill/>
+          <a:ln w="28575">
+            <a:solidFill>
+              <a:srgbClr val="FF0000"/>
+            </a:solidFill>
+            <a:miter lim="800000"/>
+            <a:headEnd/>
+            <a:tailEnd/>
+          </a:ln>
+        </p:spPr>
+        <p:txBody>
+          <a:bodyPr>
+            <a:spAutoFit/>
+          </a:bodyPr>
+          <a:lstStyle/>
+          <a:p>
+            <a:pPr algn="ctr"/>
+            <a:r>
+              <a:rPr lang="en-US" sz="3600" b="1" dirty="0" smtClean="0">
+                <a:latin typeface="Calibri" pitchFamily="34" charset="0"/>
+              </a:rPr>
+              <a:t>B. </a:t>
+            </a:r>
+            <a:r>
+              <a:rPr lang="es-ES" dirty="0" smtClean="0"/>
+              <a:t>Tenemos </a:t>
+            </a:r>
+            <a:r>
+              <a:rPr lang="es-ES" dirty="0"/>
+              <a:t>que instanciar la clase del efecto y añadirla a la lista de efectos.</a:t>
+            </a:r>
+            <a:endParaRPr lang="en-US" sz="2800" b="1" dirty="0">
+              <a:latin typeface="Calibri" pitchFamily="34" charset="0"/>
+            </a:endParaRPr>
+          </a:p>
+        </p:txBody>
+      </p:sp>
+    </p:spTree>
+    <p:extLst>
+      <p:ext uri="{BB962C8B-B14F-4D97-AF65-F5344CB8AC3E}">
+        <p14:creationId xmlns:p14="http://schemas.microsoft.com/office/powerpoint/2010/main" val="2726189884"/>
+      </p:ext>
+    </p:extLst>
+  </p:cSld>
+  <p:clrMapOvr>
+    <a:masterClrMapping/>
+  </p:clrMapOvr>
+  <p:timing>
+    <p:tnLst>
+      <p:par>
+        <p:cTn id="1" dur="indefinite" restart="never" nodeType="tmRoot">
+          <p:childTnLst>
+            <p:seq concurrent="1" nextAc="seek">
+              <p:cTn id="2" dur="indefinite" nodeType="mainSeq">
+                <p:childTnLst>
+                  <p:par>
+                    <p:cTn id="3" fill="hold">
+                      <p:stCondLst>
+                        <p:cond delay="indefinite"/>
+                      </p:stCondLst>
+                      <p:childTnLst>
+                        <p:par>
+                          <p:cTn id="4" fill="hold">
+                            <p:stCondLst>
+                              <p:cond delay="0"/>
+                            </p:stCondLst>
+                            <p:childTnLst>
+                              <p:par>
+                                <p:cTn id="5" presetID="42" presetClass="path" presetSubtype="0" accel="50000" decel="50000" fill="hold" grpId="0" nodeType="clickEffect">
+                                  <p:stCondLst>
+                                    <p:cond delay="0"/>
+                                  </p:stCondLst>
+                                  <p:childTnLst>
+                                    <p:animMotion origin="layout" path="M 5E-6 -3.7037E-7 L -0.00039 0.33889 " pathEditMode="relative" rAng="0" ptsTypes="AA">
+                                      <p:cBhvr>
+                                        <p:cTn id="6" dur="2000" fill="hold"/>
+                                        <p:tgtEl>
+                                          <p:spTgt spid="4"/>
+                                        </p:tgtEl>
+                                        <p:attrNameLst>
+                                          <p:attrName>ppt_x</p:attrName>
+                                          <p:attrName>ppt_y</p:attrName>
+                                        </p:attrNameLst>
+                                      </p:cBhvr>
+                                      <p:rCtr x="-26" y="16944"/>
+                                    </p:animMotion>
+                                  </p:childTnLst>
+                                </p:cTn>
+                              </p:par>
+                            </p:childTnLst>
+                          </p:cTn>
+                        </p:par>
+                      </p:childTnLst>
+                    </p:cTn>
+                  </p:par>
+                </p:childTnLst>
+              </p:cTn>
+              <p:prevCondLst>
+                <p:cond evt="onPrev" delay="0">
+                  <p:tgtEl>
+                    <p:sldTgt/>
+                  </p:tgtEl>
+                </p:cond>
+              </p:prevCondLst>
+              <p:nextCondLst>
+                <p:cond evt="onNext" delay="0">
+                  <p:tgtEl>
+                    <p:sldTgt/>
+                  </p:tgtEl>
+                </p:cond>
+              </p:nextCondLst>
+            </p:seq>
+          </p:childTnLst>
+        </p:cTn>
+      </p:par>
+    </p:tnLst>
+    <p:bldLst>
+      <p:bldP spid="4" grpId="0" animBg="1"/>
+    </p:bldLst>
+  </p:timing>
+</p:sld>
+</file>
+
+<file path=ppt/slides/slide32.xml><?xml version="1.0" encoding="utf-8"?>
+<p:sld xmlns:a="http://schemas.openxmlformats.org/drawingml/2006/main" xmlns:r="http://schemas.openxmlformats.org/officeDocument/2006/relationships" xmlns:p="http://schemas.openxmlformats.org/presentationml/2006/main">
+  <p:cSld>
+    <p:spTree>
+      <p:nvGrpSpPr>
+        <p:cNvPr id="1" name=""/>
+        <p:cNvGrpSpPr/>
+        <p:nvPr/>
+      </p:nvGrpSpPr>
+      <p:grpSpPr>
+        <a:xfrm>
+          <a:off x="0" y="0"/>
+          <a:ext cx="0" cy="0"/>
+          <a:chOff x="0" y="0"/>
+          <a:chExt cx="0" cy="0"/>
+        </a:xfrm>
+      </p:grpSpPr>
+      <p:sp>
+        <p:nvSpPr>
+          <p:cNvPr id="2" name="Title 1"/>
+          <p:cNvSpPr>
+            <a:spLocks noGrp="1"/>
+          </p:cNvSpPr>
+          <p:nvPr>
+            <p:ph type="ctrTitle"/>
+          </p:nvPr>
+        </p:nvSpPr>
+        <p:spPr>
+          <a:xfrm>
+            <a:off x="2057400" y="3581401"/>
+            <a:ext cx="7772400" cy="1470025"/>
+          </a:xfrm>
+        </p:spPr>
+        <p:txBody>
+          <a:bodyPr rtlCol="0">
+            <a:normAutofit fontScale="90000"/>
+          </a:bodyPr>
+          <a:lstStyle/>
+          <a:p>
+            <a:pPr>
+              <a:defRPr/>
+            </a:pPr>
+            <a:r>
+              <a:rPr lang="es-ES" dirty="0"/>
+              <a:t>Los nuevos Control Templates</a:t>
+            </a:r>
+            <a:r>
+              <a:rPr lang="es-ES" dirty="0"/>
+              <a:t> se </a:t>
+            </a:r>
+            <a:r>
+              <a:rPr lang="es-ES" dirty="0" smtClean="0"/>
+              <a:t>soportan…</a:t>
+            </a:r>
+            <a:br>
+              <a:rPr lang="es-ES" dirty="0" smtClean="0"/>
+            </a:br>
+            <a:r>
+              <a:rPr lang="en-US" dirty="0" smtClean="0"/>
+              <a:t>____________________</a:t>
+            </a:r>
+            <a:endParaRPr lang="en-US" dirty="0"/>
+          </a:p>
+        </p:txBody>
+      </p:sp>
+      <p:sp>
+        <p:nvSpPr>
+          <p:cNvPr id="4" name="TextBox 3"/>
+          <p:cNvSpPr txBox="1">
+            <a:spLocks noChangeArrowheads="1"/>
+          </p:cNvSpPr>
+          <p:nvPr/>
+        </p:nvSpPr>
+        <p:spPr bwMode="auto">
+          <a:xfrm>
+            <a:off x="2514600" y="2006601"/>
+            <a:ext cx="2667000" cy="923330"/>
+          </a:xfrm>
+          <a:prstGeom prst="rect">
+            <a:avLst/>
+          </a:prstGeom>
+          <a:noFill/>
+          <a:ln w="28575">
+            <a:solidFill>
+              <a:srgbClr val="FF0000"/>
+            </a:solidFill>
+            <a:miter lim="800000"/>
+            <a:headEnd/>
+            <a:tailEnd/>
+          </a:ln>
+        </p:spPr>
+        <p:txBody>
+          <a:bodyPr>
+            <a:spAutoFit/>
+          </a:bodyPr>
+          <a:lstStyle/>
+          <a:p>
+            <a:pPr algn="ctr"/>
+            <a:r>
+              <a:rPr lang="en-US" sz="3600" b="1" dirty="0">
+                <a:latin typeface="Calibri" pitchFamily="34" charset="0"/>
+              </a:rPr>
+              <a:t>A</a:t>
+            </a:r>
+            <a:r>
+              <a:rPr lang="en-US" sz="3600" b="1" dirty="0" smtClean="0">
+                <a:latin typeface="Calibri" pitchFamily="34" charset="0"/>
+              </a:rPr>
+              <a:t>. </a:t>
+            </a:r>
+            <a:r>
+              <a:rPr lang="es-ES" dirty="0" err="1"/>
+              <a:t>ContentPage</a:t>
+            </a:r>
+            <a:r>
+              <a:rPr lang="es-ES" dirty="0"/>
+              <a:t> y </a:t>
+            </a:r>
+            <a:r>
+              <a:rPr lang="es-ES" dirty="0" err="1"/>
+              <a:t>ContentView</a:t>
+            </a:r>
+            <a:endParaRPr lang="en-US" sz="1600" dirty="0">
+              <a:latin typeface="Calibri" pitchFamily="34" charset="0"/>
+            </a:endParaRPr>
+          </a:p>
+        </p:txBody>
+      </p:sp>
+      <p:sp>
+        <p:nvSpPr>
+          <p:cNvPr id="5" name="TextBox 4"/>
+          <p:cNvSpPr txBox="1">
+            <a:spLocks noChangeArrowheads="1"/>
+          </p:cNvSpPr>
+          <p:nvPr/>
+        </p:nvSpPr>
+        <p:spPr bwMode="auto">
+          <a:xfrm>
+            <a:off x="5791200" y="2006601"/>
+            <a:ext cx="2667000" cy="1200329"/>
+          </a:xfrm>
+          <a:prstGeom prst="rect">
+            <a:avLst/>
+          </a:prstGeom>
+          <a:noFill/>
+          <a:ln w="28575">
+            <a:solidFill>
+              <a:srgbClr val="FF0000"/>
+            </a:solidFill>
+            <a:miter lim="800000"/>
+            <a:headEnd/>
+            <a:tailEnd/>
+          </a:ln>
+        </p:spPr>
+        <p:txBody>
+          <a:bodyPr>
+            <a:spAutoFit/>
+          </a:bodyPr>
+          <a:lstStyle/>
+          <a:p>
+            <a:pPr algn="ctr"/>
+            <a:r>
+              <a:rPr lang="en-US" sz="3600" b="1" dirty="0" smtClean="0">
+                <a:latin typeface="Calibri" pitchFamily="34" charset="0"/>
+              </a:rPr>
+              <a:t>B. </a:t>
+            </a:r>
+            <a:r>
+              <a:rPr lang="es-ES" dirty="0" smtClean="0"/>
+              <a:t>Herencia de </a:t>
+            </a:r>
+            <a:r>
+              <a:rPr lang="es-ES" dirty="0" err="1" smtClean="0"/>
+              <a:t>S</a:t>
+            </a:r>
+            <a:r>
+              <a:rPr lang="es-ES" dirty="0" err="1" smtClean="0"/>
+              <a:t>ystem.Windows.Controls.Control</a:t>
+            </a:r>
+            <a:endParaRPr lang="en-US" sz="2800" b="1" dirty="0">
+              <a:latin typeface="Calibri" pitchFamily="34" charset="0"/>
+            </a:endParaRPr>
+          </a:p>
+        </p:txBody>
+      </p:sp>
+    </p:spTree>
+    <p:extLst>
+      <p:ext uri="{BB962C8B-B14F-4D97-AF65-F5344CB8AC3E}">
+        <p14:creationId xmlns:p14="http://schemas.microsoft.com/office/powerpoint/2010/main" val="403961281"/>
+      </p:ext>
+    </p:extLst>
+  </p:cSld>
+  <p:clrMapOvr>
+    <a:masterClrMapping/>
+  </p:clrMapOvr>
+  <p:timing>
+    <p:tnLst>
+      <p:par>
+        <p:cTn id="1" dur="indefinite" restart="never" nodeType="tmRoot">
+          <p:childTnLst>
+            <p:seq concurrent="1" nextAc="seek">
+              <p:cTn id="2" dur="indefinite" nodeType="mainSeq">
+                <p:childTnLst>
+                  <p:par>
+                    <p:cTn id="3" fill="hold">
+                      <p:stCondLst>
+                        <p:cond delay="indefinite"/>
+                      </p:stCondLst>
+                      <p:childTnLst>
+                        <p:par>
+                          <p:cTn id="4" fill="hold">
+                            <p:stCondLst>
+                              <p:cond delay="0"/>
+                            </p:stCondLst>
+                            <p:childTnLst>
+                              <p:par>
+                                <p:cTn id="5" presetID="42" presetClass="path" presetSubtype="0" accel="50000" decel="50000" fill="hold" grpId="0" nodeType="clickEffect">
+                                  <p:stCondLst>
+                                    <p:cond delay="0"/>
+                                  </p:stCondLst>
+                                  <p:childTnLst>
+                                    <p:animMotion origin="layout" path="M 5E-6 -3.7037E-6 L -0.00039 0.33889 " pathEditMode="relative" rAng="0" ptsTypes="AA">
+                                      <p:cBhvr>
+                                        <p:cTn id="6" dur="2000" fill="hold"/>
+                                        <p:tgtEl>
+                                          <p:spTgt spid="4"/>
+                                        </p:tgtEl>
+                                        <p:attrNameLst>
+                                          <p:attrName>ppt_x</p:attrName>
+                                          <p:attrName>ppt_y</p:attrName>
+                                        </p:attrNameLst>
+                                      </p:cBhvr>
+                                      <p:rCtr x="-26" y="16944"/>
+                                    </p:animMotion>
+                                  </p:childTnLst>
+                                </p:cTn>
+                              </p:par>
+                            </p:childTnLst>
+                          </p:cTn>
+                        </p:par>
+                      </p:childTnLst>
+                    </p:cTn>
+                  </p:par>
+                </p:childTnLst>
+              </p:cTn>
+              <p:prevCondLst>
+                <p:cond evt="onPrev" delay="0">
+                  <p:tgtEl>
+                    <p:sldTgt/>
+                  </p:tgtEl>
+                </p:cond>
+              </p:prevCondLst>
+              <p:nextCondLst>
+                <p:cond evt="onNext" delay="0">
+                  <p:tgtEl>
+                    <p:sldTgt/>
+                  </p:tgtEl>
+                </p:cond>
+              </p:nextCondLst>
+            </p:seq>
+          </p:childTnLst>
+        </p:cTn>
+      </p:par>
+    </p:tnLst>
+    <p:bldLst>
+      <p:bldP spid="4" grpId="0" animBg="1"/>
+    </p:bldLst>
+  </p:timing>
+</p:sld>
+</file>
+
+<file path=ppt/slides/slide33.xml><?xml version="1.0" encoding="utf-8"?>
+<p:sld xmlns:a="http://schemas.openxmlformats.org/drawingml/2006/main" xmlns:r="http://schemas.openxmlformats.org/officeDocument/2006/relationships" xmlns:p="http://schemas.openxmlformats.org/presentationml/2006/main">
+  <p:cSld>
+    <p:spTree>
+      <p:nvGrpSpPr>
+        <p:cNvPr id="1" name=""/>
+        <p:cNvGrpSpPr/>
+        <p:nvPr/>
+      </p:nvGrpSpPr>
+      <p:grpSpPr>
+        <a:xfrm>
+          <a:off x="0" y="0"/>
+          <a:ext cx="0" cy="0"/>
+          <a:chOff x="0" y="0"/>
+          <a:chExt cx="0" cy="0"/>
+        </a:xfrm>
+      </p:grpSpPr>
+      <p:sp>
+        <p:nvSpPr>
+          <p:cNvPr id="2" name="Title 1"/>
+          <p:cNvSpPr>
+            <a:spLocks noGrp="1"/>
+          </p:cNvSpPr>
+          <p:nvPr>
+            <p:ph type="ctrTitle"/>
+          </p:nvPr>
+        </p:nvSpPr>
+        <p:spPr>
+          <a:xfrm>
+            <a:off x="2057400" y="3581401"/>
+            <a:ext cx="7772400" cy="1470025"/>
+          </a:xfrm>
+        </p:spPr>
+        <p:txBody>
+          <a:bodyPr rtlCol="0">
+            <a:normAutofit/>
+          </a:bodyPr>
+          <a:lstStyle/>
+          <a:p>
+            <a:pPr>
+              <a:defRPr/>
+            </a:pPr>
+            <a:r>
+              <a:rPr lang="es-ES" sz="4000" dirty="0"/>
+              <a:t>¿Cuantos bugs corregidos aparecen en la slide?</a:t>
+            </a:r>
+            <a:r>
+              <a:rPr lang="en-US" dirty="0" smtClean="0"/>
+              <a:t>____________________</a:t>
+            </a:r>
+            <a:endParaRPr lang="en-US" dirty="0"/>
+          </a:p>
+        </p:txBody>
+      </p:sp>
+      <p:sp>
+        <p:nvSpPr>
+          <p:cNvPr id="4" name="TextBox 3"/>
+          <p:cNvSpPr txBox="1">
+            <a:spLocks noChangeArrowheads="1"/>
+          </p:cNvSpPr>
+          <p:nvPr/>
+        </p:nvSpPr>
+        <p:spPr bwMode="auto">
+          <a:xfrm>
+            <a:off x="2514600" y="2006601"/>
+            <a:ext cx="2667000" cy="646331"/>
+          </a:xfrm>
+          <a:prstGeom prst="rect">
+            <a:avLst/>
+          </a:prstGeom>
+          <a:noFill/>
+          <a:ln w="28575">
+            <a:solidFill>
+              <a:srgbClr val="FF0000"/>
+            </a:solidFill>
+            <a:miter lim="800000"/>
+            <a:headEnd/>
+            <a:tailEnd/>
+          </a:ln>
+        </p:spPr>
+        <p:txBody>
+          <a:bodyPr>
+            <a:spAutoFit/>
+          </a:bodyPr>
+          <a:lstStyle/>
+          <a:p>
+            <a:pPr algn="ctr"/>
+            <a:r>
+              <a:rPr lang="en-US" sz="3600" b="1" dirty="0">
+                <a:latin typeface="Calibri" pitchFamily="34" charset="0"/>
+              </a:rPr>
+              <a:t>A</a:t>
+            </a:r>
+            <a:r>
+              <a:rPr lang="en-US" sz="3600" b="1" dirty="0" smtClean="0">
+                <a:latin typeface="Calibri" pitchFamily="34" charset="0"/>
+              </a:rPr>
+              <a:t>. </a:t>
+            </a:r>
+            <a:r>
+              <a:rPr lang="es-ES" dirty="0" smtClean="0"/>
+              <a:t>30</a:t>
+            </a:r>
+            <a:endParaRPr lang="en-US" sz="1600" b="1" dirty="0">
+              <a:latin typeface="Calibri" pitchFamily="34" charset="0"/>
+            </a:endParaRPr>
+          </a:p>
+        </p:txBody>
+      </p:sp>
+      <p:sp>
+        <p:nvSpPr>
+          <p:cNvPr id="5" name="TextBox 4"/>
+          <p:cNvSpPr txBox="1">
+            <a:spLocks noChangeArrowheads="1"/>
+          </p:cNvSpPr>
+          <p:nvPr/>
+        </p:nvSpPr>
+        <p:spPr bwMode="auto">
+          <a:xfrm>
+            <a:off x="5791200" y="2006601"/>
+            <a:ext cx="2667000" cy="646331"/>
+          </a:xfrm>
+          <a:prstGeom prst="rect">
+            <a:avLst/>
+          </a:prstGeom>
+          <a:noFill/>
+          <a:ln w="28575">
+            <a:solidFill>
+              <a:srgbClr val="FF0000"/>
+            </a:solidFill>
+            <a:miter lim="800000"/>
+            <a:headEnd/>
+            <a:tailEnd/>
+          </a:ln>
+        </p:spPr>
+        <p:txBody>
+          <a:bodyPr>
+            <a:spAutoFit/>
+          </a:bodyPr>
+          <a:lstStyle/>
+          <a:p>
+            <a:pPr algn="ctr"/>
+            <a:r>
+              <a:rPr lang="en-US" sz="3600" b="1" dirty="0">
+                <a:latin typeface="Calibri" pitchFamily="34" charset="0"/>
+              </a:rPr>
+              <a:t>B</a:t>
+            </a:r>
+            <a:r>
+              <a:rPr lang="en-US" sz="3600" b="1" dirty="0" smtClean="0">
+                <a:latin typeface="Calibri" pitchFamily="34" charset="0"/>
+              </a:rPr>
+              <a:t>. </a:t>
+            </a:r>
+            <a:r>
+              <a:rPr lang="es-ES" dirty="0" smtClean="0"/>
+              <a:t>15</a:t>
+            </a:r>
+            <a:endParaRPr lang="en-US" sz="2800" b="1" dirty="0">
+              <a:latin typeface="Calibri" pitchFamily="34" charset="0"/>
+            </a:endParaRPr>
+          </a:p>
+        </p:txBody>
+      </p:sp>
+    </p:spTree>
+    <p:extLst>
+      <p:ext uri="{BB962C8B-B14F-4D97-AF65-F5344CB8AC3E}">
+        <p14:creationId xmlns:p14="http://schemas.microsoft.com/office/powerpoint/2010/main" val="395131293"/>
+      </p:ext>
+    </p:extLst>
+  </p:cSld>
+  <p:clrMapOvr>
+    <a:masterClrMapping/>
+  </p:clrMapOvr>
+  <p:timing>
+    <p:tnLst>
+      <p:par>
+        <p:cTn id="1" dur="indefinite" restart="never" nodeType="tmRoot">
+          <p:childTnLst>
+            <p:seq concurrent="1" nextAc="seek">
+              <p:cTn id="2" dur="indefinite" nodeType="mainSeq">
+                <p:childTnLst>
+                  <p:par>
+                    <p:cTn id="3" fill="hold">
+                      <p:stCondLst>
+                        <p:cond delay="indefinite"/>
+                      </p:stCondLst>
+                      <p:childTnLst>
+                        <p:par>
+                          <p:cTn id="4" fill="hold">
+                            <p:stCondLst>
+                              <p:cond delay="0"/>
+                            </p:stCondLst>
+                            <p:childTnLst>
+                              <p:par>
+                                <p:cTn id="5" presetID="42" presetClass="path" presetSubtype="0" accel="50000" decel="50000" fill="hold" grpId="0" nodeType="clickEffect">
+                                  <p:stCondLst>
+                                    <p:cond delay="0"/>
+                                  </p:stCondLst>
+                                  <p:childTnLst>
+                                    <p:animMotion origin="layout" path="M 5E-6 -3.33333E-6 L -0.26915 0.39699 " pathEditMode="relative" rAng="0" ptsTypes="AA">
+                                      <p:cBhvr>
+                                        <p:cTn id="6" dur="2000" fill="hold"/>
+                                        <p:tgtEl>
+                                          <p:spTgt spid="5"/>
+                                        </p:tgtEl>
+                                        <p:attrNameLst>
+                                          <p:attrName>ppt_x</p:attrName>
+                                          <p:attrName>ppt_y</p:attrName>
+                                        </p:attrNameLst>
+                                      </p:cBhvr>
+                                      <p:rCtr x="-13464" y="19838"/>
+                                    </p:animMotion>
+                                  </p:childTnLst>
+                                </p:cTn>
+                              </p:par>
+                            </p:childTnLst>
+                          </p:cTn>
+                        </p:par>
+                      </p:childTnLst>
+                    </p:cTn>
+                  </p:par>
+                </p:childTnLst>
+              </p:cTn>
+              <p:prevCondLst>
+                <p:cond evt="onPrev" delay="0">
+                  <p:tgtEl>
+                    <p:sldTgt/>
+                  </p:tgtEl>
+                </p:cond>
+              </p:prevCondLst>
+              <p:nextCondLst>
+                <p:cond evt="onNext" delay="0">
+                  <p:tgtEl>
+                    <p:sldTgt/>
+                  </p:tgtEl>
+                </p:cond>
+              </p:nextCondLst>
+            </p:seq>
+          </p:childTnLst>
+        </p:cTn>
+      </p:par>
+    </p:tnLst>
+    <p:bldLst>
+      <p:bldP spid="5" grpId="0" animBg="1"/>
+    </p:bldLst>
+  </p:timing>
+</p:sld>
+</file>
+
+<file path=ppt/slides/slide34.xml><?xml version="1.0" encoding="utf-8"?>
+<p:sld xmlns:a="http://schemas.openxmlformats.org/drawingml/2006/main" xmlns:r="http://schemas.openxmlformats.org/officeDocument/2006/relationships" xmlns:p="http://schemas.openxmlformats.org/presentationml/2006/main">
+  <p:cSld>
+    <p:spTree>
+      <p:nvGrpSpPr>
+        <p:cNvPr id="1" name=""/>
+        <p:cNvGrpSpPr/>
+        <p:nvPr/>
+      </p:nvGrpSpPr>
+      <p:grpSpPr>
+        <a:xfrm>
+          <a:off x="0" y="0"/>
+          <a:ext cx="0" cy="0"/>
+          <a:chOff x="0" y="0"/>
+          <a:chExt cx="0" cy="0"/>
+        </a:xfrm>
+      </p:grpSpPr>
+      <p:sp>
+        <p:nvSpPr>
+          <p:cNvPr id="2" name="Title 1"/>
+          <p:cNvSpPr>
+            <a:spLocks noGrp="1"/>
+          </p:cNvSpPr>
+          <p:nvPr>
+            <p:ph type="ctrTitle"/>
+          </p:nvPr>
+        </p:nvSpPr>
+        <p:spPr>
+          <a:xfrm>
+            <a:off x="2300287" y="3631397"/>
+            <a:ext cx="7772400" cy="1470025"/>
+          </a:xfrm>
+        </p:spPr>
+        <p:txBody>
+          <a:bodyPr rtlCol="0">
+            <a:normAutofit fontScale="90000"/>
+          </a:bodyPr>
+          <a:lstStyle/>
+          <a:p>
+            <a:pPr>
+              <a:defRPr/>
+            </a:pPr>
+            <a:r>
+              <a:rPr lang="en-US" dirty="0" smtClean="0"/>
+              <a:t>¿</a:t>
+            </a:r>
+            <a:r>
+              <a:rPr lang="en-US" dirty="0" err="1" smtClean="0"/>
+              <a:t>Cuántos</a:t>
+            </a:r>
+            <a:r>
+              <a:rPr lang="en-US" dirty="0" smtClean="0"/>
+              <a:t> </a:t>
+            </a:r>
+            <a:r>
+              <a:rPr lang="en-US" dirty="0" err="1" smtClean="0"/>
+              <a:t>desarrolladores</a:t>
+            </a:r>
+            <a:r>
+              <a:rPr lang="en-US" dirty="0" smtClean="0"/>
+              <a:t> Xamarin hay </a:t>
+            </a:r>
+            <a:r>
+              <a:rPr lang="en-US" dirty="0" err="1" smtClean="0"/>
+              <a:t>actualmente</a:t>
+            </a:r>
+            <a:r>
+              <a:rPr lang="en-US" dirty="0" smtClean="0"/>
+              <a:t>?</a:t>
+            </a:r>
+            <a:br>
+              <a:rPr lang="en-US" dirty="0" smtClean="0"/>
+            </a:br>
+            <a:r>
+              <a:rPr lang="en-US" dirty="0" smtClean="0"/>
+              <a:t>____________________</a:t>
+            </a:r>
+            <a:endParaRPr lang="en-US" dirty="0"/>
+          </a:p>
+        </p:txBody>
+      </p:sp>
+      <p:sp>
+        <p:nvSpPr>
+          <p:cNvPr id="4" name="TextBox 3"/>
+          <p:cNvSpPr txBox="1">
+            <a:spLocks noChangeArrowheads="1"/>
+          </p:cNvSpPr>
+          <p:nvPr/>
+        </p:nvSpPr>
+        <p:spPr bwMode="auto">
+          <a:xfrm>
+            <a:off x="2514600" y="2006601"/>
+            <a:ext cx="2667000" cy="646331"/>
+          </a:xfrm>
+          <a:prstGeom prst="rect">
+            <a:avLst/>
+          </a:prstGeom>
+          <a:noFill/>
+          <a:ln w="28575">
+            <a:solidFill>
+              <a:srgbClr val="FF0000"/>
+            </a:solidFill>
+            <a:miter lim="800000"/>
+            <a:headEnd/>
+            <a:tailEnd/>
+          </a:ln>
+        </p:spPr>
+        <p:txBody>
+          <a:bodyPr>
+            <a:spAutoFit/>
+          </a:bodyPr>
+          <a:lstStyle/>
+          <a:p>
+            <a:pPr algn="ctr"/>
+            <a:r>
+              <a:rPr lang="en-US" sz="3600" b="1" dirty="0">
+                <a:latin typeface="Calibri" pitchFamily="34" charset="0"/>
+              </a:rPr>
+              <a:t>A</a:t>
+            </a:r>
+            <a:r>
+              <a:rPr lang="en-US" sz="3600" b="1" dirty="0" smtClean="0">
+                <a:latin typeface="Calibri" pitchFamily="34" charset="0"/>
+              </a:rPr>
+              <a:t>. </a:t>
+            </a:r>
+            <a:r>
+              <a:rPr lang="en-US" sz="3200" b="1" dirty="0" smtClean="0">
+                <a:latin typeface="Calibri" pitchFamily="34" charset="0"/>
+              </a:rPr>
+              <a:t>+1.400.000</a:t>
+            </a:r>
+            <a:endParaRPr lang="en-US" sz="2000" b="1" dirty="0">
+              <a:latin typeface="Calibri" pitchFamily="34" charset="0"/>
+            </a:endParaRPr>
+          </a:p>
+        </p:txBody>
+      </p:sp>
+      <p:sp>
+        <p:nvSpPr>
+          <p:cNvPr id="5" name="TextBox 4"/>
+          <p:cNvSpPr txBox="1">
+            <a:spLocks noChangeArrowheads="1"/>
+          </p:cNvSpPr>
+          <p:nvPr/>
+        </p:nvSpPr>
+        <p:spPr bwMode="auto">
+          <a:xfrm>
+            <a:off x="5791200" y="2006601"/>
+            <a:ext cx="2667000" cy="646331"/>
+          </a:xfrm>
+          <a:prstGeom prst="rect">
+            <a:avLst/>
+          </a:prstGeom>
+          <a:noFill/>
+          <a:ln w="28575">
+            <a:solidFill>
+              <a:srgbClr val="FF0000"/>
+            </a:solidFill>
+            <a:miter lim="800000"/>
+            <a:headEnd/>
+            <a:tailEnd/>
+          </a:ln>
+        </p:spPr>
+        <p:txBody>
+          <a:bodyPr>
+            <a:spAutoFit/>
+          </a:bodyPr>
+          <a:lstStyle/>
+          <a:p>
+            <a:pPr algn="ctr"/>
+            <a:r>
+              <a:rPr lang="en-US" sz="3600" b="1" dirty="0">
+                <a:latin typeface="Calibri" pitchFamily="34" charset="0"/>
+              </a:rPr>
+              <a:t>B</a:t>
+            </a:r>
+            <a:r>
+              <a:rPr lang="en-US" sz="3600" b="1" dirty="0" smtClean="0">
+                <a:latin typeface="Calibri" pitchFamily="34" charset="0"/>
+              </a:rPr>
+              <a:t>. </a:t>
+            </a:r>
+            <a:r>
+              <a:rPr lang="en-US" sz="2800" b="1" dirty="0" smtClean="0">
+                <a:latin typeface="Calibri" pitchFamily="34" charset="0"/>
+              </a:rPr>
+              <a:t>+1.350.000</a:t>
+            </a:r>
+            <a:endParaRPr lang="en-US" sz="2800" b="1" dirty="0">
+              <a:latin typeface="Calibri" pitchFamily="34" charset="0"/>
+            </a:endParaRPr>
+          </a:p>
+        </p:txBody>
+      </p:sp>
+    </p:spTree>
+    <p:extLst>
+      <p:ext uri="{BB962C8B-B14F-4D97-AF65-F5344CB8AC3E}">
+        <p14:creationId xmlns:p14="http://schemas.microsoft.com/office/powerpoint/2010/main" val="792944214"/>
+      </p:ext>
+    </p:extLst>
+  </p:cSld>
+  <p:clrMapOvr>
+    <a:masterClrMapping/>
+  </p:clrMapOvr>
+  <p:timing>
+    <p:tnLst>
+      <p:par>
+        <p:cTn id="1" dur="indefinite" restart="never" nodeType="tmRoot">
+          <p:childTnLst>
+            <p:seq concurrent="1" nextAc="seek">
+              <p:cTn id="2" dur="indefinite" nodeType="mainSeq">
+                <p:childTnLst>
+                  <p:par>
+                    <p:cTn id="3" fill="hold">
+                      <p:stCondLst>
+                        <p:cond delay="indefinite"/>
+                      </p:stCondLst>
+                      <p:childTnLst>
+                        <p:par>
+                          <p:cTn id="4" fill="hold">
+                            <p:stCondLst>
+                              <p:cond delay="0"/>
+                            </p:stCondLst>
+                            <p:childTnLst>
+                              <p:par>
+                                <p:cTn id="5" presetID="42" presetClass="path" presetSubtype="0" accel="50000" decel="50000" fill="hold" grpId="0" nodeType="clickEffect">
+                                  <p:stCondLst>
+                                    <p:cond delay="0"/>
+                                  </p:stCondLst>
+                                  <p:childTnLst>
+                                    <p:animMotion origin="layout" path="M 5E-6 -3.33333E-6 L -0.26094 0.36574 " pathEditMode="relative" rAng="0" ptsTypes="AA">
+                                      <p:cBhvr>
+                                        <p:cTn id="6" dur="2000" fill="hold"/>
+                                        <p:tgtEl>
+                                          <p:spTgt spid="5"/>
+                                        </p:tgtEl>
+                                        <p:attrNameLst>
+                                          <p:attrName>ppt_x</p:attrName>
+                                          <p:attrName>ppt_y</p:attrName>
+                                        </p:attrNameLst>
+                                      </p:cBhvr>
+                                      <p:rCtr x="-13047" y="18287"/>
+                                    </p:animMotion>
+                                  </p:childTnLst>
+                                </p:cTn>
+                              </p:par>
+                            </p:childTnLst>
+                          </p:cTn>
+                        </p:par>
+                      </p:childTnLst>
+                    </p:cTn>
+                  </p:par>
+                </p:childTnLst>
+              </p:cTn>
+              <p:prevCondLst>
+                <p:cond evt="onPrev" delay="0">
+                  <p:tgtEl>
+                    <p:sldTgt/>
+                  </p:tgtEl>
+                </p:cond>
+              </p:prevCondLst>
+              <p:nextCondLst>
+                <p:cond evt="onNext" delay="0">
+                  <p:tgtEl>
+                    <p:sldTgt/>
+                  </p:tgtEl>
+                </p:cond>
+              </p:nextCondLst>
+            </p:seq>
+          </p:childTnLst>
+        </p:cTn>
+      </p:par>
+    </p:tnLst>
+    <p:bldLst>
+      <p:bldP spid="5" grpId="0" animBg="1"/>
+    </p:bldLst>
+  </p:timing>
+</p:sld>
+</file>
+
+<file path=ppt/slides/slide35.xml><?xml version="1.0" encoding="utf-8"?>
+<p:sld xmlns:a="http://schemas.openxmlformats.org/drawingml/2006/main" xmlns:r="http://schemas.openxmlformats.org/officeDocument/2006/relationships" xmlns:p="http://schemas.openxmlformats.org/presentationml/2006/main">
+  <p:cSld>
+    <p:spTree>
+      <p:nvGrpSpPr>
+        <p:cNvPr id="1" name=""/>
+        <p:cNvGrpSpPr/>
+        <p:nvPr/>
+      </p:nvGrpSpPr>
+      <p:grpSpPr>
+        <a:xfrm>
+          <a:off x="0" y="0"/>
+          <a:ext cx="0" cy="0"/>
+          <a:chOff x="0" y="0"/>
+          <a:chExt cx="0" cy="0"/>
+        </a:xfrm>
+      </p:grpSpPr>
+      <p:sp>
+        <p:nvSpPr>
+          <p:cNvPr id="27" name="Text Placeholder 25"/>
+          <p:cNvSpPr txBox="1">
+            <a:spLocks/>
+          </p:cNvSpPr>
+          <p:nvPr/>
+        </p:nvSpPr>
+        <p:spPr bwMode="invGray">
+          <a:xfrm>
+            <a:off x="1556293" y="1685952"/>
+            <a:ext cx="10321336" cy="821723"/>
+          </a:xfrm>
+          <a:prstGeom prst="rect">
+            <a:avLst/>
+          </a:prstGeom>
+        </p:spPr>
+        <p:txBody>
+          <a:bodyPr vert="horz" wrap="square" lIns="179285" tIns="143428" rIns="179285" bIns="143428" rtlCol="0" anchor="t">
+            <a:noAutofit/>
+          </a:bodyPr>
+          <a:lstStyle>
+            <a:lvl1pPr marL="0" indent="0" algn="l" defTabSz="914166" rtl="0" eaLnBrk="1" latinLnBrk="0" hangingPunct="1">
+              <a:spcBef>
+                <a:spcPct val="20000"/>
+              </a:spcBef>
+              <a:buFont typeface="Arial" pitchFamily="34" charset="0"/>
+              <a:buNone/>
+              <a:defRPr sz="6700" kern="1200" spc="-153">
+                <a:gradFill>
+                  <a:gsLst>
+                    <a:gs pos="0">
+                      <a:schemeClr val="tx1"/>
+                    </a:gs>
+                    <a:gs pos="100000">
+                      <a:schemeClr val="tx1"/>
+                    </a:gs>
+                  </a:gsLst>
+                  <a:lin ang="5400000" scaled="0"/>
+                </a:gradFill>
+                <a:latin typeface="+mj-lt"/>
+                <a:ea typeface="+mn-ea"/>
+                <a:cs typeface="+mn-cs"/>
+              </a:defRPr>
+            </a:lvl1pPr>
+            <a:lvl2pPr marL="0" indent="0" algn="l" defTabSz="914166" rtl="0" eaLnBrk="1" latinLnBrk="0" hangingPunct="1">
+              <a:spcBef>
+                <a:spcPct val="20000"/>
+              </a:spcBef>
+              <a:buFont typeface="Arial" pitchFamily="34" charset="0"/>
+              <a:buNone/>
+              <a:defRPr sz="2800" kern="1200">
+                <a:gradFill>
+                  <a:gsLst>
+                    <a:gs pos="0">
+                      <a:schemeClr val="tx1"/>
+                    </a:gs>
+                    <a:gs pos="100000">
+                      <a:schemeClr val="tx1"/>
+                    </a:gs>
+                  </a:gsLst>
+                  <a:lin ang="5400000" scaled="0"/>
+                </a:gradFill>
+                <a:latin typeface="+mn-lt"/>
+                <a:ea typeface="+mn-ea"/>
+                <a:cs typeface="+mn-cs"/>
+              </a:defRPr>
+            </a:lvl2pPr>
+            <a:lvl3pPr marL="457082" indent="-228541" algn="l" defTabSz="914166" rtl="0" eaLnBrk="1" latinLnBrk="0" hangingPunct="1">
+              <a:spcBef>
+                <a:spcPct val="20000"/>
+              </a:spcBef>
+              <a:buFont typeface="Arial" pitchFamily="34" charset="0"/>
+              <a:buChar char="•"/>
+              <a:defRPr sz="2400" kern="1200">
+                <a:gradFill>
+                  <a:gsLst>
+                    <a:gs pos="0">
+                      <a:schemeClr val="tx1"/>
+                    </a:gs>
+                    <a:gs pos="100000">
+                      <a:schemeClr val="tx1"/>
+                    </a:gs>
+                  </a:gsLst>
+                  <a:lin ang="5400000" scaled="0"/>
+                </a:gradFill>
+                <a:latin typeface="+mn-lt"/>
+                <a:ea typeface="+mn-ea"/>
+                <a:cs typeface="+mn-cs"/>
+              </a:defRPr>
+            </a:lvl3pPr>
+            <a:lvl4pPr marL="739586" indent="-282503" algn="l" defTabSz="914166" rtl="0" eaLnBrk="1" latinLnBrk="0" hangingPunct="1">
+              <a:spcBef>
+                <a:spcPct val="20000"/>
+              </a:spcBef>
+              <a:buFont typeface="Arial" pitchFamily="34" charset="0"/>
+              <a:buChar char="–"/>
+              <a:defRPr sz="2000" kern="1200">
+                <a:gradFill>
+                  <a:gsLst>
+                    <a:gs pos="0">
+                      <a:schemeClr val="tx1"/>
+                    </a:gs>
+                    <a:gs pos="100000">
+                      <a:schemeClr val="tx1"/>
+                    </a:gs>
+                  </a:gsLst>
+                  <a:lin ang="5400000" scaled="0"/>
+                </a:gradFill>
+                <a:latin typeface="+mn-lt"/>
+                <a:ea typeface="+mn-ea"/>
+                <a:cs typeface="+mn-cs"/>
+              </a:defRPr>
+            </a:lvl4pPr>
+            <a:lvl5pPr marL="1033199" indent="-293612" algn="l" defTabSz="914166" rtl="0" eaLnBrk="1" latinLnBrk="0" hangingPunct="1">
+              <a:spcBef>
+                <a:spcPct val="20000"/>
+              </a:spcBef>
+              <a:buFont typeface="Arial" pitchFamily="34" charset="0"/>
+              <a:buChar char="»"/>
+              <a:defRPr sz="1800" kern="1200">
+                <a:gradFill>
+                  <a:gsLst>
+                    <a:gs pos="0">
+                      <a:schemeClr val="tx1"/>
+                    </a:gs>
+                    <a:gs pos="100000">
+                      <a:schemeClr val="tx1"/>
+                    </a:gs>
+                  </a:gsLst>
+                  <a:lin ang="5400000" scaled="0"/>
+                </a:gradFill>
+                <a:latin typeface="+mn-lt"/>
+                <a:ea typeface="+mn-ea"/>
+                <a:cs typeface="+mn-cs"/>
+              </a:defRPr>
+            </a:lvl5pPr>
+            <a:lvl6pPr marL="2513956" indent="-228541" algn="l" defTabSz="914166" rtl="0" eaLnBrk="1" latinLnBrk="0" hangingPunct="1">
+              <a:spcBef>
+                <a:spcPct val="20000"/>
+              </a:spcBef>
+              <a:buFont typeface="Arial" pitchFamily="34" charset="0"/>
+              <a:buChar char="•"/>
+              <a:defRPr sz="2000" kern="1200">
+                <a:solidFill>
+                  <a:schemeClr val="tx1"/>
+                </a:solidFill>
+                <a:latin typeface="+mn-lt"/>
+                <a:ea typeface="+mn-ea"/>
+                <a:cs typeface="+mn-cs"/>
+              </a:defRPr>
+            </a:lvl6pPr>
+            <a:lvl7pPr marL="2971038" indent="-228541" algn="l" defTabSz="914166" rtl="0" eaLnBrk="1" latinLnBrk="0" hangingPunct="1">
+              <a:spcBef>
+                <a:spcPct val="20000"/>
+              </a:spcBef>
+              <a:buFont typeface="Arial" pitchFamily="34" charset="0"/>
+              <a:buChar char="•"/>
+              <a:defRPr sz="2000" kern="1200">
+                <a:solidFill>
+                  <a:schemeClr val="tx1"/>
+                </a:solidFill>
+                <a:latin typeface="+mn-lt"/>
+                <a:ea typeface="+mn-ea"/>
+                <a:cs typeface="+mn-cs"/>
+              </a:defRPr>
+            </a:lvl7pPr>
+            <a:lvl8pPr marL="3428122" indent="-228541" algn="l" defTabSz="914166" rtl="0" eaLnBrk="1" latinLnBrk="0" hangingPunct="1">
+              <a:spcBef>
+                <a:spcPct val="20000"/>
+              </a:spcBef>
+              <a:buFont typeface="Arial" pitchFamily="34" charset="0"/>
+              <a:buChar char="•"/>
+              <a:defRPr sz="2000" kern="1200">
+                <a:solidFill>
+                  <a:schemeClr val="tx1"/>
+                </a:solidFill>
+                <a:latin typeface="+mn-lt"/>
+                <a:ea typeface="+mn-ea"/>
+                <a:cs typeface="+mn-cs"/>
+              </a:defRPr>
+            </a:lvl8pPr>
+            <a:lvl9pPr marL="3885204" indent="-228541" algn="l" defTabSz="914166" rtl="0" eaLnBrk="1" latinLnBrk="0" hangingPunct="1">
+              <a:spcBef>
+                <a:spcPct val="20000"/>
+              </a:spcBef>
+              <a:buFont typeface="Arial" pitchFamily="34" charset="0"/>
+              <a:buChar char="•"/>
+              <a:defRPr sz="2000" kern="1200">
+                <a:solidFill>
+                  <a:schemeClr val="tx1"/>
+                </a:solidFill>
+                <a:latin typeface="+mn-lt"/>
+                <a:ea typeface="+mn-ea"/>
+                <a:cs typeface="+mn-cs"/>
+              </a:defRPr>
+            </a:lvl9pPr>
+          </a:lstStyle>
+          <a:p>
+            <a:pPr defTabSz="914367">
+              <a:lnSpc>
+                <a:spcPct val="60000"/>
+              </a:lnSpc>
+              <a:buClr>
+                <a:srgbClr val="FFFFFF"/>
+              </a:buClr>
+              <a:buSzPct val="90000"/>
+            </a:pPr>
+            <a:r>
+              <a:rPr lang="en-US" sz="7646" spc="0" dirty="0" smtClean="0">
+                <a:solidFill>
+                  <a:schemeClr val="tx1"/>
+                </a:solidFill>
+              </a:rPr>
+              <a:t>Gracias a </a:t>
+            </a:r>
+            <a:r>
+              <a:rPr lang="en-US" sz="7646" spc="0" dirty="0" err="1" smtClean="0">
+                <a:solidFill>
+                  <a:schemeClr val="tx1"/>
+                </a:solidFill>
+              </a:rPr>
+              <a:t>todos</a:t>
+            </a:r>
+            <a:r>
+              <a:rPr lang="en-US" sz="7646" spc="0" dirty="0" smtClean="0">
+                <a:solidFill>
+                  <a:schemeClr val="tx1"/>
+                </a:solidFill>
+              </a:rPr>
+              <a:t>!</a:t>
+            </a:r>
+            <a:endParaRPr lang="en-US" sz="7646" spc="0" dirty="0">
+              <a:solidFill>
+                <a:schemeClr val="tx1"/>
+              </a:solidFill>
+              <a:latin typeface="+mn-lt"/>
+            </a:endParaRPr>
+          </a:p>
+        </p:txBody>
+      </p:sp>
+      <p:sp>
+        <p:nvSpPr>
+          <p:cNvPr id="8" name="TextBox 7"/>
+          <p:cNvSpPr txBox="1"/>
+          <p:nvPr/>
+        </p:nvSpPr>
+        <p:spPr>
+          <a:xfrm>
+            <a:off x="4145965" y="-846623"/>
+            <a:ext cx="362072" cy="621556"/>
+          </a:xfrm>
+          <a:prstGeom prst="rect">
+            <a:avLst/>
+          </a:prstGeom>
+          <a:noFill/>
+        </p:spPr>
+        <p:txBody>
+          <a:bodyPr wrap="none" lIns="179285" tIns="143428" rIns="179285" bIns="143428" rtlCol="0">
+            <a:spAutoFit/>
+          </a:bodyPr>
+          <a:lstStyle/>
+          <a:p>
+            <a:pPr>
+              <a:lnSpc>
+                <a:spcPct val="90000"/>
+              </a:lnSpc>
+              <a:spcAft>
+                <a:spcPts val="588"/>
+              </a:spcAft>
+            </a:pPr>
+            <a:endParaRPr lang="en-US" sz="2353" dirty="0" err="1">
+              <a:gradFill>
+                <a:gsLst>
+                  <a:gs pos="2917">
+                    <a:schemeClr val="tx1"/>
+                  </a:gs>
+                  <a:gs pos="30000">
+                    <a:schemeClr val="tx1"/>
+                  </a:gs>
+                </a:gsLst>
+                <a:lin ang="5400000" scaled="0"/>
+              </a:gradFill>
+            </a:endParaRPr>
+          </a:p>
+        </p:txBody>
+      </p:sp>
+      <p:pic>
+        <p:nvPicPr>
+          <p:cNvPr id="4" name="Imagen 1"/>
+          <p:cNvPicPr>
+            <a:picLocks noChangeAspect="1"/>
+          </p:cNvPicPr>
+          <p:nvPr/>
+        </p:nvPicPr>
+        <p:blipFill>
+          <a:blip r:embed="rId3"/>
+          <a:stretch>
+            <a:fillRect/>
+          </a:stretch>
+        </p:blipFill>
+        <p:spPr>
+          <a:xfrm>
+            <a:off x="-1" y="2004717"/>
+            <a:ext cx="3243263" cy="4853284"/>
+          </a:xfrm>
+          <a:prstGeom prst="rect">
+            <a:avLst/>
+          </a:prstGeom>
+        </p:spPr>
+      </p:pic>
+    </p:spTree>
+    <p:extLst>
+      <p:ext uri="{BB962C8B-B14F-4D97-AF65-F5344CB8AC3E}">
+        <p14:creationId xmlns:p14="http://schemas.microsoft.com/office/powerpoint/2010/main" val="209359415"/>
+      </p:ext>
+    </p:extLst>
+  </p:cSld>
+  <p:clrMapOvr>
+    <a:masterClrMapping/>
+  </p:clrMapOvr>
+  <p:transition>
+    <p:fade/>
+  </p:transition>
+  <p:timing>
+    <p:tnLst>
+      <p:par>
+        <p:cTn id="1" dur="indefinite" restart="never" nodeType="tmRoot">
+          <p:childTnLst>
+            <p:seq concurrent="1" nextAc="seek">
+              <p:cTn id="2" dur="indefinite" nodeType="mainSeq">
+                <p:childTnLst>
+                  <p:par>
+                    <p:cTn id="3" fill="hold">
+                      <p:stCondLst>
+                        <p:cond delay="indefinite"/>
+                        <p:cond evt="onBegin" delay="0">
+                          <p:tn val="2"/>
+                        </p:cond>
+                      </p:stCondLst>
+                      <p:childTnLst>
+                        <p:par>
+                          <p:cTn id="4" fill="hold">
+                            <p:stCondLst>
+                              <p:cond delay="0"/>
+                            </p:stCondLst>
+                            <p:childTnLst>
+                              <p:par>
+                                <p:cTn id="5" presetID="10" presetClass="entr" presetSubtype="0" fill="hold" grpId="0" nodeType="afterEffect">
+                                  <p:stCondLst>
+                                    <p:cond delay="0"/>
+                                  </p:stCondLst>
+                                  <p:childTnLst>
+                                    <p:set>
+                                      <p:cBhvr>
+                                        <p:cTn id="6" dur="1" fill="hold">
+                                          <p:stCondLst>
+                                            <p:cond delay="0"/>
+                                          </p:stCondLst>
+                                        </p:cTn>
+                                        <p:tgtEl>
+                                          <p:spTgt spid="27"/>
+                                        </p:tgtEl>
+                                        <p:attrNameLst>
+                                          <p:attrName>style.visibility</p:attrName>
+                                        </p:attrNameLst>
+                                      </p:cBhvr>
+                                      <p:to>
+                                        <p:strVal val="visible"/>
+                                      </p:to>
+                                    </p:set>
+                                    <p:animEffect transition="in" filter="fade">
+                                      <p:cBhvr>
+                                        <p:cTn id="7" dur="500"/>
+                                        <p:tgtEl>
+                                          <p:spTgt spid="27"/>
+                                        </p:tgtEl>
+                                      </p:cBhvr>
+                                    </p:animEffect>
+                                  </p:childTnLst>
+                                </p:cTn>
+                              </p:par>
+                            </p:childTnLst>
+                          </p:cTn>
+                        </p:par>
+                        <p:par>
+                          <p:cTn id="8" fill="hold">
+                            <p:stCondLst>
+                              <p:cond delay="500"/>
+                            </p:stCondLst>
+                            <p:childTnLst>
+                              <p:par>
+                                <p:cTn id="9" presetID="22" presetClass="entr" presetSubtype="4" fill="hold" nodeType="afterEffect">
+                                  <p:stCondLst>
+                                    <p:cond delay="0"/>
+                                  </p:stCondLst>
+                                  <p:childTnLst>
+                                    <p:set>
+                                      <p:cBhvr>
+                                        <p:cTn id="10" dur="1" fill="hold">
+                                          <p:stCondLst>
+                                            <p:cond delay="0"/>
+                                          </p:stCondLst>
+                                        </p:cTn>
+                                        <p:tgtEl>
+                                          <p:spTgt spid="4"/>
+                                        </p:tgtEl>
+                                        <p:attrNameLst>
+                                          <p:attrName>style.visibility</p:attrName>
+                                        </p:attrNameLst>
+                                      </p:cBhvr>
+                                      <p:to>
+                                        <p:strVal val="visible"/>
+                                      </p:to>
+                                    </p:set>
+                                    <p:animEffect transition="in" filter="wipe(down)">
+                                      <p:cBhvr>
+                                        <p:cTn id="11" dur="500"/>
+                                        <p:tgtEl>
+                                          <p:spTgt spid="4"/>
+                                        </p:tgtEl>
+                                      </p:cBhvr>
+                                    </p:animEffect>
+                                  </p:childTnLst>
+                                </p:cTn>
+                              </p:par>
+                            </p:childTnLst>
+                          </p:cTn>
+                        </p:par>
+                      </p:childTnLst>
+                    </p:cTn>
+                  </p:par>
+                </p:childTnLst>
+              </p:cTn>
+              <p:prevCondLst>
+                <p:cond evt="onPrev" delay="0">
+                  <p:tgtEl>
+                    <p:sldTgt/>
+                  </p:tgtEl>
+                </p:cond>
+              </p:prevCondLst>
+              <p:nextCondLst>
+                <p:cond evt="onNext" delay="0">
+                  <p:tgtEl>
+                    <p:sldTgt/>
+                  </p:tgtEl>
+                </p:cond>
+              </p:nextCondLst>
+            </p:seq>
+          </p:childTnLst>
+        </p:cTn>
+      </p:par>
+    </p:tnLst>
+    <p:bldLst>
+      <p:bldP spid="27" grpId="0"/>
+    </p:bldLst>
+  </p:timing>
+</p:sld>
+</file>
+
 <file path=ppt/slides/slide4.xml><?xml version="1.0" encoding="utf-8"?>
 <p:sld xmlns:a="http://schemas.openxmlformats.org/drawingml/2006/main" xmlns:r="http://schemas.openxmlformats.org/officeDocument/2006/relationships" xmlns:p="http://schemas.openxmlformats.org/presentationml/2006/main">
   <p:cSld>
@@ -12482,10 +15095,6 @@
               <a:rPr lang="en-US" sz="4000" dirty="0" smtClean="0"/>
               <a:t> para el Apple Watch con Xamarin?</a:t>
             </a:r>
-            <a:r>
-              <a:rPr lang="en-US" sz="4000" dirty="0" smtClean="0"/>
-              <a:t/>
-            </a:r>
             <a:br>
               <a:rPr lang="en-US" sz="4000" dirty="0" smtClean="0"/>
             </a:br>
@@ -12726,6 +15335,265 @@
         </p:nvSpPr>
         <p:spPr>
           <a:xfrm>
+            <a:off x="2057400" y="3581401"/>
+            <a:ext cx="7772400" cy="1470025"/>
+          </a:xfrm>
+        </p:spPr>
+        <p:txBody>
+          <a:bodyPr rtlCol="0">
+            <a:noAutofit/>
+          </a:bodyPr>
+          <a:lstStyle/>
+          <a:p>
+            <a:pPr>
+              <a:defRPr/>
+            </a:pPr>
+            <a:r>
+              <a:rPr lang="en-US" sz="4000" dirty="0" smtClean="0"/>
+              <a:t>¿</a:t>
+            </a:r>
+            <a:r>
+              <a:rPr lang="es-ES" dirty="0"/>
+              <a:t>DataTemplateSelector fue introducido en…</a:t>
+            </a:r>
+            <a:r>
+              <a:rPr lang="en-US" sz="4000" dirty="0" smtClean="0"/>
+              <a:t>?</a:t>
+            </a:r>
+            <a:br>
+              <a:rPr lang="en-US" sz="4000" dirty="0" smtClean="0"/>
+            </a:br>
+            <a:r>
+              <a:rPr lang="en-US" sz="4000" dirty="0" smtClean="0"/>
+              <a:t>____________________</a:t>
+            </a:r>
+            <a:endParaRPr lang="en-US" sz="4000" dirty="0"/>
+          </a:p>
+        </p:txBody>
+      </p:sp>
+      <p:sp>
+        <p:nvSpPr>
+          <p:cNvPr id="4" name="TextBox 3"/>
+          <p:cNvSpPr txBox="1">
+            <a:spLocks noChangeArrowheads="1"/>
+          </p:cNvSpPr>
+          <p:nvPr/>
+        </p:nvSpPr>
+        <p:spPr bwMode="auto">
+          <a:xfrm>
+            <a:off x="2514600" y="2006601"/>
+            <a:ext cx="2667000" cy="646331"/>
+          </a:xfrm>
+          <a:prstGeom prst="rect">
+            <a:avLst/>
+          </a:prstGeom>
+          <a:noFill/>
+          <a:ln w="28575">
+            <a:solidFill>
+              <a:srgbClr val="FF0000"/>
+            </a:solidFill>
+            <a:miter lim="800000"/>
+            <a:headEnd/>
+            <a:tailEnd/>
+          </a:ln>
+        </p:spPr>
+        <p:txBody>
+          <a:bodyPr>
+            <a:spAutoFit/>
+          </a:bodyPr>
+          <a:lstStyle/>
+          <a:p>
+            <a:pPr algn="ctr"/>
+            <a:r>
+              <a:rPr lang="en-US" sz="3600" b="1" dirty="0">
+                <a:latin typeface="Calibri" pitchFamily="34" charset="0"/>
+              </a:rPr>
+              <a:t>A</a:t>
+            </a:r>
+            <a:r>
+              <a:rPr lang="en-US" sz="3600" b="1" dirty="0" smtClean="0">
+                <a:latin typeface="Calibri" pitchFamily="34" charset="0"/>
+              </a:rPr>
+              <a:t>. XF </a:t>
+            </a:r>
+            <a:r>
+              <a:rPr lang="en-US" sz="3200" b="1" dirty="0" smtClean="0">
+                <a:latin typeface="Calibri" pitchFamily="34" charset="0"/>
+              </a:rPr>
+              <a:t>2.0</a:t>
+            </a:r>
+            <a:endParaRPr lang="en-US" sz="3200" b="1" dirty="0">
+              <a:latin typeface="Calibri" pitchFamily="34" charset="0"/>
+            </a:endParaRPr>
+          </a:p>
+        </p:txBody>
+      </p:sp>
+      <p:sp>
+        <p:nvSpPr>
+          <p:cNvPr id="5" name="TextBox 4"/>
+          <p:cNvSpPr txBox="1">
+            <a:spLocks noChangeArrowheads="1"/>
+          </p:cNvSpPr>
+          <p:nvPr/>
+        </p:nvSpPr>
+        <p:spPr bwMode="auto">
+          <a:xfrm>
+            <a:off x="5791200" y="2006601"/>
+            <a:ext cx="2667000" cy="646331"/>
+          </a:xfrm>
+          <a:prstGeom prst="rect">
+            <a:avLst/>
+          </a:prstGeom>
+          <a:noFill/>
+          <a:ln w="28575">
+            <a:solidFill>
+              <a:srgbClr val="FF0000"/>
+            </a:solidFill>
+            <a:miter lim="800000"/>
+            <a:headEnd/>
+            <a:tailEnd/>
+          </a:ln>
+        </p:spPr>
+        <p:txBody>
+          <a:bodyPr>
+            <a:spAutoFit/>
+          </a:bodyPr>
+          <a:lstStyle/>
+          <a:p>
+            <a:pPr algn="ctr"/>
+            <a:r>
+              <a:rPr lang="en-US" sz="3600" b="1" dirty="0">
+                <a:latin typeface="Calibri" pitchFamily="34" charset="0"/>
+              </a:rPr>
+              <a:t>B</a:t>
+            </a:r>
+            <a:r>
+              <a:rPr lang="en-US" sz="3600" b="1" dirty="0" smtClean="0">
+                <a:latin typeface="Calibri" pitchFamily="34" charset="0"/>
+              </a:rPr>
+              <a:t>. XF 2.1</a:t>
+            </a:r>
+            <a:endParaRPr lang="en-US" sz="2800" b="1" dirty="0">
+              <a:latin typeface="Calibri" pitchFamily="34" charset="0"/>
+            </a:endParaRPr>
+          </a:p>
+        </p:txBody>
+      </p:sp>
+    </p:spTree>
+    <p:extLst>
+      <p:ext uri="{BB962C8B-B14F-4D97-AF65-F5344CB8AC3E}">
+        <p14:creationId xmlns:p14="http://schemas.microsoft.com/office/powerpoint/2010/main" val="853751606"/>
+      </p:ext>
+    </p:extLst>
+  </p:cSld>
+  <p:clrMapOvr>
+    <a:masterClrMapping/>
+  </p:clrMapOvr>
+  <p:timing>
+    <p:tnLst>
+      <p:par>
+        <p:cTn id="1" dur="indefinite" restart="never" nodeType="tmRoot">
+          <p:childTnLst>
+            <p:seq concurrent="1" nextAc="seek">
+              <p:cTn id="2" dur="indefinite" nodeType="mainSeq">
+                <p:childTnLst>
+                  <p:par>
+                    <p:cTn id="3" fill="hold">
+                      <p:stCondLst>
+                        <p:cond delay="indefinite"/>
+                      </p:stCondLst>
+                      <p:childTnLst>
+                        <p:par>
+                          <p:cTn id="4" fill="hold">
+                            <p:stCondLst>
+                              <p:cond delay="0"/>
+                            </p:stCondLst>
+                            <p:childTnLst>
+                              <p:par>
+                                <p:cTn id="5" presetID="42" presetClass="path" presetSubtype="0" accel="50000" decel="50000" fill="hold" grpId="0" nodeType="clickEffect">
+                                  <p:stCondLst>
+                                    <p:cond delay="0"/>
+                                  </p:stCondLst>
+                                  <p:childTnLst>
+                                    <p:animMotion origin="layout" path="M 5E-6 -3.33333E-6 L -0.29232 0.39699 " pathEditMode="relative" rAng="0" ptsTypes="AA">
+                                      <p:cBhvr>
+                                        <p:cTn id="6" dur="2000" fill="hold"/>
+                                        <p:tgtEl>
+                                          <p:spTgt spid="5"/>
+                                        </p:tgtEl>
+                                        <p:attrNameLst>
+                                          <p:attrName>ppt_x</p:attrName>
+                                          <p:attrName>ppt_y</p:attrName>
+                                        </p:attrNameLst>
+                                      </p:cBhvr>
+                                      <p:rCtr x="-14622" y="19838"/>
+                                    </p:animMotion>
+                                  </p:childTnLst>
+                                </p:cTn>
+                              </p:par>
+                            </p:childTnLst>
+                          </p:cTn>
+                        </p:par>
+                      </p:childTnLst>
+                    </p:cTn>
+                  </p:par>
+                </p:childTnLst>
+              </p:cTn>
+              <p:prevCondLst>
+                <p:cond evt="onPrev" delay="0">
+                  <p:tgtEl>
+                    <p:sldTgt/>
+                  </p:tgtEl>
+                </p:cond>
+              </p:prevCondLst>
+              <p:nextCondLst>
+                <p:cond evt="onNext" delay="0">
+                  <p:tgtEl>
+                    <p:sldTgt/>
+                  </p:tgtEl>
+                </p:cond>
+              </p:nextCondLst>
+            </p:seq>
+          </p:childTnLst>
+        </p:cTn>
+      </p:par>
+    </p:tnLst>
+    <p:bldLst>
+      <p:bldP spid="5" grpId="0" animBg="1"/>
+    </p:bldLst>
+  </p:timing>
+</p:sld>
+</file>
+
+<file path=ppt/slides/slide8.xml><?xml version="1.0" encoding="utf-8"?>
+<p:sld xmlns:a="http://schemas.openxmlformats.org/drawingml/2006/main" xmlns:r="http://schemas.openxmlformats.org/officeDocument/2006/relationships" xmlns:p="http://schemas.openxmlformats.org/presentationml/2006/main">
+  <p:cSld>
+    <p:spTree>
+      <p:nvGrpSpPr>
+        <p:cNvPr id="1" name=""/>
+        <p:cNvGrpSpPr/>
+        <p:nvPr/>
+      </p:nvGrpSpPr>
+      <p:grpSpPr>
+        <a:xfrm>
+          <a:off x="0" y="0"/>
+          <a:ext cx="0" cy="0"/>
+          <a:chOff x="0" y="0"/>
+          <a:chExt cx="0" cy="0"/>
+        </a:xfrm>
+      </p:grpSpPr>
+      <p:sp>
+        <p:nvSpPr>
+          <p:cNvPr id="2" name="Title 1"/>
+          <p:cNvSpPr>
+            <a:spLocks noGrp="1"/>
+          </p:cNvSpPr>
+          <p:nvPr>
+            <p:ph type="ctrTitle"/>
+          </p:nvPr>
+        </p:nvSpPr>
+        <p:spPr>
+          <a:xfrm>
             <a:off x="1962150" y="3467100"/>
             <a:ext cx="7772400" cy="1470025"/>
           </a:xfrm>
@@ -12758,10 +15626,6 @@
             <a:r>
               <a:rPr lang="en-US" sz="4000" dirty="0" smtClean="0"/>
               <a:t> para la Microsoft Band con Xamarin?</a:t>
-            </a:r>
-            <a:r>
-              <a:rPr lang="en-US" sz="4000" dirty="0" smtClean="0"/>
-              <a:t/>
             </a:r>
             <a:br>
               <a:rPr lang="en-US" sz="4000" dirty="0" smtClean="0"/>
@@ -12974,7 +15838,7 @@
 </p:sld>
 </file>
 
-<file path=ppt/slides/slide8.xml><?xml version="1.0" encoding="utf-8"?>
+<file path=ppt/slides/slide9.xml><?xml version="1.0" encoding="utf-8"?>
 <p:sld xmlns:a="http://schemas.openxmlformats.org/drawingml/2006/main" xmlns:r="http://schemas.openxmlformats.org/officeDocument/2006/relationships" xmlns:p="http://schemas.openxmlformats.org/presentationml/2006/main">
   <p:cSld>
     <p:spTree>
@@ -13199,271 +16063,6 @@
     <p:extLst>
       <p:ext uri="{BB962C8B-B14F-4D97-AF65-F5344CB8AC3E}">
         <p14:creationId xmlns:p14="http://schemas.microsoft.com/office/powerpoint/2010/main" val="2649550920"/>
-      </p:ext>
-    </p:extLst>
-  </p:cSld>
-  <p:clrMapOvr>
-    <a:masterClrMapping/>
-  </p:clrMapOvr>
-  <p:timing>
-    <p:tnLst>
-      <p:par>
-        <p:cTn id="1" dur="indefinite" restart="never" nodeType="tmRoot">
-          <p:childTnLst>
-            <p:seq concurrent="1" nextAc="seek">
-              <p:cTn id="2" dur="indefinite" nodeType="mainSeq">
-                <p:childTnLst>
-                  <p:par>
-                    <p:cTn id="3" fill="hold">
-                      <p:stCondLst>
-                        <p:cond delay="indefinite"/>
-                      </p:stCondLst>
-                      <p:childTnLst>
-                        <p:par>
-                          <p:cTn id="4" fill="hold">
-                            <p:stCondLst>
-                              <p:cond delay="0"/>
-                            </p:stCondLst>
-                            <p:childTnLst>
-                              <p:par>
-                                <p:cTn id="5" presetID="42" presetClass="path" presetSubtype="0" accel="50000" decel="50000" fill="hold" grpId="0" nodeType="clickEffect">
-                                  <p:stCondLst>
-                                    <p:cond delay="0"/>
-                                  </p:stCondLst>
-                                  <p:childTnLst>
-                                    <p:animMotion origin="layout" path="M 5E-6 -3.33333E-6 L -0.29232 0.39699 " pathEditMode="relative" rAng="0" ptsTypes="AA">
-                                      <p:cBhvr>
-                                        <p:cTn id="6" dur="2000" fill="hold"/>
-                                        <p:tgtEl>
-                                          <p:spTgt spid="5"/>
-                                        </p:tgtEl>
-                                        <p:attrNameLst>
-                                          <p:attrName>ppt_x</p:attrName>
-                                          <p:attrName>ppt_y</p:attrName>
-                                        </p:attrNameLst>
-                                      </p:cBhvr>
-                                      <p:rCtr x="-14622" y="19838"/>
-                                    </p:animMotion>
-                                  </p:childTnLst>
-                                </p:cTn>
-                              </p:par>
-                            </p:childTnLst>
-                          </p:cTn>
-                        </p:par>
-                      </p:childTnLst>
-                    </p:cTn>
-                  </p:par>
-                </p:childTnLst>
-              </p:cTn>
-              <p:prevCondLst>
-                <p:cond evt="onPrev" delay="0">
-                  <p:tgtEl>
-                    <p:sldTgt/>
-                  </p:tgtEl>
-                </p:cond>
-              </p:prevCondLst>
-              <p:nextCondLst>
-                <p:cond evt="onNext" delay="0">
-                  <p:tgtEl>
-                    <p:sldTgt/>
-                  </p:tgtEl>
-                </p:cond>
-              </p:nextCondLst>
-            </p:seq>
-          </p:childTnLst>
-        </p:cTn>
-      </p:par>
-    </p:tnLst>
-    <p:bldLst>
-      <p:bldP spid="5" grpId="0" animBg="1"/>
-    </p:bldLst>
-  </p:timing>
-</p:sld>
-</file>
-
-<file path=ppt/slides/slide9.xml><?xml version="1.0" encoding="utf-8"?>
-<p:sld xmlns:a="http://schemas.openxmlformats.org/drawingml/2006/main" xmlns:r="http://schemas.openxmlformats.org/officeDocument/2006/relationships" xmlns:p="http://schemas.openxmlformats.org/presentationml/2006/main">
-  <p:cSld>
-    <p:spTree>
-      <p:nvGrpSpPr>
-        <p:cNvPr id="1" name=""/>
-        <p:cNvGrpSpPr/>
-        <p:nvPr/>
-      </p:nvGrpSpPr>
-      <p:grpSpPr>
-        <a:xfrm>
-          <a:off x="0" y="0"/>
-          <a:ext cx="0" cy="0"/>
-          <a:chOff x="0" y="0"/>
-          <a:chExt cx="0" cy="0"/>
-        </a:xfrm>
-      </p:grpSpPr>
-      <p:sp>
-        <p:nvSpPr>
-          <p:cNvPr id="2" name="Title 1"/>
-          <p:cNvSpPr>
-            <a:spLocks noGrp="1"/>
-          </p:cNvSpPr>
-          <p:nvPr>
-            <p:ph type="ctrTitle"/>
-          </p:nvPr>
-        </p:nvSpPr>
-        <p:spPr>
-          <a:xfrm>
-            <a:off x="2057400" y="3581401"/>
-            <a:ext cx="7772400" cy="1470025"/>
-          </a:xfrm>
-        </p:spPr>
-        <p:txBody>
-          <a:bodyPr rtlCol="0">
-            <a:noAutofit/>
-          </a:bodyPr>
-          <a:lstStyle/>
-          <a:p>
-            <a:pPr>
-              <a:defRPr/>
-            </a:pPr>
-            <a:r>
-              <a:rPr lang="en-US" sz="4000" dirty="0" smtClean="0"/>
-              <a:t>¿Vistas </a:t>
-            </a:r>
-            <a:r>
-              <a:rPr lang="en-US" sz="4000" dirty="0" err="1" smtClean="0"/>
-              <a:t>nativas</a:t>
-            </a:r>
-            <a:r>
-              <a:rPr lang="en-US" sz="4000" dirty="0" smtClean="0"/>
-              <a:t>?</a:t>
-            </a:r>
-            <a:br>
-              <a:rPr lang="en-US" sz="4000" dirty="0" smtClean="0"/>
-            </a:br>
-            <a:r>
-              <a:rPr lang="en-US" sz="4000" dirty="0" smtClean="0"/>
-              <a:t>____________________</a:t>
-            </a:r>
-            <a:endParaRPr lang="en-US" sz="4000" dirty="0"/>
-          </a:p>
-        </p:txBody>
-      </p:sp>
-      <p:sp>
-        <p:nvSpPr>
-          <p:cNvPr id="4" name="TextBox 3"/>
-          <p:cNvSpPr txBox="1">
-            <a:spLocks noChangeArrowheads="1"/>
-          </p:cNvSpPr>
-          <p:nvPr/>
-        </p:nvSpPr>
-        <p:spPr bwMode="auto">
-          <a:xfrm>
-            <a:off x="2514600" y="2006601"/>
-            <a:ext cx="2667000" cy="646331"/>
-          </a:xfrm>
-          <a:prstGeom prst="rect">
-            <a:avLst/>
-          </a:prstGeom>
-          <a:noFill/>
-          <a:ln w="28575">
-            <a:solidFill>
-              <a:srgbClr val="FF0000"/>
-            </a:solidFill>
-            <a:miter lim="800000"/>
-            <a:headEnd/>
-            <a:tailEnd/>
-          </a:ln>
-        </p:spPr>
-        <p:txBody>
-          <a:bodyPr>
-            <a:spAutoFit/>
-          </a:bodyPr>
-          <a:lstStyle/>
-          <a:p>
-            <a:pPr algn="ctr"/>
-            <a:r>
-              <a:rPr lang="en-US" sz="3600" b="1" dirty="0">
-                <a:latin typeface="Calibri" pitchFamily="34" charset="0"/>
-              </a:rPr>
-              <a:t>A</a:t>
-            </a:r>
-            <a:r>
-              <a:rPr lang="en-US" sz="3600" b="1" dirty="0" smtClean="0">
-                <a:latin typeface="Calibri" pitchFamily="34" charset="0"/>
-              </a:rPr>
-              <a:t>. </a:t>
-            </a:r>
-            <a:r>
-              <a:rPr lang="en-US" sz="2400" b="1" dirty="0" err="1" smtClean="0">
-                <a:latin typeface="Calibri" pitchFamily="34" charset="0"/>
-              </a:rPr>
-              <a:t>Xamarin.Forms</a:t>
-            </a:r>
-            <a:endParaRPr lang="en-US" sz="2400" b="1" dirty="0">
-              <a:latin typeface="Calibri" pitchFamily="34" charset="0"/>
-            </a:endParaRPr>
-          </a:p>
-        </p:txBody>
-      </p:sp>
-      <p:sp>
-        <p:nvSpPr>
-          <p:cNvPr id="5" name="TextBox 4"/>
-          <p:cNvSpPr txBox="1">
-            <a:spLocks noChangeArrowheads="1"/>
-          </p:cNvSpPr>
-          <p:nvPr/>
-        </p:nvSpPr>
-        <p:spPr bwMode="auto">
-          <a:xfrm>
-            <a:off x="5791200" y="2006601"/>
-            <a:ext cx="2667000" cy="646331"/>
-          </a:xfrm>
-          <a:prstGeom prst="rect">
-            <a:avLst/>
-          </a:prstGeom>
-          <a:noFill/>
-          <a:ln w="28575">
-            <a:solidFill>
-              <a:srgbClr val="FF0000"/>
-            </a:solidFill>
-            <a:miter lim="800000"/>
-            <a:headEnd/>
-            <a:tailEnd/>
-          </a:ln>
-        </p:spPr>
-        <p:txBody>
-          <a:bodyPr>
-            <a:spAutoFit/>
-          </a:bodyPr>
-          <a:lstStyle/>
-          <a:p>
-            <a:pPr algn="ctr"/>
-            <a:r>
-              <a:rPr lang="en-US" sz="3600" b="1" dirty="0">
-                <a:latin typeface="Calibri" pitchFamily="34" charset="0"/>
-              </a:rPr>
-              <a:t>B</a:t>
-            </a:r>
-            <a:r>
-              <a:rPr lang="en-US" sz="3600" b="1" dirty="0" smtClean="0">
-                <a:latin typeface="Calibri" pitchFamily="34" charset="0"/>
-              </a:rPr>
-              <a:t>. </a:t>
-            </a:r>
-            <a:r>
-              <a:rPr lang="en-US" sz="2400" b="1" dirty="0" smtClean="0">
-                <a:latin typeface="Calibri" pitchFamily="34" charset="0"/>
-              </a:rPr>
-              <a:t>Xamarin Classic</a:t>
-            </a:r>
-            <a:endParaRPr lang="en-US" sz="2800" b="1" dirty="0">
-              <a:latin typeface="Calibri" pitchFamily="34" charset="0"/>
-            </a:endParaRPr>
-          </a:p>
-        </p:txBody>
-      </p:sp>
-    </p:spTree>
-    <p:extLst>
-      <p:ext uri="{BB962C8B-B14F-4D97-AF65-F5344CB8AC3E}">
-        <p14:creationId xmlns:p14="http://schemas.microsoft.com/office/powerpoint/2010/main" val="3744662631"/>
       </p:ext>
     </p:extLst>
   </p:cSld>
